--- a/Airline Sentiment Analysis Presentation.pptx
+++ b/Airline Sentiment Analysis Presentation.pptx
@@ -2,13 +2,13 @@
 <file path=ppt/presentation.xml><?xml version="1.0" encoding="utf-8"?>
 <p:presentation xmlns:a="http://schemas.openxmlformats.org/drawingml/2006/main" xmlns:r="http://schemas.openxmlformats.org/officeDocument/2006/relationships" xmlns:p="http://schemas.openxmlformats.org/presentationml/2006/main" saveSubsetFonts="1" autoCompressPictures="0">
   <p:sldMasterIdLst>
-    <p:sldMasterId id="2147483815" r:id="rId1"/>
+    <p:sldMasterId id="2147483921" r:id="rId1"/>
   </p:sldMasterIdLst>
   <p:notesMasterIdLst>
-    <p:notesMasterId r:id="rId13"/>
+    <p:notesMasterId r:id="rId17"/>
   </p:notesMasterIdLst>
   <p:handoutMasterIdLst>
-    <p:handoutMasterId r:id="rId14"/>
+    <p:handoutMasterId r:id="rId18"/>
   </p:handoutMasterIdLst>
   <p:sldIdLst>
     <p:sldId id="257" r:id="rId2"/>
@@ -18,10 +18,14 @@
     <p:sldId id="286" r:id="rId6"/>
     <p:sldId id="301" r:id="rId7"/>
     <p:sldId id="302" r:id="rId8"/>
-    <p:sldId id="289" r:id="rId9"/>
-    <p:sldId id="293" r:id="rId10"/>
-    <p:sldId id="298" r:id="rId11"/>
-    <p:sldId id="300" r:id="rId12"/>
+    <p:sldId id="303" r:id="rId9"/>
+    <p:sldId id="304" r:id="rId10"/>
+    <p:sldId id="305" r:id="rId11"/>
+    <p:sldId id="306" r:id="rId12"/>
+    <p:sldId id="307" r:id="rId13"/>
+    <p:sldId id="308" r:id="rId14"/>
+    <p:sldId id="309" r:id="rId15"/>
+    <p:sldId id="300" r:id="rId16"/>
   </p:sldIdLst>
   <p:sldSz cx="12192000" cy="6858000"/>
   <p:notesSz cx="6858000" cy="9144000"/>
@@ -1236,7 +1240,7 @@
           <a:p>
             <a:fld id="{23AD794A-17F4-48F7-A14F-39DCAE091952}" type="datetimeFigureOut">
               <a:rPr lang="en-US" smtClean="0"/>
-              <a:t>5/16/2023</a:t>
+              <a:t>5/17/2023</a:t>
             </a:fld>
             <a:endParaRPr lang="en-US" dirty="0"/>
           </a:p>
@@ -1413,7 +1417,7 @@
           <a:p>
             <a:fld id="{594C6A87-CC60-415C-BFEE-13D1CAD6861A}" type="datetimeFigureOut">
               <a:rPr lang="en-US" smtClean="0"/>
-              <a:t>5/16/2023</a:t>
+              <a:t>5/17/2023</a:t>
             </a:fld>
             <a:endParaRPr lang="en-US" dirty="0"/>
           </a:p>
@@ -1842,7 +1846,7 @@
           <a:p>
             <a:fld id="{48A87A34-81AB-432B-8DAE-1953F412C126}" type="datetimeFigureOut">
               <a:rPr lang="en-US" smtClean="0"/>
-              <a:t>5/16/2023</a:t>
+              <a:t>5/17/2023</a:t>
             </a:fld>
             <a:endParaRPr lang="en-US" dirty="0"/>
           </a:p>
@@ -1894,7 +1898,7 @@
     </p:spTree>
     <p:extLst>
       <p:ext uri="{BB962C8B-B14F-4D97-AF65-F5344CB8AC3E}">
-        <p14:creationId xmlns:p14="http://schemas.microsoft.com/office/powerpoint/2010/main" val="1345004131"/>
+        <p14:creationId xmlns:p14="http://schemas.microsoft.com/office/powerpoint/2010/main" val="3898276865"/>
       </p:ext>
     </p:extLst>
   </p:cSld>
@@ -2125,7 +2129,7 @@
           <a:p>
             <a:fld id="{48A87A34-81AB-432B-8DAE-1953F412C126}" type="datetimeFigureOut">
               <a:rPr lang="en-US" smtClean="0"/>
-              <a:t>5/16/2023</a:t>
+              <a:t>5/17/2023</a:t>
             </a:fld>
             <a:endParaRPr lang="en-US" dirty="0"/>
           </a:p>
@@ -2177,7 +2181,7 @@
     </p:spTree>
     <p:extLst>
       <p:ext uri="{BB962C8B-B14F-4D97-AF65-F5344CB8AC3E}">
-        <p14:creationId xmlns:p14="http://schemas.microsoft.com/office/powerpoint/2010/main" val="1472558214"/>
+        <p14:creationId xmlns:p14="http://schemas.microsoft.com/office/powerpoint/2010/main" val="4079661568"/>
       </p:ext>
     </p:extLst>
   </p:cSld>
@@ -2319,7 +2323,7 @@
           <a:p>
             <a:fld id="{48A87A34-81AB-432B-8DAE-1953F412C126}" type="datetimeFigureOut">
               <a:rPr lang="en-US" smtClean="0"/>
-              <a:t>5/16/2023</a:t>
+              <a:t>5/17/2023</a:t>
             </a:fld>
             <a:endParaRPr lang="en-US" dirty="0"/>
           </a:p>
@@ -2371,7 +2375,7 @@
     </p:spTree>
     <p:extLst>
       <p:ext uri="{BB962C8B-B14F-4D97-AF65-F5344CB8AC3E}">
-        <p14:creationId xmlns:p14="http://schemas.microsoft.com/office/powerpoint/2010/main" val="3571930400"/>
+        <p14:creationId xmlns:p14="http://schemas.microsoft.com/office/powerpoint/2010/main" val="2427241155"/>
       </p:ext>
     </p:extLst>
   </p:cSld>
@@ -2583,7 +2587,7 @@
             <a:fld id="{48A87A34-81AB-432B-8DAE-1953F412C126}" type="datetimeFigureOut">
               <a:rPr lang="en-US" smtClean="0"/>
               <a:pPr/>
-              <a:t>5/16/2023</a:t>
+              <a:t>5/17/2023</a:t>
             </a:fld>
             <a:endParaRPr lang="en-US" dirty="0"/>
           </a:p>
@@ -2867,7 +2871,7 @@
     </p:spTree>
     <p:extLst>
       <p:ext uri="{BB962C8B-B14F-4D97-AF65-F5344CB8AC3E}">
-        <p14:creationId xmlns:p14="http://schemas.microsoft.com/office/powerpoint/2010/main" val="2387476455"/>
+        <p14:creationId xmlns:p14="http://schemas.microsoft.com/office/powerpoint/2010/main" val="2908031047"/>
       </p:ext>
     </p:extLst>
   </p:cSld>
@@ -3012,7 +3016,7 @@
             <a:fld id="{48A87A34-81AB-432B-8DAE-1953F412C126}" type="datetimeFigureOut">
               <a:rPr lang="en-US" smtClean="0"/>
               <a:pPr/>
-              <a:t>5/16/2023</a:t>
+              <a:t>5/17/2023</a:t>
             </a:fld>
             <a:endParaRPr lang="en-US" dirty="0"/>
           </a:p>
@@ -3064,7 +3068,7 @@
     </p:spTree>
     <p:extLst>
       <p:ext uri="{BB962C8B-B14F-4D97-AF65-F5344CB8AC3E}">
-        <p14:creationId xmlns:p14="http://schemas.microsoft.com/office/powerpoint/2010/main" val="1434035712"/>
+        <p14:creationId xmlns:p14="http://schemas.microsoft.com/office/powerpoint/2010/main" val="3066705630"/>
       </p:ext>
     </p:extLst>
   </p:cSld>
@@ -3560,7 +3564,7 @@
           <a:p>
             <a:fld id="{48A87A34-81AB-432B-8DAE-1953F412C126}" type="datetimeFigureOut">
               <a:rPr lang="en-US" smtClean="0"/>
-              <a:t>5/16/2023</a:t>
+              <a:t>5/17/2023</a:t>
             </a:fld>
             <a:endParaRPr lang="en-US" dirty="0"/>
           </a:p>
@@ -3612,7 +3616,7 @@
     </p:spTree>
     <p:extLst>
       <p:ext uri="{BB962C8B-B14F-4D97-AF65-F5344CB8AC3E}">
-        <p14:creationId xmlns:p14="http://schemas.microsoft.com/office/powerpoint/2010/main" val="1220342019"/>
+        <p14:creationId xmlns:p14="http://schemas.microsoft.com/office/powerpoint/2010/main" val="3567038926"/>
       </p:ext>
     </p:extLst>
   </p:cSld>
@@ -4393,7 +4397,7 @@
           <a:p>
             <a:fld id="{48A87A34-81AB-432B-8DAE-1953F412C126}" type="datetimeFigureOut">
               <a:rPr lang="en-US" smtClean="0"/>
-              <a:t>5/16/2023</a:t>
+              <a:t>5/17/2023</a:t>
             </a:fld>
             <a:endParaRPr lang="en-US" dirty="0"/>
           </a:p>
@@ -4445,7 +4449,7 @@
     </p:spTree>
     <p:extLst>
       <p:ext uri="{BB962C8B-B14F-4D97-AF65-F5344CB8AC3E}">
-        <p14:creationId xmlns:p14="http://schemas.microsoft.com/office/powerpoint/2010/main" val="1089639435"/>
+        <p14:creationId xmlns:p14="http://schemas.microsoft.com/office/powerpoint/2010/main" val="2440112006"/>
       </p:ext>
     </p:extLst>
   </p:cSld>
@@ -4565,7 +4569,7 @@
           <a:p>
             <a:fld id="{48A87A34-81AB-432B-8DAE-1953F412C126}" type="datetimeFigureOut">
               <a:rPr lang="en-US" smtClean="0"/>
-              <a:t>5/16/2023</a:t>
+              <a:t>5/17/2023</a:t>
             </a:fld>
             <a:endParaRPr lang="en-US" dirty="0"/>
           </a:p>
@@ -4617,7 +4621,7 @@
     </p:spTree>
     <p:extLst>
       <p:ext uri="{BB962C8B-B14F-4D97-AF65-F5344CB8AC3E}">
-        <p14:creationId xmlns:p14="http://schemas.microsoft.com/office/powerpoint/2010/main" val="2552500991"/>
+        <p14:creationId xmlns:p14="http://schemas.microsoft.com/office/powerpoint/2010/main" val="2699094281"/>
       </p:ext>
     </p:extLst>
   </p:cSld>
@@ -4747,7 +4751,7 @@
           <a:p>
             <a:fld id="{48A87A34-81AB-432B-8DAE-1953F412C126}" type="datetimeFigureOut">
               <a:rPr lang="en-US" smtClean="0"/>
-              <a:t>5/16/2023</a:t>
+              <a:t>5/17/2023</a:t>
             </a:fld>
             <a:endParaRPr lang="en-US" dirty="0"/>
           </a:p>
@@ -4799,7 +4803,7 @@
     </p:spTree>
     <p:extLst>
       <p:ext uri="{BB962C8B-B14F-4D97-AF65-F5344CB8AC3E}">
-        <p14:creationId xmlns:p14="http://schemas.microsoft.com/office/powerpoint/2010/main" val="4255425560"/>
+        <p14:creationId xmlns:p14="http://schemas.microsoft.com/office/powerpoint/2010/main" val="3695454165"/>
       </p:ext>
     </p:extLst>
   </p:cSld>
@@ -4811,6 +4815,355 @@
 </file>
 
 <file path=ppt/slideLayouts/slideLayout18.xml><?xml version="1.0" encoding="utf-8"?>
+<p:sldLayout xmlns:a="http://schemas.openxmlformats.org/drawingml/2006/main" xmlns:r="http://schemas.openxmlformats.org/officeDocument/2006/relationships" xmlns:p="http://schemas.openxmlformats.org/presentationml/2006/main" userDrawn="1">
+  <p:cSld name="1_Title Slide">
+    <p:spTree>
+      <p:nvGrpSpPr>
+        <p:cNvPr id="1" name=""/>
+        <p:cNvGrpSpPr/>
+        <p:nvPr/>
+      </p:nvGrpSpPr>
+      <p:grpSpPr>
+        <a:xfrm>
+          <a:off x="0" y="0"/>
+          <a:ext cx="0" cy="0"/>
+          <a:chOff x="0" y="0"/>
+          <a:chExt cx="0" cy="0"/>
+        </a:xfrm>
+      </p:grpSpPr>
+      <p:sp>
+        <p:nvSpPr>
+          <p:cNvPr id="7" name="Rectangle 6">
+            <a:extLst>
+              <a:ext uri="{FF2B5EF4-FFF2-40B4-BE49-F238E27FC236}">
+                <a16:creationId xmlns:a16="http://schemas.microsoft.com/office/drawing/2014/main" id="{76607FB0-0FB2-41FD-B334-74C7B05B8CEE}"/>
+              </a:ext>
+            </a:extLst>
+          </p:cNvPr>
+          <p:cNvSpPr/>
+          <p:nvPr userDrawn="1"/>
+        </p:nvSpPr>
+        <p:spPr>
+          <a:xfrm>
+            <a:off x="0" y="0"/>
+            <a:ext cx="12192000" cy="6858000"/>
+          </a:xfrm>
+          <a:prstGeom prst="rect">
+            <a:avLst/>
+          </a:prstGeom>
+          <a:solidFill>
+            <a:schemeClr val="bg1"/>
+          </a:solidFill>
+          <a:ln>
+            <a:noFill/>
+          </a:ln>
+        </p:spPr>
+        <p:style>
+          <a:lnRef idx="2">
+            <a:schemeClr val="accent1">
+              <a:shade val="50000"/>
+            </a:schemeClr>
+          </a:lnRef>
+          <a:fillRef idx="1">
+            <a:schemeClr val="accent1"/>
+          </a:fillRef>
+          <a:effectRef idx="0">
+            <a:schemeClr val="accent1"/>
+          </a:effectRef>
+          <a:fontRef idx="minor">
+            <a:schemeClr val="lt1"/>
+          </a:fontRef>
+        </p:style>
+        <p:txBody>
+          <a:bodyPr rtlCol="0" anchor="ctr"/>
+          <a:lstStyle/>
+          <a:p>
+            <a:pPr algn="ctr"/>
+            <a:endParaRPr lang="en-US" dirty="0"/>
+          </a:p>
+        </p:txBody>
+      </p:sp>
+      <p:sp>
+        <p:nvSpPr>
+          <p:cNvPr id="8" name="Rectangle 7">
+            <a:extLst>
+              <a:ext uri="{FF2B5EF4-FFF2-40B4-BE49-F238E27FC236}">
+                <a16:creationId xmlns:a16="http://schemas.microsoft.com/office/drawing/2014/main" id="{21508BC1-7ABB-42C8-B268-3C6F4FD455DE}"/>
+              </a:ext>
+            </a:extLst>
+          </p:cNvPr>
+          <p:cNvSpPr/>
+          <p:nvPr userDrawn="1"/>
+        </p:nvSpPr>
+        <p:spPr>
+          <a:xfrm>
+            <a:off x="200025" y="-1"/>
+            <a:ext cx="11991975" cy="6858000"/>
+          </a:xfrm>
+          <a:prstGeom prst="rect">
+            <a:avLst/>
+          </a:prstGeom>
+          <a:solidFill>
+            <a:schemeClr val="accent1"/>
+          </a:solidFill>
+          <a:ln>
+            <a:noFill/>
+          </a:ln>
+        </p:spPr>
+        <p:style>
+          <a:lnRef idx="2">
+            <a:schemeClr val="accent1">
+              <a:shade val="50000"/>
+            </a:schemeClr>
+          </a:lnRef>
+          <a:fillRef idx="1">
+            <a:schemeClr val="accent1"/>
+          </a:fillRef>
+          <a:effectRef idx="0">
+            <a:schemeClr val="accent1"/>
+          </a:effectRef>
+          <a:fontRef idx="minor">
+            <a:schemeClr val="lt1"/>
+          </a:fontRef>
+        </p:style>
+        <p:txBody>
+          <a:bodyPr rtlCol="0" anchor="ctr"/>
+          <a:lstStyle/>
+          <a:p>
+            <a:pPr algn="ctr"/>
+            <a:endParaRPr lang="en-US" dirty="0"/>
+          </a:p>
+        </p:txBody>
+      </p:sp>
+      <p:sp>
+        <p:nvSpPr>
+          <p:cNvPr id="9" name="Picture Placeholder 8">
+            <a:extLst>
+              <a:ext uri="{FF2B5EF4-FFF2-40B4-BE49-F238E27FC236}">
+                <a16:creationId xmlns:a16="http://schemas.microsoft.com/office/drawing/2014/main" id="{2D02598E-521E-41CD-B068-134834CFF4FF}"/>
+              </a:ext>
+            </a:extLst>
+          </p:cNvPr>
+          <p:cNvSpPr>
+            <a:spLocks noGrp="1"/>
+          </p:cNvSpPr>
+          <p:nvPr>
+            <p:ph type="pic" sz="quarter" idx="10"/>
+          </p:nvPr>
+        </p:nvSpPr>
+        <p:spPr>
+          <a:xfrm>
+            <a:off x="571500" y="0"/>
+            <a:ext cx="6034088" cy="6857999"/>
+          </a:xfrm>
+          <a:solidFill>
+            <a:schemeClr val="bg1">
+              <a:lumMod val="95000"/>
+            </a:schemeClr>
+          </a:solidFill>
+        </p:spPr>
+        <p:txBody>
+          <a:bodyPr>
+            <a:normAutofit/>
+          </a:bodyPr>
+          <a:lstStyle>
+            <a:lvl1pPr marL="0" indent="0" algn="ctr">
+              <a:buNone/>
+              <a:defRPr sz="1800"/>
+            </a:lvl1pPr>
+          </a:lstStyle>
+          <a:p>
+            <a:r>
+              <a:rPr lang="en-US"/>
+              <a:t>Click icon to add picture</a:t>
+            </a:r>
+            <a:endParaRPr lang="en-US" dirty="0"/>
+          </a:p>
+        </p:txBody>
+      </p:sp>
+      <p:sp>
+        <p:nvSpPr>
+          <p:cNvPr id="10" name="Rectangle 9">
+            <a:extLst>
+              <a:ext uri="{FF2B5EF4-FFF2-40B4-BE49-F238E27FC236}">
+                <a16:creationId xmlns:a16="http://schemas.microsoft.com/office/drawing/2014/main" id="{F04A5F51-C7E6-44CC-ADF3-1C83AA35D0DC}"/>
+              </a:ext>
+            </a:extLst>
+          </p:cNvPr>
+          <p:cNvSpPr/>
+          <p:nvPr userDrawn="1"/>
+        </p:nvSpPr>
+        <p:spPr>
+          <a:xfrm>
+            <a:off x="0" y="1"/>
+            <a:ext cx="371475" cy="6858000"/>
+          </a:xfrm>
+          <a:prstGeom prst="rect">
+            <a:avLst/>
+          </a:prstGeom>
+          <a:solidFill>
+            <a:schemeClr val="accent3"/>
+          </a:solidFill>
+          <a:ln>
+            <a:noFill/>
+          </a:ln>
+        </p:spPr>
+        <p:style>
+          <a:lnRef idx="2">
+            <a:schemeClr val="accent1">
+              <a:shade val="50000"/>
+            </a:schemeClr>
+          </a:lnRef>
+          <a:fillRef idx="1">
+            <a:schemeClr val="accent1"/>
+          </a:fillRef>
+          <a:effectRef idx="0">
+            <a:schemeClr val="accent1"/>
+          </a:effectRef>
+          <a:fontRef idx="minor">
+            <a:schemeClr val="lt1"/>
+          </a:fontRef>
+        </p:style>
+        <p:txBody>
+          <a:bodyPr rtlCol="0" anchor="ctr"/>
+          <a:lstStyle/>
+          <a:p>
+            <a:pPr algn="ctr"/>
+            <a:endParaRPr lang="en-US" dirty="0"/>
+          </a:p>
+        </p:txBody>
+      </p:sp>
+      <p:sp>
+        <p:nvSpPr>
+          <p:cNvPr id="2" name="Title 1">
+            <a:extLst>
+              <a:ext uri="{FF2B5EF4-FFF2-40B4-BE49-F238E27FC236}">
+                <a16:creationId xmlns:a16="http://schemas.microsoft.com/office/drawing/2014/main" id="{4E8B51C6-9166-4F67-995A-396809E6533C}"/>
+              </a:ext>
+            </a:extLst>
+          </p:cNvPr>
+          <p:cNvSpPr>
+            <a:spLocks noGrp="1"/>
+          </p:cNvSpPr>
+          <p:nvPr>
+            <p:ph type="ctrTitle"/>
+          </p:nvPr>
+        </p:nvSpPr>
+        <p:spPr>
+          <a:xfrm>
+            <a:off x="6905625" y="1512889"/>
+            <a:ext cx="4986338" cy="3262311"/>
+          </a:xfrm>
+        </p:spPr>
+        <p:txBody>
+          <a:bodyPr anchor="b"/>
+          <a:lstStyle>
+            <a:lvl1pPr algn="l">
+              <a:defRPr sz="6000">
+                <a:solidFill>
+                  <a:schemeClr val="bg1"/>
+                </a:solidFill>
+              </a:defRPr>
+            </a:lvl1pPr>
+          </a:lstStyle>
+          <a:p>
+            <a:r>
+              <a:rPr lang="en-US"/>
+              <a:t>Click to edit Master title style</a:t>
+            </a:r>
+            <a:endParaRPr lang="en-US" dirty="0"/>
+          </a:p>
+        </p:txBody>
+      </p:sp>
+      <p:sp>
+        <p:nvSpPr>
+          <p:cNvPr id="3" name="Subtitle 2">
+            <a:extLst>
+              <a:ext uri="{FF2B5EF4-FFF2-40B4-BE49-F238E27FC236}">
+                <a16:creationId xmlns:a16="http://schemas.microsoft.com/office/drawing/2014/main" id="{A951C9A4-8764-4CB3-AC26-C957C0E84BCD}"/>
+              </a:ext>
+            </a:extLst>
+          </p:cNvPr>
+          <p:cNvSpPr>
+            <a:spLocks noGrp="1"/>
+          </p:cNvSpPr>
+          <p:nvPr>
+            <p:ph type="subTitle" idx="1"/>
+          </p:nvPr>
+        </p:nvSpPr>
+        <p:spPr>
+          <a:xfrm>
+            <a:off x="6905625" y="4927600"/>
+            <a:ext cx="4986338" cy="976311"/>
+          </a:xfrm>
+        </p:spPr>
+        <p:txBody>
+          <a:bodyPr/>
+          <a:lstStyle>
+            <a:lvl1pPr marL="0" indent="0" algn="l">
+              <a:buNone/>
+              <a:defRPr sz="2400">
+                <a:solidFill>
+                  <a:schemeClr val="bg1"/>
+                </a:solidFill>
+              </a:defRPr>
+            </a:lvl1pPr>
+            <a:lvl2pPr marL="457200" indent="0" algn="ctr">
+              <a:buNone/>
+              <a:defRPr sz="2000"/>
+            </a:lvl2pPr>
+            <a:lvl3pPr marL="914400" indent="0" algn="ctr">
+              <a:buNone/>
+              <a:defRPr sz="1800"/>
+            </a:lvl3pPr>
+            <a:lvl4pPr marL="1371600" indent="0" algn="ctr">
+              <a:buNone/>
+              <a:defRPr sz="1600"/>
+            </a:lvl4pPr>
+            <a:lvl5pPr marL="1828800" indent="0" algn="ctr">
+              <a:buNone/>
+              <a:defRPr sz="1600"/>
+            </a:lvl5pPr>
+            <a:lvl6pPr marL="2286000" indent="0" algn="ctr">
+              <a:buNone/>
+              <a:defRPr sz="1600"/>
+            </a:lvl6pPr>
+            <a:lvl7pPr marL="2743200" indent="0" algn="ctr">
+              <a:buNone/>
+              <a:defRPr sz="1600"/>
+            </a:lvl7pPr>
+            <a:lvl8pPr marL="3200400" indent="0" algn="ctr">
+              <a:buNone/>
+              <a:defRPr sz="1600"/>
+            </a:lvl8pPr>
+            <a:lvl9pPr marL="3657600" indent="0" algn="ctr">
+              <a:buNone/>
+              <a:defRPr sz="1600"/>
+            </a:lvl9pPr>
+          </a:lstStyle>
+          <a:p>
+            <a:r>
+              <a:rPr lang="en-US"/>
+              <a:t>Click to edit Master subtitle style</a:t>
+            </a:r>
+            <a:endParaRPr lang="en-US" dirty="0"/>
+          </a:p>
+        </p:txBody>
+      </p:sp>
+    </p:spTree>
+    <p:extLst>
+      <p:ext uri="{BB962C8B-B14F-4D97-AF65-F5344CB8AC3E}">
+        <p14:creationId xmlns:p14="http://schemas.microsoft.com/office/powerpoint/2010/main" val="275450501"/>
+      </p:ext>
+    </p:extLst>
+  </p:cSld>
+  <p:clrMapOvr>
+    <a:masterClrMapping/>
+  </p:clrMapOvr>
+</p:sldLayout>
+</file>
+
+<file path=ppt/slideLayouts/slideLayout19.xml><?xml version="1.0" encoding="utf-8"?>
 <p:sldLayout xmlns:a="http://schemas.openxmlformats.org/drawingml/2006/main" xmlns:r="http://schemas.openxmlformats.org/officeDocument/2006/relationships" xmlns:p="http://schemas.openxmlformats.org/presentationml/2006/main" userDrawn="1">
   <p:cSld name="5_Title and Content">
     <p:spTree>
@@ -5236,356 +5589,7 @@
     </p:spTree>
     <p:extLst>
       <p:ext uri="{BB962C8B-B14F-4D97-AF65-F5344CB8AC3E}">
-        <p14:creationId xmlns:p14="http://schemas.microsoft.com/office/powerpoint/2010/main" val="2423601126"/>
-      </p:ext>
-    </p:extLst>
-  </p:cSld>
-  <p:clrMapOvr>
-    <a:masterClrMapping/>
-  </p:clrMapOvr>
-</p:sldLayout>
-</file>
-
-<file path=ppt/slideLayouts/slideLayout19.xml><?xml version="1.0" encoding="utf-8"?>
-<p:sldLayout xmlns:a="http://schemas.openxmlformats.org/drawingml/2006/main" xmlns:r="http://schemas.openxmlformats.org/officeDocument/2006/relationships" xmlns:p="http://schemas.openxmlformats.org/presentationml/2006/main" userDrawn="1">
-  <p:cSld name="1_Title Slide">
-    <p:spTree>
-      <p:nvGrpSpPr>
-        <p:cNvPr id="1" name=""/>
-        <p:cNvGrpSpPr/>
-        <p:nvPr/>
-      </p:nvGrpSpPr>
-      <p:grpSpPr>
-        <a:xfrm>
-          <a:off x="0" y="0"/>
-          <a:ext cx="0" cy="0"/>
-          <a:chOff x="0" y="0"/>
-          <a:chExt cx="0" cy="0"/>
-        </a:xfrm>
-      </p:grpSpPr>
-      <p:sp>
-        <p:nvSpPr>
-          <p:cNvPr id="7" name="Rectangle 6">
-            <a:extLst>
-              <a:ext uri="{FF2B5EF4-FFF2-40B4-BE49-F238E27FC236}">
-                <a16:creationId xmlns:a16="http://schemas.microsoft.com/office/drawing/2014/main" id="{76607FB0-0FB2-41FD-B334-74C7B05B8CEE}"/>
-              </a:ext>
-            </a:extLst>
-          </p:cNvPr>
-          <p:cNvSpPr/>
-          <p:nvPr userDrawn="1"/>
-        </p:nvSpPr>
-        <p:spPr>
-          <a:xfrm>
-            <a:off x="0" y="0"/>
-            <a:ext cx="12192000" cy="6858000"/>
-          </a:xfrm>
-          <a:prstGeom prst="rect">
-            <a:avLst/>
-          </a:prstGeom>
-          <a:solidFill>
-            <a:schemeClr val="bg1"/>
-          </a:solidFill>
-          <a:ln>
-            <a:noFill/>
-          </a:ln>
-        </p:spPr>
-        <p:style>
-          <a:lnRef idx="2">
-            <a:schemeClr val="accent1">
-              <a:shade val="50000"/>
-            </a:schemeClr>
-          </a:lnRef>
-          <a:fillRef idx="1">
-            <a:schemeClr val="accent1"/>
-          </a:fillRef>
-          <a:effectRef idx="0">
-            <a:schemeClr val="accent1"/>
-          </a:effectRef>
-          <a:fontRef idx="minor">
-            <a:schemeClr val="lt1"/>
-          </a:fontRef>
-        </p:style>
-        <p:txBody>
-          <a:bodyPr rtlCol="0" anchor="ctr"/>
-          <a:lstStyle/>
-          <a:p>
-            <a:pPr algn="ctr"/>
-            <a:endParaRPr lang="en-US" dirty="0"/>
-          </a:p>
-        </p:txBody>
-      </p:sp>
-      <p:sp>
-        <p:nvSpPr>
-          <p:cNvPr id="8" name="Rectangle 7">
-            <a:extLst>
-              <a:ext uri="{FF2B5EF4-FFF2-40B4-BE49-F238E27FC236}">
-                <a16:creationId xmlns:a16="http://schemas.microsoft.com/office/drawing/2014/main" id="{21508BC1-7ABB-42C8-B268-3C6F4FD455DE}"/>
-              </a:ext>
-            </a:extLst>
-          </p:cNvPr>
-          <p:cNvSpPr/>
-          <p:nvPr userDrawn="1"/>
-        </p:nvSpPr>
-        <p:spPr>
-          <a:xfrm>
-            <a:off x="200025" y="-1"/>
-            <a:ext cx="11991975" cy="6858000"/>
-          </a:xfrm>
-          <a:prstGeom prst="rect">
-            <a:avLst/>
-          </a:prstGeom>
-          <a:solidFill>
-            <a:schemeClr val="accent1"/>
-          </a:solidFill>
-          <a:ln>
-            <a:noFill/>
-          </a:ln>
-        </p:spPr>
-        <p:style>
-          <a:lnRef idx="2">
-            <a:schemeClr val="accent1">
-              <a:shade val="50000"/>
-            </a:schemeClr>
-          </a:lnRef>
-          <a:fillRef idx="1">
-            <a:schemeClr val="accent1"/>
-          </a:fillRef>
-          <a:effectRef idx="0">
-            <a:schemeClr val="accent1"/>
-          </a:effectRef>
-          <a:fontRef idx="minor">
-            <a:schemeClr val="lt1"/>
-          </a:fontRef>
-        </p:style>
-        <p:txBody>
-          <a:bodyPr rtlCol="0" anchor="ctr"/>
-          <a:lstStyle/>
-          <a:p>
-            <a:pPr algn="ctr"/>
-            <a:endParaRPr lang="en-US" dirty="0"/>
-          </a:p>
-        </p:txBody>
-      </p:sp>
-      <p:sp>
-        <p:nvSpPr>
-          <p:cNvPr id="9" name="Picture Placeholder 8">
-            <a:extLst>
-              <a:ext uri="{FF2B5EF4-FFF2-40B4-BE49-F238E27FC236}">
-                <a16:creationId xmlns:a16="http://schemas.microsoft.com/office/drawing/2014/main" id="{2D02598E-521E-41CD-B068-134834CFF4FF}"/>
-              </a:ext>
-            </a:extLst>
-          </p:cNvPr>
-          <p:cNvSpPr>
-            <a:spLocks noGrp="1"/>
-          </p:cNvSpPr>
-          <p:nvPr>
-            <p:ph type="pic" sz="quarter" idx="10"/>
-          </p:nvPr>
-        </p:nvSpPr>
-        <p:spPr>
-          <a:xfrm>
-            <a:off x="571500" y="0"/>
-            <a:ext cx="6034088" cy="6857999"/>
-          </a:xfrm>
-          <a:solidFill>
-            <a:schemeClr val="bg1">
-              <a:lumMod val="95000"/>
-            </a:schemeClr>
-          </a:solidFill>
-        </p:spPr>
-        <p:txBody>
-          <a:bodyPr>
-            <a:normAutofit/>
-          </a:bodyPr>
-          <a:lstStyle>
-            <a:lvl1pPr marL="0" indent="0" algn="ctr">
-              <a:buNone/>
-              <a:defRPr sz="1800"/>
-            </a:lvl1pPr>
-          </a:lstStyle>
-          <a:p>
-            <a:r>
-              <a:rPr lang="en-US"/>
-              <a:t>Click icon to add picture</a:t>
-            </a:r>
-            <a:endParaRPr lang="en-US" dirty="0"/>
-          </a:p>
-        </p:txBody>
-      </p:sp>
-      <p:sp>
-        <p:nvSpPr>
-          <p:cNvPr id="10" name="Rectangle 9">
-            <a:extLst>
-              <a:ext uri="{FF2B5EF4-FFF2-40B4-BE49-F238E27FC236}">
-                <a16:creationId xmlns:a16="http://schemas.microsoft.com/office/drawing/2014/main" id="{F04A5F51-C7E6-44CC-ADF3-1C83AA35D0DC}"/>
-              </a:ext>
-            </a:extLst>
-          </p:cNvPr>
-          <p:cNvSpPr/>
-          <p:nvPr userDrawn="1"/>
-        </p:nvSpPr>
-        <p:spPr>
-          <a:xfrm>
-            <a:off x="0" y="1"/>
-            <a:ext cx="371475" cy="6858000"/>
-          </a:xfrm>
-          <a:prstGeom prst="rect">
-            <a:avLst/>
-          </a:prstGeom>
-          <a:solidFill>
-            <a:schemeClr val="accent3"/>
-          </a:solidFill>
-          <a:ln>
-            <a:noFill/>
-          </a:ln>
-        </p:spPr>
-        <p:style>
-          <a:lnRef idx="2">
-            <a:schemeClr val="accent1">
-              <a:shade val="50000"/>
-            </a:schemeClr>
-          </a:lnRef>
-          <a:fillRef idx="1">
-            <a:schemeClr val="accent1"/>
-          </a:fillRef>
-          <a:effectRef idx="0">
-            <a:schemeClr val="accent1"/>
-          </a:effectRef>
-          <a:fontRef idx="minor">
-            <a:schemeClr val="lt1"/>
-          </a:fontRef>
-        </p:style>
-        <p:txBody>
-          <a:bodyPr rtlCol="0" anchor="ctr"/>
-          <a:lstStyle/>
-          <a:p>
-            <a:pPr algn="ctr"/>
-            <a:endParaRPr lang="en-US" dirty="0"/>
-          </a:p>
-        </p:txBody>
-      </p:sp>
-      <p:sp>
-        <p:nvSpPr>
-          <p:cNvPr id="2" name="Title 1">
-            <a:extLst>
-              <a:ext uri="{FF2B5EF4-FFF2-40B4-BE49-F238E27FC236}">
-                <a16:creationId xmlns:a16="http://schemas.microsoft.com/office/drawing/2014/main" id="{4E8B51C6-9166-4F67-995A-396809E6533C}"/>
-              </a:ext>
-            </a:extLst>
-          </p:cNvPr>
-          <p:cNvSpPr>
-            <a:spLocks noGrp="1"/>
-          </p:cNvSpPr>
-          <p:nvPr>
-            <p:ph type="ctrTitle"/>
-          </p:nvPr>
-        </p:nvSpPr>
-        <p:spPr>
-          <a:xfrm>
-            <a:off x="6905625" y="1512889"/>
-            <a:ext cx="4986338" cy="3262311"/>
-          </a:xfrm>
-        </p:spPr>
-        <p:txBody>
-          <a:bodyPr anchor="b"/>
-          <a:lstStyle>
-            <a:lvl1pPr algn="l">
-              <a:defRPr sz="6000">
-                <a:solidFill>
-                  <a:schemeClr val="bg1"/>
-                </a:solidFill>
-              </a:defRPr>
-            </a:lvl1pPr>
-          </a:lstStyle>
-          <a:p>
-            <a:r>
-              <a:rPr lang="en-US"/>
-              <a:t>Click to edit Master title style</a:t>
-            </a:r>
-            <a:endParaRPr lang="en-US" dirty="0"/>
-          </a:p>
-        </p:txBody>
-      </p:sp>
-      <p:sp>
-        <p:nvSpPr>
-          <p:cNvPr id="3" name="Subtitle 2">
-            <a:extLst>
-              <a:ext uri="{FF2B5EF4-FFF2-40B4-BE49-F238E27FC236}">
-                <a16:creationId xmlns:a16="http://schemas.microsoft.com/office/drawing/2014/main" id="{A951C9A4-8764-4CB3-AC26-C957C0E84BCD}"/>
-              </a:ext>
-            </a:extLst>
-          </p:cNvPr>
-          <p:cNvSpPr>
-            <a:spLocks noGrp="1"/>
-          </p:cNvSpPr>
-          <p:nvPr>
-            <p:ph type="subTitle" idx="1"/>
-          </p:nvPr>
-        </p:nvSpPr>
-        <p:spPr>
-          <a:xfrm>
-            <a:off x="6905625" y="4927600"/>
-            <a:ext cx="4986338" cy="976311"/>
-          </a:xfrm>
-        </p:spPr>
-        <p:txBody>
-          <a:bodyPr/>
-          <a:lstStyle>
-            <a:lvl1pPr marL="0" indent="0" algn="l">
-              <a:buNone/>
-              <a:defRPr sz="2400">
-                <a:solidFill>
-                  <a:schemeClr val="bg1"/>
-                </a:solidFill>
-              </a:defRPr>
-            </a:lvl1pPr>
-            <a:lvl2pPr marL="457200" indent="0" algn="ctr">
-              <a:buNone/>
-              <a:defRPr sz="2000"/>
-            </a:lvl2pPr>
-            <a:lvl3pPr marL="914400" indent="0" algn="ctr">
-              <a:buNone/>
-              <a:defRPr sz="1800"/>
-            </a:lvl3pPr>
-            <a:lvl4pPr marL="1371600" indent="0" algn="ctr">
-              <a:buNone/>
-              <a:defRPr sz="1600"/>
-            </a:lvl4pPr>
-            <a:lvl5pPr marL="1828800" indent="0" algn="ctr">
-              <a:buNone/>
-              <a:defRPr sz="1600"/>
-            </a:lvl5pPr>
-            <a:lvl6pPr marL="2286000" indent="0" algn="ctr">
-              <a:buNone/>
-              <a:defRPr sz="1600"/>
-            </a:lvl6pPr>
-            <a:lvl7pPr marL="2743200" indent="0" algn="ctr">
-              <a:buNone/>
-              <a:defRPr sz="1600"/>
-            </a:lvl7pPr>
-            <a:lvl8pPr marL="3200400" indent="0" algn="ctr">
-              <a:buNone/>
-              <a:defRPr sz="1600"/>
-            </a:lvl8pPr>
-            <a:lvl9pPr marL="3657600" indent="0" algn="ctr">
-              <a:buNone/>
-              <a:defRPr sz="1600"/>
-            </a:lvl9pPr>
-          </a:lstStyle>
-          <a:p>
-            <a:r>
-              <a:rPr lang="en-US"/>
-              <a:t>Click to edit Master subtitle style</a:t>
-            </a:r>
-            <a:endParaRPr lang="en-US" dirty="0"/>
-          </a:p>
-        </p:txBody>
-      </p:sp>
-    </p:spTree>
-    <p:extLst>
-      <p:ext uri="{BB962C8B-B14F-4D97-AF65-F5344CB8AC3E}">
-        <p14:creationId xmlns:p14="http://schemas.microsoft.com/office/powerpoint/2010/main" val="2462721539"/>
+        <p14:creationId xmlns:p14="http://schemas.microsoft.com/office/powerpoint/2010/main" val="2946664592"/>
       </p:ext>
     </p:extLst>
   </p:cSld>
@@ -5704,7 +5708,7 @@
           <a:p>
             <a:fld id="{48A87A34-81AB-432B-8DAE-1953F412C126}" type="datetimeFigureOut">
               <a:rPr lang="en-US" smtClean="0"/>
-              <a:t>5/16/2023</a:t>
+              <a:t>5/17/2023</a:t>
             </a:fld>
             <a:endParaRPr lang="en-US" dirty="0"/>
           </a:p>
@@ -5755,7 +5759,7 @@
     </p:spTree>
     <p:extLst>
       <p:ext uri="{BB962C8B-B14F-4D97-AF65-F5344CB8AC3E}">
-        <p14:creationId xmlns:p14="http://schemas.microsoft.com/office/powerpoint/2010/main" val="1653467007"/>
+        <p14:creationId xmlns:p14="http://schemas.microsoft.com/office/powerpoint/2010/main" val="2696282285"/>
       </p:ext>
     </p:extLst>
   </p:cSld>
@@ -6056,7 +6060,7 @@
     </p:spTree>
     <p:extLst>
       <p:ext uri="{BB962C8B-B14F-4D97-AF65-F5344CB8AC3E}">
-        <p14:creationId xmlns:p14="http://schemas.microsoft.com/office/powerpoint/2010/main" val="645910271"/>
+        <p14:creationId xmlns:p14="http://schemas.microsoft.com/office/powerpoint/2010/main" val="814812232"/>
       </p:ext>
     </p:extLst>
   </p:cSld>
@@ -6497,7 +6501,7 @@
     </p:spTree>
     <p:extLst>
       <p:ext uri="{BB962C8B-B14F-4D97-AF65-F5344CB8AC3E}">
-        <p14:creationId xmlns:p14="http://schemas.microsoft.com/office/powerpoint/2010/main" val="4030295285"/>
+        <p14:creationId xmlns:p14="http://schemas.microsoft.com/office/powerpoint/2010/main" val="1417906598"/>
       </p:ext>
     </p:extLst>
   </p:cSld>
@@ -7102,7 +7106,7 @@
     </p:spTree>
     <p:extLst>
       <p:ext uri="{BB962C8B-B14F-4D97-AF65-F5344CB8AC3E}">
-        <p14:creationId xmlns:p14="http://schemas.microsoft.com/office/powerpoint/2010/main" val="3706356984"/>
+        <p14:creationId xmlns:p14="http://schemas.microsoft.com/office/powerpoint/2010/main" val="2120879807"/>
       </p:ext>
     </p:extLst>
   </p:cSld>
@@ -7113,2502 +7117,6 @@
 </file>
 
 <file path=ppt/slideLayouts/slideLayout23.xml><?xml version="1.0" encoding="utf-8"?>
-<p:sldLayout xmlns:a="http://schemas.openxmlformats.org/drawingml/2006/main" xmlns:r="http://schemas.openxmlformats.org/officeDocument/2006/relationships" xmlns:p="http://schemas.openxmlformats.org/presentationml/2006/main" userDrawn="1">
-  <p:cSld name="1_Title Only">
-    <p:spTree>
-      <p:nvGrpSpPr>
-        <p:cNvPr id="1" name=""/>
-        <p:cNvGrpSpPr/>
-        <p:nvPr/>
-      </p:nvGrpSpPr>
-      <p:grpSpPr>
-        <a:xfrm>
-          <a:off x="0" y="0"/>
-          <a:ext cx="0" cy="0"/>
-          <a:chOff x="0" y="0"/>
-          <a:chExt cx="0" cy="0"/>
-        </a:xfrm>
-      </p:grpSpPr>
-      <p:sp>
-        <p:nvSpPr>
-          <p:cNvPr id="11" name="Rectangle 10">
-            <a:extLst>
-              <a:ext uri="{FF2B5EF4-FFF2-40B4-BE49-F238E27FC236}">
-                <a16:creationId xmlns:a16="http://schemas.microsoft.com/office/drawing/2014/main" id="{0565E0AE-C9AC-4E26-B4A4-DDEE620D8979}"/>
-              </a:ext>
-            </a:extLst>
-          </p:cNvPr>
-          <p:cNvSpPr/>
-          <p:nvPr userDrawn="1"/>
-        </p:nvSpPr>
-        <p:spPr>
-          <a:xfrm>
-            <a:off x="0" y="0"/>
-            <a:ext cx="12192000" cy="6858000"/>
-          </a:xfrm>
-          <a:prstGeom prst="rect">
-            <a:avLst/>
-          </a:prstGeom>
-          <a:solidFill>
-            <a:schemeClr val="bg1"/>
-          </a:solidFill>
-          <a:ln>
-            <a:noFill/>
-          </a:ln>
-        </p:spPr>
-        <p:style>
-          <a:lnRef idx="2">
-            <a:schemeClr val="accent1">
-              <a:shade val="50000"/>
-            </a:schemeClr>
-          </a:lnRef>
-          <a:fillRef idx="1">
-            <a:schemeClr val="accent1"/>
-          </a:fillRef>
-          <a:effectRef idx="0">
-            <a:schemeClr val="accent1"/>
-          </a:effectRef>
-          <a:fontRef idx="minor">
-            <a:schemeClr val="lt1"/>
-          </a:fontRef>
-        </p:style>
-        <p:txBody>
-          <a:bodyPr rtlCol="0" anchor="ctr"/>
-          <a:lstStyle/>
-          <a:p>
-            <a:pPr algn="ctr"/>
-            <a:endParaRPr lang="en-US" dirty="0"/>
-          </a:p>
-        </p:txBody>
-      </p:sp>
-      <p:sp>
-        <p:nvSpPr>
-          <p:cNvPr id="9" name="Text Placeholder 8">
-            <a:extLst>
-              <a:ext uri="{FF2B5EF4-FFF2-40B4-BE49-F238E27FC236}">
-                <a16:creationId xmlns:a16="http://schemas.microsoft.com/office/drawing/2014/main" id="{B15B70BB-4776-4914-92C9-092579FD6EBE}"/>
-              </a:ext>
-            </a:extLst>
-          </p:cNvPr>
-          <p:cNvSpPr>
-            <a:spLocks noGrp="1"/>
-          </p:cNvSpPr>
-          <p:nvPr>
-            <p:ph type="body" sz="quarter" idx="15" hasCustomPrompt="1"/>
-          </p:nvPr>
-        </p:nvSpPr>
-        <p:spPr>
-          <a:xfrm>
-            <a:off x="647699" y="4517395"/>
-            <a:ext cx="5372096" cy="711200"/>
-          </a:xfrm>
-        </p:spPr>
-        <p:txBody>
-          <a:bodyPr anchor="ctr">
-            <a:noAutofit/>
-          </a:bodyPr>
-          <a:lstStyle>
-            <a:lvl1pPr marL="0" indent="0" algn="ctr">
-              <a:buNone/>
-              <a:defRPr sz="2400" b="1">
-                <a:solidFill>
-                  <a:schemeClr val="tx1"/>
-                </a:solidFill>
-                <a:latin typeface="+mj-lt"/>
-              </a:defRPr>
-            </a:lvl1pPr>
-            <a:lvl2pPr marL="457200" indent="0">
-              <a:buNone/>
-              <a:defRPr sz="2000"/>
-            </a:lvl2pPr>
-            <a:lvl3pPr marL="914400" indent="0">
-              <a:buNone/>
-              <a:defRPr sz="1800"/>
-            </a:lvl3pPr>
-            <a:lvl4pPr marL="1371600" indent="0">
-              <a:buNone/>
-              <a:defRPr sz="1600"/>
-            </a:lvl4pPr>
-            <a:lvl5pPr marL="1828800" indent="0">
-              <a:buNone/>
-              <a:defRPr sz="1600"/>
-            </a:lvl5pPr>
-          </a:lstStyle>
-          <a:p>
-            <a:pPr lvl="0"/>
-            <a:r>
-              <a:rPr lang="en-US" dirty="0"/>
-              <a:t>Add your text here</a:t>
-            </a:r>
-          </a:p>
-        </p:txBody>
-      </p:sp>
-      <p:sp>
-        <p:nvSpPr>
-          <p:cNvPr id="10" name="Text Placeholder 8">
-            <a:extLst>
-              <a:ext uri="{FF2B5EF4-FFF2-40B4-BE49-F238E27FC236}">
-                <a16:creationId xmlns:a16="http://schemas.microsoft.com/office/drawing/2014/main" id="{58899736-796A-4B23-9534-D8784DD9A238}"/>
-              </a:ext>
-            </a:extLst>
-          </p:cNvPr>
-          <p:cNvSpPr>
-            <a:spLocks noGrp="1"/>
-          </p:cNvSpPr>
-          <p:nvPr>
-            <p:ph type="body" sz="quarter" idx="16" hasCustomPrompt="1"/>
-          </p:nvPr>
-        </p:nvSpPr>
-        <p:spPr>
-          <a:xfrm>
-            <a:off x="6254749" y="1642105"/>
-            <a:ext cx="5372096" cy="711200"/>
-          </a:xfrm>
-        </p:spPr>
-        <p:txBody>
-          <a:bodyPr anchor="ctr">
-            <a:noAutofit/>
-          </a:bodyPr>
-          <a:lstStyle>
-            <a:lvl1pPr marL="0" indent="0" algn="ctr">
-              <a:buNone/>
-              <a:defRPr sz="2400" b="1">
-                <a:solidFill>
-                  <a:schemeClr val="tx1"/>
-                </a:solidFill>
-                <a:latin typeface="+mj-lt"/>
-              </a:defRPr>
-            </a:lvl1pPr>
-            <a:lvl2pPr marL="457200" indent="0">
-              <a:buNone/>
-              <a:defRPr sz="2000"/>
-            </a:lvl2pPr>
-            <a:lvl3pPr marL="914400" indent="0">
-              <a:buNone/>
-              <a:defRPr sz="1800"/>
-            </a:lvl3pPr>
-            <a:lvl4pPr marL="1371600" indent="0">
-              <a:buNone/>
-              <a:defRPr sz="1600"/>
-            </a:lvl4pPr>
-            <a:lvl5pPr marL="1828800" indent="0">
-              <a:buNone/>
-              <a:defRPr sz="1600"/>
-            </a:lvl5pPr>
-          </a:lstStyle>
-          <a:p>
-            <a:pPr lvl="0"/>
-            <a:r>
-              <a:rPr lang="en-US" dirty="0"/>
-              <a:t>Add your text here</a:t>
-            </a:r>
-          </a:p>
-        </p:txBody>
-      </p:sp>
-      <p:sp>
-        <p:nvSpPr>
-          <p:cNvPr id="12" name="Rectangle 11">
-            <a:extLst>
-              <a:ext uri="{FF2B5EF4-FFF2-40B4-BE49-F238E27FC236}">
-                <a16:creationId xmlns:a16="http://schemas.microsoft.com/office/drawing/2014/main" id="{6F023CF6-0A85-4867-A5CF-F75DDBC4C20A}"/>
-              </a:ext>
-            </a:extLst>
-          </p:cNvPr>
-          <p:cNvSpPr/>
-          <p:nvPr userDrawn="1"/>
-        </p:nvSpPr>
-        <p:spPr>
-          <a:xfrm>
-            <a:off x="0" y="0"/>
-            <a:ext cx="1854199" cy="1752600"/>
-          </a:xfrm>
-          <a:prstGeom prst="rect">
-            <a:avLst/>
-          </a:prstGeom>
-          <a:solidFill>
-            <a:schemeClr val="accent3"/>
-          </a:solidFill>
-          <a:ln>
-            <a:noFill/>
-          </a:ln>
-        </p:spPr>
-        <p:style>
-          <a:lnRef idx="2">
-            <a:schemeClr val="accent1">
-              <a:shade val="50000"/>
-            </a:schemeClr>
-          </a:lnRef>
-          <a:fillRef idx="1">
-            <a:schemeClr val="accent1"/>
-          </a:fillRef>
-          <a:effectRef idx="0">
-            <a:schemeClr val="accent1"/>
-          </a:effectRef>
-          <a:fontRef idx="minor">
-            <a:schemeClr val="lt1"/>
-          </a:fontRef>
-        </p:style>
-        <p:txBody>
-          <a:bodyPr rtlCol="0" anchor="ctr"/>
-          <a:lstStyle/>
-          <a:p>
-            <a:pPr algn="ctr"/>
-            <a:endParaRPr lang="en-US" dirty="0"/>
-          </a:p>
-        </p:txBody>
-      </p:sp>
-      <p:sp>
-        <p:nvSpPr>
-          <p:cNvPr id="13" name="Rectangle 12">
-            <a:extLst>
-              <a:ext uri="{FF2B5EF4-FFF2-40B4-BE49-F238E27FC236}">
-                <a16:creationId xmlns:a16="http://schemas.microsoft.com/office/drawing/2014/main" id="{AF9F3577-4130-4F32-9302-DA8838D30560}"/>
-              </a:ext>
-            </a:extLst>
-          </p:cNvPr>
-          <p:cNvSpPr/>
-          <p:nvPr userDrawn="1"/>
-        </p:nvSpPr>
-        <p:spPr>
-          <a:xfrm>
-            <a:off x="10337800" y="5122548"/>
-            <a:ext cx="1854199" cy="1752600"/>
-          </a:xfrm>
-          <a:prstGeom prst="rect">
-            <a:avLst/>
-          </a:prstGeom>
-          <a:solidFill>
-            <a:schemeClr val="accent3"/>
-          </a:solidFill>
-          <a:ln>
-            <a:noFill/>
-          </a:ln>
-        </p:spPr>
-        <p:style>
-          <a:lnRef idx="2">
-            <a:schemeClr val="accent1">
-              <a:shade val="50000"/>
-            </a:schemeClr>
-          </a:lnRef>
-          <a:fillRef idx="1">
-            <a:schemeClr val="accent1"/>
-          </a:fillRef>
-          <a:effectRef idx="0">
-            <a:schemeClr val="accent1"/>
-          </a:effectRef>
-          <a:fontRef idx="minor">
-            <a:schemeClr val="lt1"/>
-          </a:fontRef>
-        </p:style>
-        <p:txBody>
-          <a:bodyPr rtlCol="0" anchor="ctr"/>
-          <a:lstStyle/>
-          <a:p>
-            <a:pPr algn="ctr"/>
-            <a:endParaRPr lang="en-US" dirty="0"/>
-          </a:p>
-        </p:txBody>
-      </p:sp>
-      <p:sp>
-        <p:nvSpPr>
-          <p:cNvPr id="4" name="Picture Placeholder 6">
-            <a:extLst>
-              <a:ext uri="{FF2B5EF4-FFF2-40B4-BE49-F238E27FC236}">
-                <a16:creationId xmlns:a16="http://schemas.microsoft.com/office/drawing/2014/main" id="{7E138685-E3C5-48A4-8460-3BEDDDEDA6AD}"/>
-              </a:ext>
-            </a:extLst>
-          </p:cNvPr>
-          <p:cNvSpPr>
-            <a:spLocks noGrp="1"/>
-          </p:cNvSpPr>
-          <p:nvPr>
-            <p:ph type="pic" sz="quarter" idx="13"/>
-          </p:nvPr>
-        </p:nvSpPr>
-        <p:spPr>
-          <a:xfrm>
-            <a:off x="647699" y="571500"/>
-            <a:ext cx="5372097" cy="3839847"/>
-          </a:xfrm>
-          <a:solidFill>
-            <a:schemeClr val="bg1">
-              <a:lumMod val="95000"/>
-            </a:schemeClr>
-          </a:solidFill>
-        </p:spPr>
-        <p:txBody>
-          <a:bodyPr vert="horz" lIns="91440" tIns="45720" rIns="91440" bIns="45720" rtlCol="0">
-            <a:normAutofit/>
-          </a:bodyPr>
-          <a:lstStyle>
-            <a:lvl1pPr>
-              <a:defRPr lang="en-US" sz="1800"/>
-            </a:lvl1pPr>
-          </a:lstStyle>
-          <a:p>
-            <a:pPr marL="0" lvl="0" indent="0" algn="ctr">
-              <a:buNone/>
-            </a:pPr>
-            <a:r>
-              <a:rPr lang="en-US"/>
-              <a:t>Click icon to add picture</a:t>
-            </a:r>
-            <a:endParaRPr lang="en-US" dirty="0"/>
-          </a:p>
-        </p:txBody>
-      </p:sp>
-      <p:sp>
-        <p:nvSpPr>
-          <p:cNvPr id="6" name="Picture Placeholder 6">
-            <a:extLst>
-              <a:ext uri="{FF2B5EF4-FFF2-40B4-BE49-F238E27FC236}">
-                <a16:creationId xmlns:a16="http://schemas.microsoft.com/office/drawing/2014/main" id="{B6811C8C-D1DA-4EE5-888B-A30D6285BA5D}"/>
-              </a:ext>
-            </a:extLst>
-          </p:cNvPr>
-          <p:cNvSpPr>
-            <a:spLocks noGrp="1"/>
-          </p:cNvSpPr>
-          <p:nvPr>
-            <p:ph type="pic" sz="quarter" idx="14"/>
-          </p:nvPr>
-        </p:nvSpPr>
-        <p:spPr>
-          <a:xfrm>
-            <a:off x="6254748" y="2429505"/>
-            <a:ext cx="5372097" cy="3856995"/>
-          </a:xfrm>
-          <a:solidFill>
-            <a:schemeClr val="bg1">
-              <a:lumMod val="95000"/>
-            </a:schemeClr>
-          </a:solidFill>
-        </p:spPr>
-        <p:txBody>
-          <a:bodyPr vert="horz" lIns="91440" tIns="45720" rIns="91440" bIns="45720" rtlCol="0">
-            <a:normAutofit/>
-          </a:bodyPr>
-          <a:lstStyle>
-            <a:lvl1pPr>
-              <a:defRPr lang="en-US" sz="1800"/>
-            </a:lvl1pPr>
-          </a:lstStyle>
-          <a:p>
-            <a:pPr marL="0" lvl="0" indent="0" algn="ctr">
-              <a:buNone/>
-            </a:pPr>
-            <a:r>
-              <a:rPr lang="en-US"/>
-              <a:t>Click icon to add picture</a:t>
-            </a:r>
-            <a:endParaRPr lang="en-US" dirty="0"/>
-          </a:p>
-        </p:txBody>
-      </p:sp>
-    </p:spTree>
-    <p:extLst>
-      <p:ext uri="{BB962C8B-B14F-4D97-AF65-F5344CB8AC3E}">
-        <p14:creationId xmlns:p14="http://schemas.microsoft.com/office/powerpoint/2010/main" val="1083260770"/>
-      </p:ext>
-    </p:extLst>
-  </p:cSld>
-  <p:clrMapOvr>
-    <a:masterClrMapping/>
-  </p:clrMapOvr>
-</p:sldLayout>
-</file>
-
-<file path=ppt/slideLayouts/slideLayout24.xml><?xml version="1.0" encoding="utf-8"?>
-<p:sldLayout xmlns:a="http://schemas.openxmlformats.org/drawingml/2006/main" xmlns:r="http://schemas.openxmlformats.org/officeDocument/2006/relationships" xmlns:p="http://schemas.openxmlformats.org/presentationml/2006/main" userDrawn="1">
-  <p:cSld name="5_Title Only">
-    <p:spTree>
-      <p:nvGrpSpPr>
-        <p:cNvPr id="1" name=""/>
-        <p:cNvGrpSpPr/>
-        <p:nvPr/>
-      </p:nvGrpSpPr>
-      <p:grpSpPr>
-        <a:xfrm>
-          <a:off x="0" y="0"/>
-          <a:ext cx="0" cy="0"/>
-          <a:chOff x="0" y="0"/>
-          <a:chExt cx="0" cy="0"/>
-        </a:xfrm>
-      </p:grpSpPr>
-      <p:sp>
-        <p:nvSpPr>
-          <p:cNvPr id="2" name="Title 1">
-            <a:extLst>
-              <a:ext uri="{FF2B5EF4-FFF2-40B4-BE49-F238E27FC236}">
-                <a16:creationId xmlns:a16="http://schemas.microsoft.com/office/drawing/2014/main" id="{BADB3C88-F13B-4B5F-920D-B4EFFAA592E5}"/>
-              </a:ext>
-            </a:extLst>
-          </p:cNvPr>
-          <p:cNvSpPr>
-            <a:spLocks noGrp="1"/>
-          </p:cNvSpPr>
-          <p:nvPr>
-            <p:ph type="title"/>
-          </p:nvPr>
-        </p:nvSpPr>
-        <p:spPr/>
-        <p:txBody>
-          <a:bodyPr/>
-          <a:lstStyle/>
-          <a:p>
-            <a:r>
-              <a:rPr lang="en-US"/>
-              <a:t>Click to edit Master title style</a:t>
-            </a:r>
-          </a:p>
-        </p:txBody>
-      </p:sp>
-      <p:sp>
-        <p:nvSpPr>
-          <p:cNvPr id="5" name="Slide Number Placeholder 4">
-            <a:extLst>
-              <a:ext uri="{FF2B5EF4-FFF2-40B4-BE49-F238E27FC236}">
-                <a16:creationId xmlns:a16="http://schemas.microsoft.com/office/drawing/2014/main" id="{6E5460C4-49C1-4270-BC58-5EEBC77615CD}"/>
-              </a:ext>
-            </a:extLst>
-          </p:cNvPr>
-          <p:cNvSpPr>
-            <a:spLocks noGrp="1"/>
-          </p:cNvSpPr>
-          <p:nvPr>
-            <p:ph type="sldNum" sz="quarter" idx="12"/>
-          </p:nvPr>
-        </p:nvSpPr>
-        <p:spPr/>
-        <p:txBody>
-          <a:bodyPr/>
-          <a:lstStyle/>
-          <a:p>
-            <a:fld id="{03DC2DEF-D2FE-4B45-ABA4-9F153FD1C98A}" type="slidenum">
-              <a:rPr lang="en-US" smtClean="0"/>
-              <a:t>‹#›</a:t>
-            </a:fld>
-            <a:endParaRPr lang="en-US" dirty="0"/>
-          </a:p>
-        </p:txBody>
-      </p:sp>
-      <p:sp>
-        <p:nvSpPr>
-          <p:cNvPr id="24" name="Rectangle 23">
-            <a:extLst>
-              <a:ext uri="{FF2B5EF4-FFF2-40B4-BE49-F238E27FC236}">
-                <a16:creationId xmlns:a16="http://schemas.microsoft.com/office/drawing/2014/main" id="{E2950CCA-59F9-4C47-A5BA-294E9EDCBABE}"/>
-              </a:ext>
-            </a:extLst>
-          </p:cNvPr>
-          <p:cNvSpPr/>
-          <p:nvPr userDrawn="1"/>
-        </p:nvSpPr>
-        <p:spPr>
-          <a:xfrm>
-            <a:off x="371475" y="1233488"/>
-            <a:ext cx="2776354" cy="4967287"/>
-          </a:xfrm>
-          <a:prstGeom prst="rect">
-            <a:avLst/>
-          </a:prstGeom>
-          <a:solidFill>
-            <a:schemeClr val="accent1"/>
-          </a:solidFill>
-          <a:ln>
-            <a:noFill/>
-          </a:ln>
-        </p:spPr>
-        <p:style>
-          <a:lnRef idx="2">
-            <a:schemeClr val="accent1">
-              <a:shade val="50000"/>
-            </a:schemeClr>
-          </a:lnRef>
-          <a:fillRef idx="1">
-            <a:schemeClr val="accent1"/>
-          </a:fillRef>
-          <a:effectRef idx="0">
-            <a:schemeClr val="accent1"/>
-          </a:effectRef>
-          <a:fontRef idx="minor">
-            <a:schemeClr val="lt1"/>
-          </a:fontRef>
-        </p:style>
-        <p:txBody>
-          <a:bodyPr rtlCol="0" anchor="ctr"/>
-          <a:lstStyle/>
-          <a:p>
-            <a:pPr algn="ctr"/>
-            <a:endParaRPr lang="en-US" dirty="0"/>
-          </a:p>
-        </p:txBody>
-      </p:sp>
-      <p:sp>
-        <p:nvSpPr>
-          <p:cNvPr id="25" name="Rectangle 24">
-            <a:extLst>
-              <a:ext uri="{FF2B5EF4-FFF2-40B4-BE49-F238E27FC236}">
-                <a16:creationId xmlns:a16="http://schemas.microsoft.com/office/drawing/2014/main" id="{EB5BF167-B9E6-4F02-9FA8-3CA79D552F0E}"/>
-              </a:ext>
-            </a:extLst>
-          </p:cNvPr>
-          <p:cNvSpPr/>
-          <p:nvPr userDrawn="1"/>
-        </p:nvSpPr>
-        <p:spPr>
-          <a:xfrm>
-            <a:off x="3286186" y="1233488"/>
-            <a:ext cx="2776354" cy="4967287"/>
-          </a:xfrm>
-          <a:prstGeom prst="rect">
-            <a:avLst/>
-          </a:prstGeom>
-          <a:solidFill>
-            <a:schemeClr val="accent2"/>
-          </a:solidFill>
-          <a:ln>
-            <a:noFill/>
-          </a:ln>
-        </p:spPr>
-        <p:style>
-          <a:lnRef idx="2">
-            <a:schemeClr val="accent1">
-              <a:shade val="50000"/>
-            </a:schemeClr>
-          </a:lnRef>
-          <a:fillRef idx="1">
-            <a:schemeClr val="accent1"/>
-          </a:fillRef>
-          <a:effectRef idx="0">
-            <a:schemeClr val="accent1"/>
-          </a:effectRef>
-          <a:fontRef idx="minor">
-            <a:schemeClr val="lt1"/>
-          </a:fontRef>
-        </p:style>
-        <p:txBody>
-          <a:bodyPr rtlCol="0" anchor="ctr"/>
-          <a:lstStyle/>
-          <a:p>
-            <a:pPr algn="ctr"/>
-            <a:endParaRPr lang="en-US" dirty="0"/>
-          </a:p>
-        </p:txBody>
-      </p:sp>
-      <p:sp>
-        <p:nvSpPr>
-          <p:cNvPr id="26" name="Rectangle 25">
-            <a:extLst>
-              <a:ext uri="{FF2B5EF4-FFF2-40B4-BE49-F238E27FC236}">
-                <a16:creationId xmlns:a16="http://schemas.microsoft.com/office/drawing/2014/main" id="{B48694DE-D82B-49DB-8A45-D1DD4C9BCEF1}"/>
-              </a:ext>
-            </a:extLst>
-          </p:cNvPr>
-          <p:cNvSpPr/>
-          <p:nvPr userDrawn="1"/>
-        </p:nvSpPr>
-        <p:spPr>
-          <a:xfrm>
-            <a:off x="6200897" y="1233488"/>
-            <a:ext cx="2776354" cy="4967287"/>
-          </a:xfrm>
-          <a:prstGeom prst="rect">
-            <a:avLst/>
-          </a:prstGeom>
-          <a:solidFill>
-            <a:schemeClr val="accent4"/>
-          </a:solidFill>
-          <a:ln>
-            <a:noFill/>
-          </a:ln>
-        </p:spPr>
-        <p:style>
-          <a:lnRef idx="2">
-            <a:schemeClr val="accent1">
-              <a:shade val="50000"/>
-            </a:schemeClr>
-          </a:lnRef>
-          <a:fillRef idx="1">
-            <a:schemeClr val="accent1"/>
-          </a:fillRef>
-          <a:effectRef idx="0">
-            <a:schemeClr val="accent1"/>
-          </a:effectRef>
-          <a:fontRef idx="minor">
-            <a:schemeClr val="lt1"/>
-          </a:fontRef>
-        </p:style>
-        <p:txBody>
-          <a:bodyPr rtlCol="0" anchor="ctr"/>
-          <a:lstStyle/>
-          <a:p>
-            <a:pPr algn="ctr"/>
-            <a:endParaRPr lang="en-US" dirty="0"/>
-          </a:p>
-        </p:txBody>
-      </p:sp>
-      <p:sp>
-        <p:nvSpPr>
-          <p:cNvPr id="27" name="Rectangle 26">
-            <a:extLst>
-              <a:ext uri="{FF2B5EF4-FFF2-40B4-BE49-F238E27FC236}">
-                <a16:creationId xmlns:a16="http://schemas.microsoft.com/office/drawing/2014/main" id="{407C1370-8D38-4641-8D37-30A1218A4372}"/>
-              </a:ext>
-            </a:extLst>
-          </p:cNvPr>
-          <p:cNvSpPr/>
-          <p:nvPr userDrawn="1"/>
-        </p:nvSpPr>
-        <p:spPr>
-          <a:xfrm>
-            <a:off x="9115608" y="1246188"/>
-            <a:ext cx="2776354" cy="4967287"/>
-          </a:xfrm>
-          <a:prstGeom prst="rect">
-            <a:avLst/>
-          </a:prstGeom>
-          <a:solidFill>
-            <a:schemeClr val="accent6"/>
-          </a:solidFill>
-          <a:ln>
-            <a:noFill/>
-          </a:ln>
-        </p:spPr>
-        <p:style>
-          <a:lnRef idx="2">
-            <a:schemeClr val="accent1">
-              <a:shade val="50000"/>
-            </a:schemeClr>
-          </a:lnRef>
-          <a:fillRef idx="1">
-            <a:schemeClr val="accent1"/>
-          </a:fillRef>
-          <a:effectRef idx="0">
-            <a:schemeClr val="accent1"/>
-          </a:effectRef>
-          <a:fontRef idx="minor">
-            <a:schemeClr val="lt1"/>
-          </a:fontRef>
-        </p:style>
-        <p:txBody>
-          <a:bodyPr rtlCol="0" anchor="ctr"/>
-          <a:lstStyle/>
-          <a:p>
-            <a:pPr algn="ctr"/>
-            <a:endParaRPr lang="en-US" dirty="0"/>
-          </a:p>
-        </p:txBody>
-      </p:sp>
-      <p:cxnSp>
-        <p:nvCxnSpPr>
-          <p:cNvPr id="29" name="Straight Connector 28">
-            <a:extLst>
-              <a:ext uri="{FF2B5EF4-FFF2-40B4-BE49-F238E27FC236}">
-                <a16:creationId xmlns:a16="http://schemas.microsoft.com/office/drawing/2014/main" id="{CE3EDDE5-9B23-44D7-8546-0B2365B42B16}"/>
-              </a:ext>
-            </a:extLst>
-          </p:cNvPr>
-          <p:cNvCxnSpPr/>
-          <p:nvPr userDrawn="1"/>
-        </p:nvCxnSpPr>
-        <p:spPr>
-          <a:xfrm>
-            <a:off x="591252" y="3721100"/>
-            <a:ext cx="2336800" cy="0"/>
-          </a:xfrm>
-          <a:prstGeom prst="line">
-            <a:avLst/>
-          </a:prstGeom>
-          <a:ln>
-            <a:solidFill>
-              <a:schemeClr val="bg1"/>
-            </a:solidFill>
-          </a:ln>
-        </p:spPr>
-        <p:style>
-          <a:lnRef idx="1">
-            <a:schemeClr val="accent1"/>
-          </a:lnRef>
-          <a:fillRef idx="0">
-            <a:schemeClr val="accent1"/>
-          </a:fillRef>
-          <a:effectRef idx="0">
-            <a:schemeClr val="accent1"/>
-          </a:effectRef>
-          <a:fontRef idx="minor">
-            <a:schemeClr val="tx1"/>
-          </a:fontRef>
-        </p:style>
-      </p:cxnSp>
-      <p:cxnSp>
-        <p:nvCxnSpPr>
-          <p:cNvPr id="30" name="Straight Connector 29">
-            <a:extLst>
-              <a:ext uri="{FF2B5EF4-FFF2-40B4-BE49-F238E27FC236}">
-                <a16:creationId xmlns:a16="http://schemas.microsoft.com/office/drawing/2014/main" id="{B9D259D5-D3C0-4B60-B2D9-9B6DFFD270D8}"/>
-              </a:ext>
-            </a:extLst>
-          </p:cNvPr>
-          <p:cNvCxnSpPr/>
-          <p:nvPr userDrawn="1"/>
-        </p:nvCxnSpPr>
-        <p:spPr>
-          <a:xfrm>
-            <a:off x="3505963" y="3721100"/>
-            <a:ext cx="2336800" cy="0"/>
-          </a:xfrm>
-          <a:prstGeom prst="line">
-            <a:avLst/>
-          </a:prstGeom>
-          <a:ln>
-            <a:solidFill>
-              <a:schemeClr val="bg1"/>
-            </a:solidFill>
-          </a:ln>
-        </p:spPr>
-        <p:style>
-          <a:lnRef idx="1">
-            <a:schemeClr val="accent1"/>
-          </a:lnRef>
-          <a:fillRef idx="0">
-            <a:schemeClr val="accent1"/>
-          </a:fillRef>
-          <a:effectRef idx="0">
-            <a:schemeClr val="accent1"/>
-          </a:effectRef>
-          <a:fontRef idx="minor">
-            <a:schemeClr val="tx1"/>
-          </a:fontRef>
-        </p:style>
-      </p:cxnSp>
-      <p:cxnSp>
-        <p:nvCxnSpPr>
-          <p:cNvPr id="31" name="Straight Connector 30">
-            <a:extLst>
-              <a:ext uri="{FF2B5EF4-FFF2-40B4-BE49-F238E27FC236}">
-                <a16:creationId xmlns:a16="http://schemas.microsoft.com/office/drawing/2014/main" id="{0710C392-9E34-4640-AC70-210A1B8C47B5}"/>
-              </a:ext>
-            </a:extLst>
-          </p:cNvPr>
-          <p:cNvCxnSpPr/>
-          <p:nvPr userDrawn="1"/>
-        </p:nvCxnSpPr>
-        <p:spPr>
-          <a:xfrm>
-            <a:off x="6420674" y="3721100"/>
-            <a:ext cx="2336800" cy="0"/>
-          </a:xfrm>
-          <a:prstGeom prst="line">
-            <a:avLst/>
-          </a:prstGeom>
-          <a:ln>
-            <a:solidFill>
-              <a:schemeClr val="bg1"/>
-            </a:solidFill>
-          </a:ln>
-        </p:spPr>
-        <p:style>
-          <a:lnRef idx="1">
-            <a:schemeClr val="accent1"/>
-          </a:lnRef>
-          <a:fillRef idx="0">
-            <a:schemeClr val="accent1"/>
-          </a:fillRef>
-          <a:effectRef idx="0">
-            <a:schemeClr val="accent1"/>
-          </a:effectRef>
-          <a:fontRef idx="minor">
-            <a:schemeClr val="tx1"/>
-          </a:fontRef>
-        </p:style>
-      </p:cxnSp>
-      <p:cxnSp>
-        <p:nvCxnSpPr>
-          <p:cNvPr id="32" name="Straight Connector 31">
-            <a:extLst>
-              <a:ext uri="{FF2B5EF4-FFF2-40B4-BE49-F238E27FC236}">
-                <a16:creationId xmlns:a16="http://schemas.microsoft.com/office/drawing/2014/main" id="{D7A92E0B-B060-48FA-A650-36894FF4B216}"/>
-              </a:ext>
-            </a:extLst>
-          </p:cNvPr>
-          <p:cNvCxnSpPr/>
-          <p:nvPr userDrawn="1"/>
-        </p:nvCxnSpPr>
-        <p:spPr>
-          <a:xfrm>
-            <a:off x="9335385" y="3721100"/>
-            <a:ext cx="2336800" cy="0"/>
-          </a:xfrm>
-          <a:prstGeom prst="line">
-            <a:avLst/>
-          </a:prstGeom>
-          <a:ln>
-            <a:solidFill>
-              <a:schemeClr val="bg1"/>
-            </a:solidFill>
-          </a:ln>
-        </p:spPr>
-        <p:style>
-          <a:lnRef idx="1">
-            <a:schemeClr val="accent1"/>
-          </a:lnRef>
-          <a:fillRef idx="0">
-            <a:schemeClr val="accent1"/>
-          </a:fillRef>
-          <a:effectRef idx="0">
-            <a:schemeClr val="accent1"/>
-          </a:effectRef>
-          <a:fontRef idx="minor">
-            <a:schemeClr val="tx1"/>
-          </a:fontRef>
-        </p:style>
-      </p:cxnSp>
-      <p:sp>
-        <p:nvSpPr>
-          <p:cNvPr id="34" name="Picture Placeholder 33">
-            <a:extLst>
-              <a:ext uri="{FF2B5EF4-FFF2-40B4-BE49-F238E27FC236}">
-                <a16:creationId xmlns:a16="http://schemas.microsoft.com/office/drawing/2014/main" id="{D9056F2B-EAFD-4A57-BB92-D14816C84DDE}"/>
-              </a:ext>
-            </a:extLst>
-          </p:cNvPr>
-          <p:cNvSpPr>
-            <a:spLocks noGrp="1"/>
-          </p:cNvSpPr>
-          <p:nvPr>
-            <p:ph type="pic" sz="quarter" idx="13"/>
-          </p:nvPr>
-        </p:nvSpPr>
-        <p:spPr>
-          <a:xfrm>
-            <a:off x="876300" y="1739900"/>
-            <a:ext cx="1689100" cy="1397000"/>
-          </a:xfrm>
-        </p:spPr>
-        <p:txBody>
-          <a:bodyPr/>
-          <a:lstStyle>
-            <a:lvl1pPr marL="0" indent="0" algn="ctr">
-              <a:buNone/>
-              <a:defRPr>
-                <a:solidFill>
-                  <a:schemeClr val="bg1"/>
-                </a:solidFill>
-              </a:defRPr>
-            </a:lvl1pPr>
-          </a:lstStyle>
-          <a:p>
-            <a:r>
-              <a:rPr lang="en-US"/>
-              <a:t>Click icon to add picture</a:t>
-            </a:r>
-            <a:endParaRPr lang="en-US" dirty="0"/>
-          </a:p>
-        </p:txBody>
-      </p:sp>
-      <p:sp>
-        <p:nvSpPr>
-          <p:cNvPr id="35" name="Picture Placeholder 33">
-            <a:extLst>
-              <a:ext uri="{FF2B5EF4-FFF2-40B4-BE49-F238E27FC236}">
-                <a16:creationId xmlns:a16="http://schemas.microsoft.com/office/drawing/2014/main" id="{E65006DE-F797-4019-BB72-F484F9FE7E58}"/>
-              </a:ext>
-            </a:extLst>
-          </p:cNvPr>
-          <p:cNvSpPr>
-            <a:spLocks noGrp="1"/>
-          </p:cNvSpPr>
-          <p:nvPr>
-            <p:ph type="pic" sz="quarter" idx="14"/>
-          </p:nvPr>
-        </p:nvSpPr>
-        <p:spPr>
-          <a:xfrm>
-            <a:off x="3829813" y="4263232"/>
-            <a:ext cx="1689100" cy="1397000"/>
-          </a:xfrm>
-        </p:spPr>
-        <p:txBody>
-          <a:bodyPr/>
-          <a:lstStyle>
-            <a:lvl1pPr marL="0" indent="0" algn="ctr">
-              <a:buNone/>
-              <a:defRPr>
-                <a:solidFill>
-                  <a:schemeClr val="bg1"/>
-                </a:solidFill>
-              </a:defRPr>
-            </a:lvl1pPr>
-          </a:lstStyle>
-          <a:p>
-            <a:r>
-              <a:rPr lang="en-US"/>
-              <a:t>Click icon to add picture</a:t>
-            </a:r>
-            <a:endParaRPr lang="en-US" dirty="0"/>
-          </a:p>
-        </p:txBody>
-      </p:sp>
-      <p:sp>
-        <p:nvSpPr>
-          <p:cNvPr id="36" name="Picture Placeholder 33">
-            <a:extLst>
-              <a:ext uri="{FF2B5EF4-FFF2-40B4-BE49-F238E27FC236}">
-                <a16:creationId xmlns:a16="http://schemas.microsoft.com/office/drawing/2014/main" id="{0947D252-5545-4406-8764-B7712464DA56}"/>
-              </a:ext>
-            </a:extLst>
-          </p:cNvPr>
-          <p:cNvSpPr>
-            <a:spLocks noGrp="1"/>
-          </p:cNvSpPr>
-          <p:nvPr>
-            <p:ph type="pic" sz="quarter" idx="15"/>
-          </p:nvPr>
-        </p:nvSpPr>
-        <p:spPr>
-          <a:xfrm>
-            <a:off x="6744524" y="1739900"/>
-            <a:ext cx="1689100" cy="1397000"/>
-          </a:xfrm>
-        </p:spPr>
-        <p:txBody>
-          <a:bodyPr/>
-          <a:lstStyle>
-            <a:lvl1pPr marL="0" indent="0" algn="ctr">
-              <a:buNone/>
-              <a:defRPr>
-                <a:solidFill>
-                  <a:schemeClr val="bg1"/>
-                </a:solidFill>
-              </a:defRPr>
-            </a:lvl1pPr>
-          </a:lstStyle>
-          <a:p>
-            <a:r>
-              <a:rPr lang="en-US"/>
-              <a:t>Click icon to add picture</a:t>
-            </a:r>
-            <a:endParaRPr lang="en-US" dirty="0"/>
-          </a:p>
-        </p:txBody>
-      </p:sp>
-      <p:sp>
-        <p:nvSpPr>
-          <p:cNvPr id="38" name="Picture Placeholder 33">
-            <a:extLst>
-              <a:ext uri="{FF2B5EF4-FFF2-40B4-BE49-F238E27FC236}">
-                <a16:creationId xmlns:a16="http://schemas.microsoft.com/office/drawing/2014/main" id="{DD89F80C-C1D7-4F63-BAD2-F4EE1F9A162F}"/>
-              </a:ext>
-            </a:extLst>
-          </p:cNvPr>
-          <p:cNvSpPr>
-            <a:spLocks noGrp="1"/>
-          </p:cNvSpPr>
-          <p:nvPr>
-            <p:ph type="pic" sz="quarter" idx="17"/>
-          </p:nvPr>
-        </p:nvSpPr>
-        <p:spPr>
-          <a:xfrm>
-            <a:off x="9659235" y="4263232"/>
-            <a:ext cx="1689100" cy="1397000"/>
-          </a:xfrm>
-        </p:spPr>
-        <p:txBody>
-          <a:bodyPr/>
-          <a:lstStyle>
-            <a:lvl1pPr marL="0" indent="0" algn="ctr">
-              <a:buNone/>
-              <a:defRPr>
-                <a:solidFill>
-                  <a:schemeClr val="bg1"/>
-                </a:solidFill>
-              </a:defRPr>
-            </a:lvl1pPr>
-          </a:lstStyle>
-          <a:p>
-            <a:r>
-              <a:rPr lang="en-US"/>
-              <a:t>Click icon to add picture</a:t>
-            </a:r>
-            <a:endParaRPr lang="en-US" dirty="0"/>
-          </a:p>
-        </p:txBody>
-      </p:sp>
-      <p:sp>
-        <p:nvSpPr>
-          <p:cNvPr id="40" name="Text Placeholder 39">
-            <a:extLst>
-              <a:ext uri="{FF2B5EF4-FFF2-40B4-BE49-F238E27FC236}">
-                <a16:creationId xmlns:a16="http://schemas.microsoft.com/office/drawing/2014/main" id="{08BBFEC8-B6BE-4768-9284-26D98C06FFC4}"/>
-              </a:ext>
-            </a:extLst>
-          </p:cNvPr>
-          <p:cNvSpPr>
-            <a:spLocks noGrp="1"/>
-          </p:cNvSpPr>
-          <p:nvPr>
-            <p:ph type="body" sz="quarter" idx="18" hasCustomPrompt="1"/>
-          </p:nvPr>
-        </p:nvSpPr>
-        <p:spPr>
-          <a:xfrm>
-            <a:off x="590550" y="3949700"/>
-            <a:ext cx="2336800" cy="1854200"/>
-          </a:xfrm>
-        </p:spPr>
-        <p:txBody>
-          <a:bodyPr>
-            <a:noAutofit/>
-          </a:bodyPr>
-          <a:lstStyle>
-            <a:lvl1pPr marL="0" indent="0" algn="ctr">
-              <a:buNone/>
-              <a:defRPr sz="1800">
-                <a:solidFill>
-                  <a:schemeClr val="bg1"/>
-                </a:solidFill>
-              </a:defRPr>
-            </a:lvl1pPr>
-            <a:lvl2pPr marL="457200" indent="0">
-              <a:buNone/>
-              <a:defRPr sz="1600">
-                <a:solidFill>
-                  <a:schemeClr val="bg1"/>
-                </a:solidFill>
-              </a:defRPr>
-            </a:lvl2pPr>
-            <a:lvl3pPr marL="914400" indent="0">
-              <a:buNone/>
-              <a:defRPr sz="1400">
-                <a:solidFill>
-                  <a:schemeClr val="bg1"/>
-                </a:solidFill>
-              </a:defRPr>
-            </a:lvl3pPr>
-            <a:lvl4pPr marL="1371600" indent="0">
-              <a:buNone/>
-              <a:defRPr sz="1200">
-                <a:solidFill>
-                  <a:schemeClr val="bg1"/>
-                </a:solidFill>
-              </a:defRPr>
-            </a:lvl4pPr>
-            <a:lvl5pPr marL="1828800" indent="0">
-              <a:buNone/>
-              <a:defRPr sz="1200">
-                <a:solidFill>
-                  <a:schemeClr val="bg1"/>
-                </a:solidFill>
-              </a:defRPr>
-            </a:lvl5pPr>
-          </a:lstStyle>
-          <a:p>
-            <a:pPr lvl="0"/>
-            <a:r>
-              <a:rPr lang="en-US" dirty="0"/>
-              <a:t>Add your text here</a:t>
-            </a:r>
-          </a:p>
-        </p:txBody>
-      </p:sp>
-      <p:sp>
-        <p:nvSpPr>
-          <p:cNvPr id="41" name="Text Placeholder 39">
-            <a:extLst>
-              <a:ext uri="{FF2B5EF4-FFF2-40B4-BE49-F238E27FC236}">
-                <a16:creationId xmlns:a16="http://schemas.microsoft.com/office/drawing/2014/main" id="{D12C79C2-427D-418B-8FFA-C27D8F2C986B}"/>
-              </a:ext>
-            </a:extLst>
-          </p:cNvPr>
-          <p:cNvSpPr>
-            <a:spLocks noGrp="1"/>
-          </p:cNvSpPr>
-          <p:nvPr>
-            <p:ph type="body" sz="quarter" idx="19" hasCustomPrompt="1"/>
-          </p:nvPr>
-        </p:nvSpPr>
-        <p:spPr>
-          <a:xfrm>
-            <a:off x="3505963" y="1595835"/>
-            <a:ext cx="2336800" cy="1854200"/>
-          </a:xfrm>
-        </p:spPr>
-        <p:txBody>
-          <a:bodyPr anchor="b">
-            <a:noAutofit/>
-          </a:bodyPr>
-          <a:lstStyle>
-            <a:lvl1pPr marL="0" indent="0" algn="ctr">
-              <a:buNone/>
-              <a:defRPr sz="1800">
-                <a:solidFill>
-                  <a:schemeClr val="bg1"/>
-                </a:solidFill>
-              </a:defRPr>
-            </a:lvl1pPr>
-            <a:lvl2pPr marL="457200" indent="0">
-              <a:buNone/>
-              <a:defRPr sz="1600">
-                <a:solidFill>
-                  <a:schemeClr val="bg1"/>
-                </a:solidFill>
-              </a:defRPr>
-            </a:lvl2pPr>
-            <a:lvl3pPr marL="914400" indent="0">
-              <a:buNone/>
-              <a:defRPr sz="1400">
-                <a:solidFill>
-                  <a:schemeClr val="bg1"/>
-                </a:solidFill>
-              </a:defRPr>
-            </a:lvl3pPr>
-            <a:lvl4pPr marL="1371600" indent="0">
-              <a:buNone/>
-              <a:defRPr sz="1200">
-                <a:solidFill>
-                  <a:schemeClr val="bg1"/>
-                </a:solidFill>
-              </a:defRPr>
-            </a:lvl4pPr>
-            <a:lvl5pPr marL="1828800" indent="0">
-              <a:buNone/>
-              <a:defRPr sz="1200">
-                <a:solidFill>
-                  <a:schemeClr val="bg1"/>
-                </a:solidFill>
-              </a:defRPr>
-            </a:lvl5pPr>
-          </a:lstStyle>
-          <a:p>
-            <a:pPr lvl="0"/>
-            <a:r>
-              <a:rPr lang="en-US" dirty="0"/>
-              <a:t>Add your text here</a:t>
-            </a:r>
-          </a:p>
-        </p:txBody>
-      </p:sp>
-      <p:sp>
-        <p:nvSpPr>
-          <p:cNvPr id="42" name="Text Placeholder 39">
-            <a:extLst>
-              <a:ext uri="{FF2B5EF4-FFF2-40B4-BE49-F238E27FC236}">
-                <a16:creationId xmlns:a16="http://schemas.microsoft.com/office/drawing/2014/main" id="{0FD568C4-A06D-4A56-B7D6-AF338F5C329A}"/>
-              </a:ext>
-            </a:extLst>
-          </p:cNvPr>
-          <p:cNvSpPr>
-            <a:spLocks noGrp="1"/>
-          </p:cNvSpPr>
-          <p:nvPr>
-            <p:ph type="body" sz="quarter" idx="20" hasCustomPrompt="1"/>
-          </p:nvPr>
-        </p:nvSpPr>
-        <p:spPr>
-          <a:xfrm>
-            <a:off x="6420674" y="3949700"/>
-            <a:ext cx="2336800" cy="1854200"/>
-          </a:xfrm>
-        </p:spPr>
-        <p:txBody>
-          <a:bodyPr>
-            <a:noAutofit/>
-          </a:bodyPr>
-          <a:lstStyle>
-            <a:lvl1pPr marL="0" indent="0" algn="ctr">
-              <a:buNone/>
-              <a:defRPr sz="1800">
-                <a:solidFill>
-                  <a:schemeClr val="bg1"/>
-                </a:solidFill>
-              </a:defRPr>
-            </a:lvl1pPr>
-            <a:lvl2pPr marL="457200" indent="0">
-              <a:buNone/>
-              <a:defRPr sz="1600">
-                <a:solidFill>
-                  <a:schemeClr val="bg1"/>
-                </a:solidFill>
-              </a:defRPr>
-            </a:lvl2pPr>
-            <a:lvl3pPr marL="914400" indent="0">
-              <a:buNone/>
-              <a:defRPr sz="1400">
-                <a:solidFill>
-                  <a:schemeClr val="bg1"/>
-                </a:solidFill>
-              </a:defRPr>
-            </a:lvl3pPr>
-            <a:lvl4pPr marL="1371600" indent="0">
-              <a:buNone/>
-              <a:defRPr sz="1200">
-                <a:solidFill>
-                  <a:schemeClr val="bg1"/>
-                </a:solidFill>
-              </a:defRPr>
-            </a:lvl4pPr>
-            <a:lvl5pPr marL="1828800" indent="0">
-              <a:buNone/>
-              <a:defRPr sz="1200">
-                <a:solidFill>
-                  <a:schemeClr val="bg1"/>
-                </a:solidFill>
-              </a:defRPr>
-            </a:lvl5pPr>
-          </a:lstStyle>
-          <a:p>
-            <a:pPr lvl="0"/>
-            <a:r>
-              <a:rPr lang="en-US" dirty="0"/>
-              <a:t>Add your text here</a:t>
-            </a:r>
-          </a:p>
-        </p:txBody>
-      </p:sp>
-      <p:sp>
-        <p:nvSpPr>
-          <p:cNvPr id="43" name="Text Placeholder 39">
-            <a:extLst>
-              <a:ext uri="{FF2B5EF4-FFF2-40B4-BE49-F238E27FC236}">
-                <a16:creationId xmlns:a16="http://schemas.microsoft.com/office/drawing/2014/main" id="{76B41443-1233-4172-B61C-7CC516D88802}"/>
-              </a:ext>
-            </a:extLst>
-          </p:cNvPr>
-          <p:cNvSpPr>
-            <a:spLocks noGrp="1"/>
-          </p:cNvSpPr>
-          <p:nvPr>
-            <p:ph type="body" sz="quarter" idx="21" hasCustomPrompt="1"/>
-          </p:nvPr>
-        </p:nvSpPr>
-        <p:spPr>
-          <a:xfrm>
-            <a:off x="9335385" y="1595835"/>
-            <a:ext cx="2336800" cy="1854200"/>
-          </a:xfrm>
-        </p:spPr>
-        <p:txBody>
-          <a:bodyPr anchor="b">
-            <a:noAutofit/>
-          </a:bodyPr>
-          <a:lstStyle>
-            <a:lvl1pPr marL="0" indent="0" algn="ctr">
-              <a:buNone/>
-              <a:defRPr sz="1800">
-                <a:solidFill>
-                  <a:schemeClr val="bg1"/>
-                </a:solidFill>
-              </a:defRPr>
-            </a:lvl1pPr>
-            <a:lvl2pPr marL="457200" indent="0">
-              <a:buNone/>
-              <a:defRPr sz="1600">
-                <a:solidFill>
-                  <a:schemeClr val="bg1"/>
-                </a:solidFill>
-              </a:defRPr>
-            </a:lvl2pPr>
-            <a:lvl3pPr marL="914400" indent="0">
-              <a:buNone/>
-              <a:defRPr sz="1400">
-                <a:solidFill>
-                  <a:schemeClr val="bg1"/>
-                </a:solidFill>
-              </a:defRPr>
-            </a:lvl3pPr>
-            <a:lvl4pPr marL="1371600" indent="0">
-              <a:buNone/>
-              <a:defRPr sz="1200">
-                <a:solidFill>
-                  <a:schemeClr val="bg1"/>
-                </a:solidFill>
-              </a:defRPr>
-            </a:lvl4pPr>
-            <a:lvl5pPr marL="1828800" indent="0">
-              <a:buNone/>
-              <a:defRPr sz="1200">
-                <a:solidFill>
-                  <a:schemeClr val="bg1"/>
-                </a:solidFill>
-              </a:defRPr>
-            </a:lvl5pPr>
-          </a:lstStyle>
-          <a:p>
-            <a:pPr lvl="0"/>
-            <a:r>
-              <a:rPr lang="en-US" dirty="0"/>
-              <a:t>Add your text here</a:t>
-            </a:r>
-          </a:p>
-        </p:txBody>
-      </p:sp>
-    </p:spTree>
-    <p:extLst>
-      <p:ext uri="{BB962C8B-B14F-4D97-AF65-F5344CB8AC3E}">
-        <p14:creationId xmlns:p14="http://schemas.microsoft.com/office/powerpoint/2010/main" val="972082506"/>
-      </p:ext>
-    </p:extLst>
-  </p:cSld>
-  <p:clrMapOvr>
-    <a:masterClrMapping/>
-  </p:clrMapOvr>
-</p:sldLayout>
-</file>
-
-<file path=ppt/slideLayouts/slideLayout25.xml><?xml version="1.0" encoding="utf-8"?>
-<p:sldLayout xmlns:a="http://schemas.openxmlformats.org/drawingml/2006/main" xmlns:r="http://schemas.openxmlformats.org/officeDocument/2006/relationships" xmlns:p="http://schemas.openxmlformats.org/presentationml/2006/main" userDrawn="1">
-  <p:cSld name="10_Title Only">
-    <p:spTree>
-      <p:nvGrpSpPr>
-        <p:cNvPr id="1" name=""/>
-        <p:cNvGrpSpPr/>
-        <p:nvPr/>
-      </p:nvGrpSpPr>
-      <p:grpSpPr>
-        <a:xfrm>
-          <a:off x="0" y="0"/>
-          <a:ext cx="0" cy="0"/>
-          <a:chOff x="0" y="0"/>
-          <a:chExt cx="0" cy="0"/>
-        </a:xfrm>
-      </p:grpSpPr>
-      <p:sp>
-        <p:nvSpPr>
-          <p:cNvPr id="18" name="Rectangle 17">
-            <a:extLst>
-              <a:ext uri="{FF2B5EF4-FFF2-40B4-BE49-F238E27FC236}">
-                <a16:creationId xmlns:a16="http://schemas.microsoft.com/office/drawing/2014/main" id="{1DD2DC66-11E4-4714-A8DE-E8AC34D49655}"/>
-              </a:ext>
-            </a:extLst>
-          </p:cNvPr>
-          <p:cNvSpPr/>
-          <p:nvPr userDrawn="1"/>
-        </p:nvSpPr>
-        <p:spPr>
-          <a:xfrm>
-            <a:off x="371474" y="1660868"/>
-            <a:ext cx="2686613" cy="2427601"/>
-          </a:xfrm>
-          <a:prstGeom prst="rect">
-            <a:avLst/>
-          </a:prstGeom>
-          <a:solidFill>
-            <a:schemeClr val="accent1"/>
-          </a:solidFill>
-          <a:ln>
-            <a:noFill/>
-          </a:ln>
-        </p:spPr>
-        <p:style>
-          <a:lnRef idx="2">
-            <a:schemeClr val="accent1">
-              <a:shade val="50000"/>
-            </a:schemeClr>
-          </a:lnRef>
-          <a:fillRef idx="1">
-            <a:schemeClr val="accent1"/>
-          </a:fillRef>
-          <a:effectRef idx="0">
-            <a:schemeClr val="accent1"/>
-          </a:effectRef>
-          <a:fontRef idx="minor">
-            <a:schemeClr val="lt1"/>
-          </a:fontRef>
-        </p:style>
-        <p:txBody>
-          <a:bodyPr rtlCol="0" anchor="ctr"/>
-          <a:lstStyle/>
-          <a:p>
-            <a:pPr algn="ctr"/>
-            <a:endParaRPr lang="en-US" dirty="0"/>
-          </a:p>
-        </p:txBody>
-      </p:sp>
-      <p:sp>
-        <p:nvSpPr>
-          <p:cNvPr id="21" name="Rectangle 20">
-            <a:extLst>
-              <a:ext uri="{FF2B5EF4-FFF2-40B4-BE49-F238E27FC236}">
-                <a16:creationId xmlns:a16="http://schemas.microsoft.com/office/drawing/2014/main" id="{8CD9ECBB-3A0A-409C-B1C0-C8F4C3087894}"/>
-              </a:ext>
-            </a:extLst>
-          </p:cNvPr>
-          <p:cNvSpPr/>
-          <p:nvPr userDrawn="1"/>
-        </p:nvSpPr>
-        <p:spPr>
-          <a:xfrm>
-            <a:off x="3316099" y="1660868"/>
-            <a:ext cx="2686613" cy="2427601"/>
-          </a:xfrm>
-          <a:prstGeom prst="rect">
-            <a:avLst/>
-          </a:prstGeom>
-          <a:solidFill>
-            <a:schemeClr val="accent2"/>
-          </a:solidFill>
-          <a:ln>
-            <a:noFill/>
-          </a:ln>
-        </p:spPr>
-        <p:style>
-          <a:lnRef idx="2">
-            <a:schemeClr val="accent1">
-              <a:shade val="50000"/>
-            </a:schemeClr>
-          </a:lnRef>
-          <a:fillRef idx="1">
-            <a:schemeClr val="accent1"/>
-          </a:fillRef>
-          <a:effectRef idx="0">
-            <a:schemeClr val="accent1"/>
-          </a:effectRef>
-          <a:fontRef idx="minor">
-            <a:schemeClr val="lt1"/>
-          </a:fontRef>
-        </p:style>
-        <p:txBody>
-          <a:bodyPr rtlCol="0" anchor="ctr"/>
-          <a:lstStyle/>
-          <a:p>
-            <a:pPr algn="ctr"/>
-            <a:endParaRPr lang="en-US" dirty="0"/>
-          </a:p>
-        </p:txBody>
-      </p:sp>
-      <p:sp>
-        <p:nvSpPr>
-          <p:cNvPr id="22" name="Rectangle 21">
-            <a:extLst>
-              <a:ext uri="{FF2B5EF4-FFF2-40B4-BE49-F238E27FC236}">
-                <a16:creationId xmlns:a16="http://schemas.microsoft.com/office/drawing/2014/main" id="{6FB4FA2C-0414-484D-95CD-C5E17E33E238}"/>
-              </a:ext>
-            </a:extLst>
-          </p:cNvPr>
-          <p:cNvSpPr/>
-          <p:nvPr userDrawn="1"/>
-        </p:nvSpPr>
-        <p:spPr>
-          <a:xfrm>
-            <a:off x="6260723" y="1660868"/>
-            <a:ext cx="2686613" cy="2427601"/>
-          </a:xfrm>
-          <a:prstGeom prst="rect">
-            <a:avLst/>
-          </a:prstGeom>
-          <a:solidFill>
-            <a:schemeClr val="accent4"/>
-          </a:solidFill>
-          <a:ln>
-            <a:noFill/>
-          </a:ln>
-        </p:spPr>
-        <p:style>
-          <a:lnRef idx="2">
-            <a:schemeClr val="accent1">
-              <a:shade val="50000"/>
-            </a:schemeClr>
-          </a:lnRef>
-          <a:fillRef idx="1">
-            <a:schemeClr val="accent1"/>
-          </a:fillRef>
-          <a:effectRef idx="0">
-            <a:schemeClr val="accent1"/>
-          </a:effectRef>
-          <a:fontRef idx="minor">
-            <a:schemeClr val="lt1"/>
-          </a:fontRef>
-        </p:style>
-        <p:txBody>
-          <a:bodyPr rtlCol="0" anchor="ctr"/>
-          <a:lstStyle/>
-          <a:p>
-            <a:pPr algn="ctr"/>
-            <a:endParaRPr lang="en-US" dirty="0"/>
-          </a:p>
-        </p:txBody>
-      </p:sp>
-      <p:sp>
-        <p:nvSpPr>
-          <p:cNvPr id="25" name="Rectangle 24">
-            <a:extLst>
-              <a:ext uri="{FF2B5EF4-FFF2-40B4-BE49-F238E27FC236}">
-                <a16:creationId xmlns:a16="http://schemas.microsoft.com/office/drawing/2014/main" id="{8D0DE753-6478-4950-8F99-15952FCB6521}"/>
-              </a:ext>
-            </a:extLst>
-          </p:cNvPr>
-          <p:cNvSpPr/>
-          <p:nvPr userDrawn="1"/>
-        </p:nvSpPr>
-        <p:spPr>
-          <a:xfrm>
-            <a:off x="9205348" y="1660868"/>
-            <a:ext cx="2686613" cy="2427601"/>
-          </a:xfrm>
-          <a:prstGeom prst="rect">
-            <a:avLst/>
-          </a:prstGeom>
-          <a:solidFill>
-            <a:schemeClr val="accent6"/>
-          </a:solidFill>
-          <a:ln>
-            <a:noFill/>
-          </a:ln>
-        </p:spPr>
-        <p:style>
-          <a:lnRef idx="2">
-            <a:schemeClr val="accent1">
-              <a:shade val="50000"/>
-            </a:schemeClr>
-          </a:lnRef>
-          <a:fillRef idx="1">
-            <a:schemeClr val="accent1"/>
-          </a:fillRef>
-          <a:effectRef idx="0">
-            <a:schemeClr val="accent1"/>
-          </a:effectRef>
-          <a:fontRef idx="minor">
-            <a:schemeClr val="lt1"/>
-          </a:fontRef>
-        </p:style>
-        <p:txBody>
-          <a:bodyPr rtlCol="0" anchor="ctr"/>
-          <a:lstStyle/>
-          <a:p>
-            <a:pPr algn="ctr"/>
-            <a:endParaRPr lang="en-US" dirty="0"/>
-          </a:p>
-        </p:txBody>
-      </p:sp>
-      <p:sp>
-        <p:nvSpPr>
-          <p:cNvPr id="2" name="Title 1">
-            <a:extLst>
-              <a:ext uri="{FF2B5EF4-FFF2-40B4-BE49-F238E27FC236}">
-                <a16:creationId xmlns:a16="http://schemas.microsoft.com/office/drawing/2014/main" id="{BADB3C88-F13B-4B5F-920D-B4EFFAA592E5}"/>
-              </a:ext>
-            </a:extLst>
-          </p:cNvPr>
-          <p:cNvSpPr>
-            <a:spLocks noGrp="1"/>
-          </p:cNvSpPr>
-          <p:nvPr>
-            <p:ph type="title"/>
-          </p:nvPr>
-        </p:nvSpPr>
-        <p:spPr>
-          <a:xfrm>
-            <a:off x="371475" y="260351"/>
-            <a:ext cx="11520488" cy="758824"/>
-          </a:xfrm>
-        </p:spPr>
-        <p:txBody>
-          <a:bodyPr/>
-          <a:lstStyle/>
-          <a:p>
-            <a:r>
-              <a:rPr lang="en-US"/>
-              <a:t>Click to edit Master title style</a:t>
-            </a:r>
-            <a:endParaRPr lang="en-US" dirty="0"/>
-          </a:p>
-        </p:txBody>
-      </p:sp>
-      <p:sp>
-        <p:nvSpPr>
-          <p:cNvPr id="17" name="Slide Number Placeholder 4">
-            <a:extLst>
-              <a:ext uri="{FF2B5EF4-FFF2-40B4-BE49-F238E27FC236}">
-                <a16:creationId xmlns:a16="http://schemas.microsoft.com/office/drawing/2014/main" id="{76336E3A-55EE-4423-B1AA-7489CA988813}"/>
-              </a:ext>
-            </a:extLst>
-          </p:cNvPr>
-          <p:cNvSpPr>
-            <a:spLocks noGrp="1"/>
-          </p:cNvSpPr>
-          <p:nvPr>
-            <p:ph type="sldNum" sz="quarter" idx="12"/>
-          </p:nvPr>
-        </p:nvSpPr>
-        <p:spPr>
-          <a:xfrm>
-            <a:off x="11518900" y="6581978"/>
-            <a:ext cx="373062" cy="206104"/>
-          </a:xfrm>
-        </p:spPr>
-        <p:txBody>
-          <a:bodyPr/>
-          <a:lstStyle/>
-          <a:p>
-            <a:fld id="{03DC2DEF-D2FE-4B45-ABA4-9F153FD1C98A}" type="slidenum">
-              <a:rPr lang="en-US" smtClean="0"/>
-              <a:t>‹#›</a:t>
-            </a:fld>
-            <a:endParaRPr lang="en-US" dirty="0"/>
-          </a:p>
-        </p:txBody>
-      </p:sp>
-      <p:cxnSp>
-        <p:nvCxnSpPr>
-          <p:cNvPr id="24" name="Straight Connector 23">
-            <a:extLst>
-              <a:ext uri="{FF2B5EF4-FFF2-40B4-BE49-F238E27FC236}">
-                <a16:creationId xmlns:a16="http://schemas.microsoft.com/office/drawing/2014/main" id="{0C61EA57-B8EA-4589-A9DD-E25F300D5AFD}"/>
-              </a:ext>
-            </a:extLst>
-          </p:cNvPr>
-          <p:cNvCxnSpPr/>
-          <p:nvPr userDrawn="1"/>
-        </p:nvCxnSpPr>
-        <p:spPr>
-          <a:xfrm>
-            <a:off x="4790661" y="6917634"/>
-            <a:ext cx="1918252" cy="0"/>
-          </a:xfrm>
-          <a:prstGeom prst="line">
-            <a:avLst/>
-          </a:prstGeom>
-          <a:ln>
-            <a:solidFill>
-              <a:schemeClr val="bg1"/>
-            </a:solidFill>
-          </a:ln>
-        </p:spPr>
-        <p:style>
-          <a:lnRef idx="1">
-            <a:schemeClr val="accent1"/>
-          </a:lnRef>
-          <a:fillRef idx="0">
-            <a:schemeClr val="accent1"/>
-          </a:fillRef>
-          <a:effectRef idx="0">
-            <a:schemeClr val="accent1"/>
-          </a:effectRef>
-          <a:fontRef idx="minor">
-            <a:schemeClr val="tx1"/>
-          </a:fontRef>
-        </p:style>
-      </p:cxnSp>
-      <p:sp>
-        <p:nvSpPr>
-          <p:cNvPr id="43" name="Picture Placeholder 33">
-            <a:extLst>
-              <a:ext uri="{FF2B5EF4-FFF2-40B4-BE49-F238E27FC236}">
-                <a16:creationId xmlns:a16="http://schemas.microsoft.com/office/drawing/2014/main" id="{1644FD94-AD03-4C4F-A1A5-085DD8F56646}"/>
-              </a:ext>
-            </a:extLst>
-          </p:cNvPr>
-          <p:cNvSpPr>
-            <a:spLocks noGrp="1"/>
-          </p:cNvSpPr>
-          <p:nvPr>
-            <p:ph type="pic" sz="quarter" idx="13"/>
-          </p:nvPr>
-        </p:nvSpPr>
-        <p:spPr>
-          <a:xfrm>
-            <a:off x="467420" y="1761485"/>
-            <a:ext cx="2494721" cy="2226366"/>
-          </a:xfrm>
-        </p:spPr>
-        <p:txBody>
-          <a:bodyPr>
-            <a:normAutofit/>
-          </a:bodyPr>
-          <a:lstStyle>
-            <a:lvl1pPr marL="0" indent="0" algn="ctr">
-              <a:buNone/>
-              <a:defRPr sz="1600">
-                <a:solidFill>
-                  <a:schemeClr val="bg1"/>
-                </a:solidFill>
-              </a:defRPr>
-            </a:lvl1pPr>
-          </a:lstStyle>
-          <a:p>
-            <a:r>
-              <a:rPr lang="en-US"/>
-              <a:t>Click icon to add picture</a:t>
-            </a:r>
-            <a:endParaRPr lang="en-US" dirty="0"/>
-          </a:p>
-        </p:txBody>
-      </p:sp>
-      <p:sp>
-        <p:nvSpPr>
-          <p:cNvPr id="28" name="Picture Placeholder 33">
-            <a:extLst>
-              <a:ext uri="{FF2B5EF4-FFF2-40B4-BE49-F238E27FC236}">
-                <a16:creationId xmlns:a16="http://schemas.microsoft.com/office/drawing/2014/main" id="{85BB27A3-DB87-46F4-8CA4-3C04A088E787}"/>
-              </a:ext>
-            </a:extLst>
-          </p:cNvPr>
-          <p:cNvSpPr>
-            <a:spLocks noGrp="1"/>
-          </p:cNvSpPr>
-          <p:nvPr>
-            <p:ph type="pic" sz="quarter" idx="21"/>
-          </p:nvPr>
-        </p:nvSpPr>
-        <p:spPr>
-          <a:xfrm>
-            <a:off x="3412045" y="1761485"/>
-            <a:ext cx="2494721" cy="2226366"/>
-          </a:xfrm>
-        </p:spPr>
-        <p:txBody>
-          <a:bodyPr>
-            <a:normAutofit/>
-          </a:bodyPr>
-          <a:lstStyle>
-            <a:lvl1pPr marL="0" indent="0" algn="ctr">
-              <a:buNone/>
-              <a:defRPr sz="1600">
-                <a:solidFill>
-                  <a:schemeClr val="bg1"/>
-                </a:solidFill>
-              </a:defRPr>
-            </a:lvl1pPr>
-          </a:lstStyle>
-          <a:p>
-            <a:r>
-              <a:rPr lang="en-US"/>
-              <a:t>Click icon to add picture</a:t>
-            </a:r>
-            <a:endParaRPr lang="en-US" dirty="0"/>
-          </a:p>
-        </p:txBody>
-      </p:sp>
-      <p:sp>
-        <p:nvSpPr>
-          <p:cNvPr id="29" name="Picture Placeholder 33">
-            <a:extLst>
-              <a:ext uri="{FF2B5EF4-FFF2-40B4-BE49-F238E27FC236}">
-                <a16:creationId xmlns:a16="http://schemas.microsoft.com/office/drawing/2014/main" id="{F356E399-83ED-4937-A1CC-F591866C0E8C}"/>
-              </a:ext>
-            </a:extLst>
-          </p:cNvPr>
-          <p:cNvSpPr>
-            <a:spLocks noGrp="1"/>
-          </p:cNvSpPr>
-          <p:nvPr>
-            <p:ph type="pic" sz="quarter" idx="22"/>
-          </p:nvPr>
-        </p:nvSpPr>
-        <p:spPr>
-          <a:xfrm>
-            <a:off x="6356669" y="1761485"/>
-            <a:ext cx="2494721" cy="2226366"/>
-          </a:xfrm>
-        </p:spPr>
-        <p:txBody>
-          <a:bodyPr>
-            <a:normAutofit/>
-          </a:bodyPr>
-          <a:lstStyle>
-            <a:lvl1pPr marL="0" indent="0" algn="ctr">
-              <a:buNone/>
-              <a:defRPr sz="1600">
-                <a:solidFill>
-                  <a:schemeClr val="bg1"/>
-                </a:solidFill>
-              </a:defRPr>
-            </a:lvl1pPr>
-          </a:lstStyle>
-          <a:p>
-            <a:r>
-              <a:rPr lang="en-US"/>
-              <a:t>Click icon to add picture</a:t>
-            </a:r>
-            <a:endParaRPr lang="en-US" dirty="0"/>
-          </a:p>
-        </p:txBody>
-      </p:sp>
-      <p:sp>
-        <p:nvSpPr>
-          <p:cNvPr id="30" name="Picture Placeholder 33">
-            <a:extLst>
-              <a:ext uri="{FF2B5EF4-FFF2-40B4-BE49-F238E27FC236}">
-                <a16:creationId xmlns:a16="http://schemas.microsoft.com/office/drawing/2014/main" id="{0967254B-CF1D-4F0D-A7F6-EC4E117B7509}"/>
-              </a:ext>
-            </a:extLst>
-          </p:cNvPr>
-          <p:cNvSpPr>
-            <a:spLocks noGrp="1"/>
-          </p:cNvSpPr>
-          <p:nvPr>
-            <p:ph type="pic" sz="quarter" idx="23"/>
-          </p:nvPr>
-        </p:nvSpPr>
-        <p:spPr>
-          <a:xfrm>
-            <a:off x="9301294" y="1761485"/>
-            <a:ext cx="2494721" cy="2226366"/>
-          </a:xfrm>
-        </p:spPr>
-        <p:txBody>
-          <a:bodyPr>
-            <a:normAutofit/>
-          </a:bodyPr>
-          <a:lstStyle>
-            <a:lvl1pPr marL="0" indent="0" algn="ctr">
-              <a:buNone/>
-              <a:defRPr sz="1600">
-                <a:solidFill>
-                  <a:schemeClr val="bg1"/>
-                </a:solidFill>
-              </a:defRPr>
-            </a:lvl1pPr>
-          </a:lstStyle>
-          <a:p>
-            <a:r>
-              <a:rPr lang="en-US"/>
-              <a:t>Click icon to add picture</a:t>
-            </a:r>
-            <a:endParaRPr lang="en-US" dirty="0"/>
-          </a:p>
-        </p:txBody>
-      </p:sp>
-      <p:sp>
-        <p:nvSpPr>
-          <p:cNvPr id="31" name="Text Placeholder 39">
-            <a:extLst>
-              <a:ext uri="{FF2B5EF4-FFF2-40B4-BE49-F238E27FC236}">
-                <a16:creationId xmlns:a16="http://schemas.microsoft.com/office/drawing/2014/main" id="{0CEF6C35-6F7B-43AD-9E4D-44C2F8A7DFAC}"/>
-              </a:ext>
-            </a:extLst>
-          </p:cNvPr>
-          <p:cNvSpPr>
-            <a:spLocks noGrp="1"/>
-          </p:cNvSpPr>
-          <p:nvPr>
-            <p:ph type="body" sz="quarter" idx="20" hasCustomPrompt="1"/>
-          </p:nvPr>
-        </p:nvSpPr>
-        <p:spPr>
-          <a:xfrm>
-            <a:off x="371474" y="4302782"/>
-            <a:ext cx="2686613" cy="666781"/>
-          </a:xfrm>
-        </p:spPr>
-        <p:txBody>
-          <a:bodyPr anchor="t">
-            <a:noAutofit/>
-          </a:bodyPr>
-          <a:lstStyle>
-            <a:lvl1pPr marL="0" indent="0" algn="ctr">
-              <a:buNone/>
-              <a:defRPr sz="2000" b="1">
-                <a:solidFill>
-                  <a:schemeClr val="accent1"/>
-                </a:solidFill>
-                <a:latin typeface="+mj-lt"/>
-              </a:defRPr>
-            </a:lvl1pPr>
-            <a:lvl2pPr marL="457200" indent="0">
-              <a:buNone/>
-              <a:defRPr sz="1600">
-                <a:solidFill>
-                  <a:schemeClr val="bg1"/>
-                </a:solidFill>
-              </a:defRPr>
-            </a:lvl2pPr>
-            <a:lvl3pPr marL="914400" indent="0">
-              <a:buNone/>
-              <a:defRPr sz="1400">
-                <a:solidFill>
-                  <a:schemeClr val="bg1"/>
-                </a:solidFill>
-              </a:defRPr>
-            </a:lvl3pPr>
-            <a:lvl4pPr marL="1371600" indent="0">
-              <a:buNone/>
-              <a:defRPr sz="1200">
-                <a:solidFill>
-                  <a:schemeClr val="bg1"/>
-                </a:solidFill>
-              </a:defRPr>
-            </a:lvl4pPr>
-            <a:lvl5pPr marL="1828800" indent="0">
-              <a:buNone/>
-              <a:defRPr sz="1200">
-                <a:solidFill>
-                  <a:schemeClr val="bg1"/>
-                </a:solidFill>
-              </a:defRPr>
-            </a:lvl5pPr>
-          </a:lstStyle>
-          <a:p>
-            <a:pPr lvl="0"/>
-            <a:r>
-              <a:rPr lang="en-US" dirty="0"/>
-              <a:t>Add your text here</a:t>
-            </a:r>
-          </a:p>
-        </p:txBody>
-      </p:sp>
-      <p:sp>
-        <p:nvSpPr>
-          <p:cNvPr id="33" name="Text Placeholder 39">
-            <a:extLst>
-              <a:ext uri="{FF2B5EF4-FFF2-40B4-BE49-F238E27FC236}">
-                <a16:creationId xmlns:a16="http://schemas.microsoft.com/office/drawing/2014/main" id="{44EF032C-161A-4C58-B624-66488C255E1F}"/>
-              </a:ext>
-            </a:extLst>
-          </p:cNvPr>
-          <p:cNvSpPr>
-            <a:spLocks noGrp="1"/>
-          </p:cNvSpPr>
-          <p:nvPr>
-            <p:ph type="body" sz="quarter" idx="24" hasCustomPrompt="1"/>
-          </p:nvPr>
-        </p:nvSpPr>
-        <p:spPr>
-          <a:xfrm>
-            <a:off x="371474" y="5058156"/>
-            <a:ext cx="2686613" cy="666781"/>
-          </a:xfrm>
-        </p:spPr>
-        <p:txBody>
-          <a:bodyPr anchor="t">
-            <a:noAutofit/>
-          </a:bodyPr>
-          <a:lstStyle>
-            <a:lvl1pPr marL="0" indent="0" algn="ctr">
-              <a:buNone/>
-              <a:defRPr sz="1600" b="0">
-                <a:solidFill>
-                  <a:schemeClr val="tx1"/>
-                </a:solidFill>
-                <a:latin typeface="+mn-lt"/>
-              </a:defRPr>
-            </a:lvl1pPr>
-            <a:lvl2pPr marL="457200" indent="0">
-              <a:buNone/>
-              <a:defRPr sz="1600">
-                <a:solidFill>
-                  <a:schemeClr val="bg1"/>
-                </a:solidFill>
-              </a:defRPr>
-            </a:lvl2pPr>
-            <a:lvl3pPr marL="914400" indent="0">
-              <a:buNone/>
-              <a:defRPr sz="1400">
-                <a:solidFill>
-                  <a:schemeClr val="bg1"/>
-                </a:solidFill>
-              </a:defRPr>
-            </a:lvl3pPr>
-            <a:lvl4pPr marL="1371600" indent="0">
-              <a:buNone/>
-              <a:defRPr sz="1200">
-                <a:solidFill>
-                  <a:schemeClr val="bg1"/>
-                </a:solidFill>
-              </a:defRPr>
-            </a:lvl4pPr>
-            <a:lvl5pPr marL="1828800" indent="0">
-              <a:buNone/>
-              <a:defRPr sz="1200">
-                <a:solidFill>
-                  <a:schemeClr val="bg1"/>
-                </a:solidFill>
-              </a:defRPr>
-            </a:lvl5pPr>
-          </a:lstStyle>
-          <a:p>
-            <a:pPr lvl="0"/>
-            <a:r>
-              <a:rPr lang="en-US" dirty="0"/>
-              <a:t>Add your text here</a:t>
-            </a:r>
-          </a:p>
-        </p:txBody>
-      </p:sp>
-      <p:sp>
-        <p:nvSpPr>
-          <p:cNvPr id="37" name="Text Placeholder 39">
-            <a:extLst>
-              <a:ext uri="{FF2B5EF4-FFF2-40B4-BE49-F238E27FC236}">
-                <a16:creationId xmlns:a16="http://schemas.microsoft.com/office/drawing/2014/main" id="{ACF86334-F4A8-4CCD-944F-524700CD8386}"/>
-              </a:ext>
-            </a:extLst>
-          </p:cNvPr>
-          <p:cNvSpPr>
-            <a:spLocks noGrp="1"/>
-          </p:cNvSpPr>
-          <p:nvPr>
-            <p:ph type="body" sz="quarter" idx="25" hasCustomPrompt="1"/>
-          </p:nvPr>
-        </p:nvSpPr>
-        <p:spPr>
-          <a:xfrm>
-            <a:off x="3316099" y="4302782"/>
-            <a:ext cx="2686613" cy="666781"/>
-          </a:xfrm>
-        </p:spPr>
-        <p:txBody>
-          <a:bodyPr anchor="t">
-            <a:noAutofit/>
-          </a:bodyPr>
-          <a:lstStyle>
-            <a:lvl1pPr marL="0" indent="0" algn="ctr">
-              <a:buNone/>
-              <a:defRPr sz="2000" b="1">
-                <a:solidFill>
-                  <a:schemeClr val="accent2"/>
-                </a:solidFill>
-                <a:latin typeface="+mj-lt"/>
-              </a:defRPr>
-            </a:lvl1pPr>
-            <a:lvl2pPr marL="457200" indent="0">
-              <a:buNone/>
-              <a:defRPr sz="1600">
-                <a:solidFill>
-                  <a:schemeClr val="bg1"/>
-                </a:solidFill>
-              </a:defRPr>
-            </a:lvl2pPr>
-            <a:lvl3pPr marL="914400" indent="0">
-              <a:buNone/>
-              <a:defRPr sz="1400">
-                <a:solidFill>
-                  <a:schemeClr val="bg1"/>
-                </a:solidFill>
-              </a:defRPr>
-            </a:lvl3pPr>
-            <a:lvl4pPr marL="1371600" indent="0">
-              <a:buNone/>
-              <a:defRPr sz="1200">
-                <a:solidFill>
-                  <a:schemeClr val="bg1"/>
-                </a:solidFill>
-              </a:defRPr>
-            </a:lvl4pPr>
-            <a:lvl5pPr marL="1828800" indent="0">
-              <a:buNone/>
-              <a:defRPr sz="1200">
-                <a:solidFill>
-                  <a:schemeClr val="bg1"/>
-                </a:solidFill>
-              </a:defRPr>
-            </a:lvl5pPr>
-          </a:lstStyle>
-          <a:p>
-            <a:pPr lvl="0"/>
-            <a:r>
-              <a:rPr lang="en-US" dirty="0"/>
-              <a:t>Add your text here</a:t>
-            </a:r>
-          </a:p>
-        </p:txBody>
-      </p:sp>
-      <p:sp>
-        <p:nvSpPr>
-          <p:cNvPr id="38" name="Text Placeholder 39">
-            <a:extLst>
-              <a:ext uri="{FF2B5EF4-FFF2-40B4-BE49-F238E27FC236}">
-                <a16:creationId xmlns:a16="http://schemas.microsoft.com/office/drawing/2014/main" id="{135B4AC9-821C-4D70-8A4A-1992394DE432}"/>
-              </a:ext>
-            </a:extLst>
-          </p:cNvPr>
-          <p:cNvSpPr>
-            <a:spLocks noGrp="1"/>
-          </p:cNvSpPr>
-          <p:nvPr>
-            <p:ph type="body" sz="quarter" idx="26" hasCustomPrompt="1"/>
-          </p:nvPr>
-        </p:nvSpPr>
-        <p:spPr>
-          <a:xfrm>
-            <a:off x="3316099" y="5058156"/>
-            <a:ext cx="2686613" cy="666781"/>
-          </a:xfrm>
-        </p:spPr>
-        <p:txBody>
-          <a:bodyPr anchor="t">
-            <a:noAutofit/>
-          </a:bodyPr>
-          <a:lstStyle>
-            <a:lvl1pPr marL="0" indent="0" algn="ctr">
-              <a:buNone/>
-              <a:defRPr sz="1600" b="0">
-                <a:solidFill>
-                  <a:schemeClr val="tx1"/>
-                </a:solidFill>
-                <a:latin typeface="+mn-lt"/>
-              </a:defRPr>
-            </a:lvl1pPr>
-            <a:lvl2pPr marL="457200" indent="0">
-              <a:buNone/>
-              <a:defRPr sz="1600">
-                <a:solidFill>
-                  <a:schemeClr val="bg1"/>
-                </a:solidFill>
-              </a:defRPr>
-            </a:lvl2pPr>
-            <a:lvl3pPr marL="914400" indent="0">
-              <a:buNone/>
-              <a:defRPr sz="1400">
-                <a:solidFill>
-                  <a:schemeClr val="bg1"/>
-                </a:solidFill>
-              </a:defRPr>
-            </a:lvl3pPr>
-            <a:lvl4pPr marL="1371600" indent="0">
-              <a:buNone/>
-              <a:defRPr sz="1200">
-                <a:solidFill>
-                  <a:schemeClr val="bg1"/>
-                </a:solidFill>
-              </a:defRPr>
-            </a:lvl4pPr>
-            <a:lvl5pPr marL="1828800" indent="0">
-              <a:buNone/>
-              <a:defRPr sz="1200">
-                <a:solidFill>
-                  <a:schemeClr val="bg1"/>
-                </a:solidFill>
-              </a:defRPr>
-            </a:lvl5pPr>
-          </a:lstStyle>
-          <a:p>
-            <a:pPr lvl="0"/>
-            <a:r>
-              <a:rPr lang="en-US" dirty="0"/>
-              <a:t>Add your text here</a:t>
-            </a:r>
-          </a:p>
-        </p:txBody>
-      </p:sp>
-      <p:sp>
-        <p:nvSpPr>
-          <p:cNvPr id="40" name="Text Placeholder 39">
-            <a:extLst>
-              <a:ext uri="{FF2B5EF4-FFF2-40B4-BE49-F238E27FC236}">
-                <a16:creationId xmlns:a16="http://schemas.microsoft.com/office/drawing/2014/main" id="{D2CF516C-7598-43D3-95E9-5633F8F4469B}"/>
-              </a:ext>
-            </a:extLst>
-          </p:cNvPr>
-          <p:cNvSpPr>
-            <a:spLocks noGrp="1"/>
-          </p:cNvSpPr>
-          <p:nvPr>
-            <p:ph type="body" sz="quarter" idx="27" hasCustomPrompt="1"/>
-          </p:nvPr>
-        </p:nvSpPr>
-        <p:spPr>
-          <a:xfrm>
-            <a:off x="6260723" y="4302782"/>
-            <a:ext cx="2686613" cy="666781"/>
-          </a:xfrm>
-        </p:spPr>
-        <p:txBody>
-          <a:bodyPr anchor="t">
-            <a:noAutofit/>
-          </a:bodyPr>
-          <a:lstStyle>
-            <a:lvl1pPr marL="0" indent="0" algn="ctr">
-              <a:buNone/>
-              <a:defRPr sz="2000" b="1">
-                <a:solidFill>
-                  <a:schemeClr val="accent4"/>
-                </a:solidFill>
-                <a:latin typeface="+mj-lt"/>
-              </a:defRPr>
-            </a:lvl1pPr>
-            <a:lvl2pPr marL="457200" indent="0">
-              <a:buNone/>
-              <a:defRPr sz="1600">
-                <a:solidFill>
-                  <a:schemeClr val="bg1"/>
-                </a:solidFill>
-              </a:defRPr>
-            </a:lvl2pPr>
-            <a:lvl3pPr marL="914400" indent="0">
-              <a:buNone/>
-              <a:defRPr sz="1400">
-                <a:solidFill>
-                  <a:schemeClr val="bg1"/>
-                </a:solidFill>
-              </a:defRPr>
-            </a:lvl3pPr>
-            <a:lvl4pPr marL="1371600" indent="0">
-              <a:buNone/>
-              <a:defRPr sz="1200">
-                <a:solidFill>
-                  <a:schemeClr val="bg1"/>
-                </a:solidFill>
-              </a:defRPr>
-            </a:lvl4pPr>
-            <a:lvl5pPr marL="1828800" indent="0">
-              <a:buNone/>
-              <a:defRPr sz="1200">
-                <a:solidFill>
-                  <a:schemeClr val="bg1"/>
-                </a:solidFill>
-              </a:defRPr>
-            </a:lvl5pPr>
-          </a:lstStyle>
-          <a:p>
-            <a:pPr lvl="0"/>
-            <a:r>
-              <a:rPr lang="en-US" dirty="0"/>
-              <a:t>Add your text here</a:t>
-            </a:r>
-          </a:p>
-        </p:txBody>
-      </p:sp>
-      <p:sp>
-        <p:nvSpPr>
-          <p:cNvPr id="41" name="Text Placeholder 39">
-            <a:extLst>
-              <a:ext uri="{FF2B5EF4-FFF2-40B4-BE49-F238E27FC236}">
-                <a16:creationId xmlns:a16="http://schemas.microsoft.com/office/drawing/2014/main" id="{12A6084C-5383-4EFC-8D49-33C5B61E6492}"/>
-              </a:ext>
-            </a:extLst>
-          </p:cNvPr>
-          <p:cNvSpPr>
-            <a:spLocks noGrp="1"/>
-          </p:cNvSpPr>
-          <p:nvPr>
-            <p:ph type="body" sz="quarter" idx="28" hasCustomPrompt="1"/>
-          </p:nvPr>
-        </p:nvSpPr>
-        <p:spPr>
-          <a:xfrm>
-            <a:off x="6260723" y="5058156"/>
-            <a:ext cx="2686613" cy="666781"/>
-          </a:xfrm>
-        </p:spPr>
-        <p:txBody>
-          <a:bodyPr anchor="t">
-            <a:noAutofit/>
-          </a:bodyPr>
-          <a:lstStyle>
-            <a:lvl1pPr marL="0" indent="0" algn="ctr">
-              <a:buNone/>
-              <a:defRPr sz="1600" b="0">
-                <a:solidFill>
-                  <a:schemeClr val="tx1"/>
-                </a:solidFill>
-                <a:latin typeface="+mn-lt"/>
-              </a:defRPr>
-            </a:lvl1pPr>
-            <a:lvl2pPr marL="457200" indent="0">
-              <a:buNone/>
-              <a:defRPr sz="1600">
-                <a:solidFill>
-                  <a:schemeClr val="bg1"/>
-                </a:solidFill>
-              </a:defRPr>
-            </a:lvl2pPr>
-            <a:lvl3pPr marL="914400" indent="0">
-              <a:buNone/>
-              <a:defRPr sz="1400">
-                <a:solidFill>
-                  <a:schemeClr val="bg1"/>
-                </a:solidFill>
-              </a:defRPr>
-            </a:lvl3pPr>
-            <a:lvl4pPr marL="1371600" indent="0">
-              <a:buNone/>
-              <a:defRPr sz="1200">
-                <a:solidFill>
-                  <a:schemeClr val="bg1"/>
-                </a:solidFill>
-              </a:defRPr>
-            </a:lvl4pPr>
-            <a:lvl5pPr marL="1828800" indent="0">
-              <a:buNone/>
-              <a:defRPr sz="1200">
-                <a:solidFill>
-                  <a:schemeClr val="bg1"/>
-                </a:solidFill>
-              </a:defRPr>
-            </a:lvl5pPr>
-          </a:lstStyle>
-          <a:p>
-            <a:pPr lvl="0"/>
-            <a:r>
-              <a:rPr lang="en-US" dirty="0"/>
-              <a:t>Add your text here</a:t>
-            </a:r>
-          </a:p>
-        </p:txBody>
-      </p:sp>
-      <p:sp>
-        <p:nvSpPr>
-          <p:cNvPr id="42" name="Text Placeholder 39">
-            <a:extLst>
-              <a:ext uri="{FF2B5EF4-FFF2-40B4-BE49-F238E27FC236}">
-                <a16:creationId xmlns:a16="http://schemas.microsoft.com/office/drawing/2014/main" id="{EFC5493B-D3CF-41B9-A996-7FBE932504B8}"/>
-              </a:ext>
-            </a:extLst>
-          </p:cNvPr>
-          <p:cNvSpPr>
-            <a:spLocks noGrp="1"/>
-          </p:cNvSpPr>
-          <p:nvPr>
-            <p:ph type="body" sz="quarter" idx="29" hasCustomPrompt="1"/>
-          </p:nvPr>
-        </p:nvSpPr>
-        <p:spPr>
-          <a:xfrm>
-            <a:off x="9205350" y="4302782"/>
-            <a:ext cx="2686613" cy="666781"/>
-          </a:xfrm>
-        </p:spPr>
-        <p:txBody>
-          <a:bodyPr anchor="t">
-            <a:noAutofit/>
-          </a:bodyPr>
-          <a:lstStyle>
-            <a:lvl1pPr marL="0" indent="0" algn="ctr">
-              <a:buNone/>
-              <a:defRPr sz="2000" b="1">
-                <a:solidFill>
-                  <a:schemeClr val="accent6"/>
-                </a:solidFill>
-                <a:latin typeface="+mj-lt"/>
-              </a:defRPr>
-            </a:lvl1pPr>
-            <a:lvl2pPr marL="457200" indent="0">
-              <a:buNone/>
-              <a:defRPr sz="1600">
-                <a:solidFill>
-                  <a:schemeClr val="bg1"/>
-                </a:solidFill>
-              </a:defRPr>
-            </a:lvl2pPr>
-            <a:lvl3pPr marL="914400" indent="0">
-              <a:buNone/>
-              <a:defRPr sz="1400">
-                <a:solidFill>
-                  <a:schemeClr val="bg1"/>
-                </a:solidFill>
-              </a:defRPr>
-            </a:lvl3pPr>
-            <a:lvl4pPr marL="1371600" indent="0">
-              <a:buNone/>
-              <a:defRPr sz="1200">
-                <a:solidFill>
-                  <a:schemeClr val="bg1"/>
-                </a:solidFill>
-              </a:defRPr>
-            </a:lvl4pPr>
-            <a:lvl5pPr marL="1828800" indent="0">
-              <a:buNone/>
-              <a:defRPr sz="1200">
-                <a:solidFill>
-                  <a:schemeClr val="bg1"/>
-                </a:solidFill>
-              </a:defRPr>
-            </a:lvl5pPr>
-          </a:lstStyle>
-          <a:p>
-            <a:pPr lvl="0"/>
-            <a:r>
-              <a:rPr lang="en-US" dirty="0"/>
-              <a:t>Add your text here</a:t>
-            </a:r>
-          </a:p>
-        </p:txBody>
-      </p:sp>
-      <p:sp>
-        <p:nvSpPr>
-          <p:cNvPr id="44" name="Text Placeholder 39">
-            <a:extLst>
-              <a:ext uri="{FF2B5EF4-FFF2-40B4-BE49-F238E27FC236}">
-                <a16:creationId xmlns:a16="http://schemas.microsoft.com/office/drawing/2014/main" id="{33A98F60-C169-44C1-9654-2239C9C1F29A}"/>
-              </a:ext>
-            </a:extLst>
-          </p:cNvPr>
-          <p:cNvSpPr>
-            <a:spLocks noGrp="1"/>
-          </p:cNvSpPr>
-          <p:nvPr>
-            <p:ph type="body" sz="quarter" idx="30" hasCustomPrompt="1"/>
-          </p:nvPr>
-        </p:nvSpPr>
-        <p:spPr>
-          <a:xfrm>
-            <a:off x="9205350" y="5058156"/>
-            <a:ext cx="2686613" cy="666781"/>
-          </a:xfrm>
-        </p:spPr>
-        <p:txBody>
-          <a:bodyPr anchor="t">
-            <a:noAutofit/>
-          </a:bodyPr>
-          <a:lstStyle>
-            <a:lvl1pPr marL="0" indent="0" algn="ctr">
-              <a:buNone/>
-              <a:defRPr sz="1600" b="0">
-                <a:solidFill>
-                  <a:schemeClr val="tx1"/>
-                </a:solidFill>
-                <a:latin typeface="+mn-lt"/>
-              </a:defRPr>
-            </a:lvl1pPr>
-            <a:lvl2pPr marL="457200" indent="0">
-              <a:buNone/>
-              <a:defRPr sz="1600">
-                <a:solidFill>
-                  <a:schemeClr val="bg1"/>
-                </a:solidFill>
-              </a:defRPr>
-            </a:lvl2pPr>
-            <a:lvl3pPr marL="914400" indent="0">
-              <a:buNone/>
-              <a:defRPr sz="1400">
-                <a:solidFill>
-                  <a:schemeClr val="bg1"/>
-                </a:solidFill>
-              </a:defRPr>
-            </a:lvl3pPr>
-            <a:lvl4pPr marL="1371600" indent="0">
-              <a:buNone/>
-              <a:defRPr sz="1200">
-                <a:solidFill>
-                  <a:schemeClr val="bg1"/>
-                </a:solidFill>
-              </a:defRPr>
-            </a:lvl4pPr>
-            <a:lvl5pPr marL="1828800" indent="0">
-              <a:buNone/>
-              <a:defRPr sz="1200">
-                <a:solidFill>
-                  <a:schemeClr val="bg1"/>
-                </a:solidFill>
-              </a:defRPr>
-            </a:lvl5pPr>
-          </a:lstStyle>
-          <a:p>
-            <a:pPr lvl="0"/>
-            <a:r>
-              <a:rPr lang="en-US" dirty="0"/>
-              <a:t>Add your text here</a:t>
-            </a:r>
-          </a:p>
-        </p:txBody>
-      </p:sp>
-    </p:spTree>
-    <p:extLst>
-      <p:ext uri="{BB962C8B-B14F-4D97-AF65-F5344CB8AC3E}">
-        <p14:creationId xmlns:p14="http://schemas.microsoft.com/office/powerpoint/2010/main" val="2754326552"/>
-      </p:ext>
-    </p:extLst>
-  </p:cSld>
-  <p:clrMapOvr>
-    <a:masterClrMapping/>
-  </p:clrMapOvr>
-</p:sldLayout>
-</file>
-
-<file path=ppt/slideLayouts/slideLayout26.xml><?xml version="1.0" encoding="utf-8"?>
 <p:sldLayout xmlns:a="http://schemas.openxmlformats.org/drawingml/2006/main" xmlns:r="http://schemas.openxmlformats.org/officeDocument/2006/relationships" xmlns:p="http://schemas.openxmlformats.org/presentationml/2006/main" userDrawn="1">
   <p:cSld name="12_Title Only">
     <p:spTree>
@@ -9930,7 +7438,7 @@
     </p:spTree>
     <p:extLst>
       <p:ext uri="{BB962C8B-B14F-4D97-AF65-F5344CB8AC3E}">
-        <p14:creationId xmlns:p14="http://schemas.microsoft.com/office/powerpoint/2010/main" val="2340218973"/>
+        <p14:creationId xmlns:p14="http://schemas.microsoft.com/office/powerpoint/2010/main" val="2455845720"/>
       </p:ext>
     </p:extLst>
   </p:cSld>
@@ -9940,7 +7448,7 @@
 </p:sldLayout>
 </file>
 
-<file path=ppt/slideLayouts/slideLayout27.xml><?xml version="1.0" encoding="utf-8"?>
+<file path=ppt/slideLayouts/slideLayout24.xml><?xml version="1.0" encoding="utf-8"?>
 <p:sldLayout xmlns:a="http://schemas.openxmlformats.org/drawingml/2006/main" xmlns:r="http://schemas.openxmlformats.org/officeDocument/2006/relationships" xmlns:p="http://schemas.openxmlformats.org/presentationml/2006/main" preserve="1" userDrawn="1">
   <p:cSld name="2_Title Slide">
     <p:spTree>
@@ -10234,7 +7742,7 @@
 </p:sldLayout>
 </file>
 
-<file path=ppt/slideLayouts/slideLayout28.xml><?xml version="1.0" encoding="utf-8"?>
+<file path=ppt/slideLayouts/slideLayout25.xml><?xml version="1.0" encoding="utf-8"?>
 <p:sldLayout xmlns:a="http://schemas.openxmlformats.org/drawingml/2006/main" xmlns:r="http://schemas.openxmlformats.org/officeDocument/2006/relationships" xmlns:p="http://schemas.openxmlformats.org/presentationml/2006/main" preserve="1" userDrawn="1">
   <p:cSld name="3_Title Slide">
     <p:spTree>
@@ -10481,7 +7989,7 @@
 </p:sldLayout>
 </file>
 
-<file path=ppt/slideLayouts/slideLayout29.xml><?xml version="1.0" encoding="utf-8"?>
+<file path=ppt/slideLayouts/slideLayout26.xml><?xml version="1.0" encoding="utf-8"?>
 <p:sldLayout xmlns:a="http://schemas.openxmlformats.org/drawingml/2006/main" xmlns:r="http://schemas.openxmlformats.org/officeDocument/2006/relationships" xmlns:p="http://schemas.openxmlformats.org/presentationml/2006/main" preserve="1" userDrawn="1">
   <p:cSld name="4_Title Slide">
     <p:spTree>
@@ -10832,9 +8340,9 @@
 </p:sldLayout>
 </file>
 
-<file path=ppt/slideLayouts/slideLayout3.xml><?xml version="1.0" encoding="utf-8"?>
-<p:sldLayout xmlns:a="http://schemas.openxmlformats.org/drawingml/2006/main" xmlns:r="http://schemas.openxmlformats.org/officeDocument/2006/relationships" xmlns:p="http://schemas.openxmlformats.org/presentationml/2006/main" type="secHead" preserve="1">
-  <p:cSld name="Section Header">
+<file path=ppt/slideLayouts/slideLayout27.xml><?xml version="1.0" encoding="utf-8"?>
+<p:sldLayout xmlns:a="http://schemas.openxmlformats.org/drawingml/2006/main" xmlns:r="http://schemas.openxmlformats.org/officeDocument/2006/relationships" xmlns:p="http://schemas.openxmlformats.org/presentationml/2006/main" preserve="1" userDrawn="1">
+  <p:cSld name="5_Title Slide">
     <p:spTree>
       <p:nvGrpSpPr>
         <p:cNvPr id="1" name=""/>
@@ -10851,237 +8359,10 @@
       </p:grpSpPr>
       <p:sp>
         <p:nvSpPr>
-          <p:cNvPr id="7" name="Title 1"/>
-          <p:cNvSpPr>
-            <a:spLocks noGrp="1"/>
-          </p:cNvSpPr>
-          <p:nvPr>
-            <p:ph type="ctrTitle"/>
-          </p:nvPr>
-        </p:nvSpPr>
-        <p:spPr>
-          <a:xfrm>
-            <a:off x="854532" y="4464028"/>
-            <a:ext cx="9144000" cy="1641490"/>
-          </a:xfrm>
-        </p:spPr>
-        <p:txBody>
-          <a:bodyPr wrap="none" anchor="t">
-            <a:normAutofit/>
-          </a:bodyPr>
-          <a:lstStyle>
-            <a:lvl1pPr algn="l">
-              <a:defRPr sz="9600" b="0" spc="-300">
-                <a:gradFill flip="none" rotWithShape="1">
-                  <a:gsLst>
-                    <a:gs pos="32000">
-                      <a:schemeClr val="tx1">
-                        <a:lumMod val="89000"/>
-                      </a:schemeClr>
-                    </a:gs>
-                    <a:gs pos="0">
-                      <a:schemeClr val="bg1">
-                        <a:lumMod val="32000"/>
-                        <a:lumOff val="68000"/>
-                      </a:schemeClr>
-                    </a:gs>
-                    <a:gs pos="100000">
-                      <a:schemeClr val="tx2">
-                        <a:lumMod val="0"/>
-                        <a:lumOff val="100000"/>
-                      </a:schemeClr>
-                    </a:gs>
-                  </a:gsLst>
-                  <a:lin ang="8100000" scaled="1"/>
-                  <a:tileRect/>
-                </a:gradFill>
-                <a:effectLst>
-                  <a:outerShdw blurRad="469900" dist="342900" dir="5400000" sy="-20000" rotWithShape="0">
-                    <a:prstClr val="black">
-                      <a:alpha val="66000"/>
-                    </a:prstClr>
-                  </a:outerShdw>
-                </a:effectLst>
-                <a:latin typeface="+mj-lt"/>
-              </a:defRPr>
-            </a:lvl1pPr>
-          </a:lstStyle>
-          <a:p>
-            <a:r>
-              <a:rPr lang="en-US"/>
-              <a:t>Click to edit Master title style</a:t>
-            </a:r>
-            <a:endParaRPr lang="en-US" dirty="0"/>
-          </a:p>
-        </p:txBody>
-      </p:sp>
-      <p:sp>
-        <p:nvSpPr>
-          <p:cNvPr id="8" name="Subtitle 2"/>
-          <p:cNvSpPr>
-            <a:spLocks noGrp="1"/>
-          </p:cNvSpPr>
-          <p:nvPr>
-            <p:ph type="subTitle" idx="1"/>
-          </p:nvPr>
-        </p:nvSpPr>
-        <p:spPr>
-          <a:xfrm>
-            <a:off x="854532" y="3693674"/>
-            <a:ext cx="9144000" cy="754025"/>
-          </a:xfrm>
-        </p:spPr>
-        <p:txBody>
-          <a:bodyPr anchor="b">
-            <a:normAutofit/>
-          </a:bodyPr>
-          <a:lstStyle>
-            <a:lvl1pPr marL="0" indent="0" algn="l">
-              <a:buNone/>
-              <a:defRPr sz="3200" b="0">
-                <a:gradFill flip="none" rotWithShape="1">
-                  <a:gsLst>
-                    <a:gs pos="15000">
-                      <a:schemeClr val="tx2"/>
-                    </a:gs>
-                    <a:gs pos="73000">
-                      <a:schemeClr val="tx2">
-                        <a:lumMod val="60000"/>
-                        <a:lumOff val="40000"/>
-                      </a:schemeClr>
-                    </a:gs>
-                    <a:gs pos="0">
-                      <a:schemeClr val="tx2">
-                        <a:lumMod val="90000"/>
-                        <a:lumOff val="10000"/>
-                      </a:schemeClr>
-                    </a:gs>
-                    <a:gs pos="100000">
-                      <a:schemeClr val="tx2">
-                        <a:lumMod val="0"/>
-                        <a:lumOff val="100000"/>
-                      </a:schemeClr>
-                    </a:gs>
-                  </a:gsLst>
-                  <a:lin ang="16200000" scaled="1"/>
-                  <a:tileRect/>
-                </a:gradFill>
-                <a:latin typeface="+mj-lt"/>
-              </a:defRPr>
-            </a:lvl1pPr>
-            <a:lvl2pPr marL="457200" indent="0" algn="ctr">
-              <a:buNone/>
-              <a:defRPr sz="2000"/>
-            </a:lvl2pPr>
-            <a:lvl3pPr marL="914400" indent="0" algn="ctr">
-              <a:buNone/>
-              <a:defRPr sz="1800"/>
-            </a:lvl3pPr>
-            <a:lvl4pPr marL="1371600" indent="0" algn="ctr">
-              <a:buNone/>
-              <a:defRPr sz="1600"/>
-            </a:lvl4pPr>
-            <a:lvl5pPr marL="1828800" indent="0" algn="ctr">
-              <a:buNone/>
-              <a:defRPr sz="1600"/>
-            </a:lvl5pPr>
-            <a:lvl6pPr marL="2286000" indent="0" algn="ctr">
-              <a:buNone/>
-              <a:defRPr sz="1600"/>
-            </a:lvl6pPr>
-            <a:lvl7pPr marL="2743200" indent="0" algn="ctr">
-              <a:buNone/>
-              <a:defRPr sz="1600"/>
-            </a:lvl7pPr>
-            <a:lvl8pPr marL="3200400" indent="0" algn="ctr">
-              <a:buNone/>
-              <a:defRPr sz="1600"/>
-            </a:lvl8pPr>
-            <a:lvl9pPr marL="3657600" indent="0" algn="ctr">
-              <a:buNone/>
-              <a:defRPr sz="1600"/>
-            </a:lvl9pPr>
-          </a:lstStyle>
-          <a:p>
-            <a:r>
-              <a:rPr lang="en-US"/>
-              <a:t>Click to edit Master subtitle style</a:t>
-            </a:r>
-            <a:endParaRPr lang="en-US" dirty="0"/>
-          </a:p>
-        </p:txBody>
-      </p:sp>
-      <p:sp>
-        <p:nvSpPr>
-          <p:cNvPr id="4" name="Date Placeholder 3"/>
-          <p:cNvSpPr>
-            <a:spLocks noGrp="1"/>
-          </p:cNvSpPr>
-          <p:nvPr>
-            <p:ph type="dt" sz="half" idx="10"/>
-          </p:nvPr>
-        </p:nvSpPr>
-        <p:spPr/>
-        <p:txBody>
-          <a:bodyPr/>
-          <a:lstStyle/>
-          <a:p>
-            <a:fld id="{48A87A34-81AB-432B-8DAE-1953F412C126}" type="datetimeFigureOut">
-              <a:rPr lang="en-US" smtClean="0"/>
-              <a:t>5/16/2023</a:t>
-            </a:fld>
-            <a:endParaRPr lang="en-US" dirty="0"/>
-          </a:p>
-        </p:txBody>
-      </p:sp>
-      <p:sp>
-        <p:nvSpPr>
-          <p:cNvPr id="5" name="Footer Placeholder 4"/>
-          <p:cNvSpPr>
-            <a:spLocks noGrp="1"/>
-          </p:cNvSpPr>
-          <p:nvPr>
-            <p:ph type="ftr" sz="quarter" idx="11"/>
-          </p:nvPr>
-        </p:nvSpPr>
-        <p:spPr/>
-        <p:txBody>
-          <a:bodyPr/>
-          <a:lstStyle/>
-          <a:p>
-            <a:endParaRPr lang="en-US" dirty="0"/>
-          </a:p>
-        </p:txBody>
-      </p:sp>
-      <p:sp>
-        <p:nvSpPr>
-          <p:cNvPr id="6" name="Slide Number Placeholder 5"/>
-          <p:cNvSpPr>
-            <a:spLocks noGrp="1"/>
-          </p:cNvSpPr>
-          <p:nvPr>
-            <p:ph type="sldNum" sz="quarter" idx="12"/>
-          </p:nvPr>
-        </p:nvSpPr>
-        <p:spPr/>
-        <p:txBody>
-          <a:bodyPr/>
-          <a:lstStyle/>
-          <a:p>
-            <a:fld id="{03DC2DEF-D2FE-4B45-ABA4-9F153FD1C98A}" type="slidenum">
-              <a:rPr lang="en-US" smtClean="0"/>
-              <a:t>‹#›</a:t>
-            </a:fld>
-            <a:endParaRPr lang="en-US" dirty="0"/>
-          </a:p>
-        </p:txBody>
-      </p:sp>
-      <p:sp>
-        <p:nvSpPr>
-          <p:cNvPr id="2" name="Rectangle 1">
-            <a:extLst>
-              <a:ext uri="{FF2B5EF4-FFF2-40B4-BE49-F238E27FC236}">
-                <a16:creationId xmlns:a16="http://schemas.microsoft.com/office/drawing/2014/main" id="{95698146-6947-92F2-2D9E-5F2FCE0E467F}"/>
+          <p:cNvPr id="7" name="Rectangle 6">
+            <a:extLst>
+              <a:ext uri="{FF2B5EF4-FFF2-40B4-BE49-F238E27FC236}">
+                <a16:creationId xmlns:a16="http://schemas.microsoft.com/office/drawing/2014/main" id="{76607FB0-0FB2-41FD-B334-74C7B05B8CEE}"/>
               </a:ext>
             </a:extLst>
           </p:cNvPr>
@@ -11091,13 +8372,13 @@
         <p:spPr>
           <a:xfrm>
             <a:off x="0" y="0"/>
-            <a:ext cx="12192000" cy="6381750"/>
+            <a:ext cx="12192000" cy="6858000"/>
           </a:xfrm>
           <a:prstGeom prst="rect">
             <a:avLst/>
           </a:prstGeom>
           <a:solidFill>
-            <a:schemeClr val="bg1"/>
+            <a:schemeClr val="accent1"/>
           </a:solidFill>
           <a:ln>
             <a:noFill/>
@@ -11130,10 +8411,10 @@
       </p:sp>
       <p:sp>
         <p:nvSpPr>
-          <p:cNvPr id="3" name="Rectangle 2">
-            <a:extLst>
-              <a:ext uri="{FF2B5EF4-FFF2-40B4-BE49-F238E27FC236}">
-                <a16:creationId xmlns:a16="http://schemas.microsoft.com/office/drawing/2014/main" id="{E8815A47-CE6A-6971-8B19-D788C73DFD75}"/>
+          <p:cNvPr id="15" name="Rectangle 14">
+            <a:extLst>
+              <a:ext uri="{FF2B5EF4-FFF2-40B4-BE49-F238E27FC236}">
+                <a16:creationId xmlns:a16="http://schemas.microsoft.com/office/drawing/2014/main" id="{1517DDCC-4521-4225-8F36-D4B39128409A}"/>
               </a:ext>
             </a:extLst>
           </p:cNvPr>
@@ -11142,12 +8423,17 @@
         </p:nvSpPr>
         <p:spPr>
           <a:xfrm>
-            <a:off x="0" y="1389743"/>
-            <a:ext cx="12192000" cy="4078515"/>
+            <a:off x="8991600" y="3965574"/>
+            <a:ext cx="3200400" cy="2892426"/>
           </a:xfrm>
           <a:prstGeom prst="rect">
             <a:avLst/>
           </a:prstGeom>
+          <a:solidFill>
+            <a:schemeClr val="accent4">
+              <a:lumMod val="75000"/>
+            </a:schemeClr>
+          </a:solidFill>
           <a:ln>
             <a:noFill/>
           </a:ln>
@@ -11179,10 +8465,10 @@
       </p:sp>
       <p:sp>
         <p:nvSpPr>
-          <p:cNvPr id="9" name="Rectangle 8">
-            <a:extLst>
-              <a:ext uri="{FF2B5EF4-FFF2-40B4-BE49-F238E27FC236}">
-                <a16:creationId xmlns:a16="http://schemas.microsoft.com/office/drawing/2014/main" id="{B2C0FCBC-82DD-DB1F-FEA5-2F43CB33BB48}"/>
+          <p:cNvPr id="6" name="Rectangle 5">
+            <a:extLst>
+              <a:ext uri="{FF2B5EF4-FFF2-40B4-BE49-F238E27FC236}">
+                <a16:creationId xmlns:a16="http://schemas.microsoft.com/office/drawing/2014/main" id="{B16570C8-2343-4B74-AF97-DC7CE5D92865}"/>
               </a:ext>
             </a:extLst>
           </p:cNvPr>
@@ -11191,14 +8477,16 @@
         </p:nvSpPr>
         <p:spPr>
           <a:xfrm>
-            <a:off x="371475" y="580571"/>
-            <a:ext cx="1573439" cy="1500187"/>
+            <a:off x="0" y="0"/>
+            <a:ext cx="3200400" cy="2892426"/>
           </a:xfrm>
           <a:prstGeom prst="rect">
             <a:avLst/>
           </a:prstGeom>
           <a:solidFill>
-            <a:schemeClr val="accent6"/>
+            <a:schemeClr val="accent1">
+              <a:lumMod val="75000"/>
+            </a:schemeClr>
           </a:solidFill>
           <a:ln>
             <a:noFill/>
@@ -11231,10 +8519,56 @@
       </p:sp>
       <p:sp>
         <p:nvSpPr>
-          <p:cNvPr id="10" name="Rectangle 9">
-            <a:extLst>
-              <a:ext uri="{FF2B5EF4-FFF2-40B4-BE49-F238E27FC236}">
-                <a16:creationId xmlns:a16="http://schemas.microsoft.com/office/drawing/2014/main" id="{CBEDF05A-424F-9121-18D1-49F334B9AB4C}"/>
+          <p:cNvPr id="9" name="Picture Placeholder 8">
+            <a:extLst>
+              <a:ext uri="{FF2B5EF4-FFF2-40B4-BE49-F238E27FC236}">
+                <a16:creationId xmlns:a16="http://schemas.microsoft.com/office/drawing/2014/main" id="{2D02598E-521E-41CD-B068-134834CFF4FF}"/>
+              </a:ext>
+            </a:extLst>
+          </p:cNvPr>
+          <p:cNvSpPr>
+            <a:spLocks noGrp="1"/>
+          </p:cNvSpPr>
+          <p:nvPr userDrawn="1">
+            <p:ph type="pic" sz="quarter" idx="10"/>
+          </p:nvPr>
+        </p:nvSpPr>
+        <p:spPr>
+          <a:xfrm>
+            <a:off x="371476" y="278606"/>
+            <a:ext cx="11520487" cy="3150394"/>
+          </a:xfrm>
+          <a:solidFill>
+            <a:schemeClr val="bg1">
+              <a:lumMod val="95000"/>
+            </a:schemeClr>
+          </a:solidFill>
+        </p:spPr>
+        <p:txBody>
+          <a:bodyPr>
+            <a:normAutofit/>
+          </a:bodyPr>
+          <a:lstStyle>
+            <a:lvl1pPr marL="0" indent="0" algn="ctr">
+              <a:buNone/>
+              <a:defRPr sz="1800"/>
+            </a:lvl1pPr>
+          </a:lstStyle>
+          <a:p>
+            <a:r>
+              <a:rPr lang="en-US"/>
+              <a:t>Click icon to add picture</a:t>
+            </a:r>
+            <a:endParaRPr lang="en-US" dirty="0"/>
+          </a:p>
+        </p:txBody>
+      </p:sp>
+      <p:sp>
+        <p:nvSpPr>
+          <p:cNvPr id="14" name="Rectangle 13">
+            <a:extLst>
+              <a:ext uri="{FF2B5EF4-FFF2-40B4-BE49-F238E27FC236}">
+                <a16:creationId xmlns:a16="http://schemas.microsoft.com/office/drawing/2014/main" id="{40B27536-7968-45BB-9FA8-DF1A47A47827}"/>
               </a:ext>
             </a:extLst>
           </p:cNvPr>
@@ -11243,14 +8577,14 @@
         </p:nvSpPr>
         <p:spPr>
           <a:xfrm>
-            <a:off x="7097486" y="5105274"/>
-            <a:ext cx="4794477" cy="725966"/>
+            <a:off x="371476" y="3429000"/>
+            <a:ext cx="11520487" cy="2771775"/>
           </a:xfrm>
           <a:prstGeom prst="rect">
             <a:avLst/>
           </a:prstGeom>
           <a:solidFill>
-            <a:schemeClr val="accent6"/>
+            <a:schemeClr val="bg1"/>
           </a:solidFill>
           <a:ln>
             <a:noFill/>
@@ -11281,294 +8615,6 @@
           </a:p>
         </p:txBody>
       </p:sp>
-    </p:spTree>
-    <p:extLst>
-      <p:ext uri="{BB962C8B-B14F-4D97-AF65-F5344CB8AC3E}">
-        <p14:creationId xmlns:p14="http://schemas.microsoft.com/office/powerpoint/2010/main" val="597411661"/>
-      </p:ext>
-    </p:extLst>
-  </p:cSld>
-  <p:clrMapOvr>
-    <a:masterClrMapping/>
-  </p:clrMapOvr>
-</p:sldLayout>
-</file>
-
-<file path=ppt/slideLayouts/slideLayout30.xml><?xml version="1.0" encoding="utf-8"?>
-<p:sldLayout xmlns:a="http://schemas.openxmlformats.org/drawingml/2006/main" xmlns:r="http://schemas.openxmlformats.org/officeDocument/2006/relationships" xmlns:p="http://schemas.openxmlformats.org/presentationml/2006/main" preserve="1" userDrawn="1">
-  <p:cSld name="5_Title Slide">
-    <p:spTree>
-      <p:nvGrpSpPr>
-        <p:cNvPr id="1" name=""/>
-        <p:cNvGrpSpPr/>
-        <p:nvPr/>
-      </p:nvGrpSpPr>
-      <p:grpSpPr>
-        <a:xfrm>
-          <a:off x="0" y="0"/>
-          <a:ext cx="0" cy="0"/>
-          <a:chOff x="0" y="0"/>
-          <a:chExt cx="0" cy="0"/>
-        </a:xfrm>
-      </p:grpSpPr>
-      <p:sp>
-        <p:nvSpPr>
-          <p:cNvPr id="7" name="Rectangle 6">
-            <a:extLst>
-              <a:ext uri="{FF2B5EF4-FFF2-40B4-BE49-F238E27FC236}">
-                <a16:creationId xmlns:a16="http://schemas.microsoft.com/office/drawing/2014/main" id="{76607FB0-0FB2-41FD-B334-74C7B05B8CEE}"/>
-              </a:ext>
-            </a:extLst>
-          </p:cNvPr>
-          <p:cNvSpPr/>
-          <p:nvPr userDrawn="1"/>
-        </p:nvSpPr>
-        <p:spPr>
-          <a:xfrm>
-            <a:off x="0" y="0"/>
-            <a:ext cx="12192000" cy="6858000"/>
-          </a:xfrm>
-          <a:prstGeom prst="rect">
-            <a:avLst/>
-          </a:prstGeom>
-          <a:solidFill>
-            <a:schemeClr val="accent1"/>
-          </a:solidFill>
-          <a:ln>
-            <a:noFill/>
-          </a:ln>
-        </p:spPr>
-        <p:style>
-          <a:lnRef idx="2">
-            <a:schemeClr val="accent1">
-              <a:shade val="50000"/>
-            </a:schemeClr>
-          </a:lnRef>
-          <a:fillRef idx="1">
-            <a:schemeClr val="accent1"/>
-          </a:fillRef>
-          <a:effectRef idx="0">
-            <a:schemeClr val="accent1"/>
-          </a:effectRef>
-          <a:fontRef idx="minor">
-            <a:schemeClr val="lt1"/>
-          </a:fontRef>
-        </p:style>
-        <p:txBody>
-          <a:bodyPr rtlCol="0" anchor="ctr"/>
-          <a:lstStyle/>
-          <a:p>
-            <a:pPr algn="ctr"/>
-            <a:endParaRPr lang="en-US" dirty="0"/>
-          </a:p>
-        </p:txBody>
-      </p:sp>
-      <p:sp>
-        <p:nvSpPr>
-          <p:cNvPr id="15" name="Rectangle 14">
-            <a:extLst>
-              <a:ext uri="{FF2B5EF4-FFF2-40B4-BE49-F238E27FC236}">
-                <a16:creationId xmlns:a16="http://schemas.microsoft.com/office/drawing/2014/main" id="{1517DDCC-4521-4225-8F36-D4B39128409A}"/>
-              </a:ext>
-            </a:extLst>
-          </p:cNvPr>
-          <p:cNvSpPr/>
-          <p:nvPr userDrawn="1"/>
-        </p:nvSpPr>
-        <p:spPr>
-          <a:xfrm>
-            <a:off x="8991600" y="3965574"/>
-            <a:ext cx="3200400" cy="2892426"/>
-          </a:xfrm>
-          <a:prstGeom prst="rect">
-            <a:avLst/>
-          </a:prstGeom>
-          <a:solidFill>
-            <a:schemeClr val="accent4">
-              <a:lumMod val="75000"/>
-            </a:schemeClr>
-          </a:solidFill>
-          <a:ln>
-            <a:noFill/>
-          </a:ln>
-        </p:spPr>
-        <p:style>
-          <a:lnRef idx="2">
-            <a:schemeClr val="accent1">
-              <a:shade val="50000"/>
-            </a:schemeClr>
-          </a:lnRef>
-          <a:fillRef idx="1">
-            <a:schemeClr val="accent1"/>
-          </a:fillRef>
-          <a:effectRef idx="0">
-            <a:schemeClr val="accent1"/>
-          </a:effectRef>
-          <a:fontRef idx="minor">
-            <a:schemeClr val="lt1"/>
-          </a:fontRef>
-        </p:style>
-        <p:txBody>
-          <a:bodyPr rtlCol="0" anchor="ctr"/>
-          <a:lstStyle/>
-          <a:p>
-            <a:pPr algn="ctr"/>
-            <a:endParaRPr lang="en-US" dirty="0"/>
-          </a:p>
-        </p:txBody>
-      </p:sp>
-      <p:sp>
-        <p:nvSpPr>
-          <p:cNvPr id="6" name="Rectangle 5">
-            <a:extLst>
-              <a:ext uri="{FF2B5EF4-FFF2-40B4-BE49-F238E27FC236}">
-                <a16:creationId xmlns:a16="http://schemas.microsoft.com/office/drawing/2014/main" id="{B16570C8-2343-4B74-AF97-DC7CE5D92865}"/>
-              </a:ext>
-            </a:extLst>
-          </p:cNvPr>
-          <p:cNvSpPr/>
-          <p:nvPr userDrawn="1"/>
-        </p:nvSpPr>
-        <p:spPr>
-          <a:xfrm>
-            <a:off x="0" y="0"/>
-            <a:ext cx="3200400" cy="2892426"/>
-          </a:xfrm>
-          <a:prstGeom prst="rect">
-            <a:avLst/>
-          </a:prstGeom>
-          <a:solidFill>
-            <a:schemeClr val="accent1">
-              <a:lumMod val="75000"/>
-            </a:schemeClr>
-          </a:solidFill>
-          <a:ln>
-            <a:noFill/>
-          </a:ln>
-        </p:spPr>
-        <p:style>
-          <a:lnRef idx="2">
-            <a:schemeClr val="accent1">
-              <a:shade val="50000"/>
-            </a:schemeClr>
-          </a:lnRef>
-          <a:fillRef idx="1">
-            <a:schemeClr val="accent1"/>
-          </a:fillRef>
-          <a:effectRef idx="0">
-            <a:schemeClr val="accent1"/>
-          </a:effectRef>
-          <a:fontRef idx="minor">
-            <a:schemeClr val="lt1"/>
-          </a:fontRef>
-        </p:style>
-        <p:txBody>
-          <a:bodyPr rtlCol="0" anchor="ctr"/>
-          <a:lstStyle/>
-          <a:p>
-            <a:pPr algn="ctr"/>
-            <a:endParaRPr lang="en-US" dirty="0"/>
-          </a:p>
-        </p:txBody>
-      </p:sp>
-      <p:sp>
-        <p:nvSpPr>
-          <p:cNvPr id="9" name="Picture Placeholder 8">
-            <a:extLst>
-              <a:ext uri="{FF2B5EF4-FFF2-40B4-BE49-F238E27FC236}">
-                <a16:creationId xmlns:a16="http://schemas.microsoft.com/office/drawing/2014/main" id="{2D02598E-521E-41CD-B068-134834CFF4FF}"/>
-              </a:ext>
-            </a:extLst>
-          </p:cNvPr>
-          <p:cNvSpPr>
-            <a:spLocks noGrp="1"/>
-          </p:cNvSpPr>
-          <p:nvPr userDrawn="1">
-            <p:ph type="pic" sz="quarter" idx="10"/>
-          </p:nvPr>
-        </p:nvSpPr>
-        <p:spPr>
-          <a:xfrm>
-            <a:off x="371476" y="278606"/>
-            <a:ext cx="11520487" cy="3150394"/>
-          </a:xfrm>
-          <a:solidFill>
-            <a:schemeClr val="bg1">
-              <a:lumMod val="95000"/>
-            </a:schemeClr>
-          </a:solidFill>
-        </p:spPr>
-        <p:txBody>
-          <a:bodyPr>
-            <a:normAutofit/>
-          </a:bodyPr>
-          <a:lstStyle>
-            <a:lvl1pPr marL="0" indent="0" algn="ctr">
-              <a:buNone/>
-              <a:defRPr sz="1800"/>
-            </a:lvl1pPr>
-          </a:lstStyle>
-          <a:p>
-            <a:r>
-              <a:rPr lang="en-US"/>
-              <a:t>Click icon to add picture</a:t>
-            </a:r>
-            <a:endParaRPr lang="en-US" dirty="0"/>
-          </a:p>
-        </p:txBody>
-      </p:sp>
-      <p:sp>
-        <p:nvSpPr>
-          <p:cNvPr id="14" name="Rectangle 13">
-            <a:extLst>
-              <a:ext uri="{FF2B5EF4-FFF2-40B4-BE49-F238E27FC236}">
-                <a16:creationId xmlns:a16="http://schemas.microsoft.com/office/drawing/2014/main" id="{40B27536-7968-45BB-9FA8-DF1A47A47827}"/>
-              </a:ext>
-            </a:extLst>
-          </p:cNvPr>
-          <p:cNvSpPr/>
-          <p:nvPr userDrawn="1"/>
-        </p:nvSpPr>
-        <p:spPr>
-          <a:xfrm>
-            <a:off x="371476" y="3429000"/>
-            <a:ext cx="11520487" cy="2771775"/>
-          </a:xfrm>
-          <a:prstGeom prst="rect">
-            <a:avLst/>
-          </a:prstGeom>
-          <a:solidFill>
-            <a:schemeClr val="bg1"/>
-          </a:solidFill>
-          <a:ln>
-            <a:noFill/>
-          </a:ln>
-        </p:spPr>
-        <p:style>
-          <a:lnRef idx="2">
-            <a:schemeClr val="accent1">
-              <a:shade val="50000"/>
-            </a:schemeClr>
-          </a:lnRef>
-          <a:fillRef idx="1">
-            <a:schemeClr val="accent1"/>
-          </a:fillRef>
-          <a:effectRef idx="0">
-            <a:schemeClr val="accent1"/>
-          </a:effectRef>
-          <a:fontRef idx="minor">
-            <a:schemeClr val="lt1"/>
-          </a:fontRef>
-        </p:style>
-        <p:txBody>
-          <a:bodyPr rtlCol="0" anchor="ctr"/>
-          <a:lstStyle/>
-          <a:p>
-            <a:pPr algn="ctr"/>
-            <a:endParaRPr lang="en-US" dirty="0"/>
-          </a:p>
-        </p:txBody>
-      </p:sp>
       <p:sp>
         <p:nvSpPr>
           <p:cNvPr id="2" name="Title 1">
@@ -11701,7 +8747,7 @@
 </p:sldLayout>
 </file>
 
-<file path=ppt/slideLayouts/slideLayout31.xml><?xml version="1.0" encoding="utf-8"?>
+<file path=ppt/slideLayouts/slideLayout28.xml><?xml version="1.0" encoding="utf-8"?>
 <p:sldLayout xmlns:a="http://schemas.openxmlformats.org/drawingml/2006/main" xmlns:r="http://schemas.openxmlformats.org/officeDocument/2006/relationships" xmlns:p="http://schemas.openxmlformats.org/presentationml/2006/main" preserve="1" userDrawn="1">
   <p:cSld name="1_Title and Content">
     <p:spTree>
@@ -12057,7 +9103,7 @@
 </p:sldLayout>
 </file>
 
-<file path=ppt/slideLayouts/slideLayout32.xml><?xml version="1.0" encoding="utf-8"?>
+<file path=ppt/slideLayouts/slideLayout29.xml><?xml version="1.0" encoding="utf-8"?>
 <p:sldLayout xmlns:a="http://schemas.openxmlformats.org/drawingml/2006/main" xmlns:r="http://schemas.openxmlformats.org/officeDocument/2006/relationships" xmlns:p="http://schemas.openxmlformats.org/presentationml/2006/main" preserve="1" userDrawn="1">
   <p:cSld name="2_Title and Content">
     <p:spTree>
@@ -12663,7 +9709,469 @@
 </p:sldLayout>
 </file>
 
-<file path=ppt/slideLayouts/slideLayout33.xml><?xml version="1.0" encoding="utf-8"?>
+<file path=ppt/slideLayouts/slideLayout3.xml><?xml version="1.0" encoding="utf-8"?>
+<p:sldLayout xmlns:a="http://schemas.openxmlformats.org/drawingml/2006/main" xmlns:r="http://schemas.openxmlformats.org/officeDocument/2006/relationships" xmlns:p="http://schemas.openxmlformats.org/presentationml/2006/main" type="secHead" preserve="1">
+  <p:cSld name="Section Header">
+    <p:spTree>
+      <p:nvGrpSpPr>
+        <p:cNvPr id="1" name=""/>
+        <p:cNvGrpSpPr/>
+        <p:nvPr/>
+      </p:nvGrpSpPr>
+      <p:grpSpPr>
+        <a:xfrm>
+          <a:off x="0" y="0"/>
+          <a:ext cx="0" cy="0"/>
+          <a:chOff x="0" y="0"/>
+          <a:chExt cx="0" cy="0"/>
+        </a:xfrm>
+      </p:grpSpPr>
+      <p:sp>
+        <p:nvSpPr>
+          <p:cNvPr id="7" name="Title 1"/>
+          <p:cNvSpPr>
+            <a:spLocks noGrp="1"/>
+          </p:cNvSpPr>
+          <p:nvPr>
+            <p:ph type="ctrTitle"/>
+          </p:nvPr>
+        </p:nvSpPr>
+        <p:spPr>
+          <a:xfrm>
+            <a:off x="854532" y="4464028"/>
+            <a:ext cx="9144000" cy="1641490"/>
+          </a:xfrm>
+        </p:spPr>
+        <p:txBody>
+          <a:bodyPr wrap="none" anchor="t">
+            <a:normAutofit/>
+          </a:bodyPr>
+          <a:lstStyle>
+            <a:lvl1pPr algn="l">
+              <a:defRPr sz="9600" b="0" spc="-300">
+                <a:gradFill flip="none" rotWithShape="1">
+                  <a:gsLst>
+                    <a:gs pos="32000">
+                      <a:schemeClr val="tx1">
+                        <a:lumMod val="89000"/>
+                      </a:schemeClr>
+                    </a:gs>
+                    <a:gs pos="0">
+                      <a:schemeClr val="bg1">
+                        <a:lumMod val="32000"/>
+                        <a:lumOff val="68000"/>
+                      </a:schemeClr>
+                    </a:gs>
+                    <a:gs pos="100000">
+                      <a:schemeClr val="tx2">
+                        <a:lumMod val="0"/>
+                        <a:lumOff val="100000"/>
+                      </a:schemeClr>
+                    </a:gs>
+                  </a:gsLst>
+                  <a:lin ang="8100000" scaled="1"/>
+                  <a:tileRect/>
+                </a:gradFill>
+                <a:effectLst>
+                  <a:outerShdw blurRad="469900" dist="342900" dir="5400000" sy="-20000" rotWithShape="0">
+                    <a:prstClr val="black">
+                      <a:alpha val="66000"/>
+                    </a:prstClr>
+                  </a:outerShdw>
+                </a:effectLst>
+                <a:latin typeface="+mj-lt"/>
+              </a:defRPr>
+            </a:lvl1pPr>
+          </a:lstStyle>
+          <a:p>
+            <a:r>
+              <a:rPr lang="en-US"/>
+              <a:t>Click to edit Master title style</a:t>
+            </a:r>
+            <a:endParaRPr lang="en-US" dirty="0"/>
+          </a:p>
+        </p:txBody>
+      </p:sp>
+      <p:sp>
+        <p:nvSpPr>
+          <p:cNvPr id="8" name="Subtitle 2"/>
+          <p:cNvSpPr>
+            <a:spLocks noGrp="1"/>
+          </p:cNvSpPr>
+          <p:nvPr>
+            <p:ph type="subTitle" idx="1"/>
+          </p:nvPr>
+        </p:nvSpPr>
+        <p:spPr>
+          <a:xfrm>
+            <a:off x="854532" y="3693674"/>
+            <a:ext cx="9144000" cy="754025"/>
+          </a:xfrm>
+        </p:spPr>
+        <p:txBody>
+          <a:bodyPr anchor="b">
+            <a:normAutofit/>
+          </a:bodyPr>
+          <a:lstStyle>
+            <a:lvl1pPr marL="0" indent="0" algn="l">
+              <a:buNone/>
+              <a:defRPr sz="3200" b="0">
+                <a:gradFill flip="none" rotWithShape="1">
+                  <a:gsLst>
+                    <a:gs pos="15000">
+                      <a:schemeClr val="tx2"/>
+                    </a:gs>
+                    <a:gs pos="73000">
+                      <a:schemeClr val="tx2">
+                        <a:lumMod val="60000"/>
+                        <a:lumOff val="40000"/>
+                      </a:schemeClr>
+                    </a:gs>
+                    <a:gs pos="0">
+                      <a:schemeClr val="tx2">
+                        <a:lumMod val="90000"/>
+                        <a:lumOff val="10000"/>
+                      </a:schemeClr>
+                    </a:gs>
+                    <a:gs pos="100000">
+                      <a:schemeClr val="tx2">
+                        <a:lumMod val="0"/>
+                        <a:lumOff val="100000"/>
+                      </a:schemeClr>
+                    </a:gs>
+                  </a:gsLst>
+                  <a:lin ang="16200000" scaled="1"/>
+                  <a:tileRect/>
+                </a:gradFill>
+                <a:latin typeface="+mj-lt"/>
+              </a:defRPr>
+            </a:lvl1pPr>
+            <a:lvl2pPr marL="457200" indent="0" algn="ctr">
+              <a:buNone/>
+              <a:defRPr sz="2000"/>
+            </a:lvl2pPr>
+            <a:lvl3pPr marL="914400" indent="0" algn="ctr">
+              <a:buNone/>
+              <a:defRPr sz="1800"/>
+            </a:lvl3pPr>
+            <a:lvl4pPr marL="1371600" indent="0" algn="ctr">
+              <a:buNone/>
+              <a:defRPr sz="1600"/>
+            </a:lvl4pPr>
+            <a:lvl5pPr marL="1828800" indent="0" algn="ctr">
+              <a:buNone/>
+              <a:defRPr sz="1600"/>
+            </a:lvl5pPr>
+            <a:lvl6pPr marL="2286000" indent="0" algn="ctr">
+              <a:buNone/>
+              <a:defRPr sz="1600"/>
+            </a:lvl6pPr>
+            <a:lvl7pPr marL="2743200" indent="0" algn="ctr">
+              <a:buNone/>
+              <a:defRPr sz="1600"/>
+            </a:lvl7pPr>
+            <a:lvl8pPr marL="3200400" indent="0" algn="ctr">
+              <a:buNone/>
+              <a:defRPr sz="1600"/>
+            </a:lvl8pPr>
+            <a:lvl9pPr marL="3657600" indent="0" algn="ctr">
+              <a:buNone/>
+              <a:defRPr sz="1600"/>
+            </a:lvl9pPr>
+          </a:lstStyle>
+          <a:p>
+            <a:r>
+              <a:rPr lang="en-US"/>
+              <a:t>Click to edit Master subtitle style</a:t>
+            </a:r>
+            <a:endParaRPr lang="en-US" dirty="0"/>
+          </a:p>
+        </p:txBody>
+      </p:sp>
+      <p:sp>
+        <p:nvSpPr>
+          <p:cNvPr id="4" name="Date Placeholder 3"/>
+          <p:cNvSpPr>
+            <a:spLocks noGrp="1"/>
+          </p:cNvSpPr>
+          <p:nvPr>
+            <p:ph type="dt" sz="half" idx="10"/>
+          </p:nvPr>
+        </p:nvSpPr>
+        <p:spPr/>
+        <p:txBody>
+          <a:bodyPr/>
+          <a:lstStyle/>
+          <a:p>
+            <a:fld id="{48A87A34-81AB-432B-8DAE-1953F412C126}" type="datetimeFigureOut">
+              <a:rPr lang="en-US" smtClean="0"/>
+              <a:t>5/17/2023</a:t>
+            </a:fld>
+            <a:endParaRPr lang="en-US" dirty="0"/>
+          </a:p>
+        </p:txBody>
+      </p:sp>
+      <p:sp>
+        <p:nvSpPr>
+          <p:cNvPr id="5" name="Footer Placeholder 4"/>
+          <p:cNvSpPr>
+            <a:spLocks noGrp="1"/>
+          </p:cNvSpPr>
+          <p:nvPr>
+            <p:ph type="ftr" sz="quarter" idx="11"/>
+          </p:nvPr>
+        </p:nvSpPr>
+        <p:spPr/>
+        <p:txBody>
+          <a:bodyPr/>
+          <a:lstStyle/>
+          <a:p>
+            <a:endParaRPr lang="en-US" dirty="0"/>
+          </a:p>
+        </p:txBody>
+      </p:sp>
+      <p:sp>
+        <p:nvSpPr>
+          <p:cNvPr id="6" name="Slide Number Placeholder 5"/>
+          <p:cNvSpPr>
+            <a:spLocks noGrp="1"/>
+          </p:cNvSpPr>
+          <p:nvPr>
+            <p:ph type="sldNum" sz="quarter" idx="12"/>
+          </p:nvPr>
+        </p:nvSpPr>
+        <p:spPr/>
+        <p:txBody>
+          <a:bodyPr/>
+          <a:lstStyle/>
+          <a:p>
+            <a:fld id="{03DC2DEF-D2FE-4B45-ABA4-9F153FD1C98A}" type="slidenum">
+              <a:rPr lang="en-US" smtClean="0"/>
+              <a:t>‹#›</a:t>
+            </a:fld>
+            <a:endParaRPr lang="en-US" dirty="0"/>
+          </a:p>
+        </p:txBody>
+      </p:sp>
+      <p:sp>
+        <p:nvSpPr>
+          <p:cNvPr id="2" name="Rectangle 1">
+            <a:extLst>
+              <a:ext uri="{FF2B5EF4-FFF2-40B4-BE49-F238E27FC236}">
+                <a16:creationId xmlns:a16="http://schemas.microsoft.com/office/drawing/2014/main" id="{868F4C23-E8C3-3EA4-3D98-88EBC6D64B43}"/>
+              </a:ext>
+            </a:extLst>
+          </p:cNvPr>
+          <p:cNvSpPr/>
+          <p:nvPr userDrawn="1"/>
+        </p:nvSpPr>
+        <p:spPr>
+          <a:xfrm>
+            <a:off x="0" y="0"/>
+            <a:ext cx="12192000" cy="6381750"/>
+          </a:xfrm>
+          <a:prstGeom prst="rect">
+            <a:avLst/>
+          </a:prstGeom>
+          <a:solidFill>
+            <a:schemeClr val="bg1"/>
+          </a:solidFill>
+          <a:ln>
+            <a:noFill/>
+          </a:ln>
+        </p:spPr>
+        <p:style>
+          <a:lnRef idx="2">
+            <a:schemeClr val="accent1">
+              <a:shade val="50000"/>
+            </a:schemeClr>
+          </a:lnRef>
+          <a:fillRef idx="1">
+            <a:schemeClr val="accent1"/>
+          </a:fillRef>
+          <a:effectRef idx="0">
+            <a:schemeClr val="accent1"/>
+          </a:effectRef>
+          <a:fontRef idx="minor">
+            <a:schemeClr val="lt1"/>
+          </a:fontRef>
+        </p:style>
+        <p:txBody>
+          <a:bodyPr rtlCol="0" anchor="ctr"/>
+          <a:lstStyle/>
+          <a:p>
+            <a:pPr algn="ctr"/>
+            <a:endParaRPr lang="en-US" dirty="0"/>
+          </a:p>
+        </p:txBody>
+      </p:sp>
+      <p:sp>
+        <p:nvSpPr>
+          <p:cNvPr id="3" name="Rectangle 2">
+            <a:extLst>
+              <a:ext uri="{FF2B5EF4-FFF2-40B4-BE49-F238E27FC236}">
+                <a16:creationId xmlns:a16="http://schemas.microsoft.com/office/drawing/2014/main" id="{DCF3FFEB-F448-563C-1347-CE3DCCF6C562}"/>
+              </a:ext>
+            </a:extLst>
+          </p:cNvPr>
+          <p:cNvSpPr/>
+          <p:nvPr userDrawn="1"/>
+        </p:nvSpPr>
+        <p:spPr>
+          <a:xfrm>
+            <a:off x="0" y="1389743"/>
+            <a:ext cx="12192000" cy="4078515"/>
+          </a:xfrm>
+          <a:prstGeom prst="rect">
+            <a:avLst/>
+          </a:prstGeom>
+          <a:ln>
+            <a:noFill/>
+          </a:ln>
+        </p:spPr>
+        <p:style>
+          <a:lnRef idx="2">
+            <a:schemeClr val="accent1">
+              <a:shade val="50000"/>
+            </a:schemeClr>
+          </a:lnRef>
+          <a:fillRef idx="1">
+            <a:schemeClr val="accent1"/>
+          </a:fillRef>
+          <a:effectRef idx="0">
+            <a:schemeClr val="accent1"/>
+          </a:effectRef>
+          <a:fontRef idx="minor">
+            <a:schemeClr val="lt1"/>
+          </a:fontRef>
+        </p:style>
+        <p:txBody>
+          <a:bodyPr rtlCol="0" anchor="ctr"/>
+          <a:lstStyle/>
+          <a:p>
+            <a:pPr algn="ctr"/>
+            <a:endParaRPr lang="en-US" dirty="0"/>
+          </a:p>
+        </p:txBody>
+      </p:sp>
+      <p:sp>
+        <p:nvSpPr>
+          <p:cNvPr id="9" name="Rectangle 8">
+            <a:extLst>
+              <a:ext uri="{FF2B5EF4-FFF2-40B4-BE49-F238E27FC236}">
+                <a16:creationId xmlns:a16="http://schemas.microsoft.com/office/drawing/2014/main" id="{A7D16B64-7F77-29EC-6838-32DF8CCEAEF7}"/>
+              </a:ext>
+            </a:extLst>
+          </p:cNvPr>
+          <p:cNvSpPr/>
+          <p:nvPr userDrawn="1"/>
+        </p:nvSpPr>
+        <p:spPr>
+          <a:xfrm>
+            <a:off x="371475" y="580571"/>
+            <a:ext cx="1573439" cy="1500187"/>
+          </a:xfrm>
+          <a:prstGeom prst="rect">
+            <a:avLst/>
+          </a:prstGeom>
+          <a:solidFill>
+            <a:schemeClr val="accent6"/>
+          </a:solidFill>
+          <a:ln>
+            <a:noFill/>
+          </a:ln>
+        </p:spPr>
+        <p:style>
+          <a:lnRef idx="2">
+            <a:schemeClr val="accent1">
+              <a:shade val="50000"/>
+            </a:schemeClr>
+          </a:lnRef>
+          <a:fillRef idx="1">
+            <a:schemeClr val="accent1"/>
+          </a:fillRef>
+          <a:effectRef idx="0">
+            <a:schemeClr val="accent1"/>
+          </a:effectRef>
+          <a:fontRef idx="minor">
+            <a:schemeClr val="lt1"/>
+          </a:fontRef>
+        </p:style>
+        <p:txBody>
+          <a:bodyPr rtlCol="0" anchor="ctr"/>
+          <a:lstStyle/>
+          <a:p>
+            <a:pPr algn="ctr"/>
+            <a:endParaRPr lang="en-US" dirty="0"/>
+          </a:p>
+        </p:txBody>
+      </p:sp>
+      <p:sp>
+        <p:nvSpPr>
+          <p:cNvPr id="10" name="Rectangle 9">
+            <a:extLst>
+              <a:ext uri="{FF2B5EF4-FFF2-40B4-BE49-F238E27FC236}">
+                <a16:creationId xmlns:a16="http://schemas.microsoft.com/office/drawing/2014/main" id="{5F586943-8A96-24E8-04F9-E29FA58E5A60}"/>
+              </a:ext>
+            </a:extLst>
+          </p:cNvPr>
+          <p:cNvSpPr/>
+          <p:nvPr userDrawn="1"/>
+        </p:nvSpPr>
+        <p:spPr>
+          <a:xfrm>
+            <a:off x="7097486" y="5105274"/>
+            <a:ext cx="4794477" cy="725966"/>
+          </a:xfrm>
+          <a:prstGeom prst="rect">
+            <a:avLst/>
+          </a:prstGeom>
+          <a:solidFill>
+            <a:schemeClr val="accent6"/>
+          </a:solidFill>
+          <a:ln>
+            <a:noFill/>
+          </a:ln>
+        </p:spPr>
+        <p:style>
+          <a:lnRef idx="2">
+            <a:schemeClr val="accent1">
+              <a:shade val="50000"/>
+            </a:schemeClr>
+          </a:lnRef>
+          <a:fillRef idx="1">
+            <a:schemeClr val="accent1"/>
+          </a:fillRef>
+          <a:effectRef idx="0">
+            <a:schemeClr val="accent1"/>
+          </a:effectRef>
+          <a:fontRef idx="minor">
+            <a:schemeClr val="lt1"/>
+          </a:fontRef>
+        </p:style>
+        <p:txBody>
+          <a:bodyPr rtlCol="0" anchor="ctr"/>
+          <a:lstStyle/>
+          <a:p>
+            <a:pPr algn="ctr"/>
+            <a:endParaRPr lang="en-US" dirty="0"/>
+          </a:p>
+        </p:txBody>
+      </p:sp>
+    </p:spTree>
+    <p:extLst>
+      <p:ext uri="{BB962C8B-B14F-4D97-AF65-F5344CB8AC3E}">
+        <p14:creationId xmlns:p14="http://schemas.microsoft.com/office/powerpoint/2010/main" val="1749333862"/>
+      </p:ext>
+    </p:extLst>
+  </p:cSld>
+  <p:clrMapOvr>
+    <a:masterClrMapping/>
+  </p:clrMapOvr>
+</p:sldLayout>
+</file>
+
+<file path=ppt/slideLayouts/slideLayout30.xml><?xml version="1.0" encoding="utf-8"?>
 <p:sldLayout xmlns:a="http://schemas.openxmlformats.org/drawingml/2006/main" xmlns:r="http://schemas.openxmlformats.org/officeDocument/2006/relationships" xmlns:p="http://schemas.openxmlformats.org/presentationml/2006/main" preserve="1" userDrawn="1">
   <p:cSld name="3_Title and Content">
     <p:spTree>
@@ -13147,7 +10655,7 @@
 </p:sldLayout>
 </file>
 
-<file path=ppt/slideLayouts/slideLayout34.xml><?xml version="1.0" encoding="utf-8"?>
+<file path=ppt/slideLayouts/slideLayout31.xml><?xml version="1.0" encoding="utf-8"?>
 <p:sldLayout xmlns:a="http://schemas.openxmlformats.org/drawingml/2006/main" xmlns:r="http://schemas.openxmlformats.org/officeDocument/2006/relationships" xmlns:p="http://schemas.openxmlformats.org/presentationml/2006/main" preserve="1" userDrawn="1">
   <p:cSld name="4_Title and Content">
     <p:spTree>
@@ -13479,7 +10987,7 @@
 </p:sldLayout>
 </file>
 
-<file path=ppt/slideLayouts/slideLayout35.xml><?xml version="1.0" encoding="utf-8"?>
+<file path=ppt/slideLayouts/slideLayout32.xml><?xml version="1.0" encoding="utf-8"?>
 <p:sldLayout xmlns:a="http://schemas.openxmlformats.org/drawingml/2006/main" xmlns:r="http://schemas.openxmlformats.org/officeDocument/2006/relationships" xmlns:p="http://schemas.openxmlformats.org/presentationml/2006/main" preserve="1" userDrawn="1">
   <p:cSld name="6_Title and Content">
     <p:spTree>
@@ -13863,7 +11371,7 @@
 </p:sldLayout>
 </file>
 
-<file path=ppt/slideLayouts/slideLayout36.xml><?xml version="1.0" encoding="utf-8"?>
+<file path=ppt/slideLayouts/slideLayout33.xml><?xml version="1.0" encoding="utf-8"?>
 <p:sldLayout xmlns:a="http://schemas.openxmlformats.org/drawingml/2006/main" xmlns:r="http://schemas.openxmlformats.org/officeDocument/2006/relationships" xmlns:p="http://schemas.openxmlformats.org/presentationml/2006/main" preserve="1" userDrawn="1">
   <p:cSld name="1_Section Header">
     <p:spTree>
@@ -14358,7 +11866,7 @@
 </p:sldLayout>
 </file>
 
-<file path=ppt/slideLayouts/slideLayout37.xml><?xml version="1.0" encoding="utf-8"?>
+<file path=ppt/slideLayouts/slideLayout34.xml><?xml version="1.0" encoding="utf-8"?>
 <p:sldLayout xmlns:a="http://schemas.openxmlformats.org/drawingml/2006/main" xmlns:r="http://schemas.openxmlformats.org/officeDocument/2006/relationships" xmlns:p="http://schemas.openxmlformats.org/presentationml/2006/main" preserve="1" userDrawn="1">
   <p:cSld name="2_Section Header">
     <p:spTree>
@@ -15024,7 +12532,7 @@
 </p:sldLayout>
 </file>
 
-<file path=ppt/slideLayouts/slideLayout38.xml><?xml version="1.0" encoding="utf-8"?>
+<file path=ppt/slideLayouts/slideLayout35.xml><?xml version="1.0" encoding="utf-8"?>
 <p:sldLayout xmlns:a="http://schemas.openxmlformats.org/drawingml/2006/main" xmlns:r="http://schemas.openxmlformats.org/officeDocument/2006/relationships" xmlns:p="http://schemas.openxmlformats.org/presentationml/2006/main" preserve="1" userDrawn="1">
   <p:cSld name="3_Section Header">
     <p:spTree>
@@ -15671,7 +13179,7 @@
 </p:sldLayout>
 </file>
 
-<file path=ppt/slideLayouts/slideLayout39.xml><?xml version="1.0" encoding="utf-8"?>
+<file path=ppt/slideLayouts/slideLayout36.xml><?xml version="1.0" encoding="utf-8"?>
 <p:sldLayout xmlns:a="http://schemas.openxmlformats.org/drawingml/2006/main" xmlns:r="http://schemas.openxmlformats.org/officeDocument/2006/relationships" xmlns:p="http://schemas.openxmlformats.org/presentationml/2006/main" preserve="1" userDrawn="1">
   <p:cSld name="2_Two Content">
     <p:spTree>
@@ -16161,241 +13669,7 @@
 </p:sldLayout>
 </file>
 
-<file path=ppt/slideLayouts/slideLayout4.xml><?xml version="1.0" encoding="utf-8"?>
-<p:sldLayout xmlns:a="http://schemas.openxmlformats.org/drawingml/2006/main" xmlns:r="http://schemas.openxmlformats.org/officeDocument/2006/relationships" xmlns:p="http://schemas.openxmlformats.org/presentationml/2006/main" type="twoObj" preserve="1">
-  <p:cSld name="Two Content">
-    <p:spTree>
-      <p:nvGrpSpPr>
-        <p:cNvPr id="1" name=""/>
-        <p:cNvGrpSpPr/>
-        <p:nvPr/>
-      </p:nvGrpSpPr>
-      <p:grpSpPr>
-        <a:xfrm>
-          <a:off x="0" y="0"/>
-          <a:ext cx="0" cy="0"/>
-          <a:chOff x="0" y="0"/>
-          <a:chExt cx="0" cy="0"/>
-        </a:xfrm>
-      </p:grpSpPr>
-      <p:sp>
-        <p:nvSpPr>
-          <p:cNvPr id="2" name="Title 1"/>
-          <p:cNvSpPr>
-            <a:spLocks noGrp="1"/>
-          </p:cNvSpPr>
-          <p:nvPr>
-            <p:ph type="title"/>
-          </p:nvPr>
-        </p:nvSpPr>
-        <p:spPr/>
-        <p:txBody>
-          <a:bodyPr/>
-          <a:lstStyle/>
-          <a:p>
-            <a:r>
-              <a:rPr lang="en-US"/>
-              <a:t>Click to edit Master title style</a:t>
-            </a:r>
-            <a:endParaRPr lang="en-US" dirty="0"/>
-          </a:p>
-        </p:txBody>
-      </p:sp>
-      <p:sp>
-        <p:nvSpPr>
-          <p:cNvPr id="3" name="Content Placeholder 2"/>
-          <p:cNvSpPr>
-            <a:spLocks noGrp="1"/>
-          </p:cNvSpPr>
-          <p:nvPr>
-            <p:ph sz="half" idx="1"/>
-          </p:nvPr>
-        </p:nvSpPr>
-        <p:spPr>
-          <a:xfrm>
-            <a:off x="1120000" y="1825625"/>
-            <a:ext cx="5025216" cy="4351338"/>
-          </a:xfrm>
-        </p:spPr>
-        <p:txBody>
-          <a:bodyPr/>
-          <a:lstStyle/>
-          <a:p>
-            <a:pPr lvl="0"/>
-            <a:r>
-              <a:rPr lang="en-US"/>
-              <a:t>Click to edit Master text styles</a:t>
-            </a:r>
-          </a:p>
-          <a:p>
-            <a:pPr lvl="1"/>
-            <a:r>
-              <a:rPr lang="en-US"/>
-              <a:t>Second level</a:t>
-            </a:r>
-          </a:p>
-          <a:p>
-            <a:pPr lvl="2"/>
-            <a:r>
-              <a:rPr lang="en-US"/>
-              <a:t>Third level</a:t>
-            </a:r>
-          </a:p>
-          <a:p>
-            <a:pPr lvl="3"/>
-            <a:r>
-              <a:rPr lang="en-US"/>
-              <a:t>Fourth level</a:t>
-            </a:r>
-          </a:p>
-          <a:p>
-            <a:pPr lvl="4"/>
-            <a:r>
-              <a:rPr lang="en-US"/>
-              <a:t>Fifth level</a:t>
-            </a:r>
-            <a:endParaRPr lang="en-US" dirty="0"/>
-          </a:p>
-        </p:txBody>
-      </p:sp>
-      <p:sp>
-        <p:nvSpPr>
-          <p:cNvPr id="4" name="Content Placeholder 3"/>
-          <p:cNvSpPr>
-            <a:spLocks noGrp="1"/>
-          </p:cNvSpPr>
-          <p:nvPr>
-            <p:ph sz="half" idx="2"/>
-          </p:nvPr>
-        </p:nvSpPr>
-        <p:spPr>
-          <a:xfrm>
-            <a:off x="6319840" y="1825625"/>
-            <a:ext cx="5033960" cy="4351338"/>
-          </a:xfrm>
-        </p:spPr>
-        <p:txBody>
-          <a:bodyPr/>
-          <a:lstStyle/>
-          <a:p>
-            <a:pPr lvl="0"/>
-            <a:r>
-              <a:rPr lang="en-US"/>
-              <a:t>Click to edit Master text styles</a:t>
-            </a:r>
-          </a:p>
-          <a:p>
-            <a:pPr lvl="1"/>
-            <a:r>
-              <a:rPr lang="en-US"/>
-              <a:t>Second level</a:t>
-            </a:r>
-          </a:p>
-          <a:p>
-            <a:pPr lvl="2"/>
-            <a:r>
-              <a:rPr lang="en-US"/>
-              <a:t>Third level</a:t>
-            </a:r>
-          </a:p>
-          <a:p>
-            <a:pPr lvl="3"/>
-            <a:r>
-              <a:rPr lang="en-US"/>
-              <a:t>Fourth level</a:t>
-            </a:r>
-          </a:p>
-          <a:p>
-            <a:pPr lvl="4"/>
-            <a:r>
-              <a:rPr lang="en-US"/>
-              <a:t>Fifth level</a:t>
-            </a:r>
-            <a:endParaRPr lang="en-US" dirty="0"/>
-          </a:p>
-        </p:txBody>
-      </p:sp>
-      <p:sp>
-        <p:nvSpPr>
-          <p:cNvPr id="5" name="Date Placeholder 4"/>
-          <p:cNvSpPr>
-            <a:spLocks noGrp="1"/>
-          </p:cNvSpPr>
-          <p:nvPr>
-            <p:ph type="dt" sz="half" idx="10"/>
-          </p:nvPr>
-        </p:nvSpPr>
-        <p:spPr/>
-        <p:txBody>
-          <a:bodyPr/>
-          <a:lstStyle/>
-          <a:p>
-            <a:fld id="{48A87A34-81AB-432B-8DAE-1953F412C126}" type="datetimeFigureOut">
-              <a:rPr lang="en-US" smtClean="0"/>
-              <a:t>5/16/2023</a:t>
-            </a:fld>
-            <a:endParaRPr lang="en-US" dirty="0"/>
-          </a:p>
-        </p:txBody>
-      </p:sp>
-      <p:sp>
-        <p:nvSpPr>
-          <p:cNvPr id="6" name="Footer Placeholder 5"/>
-          <p:cNvSpPr>
-            <a:spLocks noGrp="1"/>
-          </p:cNvSpPr>
-          <p:nvPr>
-            <p:ph type="ftr" sz="quarter" idx="11"/>
-          </p:nvPr>
-        </p:nvSpPr>
-        <p:spPr/>
-        <p:txBody>
-          <a:bodyPr/>
-          <a:lstStyle/>
-          <a:p>
-            <a:endParaRPr lang="en-US" dirty="0"/>
-          </a:p>
-        </p:txBody>
-      </p:sp>
-      <p:sp>
-        <p:nvSpPr>
-          <p:cNvPr id="7" name="Slide Number Placeholder 6"/>
-          <p:cNvSpPr>
-            <a:spLocks noGrp="1"/>
-          </p:cNvSpPr>
-          <p:nvPr>
-            <p:ph type="sldNum" sz="quarter" idx="12"/>
-          </p:nvPr>
-        </p:nvSpPr>
-        <p:spPr/>
-        <p:txBody>
-          <a:bodyPr/>
-          <a:lstStyle/>
-          <a:p>
-            <a:fld id="{03DC2DEF-D2FE-4B45-ABA4-9F153FD1C98A}" type="slidenum">
-              <a:rPr lang="en-US" smtClean="0"/>
-              <a:pPr/>
-              <a:t>‹#›</a:t>
-            </a:fld>
-            <a:endParaRPr lang="en-US" dirty="0"/>
-          </a:p>
-        </p:txBody>
-      </p:sp>
-    </p:spTree>
-    <p:extLst>
-      <p:ext uri="{BB962C8B-B14F-4D97-AF65-F5344CB8AC3E}">
-        <p14:creationId xmlns:p14="http://schemas.microsoft.com/office/powerpoint/2010/main" val="1348635198"/>
-      </p:ext>
-    </p:extLst>
-  </p:cSld>
-  <p:clrMapOvr>
-    <a:masterClrMapping/>
-  </p:clrMapOvr>
-  <p:hf hdr="0" ftr="0" dt="0"/>
-</p:sldLayout>
-</file>
-
-<file path=ppt/slideLayouts/slideLayout40.xml><?xml version="1.0" encoding="utf-8"?>
+<file path=ppt/slideLayouts/slideLayout37.xml><?xml version="1.0" encoding="utf-8"?>
 <p:sldLayout xmlns:a="http://schemas.openxmlformats.org/drawingml/2006/main" xmlns:r="http://schemas.openxmlformats.org/officeDocument/2006/relationships" xmlns:p="http://schemas.openxmlformats.org/presentationml/2006/main" preserve="1" userDrawn="1">
   <p:cSld name="3_Two Content">
     <p:spTree>
@@ -16826,7 +14100,7 @@
 </p:sldLayout>
 </file>
 
-<file path=ppt/slideLayouts/slideLayout41.xml><?xml version="1.0" encoding="utf-8"?>
+<file path=ppt/slideLayouts/slideLayout38.xml><?xml version="1.0" encoding="utf-8"?>
 <p:sldLayout xmlns:a="http://schemas.openxmlformats.org/drawingml/2006/main" xmlns:r="http://schemas.openxmlformats.org/officeDocument/2006/relationships" xmlns:p="http://schemas.openxmlformats.org/presentationml/2006/main" preserve="1" userDrawn="1">
   <p:cSld name="4_Two Content">
     <p:spTree>
@@ -17686,7 +14960,7 @@
 </p:sldLayout>
 </file>
 
-<file path=ppt/slideLayouts/slideLayout42.xml><?xml version="1.0" encoding="utf-8"?>
+<file path=ppt/slideLayouts/slideLayout39.xml><?xml version="1.0" encoding="utf-8"?>
 <p:sldLayout xmlns:a="http://schemas.openxmlformats.org/drawingml/2006/main" xmlns:r="http://schemas.openxmlformats.org/officeDocument/2006/relationships" xmlns:p="http://schemas.openxmlformats.org/presentationml/2006/main" preserve="1" userDrawn="1">
   <p:cSld name="5_Two Content">
     <p:spTree>
@@ -18191,7 +15465,241 @@
 </p:sldLayout>
 </file>
 
-<file path=ppt/slideLayouts/slideLayout43.xml><?xml version="1.0" encoding="utf-8"?>
+<file path=ppt/slideLayouts/slideLayout4.xml><?xml version="1.0" encoding="utf-8"?>
+<p:sldLayout xmlns:a="http://schemas.openxmlformats.org/drawingml/2006/main" xmlns:r="http://schemas.openxmlformats.org/officeDocument/2006/relationships" xmlns:p="http://schemas.openxmlformats.org/presentationml/2006/main" type="twoObj" preserve="1">
+  <p:cSld name="Two Content">
+    <p:spTree>
+      <p:nvGrpSpPr>
+        <p:cNvPr id="1" name=""/>
+        <p:cNvGrpSpPr/>
+        <p:nvPr/>
+      </p:nvGrpSpPr>
+      <p:grpSpPr>
+        <a:xfrm>
+          <a:off x="0" y="0"/>
+          <a:ext cx="0" cy="0"/>
+          <a:chOff x="0" y="0"/>
+          <a:chExt cx="0" cy="0"/>
+        </a:xfrm>
+      </p:grpSpPr>
+      <p:sp>
+        <p:nvSpPr>
+          <p:cNvPr id="2" name="Title 1"/>
+          <p:cNvSpPr>
+            <a:spLocks noGrp="1"/>
+          </p:cNvSpPr>
+          <p:nvPr>
+            <p:ph type="title"/>
+          </p:nvPr>
+        </p:nvSpPr>
+        <p:spPr/>
+        <p:txBody>
+          <a:bodyPr/>
+          <a:lstStyle/>
+          <a:p>
+            <a:r>
+              <a:rPr lang="en-US"/>
+              <a:t>Click to edit Master title style</a:t>
+            </a:r>
+            <a:endParaRPr lang="en-US" dirty="0"/>
+          </a:p>
+        </p:txBody>
+      </p:sp>
+      <p:sp>
+        <p:nvSpPr>
+          <p:cNvPr id="3" name="Content Placeholder 2"/>
+          <p:cNvSpPr>
+            <a:spLocks noGrp="1"/>
+          </p:cNvSpPr>
+          <p:nvPr>
+            <p:ph sz="half" idx="1"/>
+          </p:nvPr>
+        </p:nvSpPr>
+        <p:spPr>
+          <a:xfrm>
+            <a:off x="1120000" y="1825625"/>
+            <a:ext cx="5025216" cy="4351338"/>
+          </a:xfrm>
+        </p:spPr>
+        <p:txBody>
+          <a:bodyPr/>
+          <a:lstStyle/>
+          <a:p>
+            <a:pPr lvl="0"/>
+            <a:r>
+              <a:rPr lang="en-US"/>
+              <a:t>Click to edit Master text styles</a:t>
+            </a:r>
+          </a:p>
+          <a:p>
+            <a:pPr lvl="1"/>
+            <a:r>
+              <a:rPr lang="en-US"/>
+              <a:t>Second level</a:t>
+            </a:r>
+          </a:p>
+          <a:p>
+            <a:pPr lvl="2"/>
+            <a:r>
+              <a:rPr lang="en-US"/>
+              <a:t>Third level</a:t>
+            </a:r>
+          </a:p>
+          <a:p>
+            <a:pPr lvl="3"/>
+            <a:r>
+              <a:rPr lang="en-US"/>
+              <a:t>Fourth level</a:t>
+            </a:r>
+          </a:p>
+          <a:p>
+            <a:pPr lvl="4"/>
+            <a:r>
+              <a:rPr lang="en-US"/>
+              <a:t>Fifth level</a:t>
+            </a:r>
+            <a:endParaRPr lang="en-US" dirty="0"/>
+          </a:p>
+        </p:txBody>
+      </p:sp>
+      <p:sp>
+        <p:nvSpPr>
+          <p:cNvPr id="4" name="Content Placeholder 3"/>
+          <p:cNvSpPr>
+            <a:spLocks noGrp="1"/>
+          </p:cNvSpPr>
+          <p:nvPr>
+            <p:ph sz="half" idx="2"/>
+          </p:nvPr>
+        </p:nvSpPr>
+        <p:spPr>
+          <a:xfrm>
+            <a:off x="6319840" y="1825625"/>
+            <a:ext cx="5033960" cy="4351338"/>
+          </a:xfrm>
+        </p:spPr>
+        <p:txBody>
+          <a:bodyPr/>
+          <a:lstStyle/>
+          <a:p>
+            <a:pPr lvl="0"/>
+            <a:r>
+              <a:rPr lang="en-US"/>
+              <a:t>Click to edit Master text styles</a:t>
+            </a:r>
+          </a:p>
+          <a:p>
+            <a:pPr lvl="1"/>
+            <a:r>
+              <a:rPr lang="en-US"/>
+              <a:t>Second level</a:t>
+            </a:r>
+          </a:p>
+          <a:p>
+            <a:pPr lvl="2"/>
+            <a:r>
+              <a:rPr lang="en-US"/>
+              <a:t>Third level</a:t>
+            </a:r>
+          </a:p>
+          <a:p>
+            <a:pPr lvl="3"/>
+            <a:r>
+              <a:rPr lang="en-US"/>
+              <a:t>Fourth level</a:t>
+            </a:r>
+          </a:p>
+          <a:p>
+            <a:pPr lvl="4"/>
+            <a:r>
+              <a:rPr lang="en-US"/>
+              <a:t>Fifth level</a:t>
+            </a:r>
+            <a:endParaRPr lang="en-US" dirty="0"/>
+          </a:p>
+        </p:txBody>
+      </p:sp>
+      <p:sp>
+        <p:nvSpPr>
+          <p:cNvPr id="5" name="Date Placeholder 4"/>
+          <p:cNvSpPr>
+            <a:spLocks noGrp="1"/>
+          </p:cNvSpPr>
+          <p:nvPr>
+            <p:ph type="dt" sz="half" idx="10"/>
+          </p:nvPr>
+        </p:nvSpPr>
+        <p:spPr/>
+        <p:txBody>
+          <a:bodyPr/>
+          <a:lstStyle/>
+          <a:p>
+            <a:fld id="{48A87A34-81AB-432B-8DAE-1953F412C126}" type="datetimeFigureOut">
+              <a:rPr lang="en-US" smtClean="0"/>
+              <a:t>5/17/2023</a:t>
+            </a:fld>
+            <a:endParaRPr lang="en-US" dirty="0"/>
+          </a:p>
+        </p:txBody>
+      </p:sp>
+      <p:sp>
+        <p:nvSpPr>
+          <p:cNvPr id="6" name="Footer Placeholder 5"/>
+          <p:cNvSpPr>
+            <a:spLocks noGrp="1"/>
+          </p:cNvSpPr>
+          <p:nvPr>
+            <p:ph type="ftr" sz="quarter" idx="11"/>
+          </p:nvPr>
+        </p:nvSpPr>
+        <p:spPr/>
+        <p:txBody>
+          <a:bodyPr/>
+          <a:lstStyle/>
+          <a:p>
+            <a:endParaRPr lang="en-US" dirty="0"/>
+          </a:p>
+        </p:txBody>
+      </p:sp>
+      <p:sp>
+        <p:nvSpPr>
+          <p:cNvPr id="7" name="Slide Number Placeholder 6"/>
+          <p:cNvSpPr>
+            <a:spLocks noGrp="1"/>
+          </p:cNvSpPr>
+          <p:nvPr>
+            <p:ph type="sldNum" sz="quarter" idx="12"/>
+          </p:nvPr>
+        </p:nvSpPr>
+        <p:spPr/>
+        <p:txBody>
+          <a:bodyPr/>
+          <a:lstStyle/>
+          <a:p>
+            <a:fld id="{03DC2DEF-D2FE-4B45-ABA4-9F153FD1C98A}" type="slidenum">
+              <a:rPr lang="en-US" smtClean="0"/>
+              <a:pPr/>
+              <a:t>‹#›</a:t>
+            </a:fld>
+            <a:endParaRPr lang="en-US" dirty="0"/>
+          </a:p>
+        </p:txBody>
+      </p:sp>
+    </p:spTree>
+    <p:extLst>
+      <p:ext uri="{BB962C8B-B14F-4D97-AF65-F5344CB8AC3E}">
+        <p14:creationId xmlns:p14="http://schemas.microsoft.com/office/powerpoint/2010/main" val="3703447690"/>
+      </p:ext>
+    </p:extLst>
+  </p:cSld>
+  <p:clrMapOvr>
+    <a:masterClrMapping/>
+  </p:clrMapOvr>
+  <p:hf hdr="0" ftr="0" dt="0"/>
+</p:sldLayout>
+</file>
+
+<file path=ppt/slideLayouts/slideLayout40.xml><?xml version="1.0" encoding="utf-8"?>
 <p:sldLayout xmlns:a="http://schemas.openxmlformats.org/drawingml/2006/main" xmlns:r="http://schemas.openxmlformats.org/officeDocument/2006/relationships" xmlns:p="http://schemas.openxmlformats.org/presentationml/2006/main" preserve="1" userDrawn="1">
   <p:cSld name="1_Blank">
     <p:spTree>
@@ -18373,7 +15881,7 @@
 </p:sldLayout>
 </file>
 
-<file path=ppt/slideLayouts/slideLayout44.xml><?xml version="1.0" encoding="utf-8"?>
+<file path=ppt/slideLayouts/slideLayout41.xml><?xml version="1.0" encoding="utf-8"?>
 <p:sldLayout xmlns:a="http://schemas.openxmlformats.org/drawingml/2006/main" xmlns:r="http://schemas.openxmlformats.org/officeDocument/2006/relationships" xmlns:p="http://schemas.openxmlformats.org/presentationml/2006/main" preserve="1" userDrawn="1">
   <p:cSld name="2_Blank">
     <p:spTree>
@@ -18912,7 +16420,7 @@
 </p:sldLayout>
 </file>
 
-<file path=ppt/slideLayouts/slideLayout45.xml><?xml version="1.0" encoding="utf-8"?>
+<file path=ppt/slideLayouts/slideLayout42.xml><?xml version="1.0" encoding="utf-8"?>
 <p:sldLayout xmlns:a="http://schemas.openxmlformats.org/drawingml/2006/main" xmlns:r="http://schemas.openxmlformats.org/officeDocument/2006/relationships" xmlns:p="http://schemas.openxmlformats.org/presentationml/2006/main" preserve="1" userDrawn="1">
   <p:cSld name="3_Blank">
     <p:spTree>
@@ -19186,7 +16694,7 @@
 </p:sldLayout>
 </file>
 
-<file path=ppt/slideLayouts/slideLayout46.xml><?xml version="1.0" encoding="utf-8"?>
+<file path=ppt/slideLayouts/slideLayout43.xml><?xml version="1.0" encoding="utf-8"?>
 <p:sldLayout xmlns:a="http://schemas.openxmlformats.org/drawingml/2006/main" xmlns:r="http://schemas.openxmlformats.org/officeDocument/2006/relationships" xmlns:p="http://schemas.openxmlformats.org/presentationml/2006/main" preserve="1" userDrawn="1">
   <p:cSld name="5_Blank">
     <p:spTree>
@@ -19493,7 +17001,7 @@
 </p:sldLayout>
 </file>
 
-<file path=ppt/slideLayouts/slideLayout47.xml><?xml version="1.0" encoding="utf-8"?>
+<file path=ppt/slideLayouts/slideLayout44.xml><?xml version="1.0" encoding="utf-8"?>
 <p:sldLayout xmlns:a="http://schemas.openxmlformats.org/drawingml/2006/main" xmlns:r="http://schemas.openxmlformats.org/officeDocument/2006/relationships" xmlns:p="http://schemas.openxmlformats.org/presentationml/2006/main" preserve="1" userDrawn="1">
   <p:cSld name="1_Comparison">
     <p:spTree>
@@ -20216,7 +17724,7 @@
 </p:sldLayout>
 </file>
 
-<file path=ppt/slideLayouts/slideLayout48.xml><?xml version="1.0" encoding="utf-8"?>
+<file path=ppt/slideLayouts/slideLayout45.xml><?xml version="1.0" encoding="utf-8"?>
 <p:sldLayout xmlns:a="http://schemas.openxmlformats.org/drawingml/2006/main" xmlns:r="http://schemas.openxmlformats.org/officeDocument/2006/relationships" xmlns:p="http://schemas.openxmlformats.org/presentationml/2006/main" preserve="1" userDrawn="1">
   <p:cSld name="2_Comparison">
     <p:spTree>
@@ -20891,7 +18399,7 @@
 </p:sldLayout>
 </file>
 
-<file path=ppt/slideLayouts/slideLayout49.xml><?xml version="1.0" encoding="utf-8"?>
+<file path=ppt/slideLayouts/slideLayout46.xml><?xml version="1.0" encoding="utf-8"?>
 <p:sldLayout xmlns:a="http://schemas.openxmlformats.org/drawingml/2006/main" xmlns:r="http://schemas.openxmlformats.org/officeDocument/2006/relationships" xmlns:p="http://schemas.openxmlformats.org/presentationml/2006/main" preserve="1" userDrawn="1">
   <p:cSld name="4_Comparison">
     <p:spTree>
@@ -21388,402 +18896,7 @@
 </p:sldLayout>
 </file>
 
-<file path=ppt/slideLayouts/slideLayout5.xml><?xml version="1.0" encoding="utf-8"?>
-<p:sldLayout xmlns:a="http://schemas.openxmlformats.org/drawingml/2006/main" xmlns:r="http://schemas.openxmlformats.org/officeDocument/2006/relationships" xmlns:p="http://schemas.openxmlformats.org/presentationml/2006/main" type="twoTxTwoObj" preserve="1">
-  <p:cSld name="Comparison">
-    <p:spTree>
-      <p:nvGrpSpPr>
-        <p:cNvPr id="1" name=""/>
-        <p:cNvGrpSpPr/>
-        <p:nvPr/>
-      </p:nvGrpSpPr>
-      <p:grpSpPr>
-        <a:xfrm>
-          <a:off x="0" y="0"/>
-          <a:ext cx="0" cy="0"/>
-          <a:chOff x="0" y="0"/>
-          <a:chExt cx="0" cy="0"/>
-        </a:xfrm>
-      </p:grpSpPr>
-      <p:sp>
-        <p:nvSpPr>
-          <p:cNvPr id="2" name="Title 1"/>
-          <p:cNvSpPr>
-            <a:spLocks noGrp="1"/>
-          </p:cNvSpPr>
-          <p:nvPr>
-            <p:ph type="title"/>
-          </p:nvPr>
-        </p:nvSpPr>
-        <p:spPr>
-          <a:xfrm>
-            <a:off x="839788" y="365125"/>
-            <a:ext cx="10515600" cy="1325563"/>
-          </a:xfrm>
-        </p:spPr>
-        <p:txBody>
-          <a:bodyPr/>
-          <a:lstStyle/>
-          <a:p>
-            <a:r>
-              <a:rPr lang="en-US"/>
-              <a:t>Click to edit Master title style</a:t>
-            </a:r>
-            <a:endParaRPr lang="en-US" dirty="0"/>
-          </a:p>
-        </p:txBody>
-      </p:sp>
-      <p:sp>
-        <p:nvSpPr>
-          <p:cNvPr id="3" name="Text Placeholder 2"/>
-          <p:cNvSpPr>
-            <a:spLocks noGrp="1"/>
-          </p:cNvSpPr>
-          <p:nvPr>
-            <p:ph type="body" idx="1"/>
-          </p:nvPr>
-        </p:nvSpPr>
-        <p:spPr>
-          <a:xfrm>
-            <a:off x="1120000" y="1681163"/>
-            <a:ext cx="5025216" cy="823912"/>
-          </a:xfrm>
-        </p:spPr>
-        <p:txBody>
-          <a:bodyPr anchor="b"/>
-          <a:lstStyle>
-            <a:lvl1pPr marL="0" indent="0">
-              <a:buNone/>
-              <a:defRPr sz="2400" b="0">
-                <a:gradFill>
-                  <a:gsLst>
-                    <a:gs pos="15000">
-                      <a:schemeClr val="tx2"/>
-                    </a:gs>
-                    <a:gs pos="73000">
-                      <a:schemeClr val="tx2">
-                        <a:lumMod val="60000"/>
-                        <a:lumOff val="40000"/>
-                      </a:schemeClr>
-                    </a:gs>
-                    <a:gs pos="0">
-                      <a:schemeClr val="tx2">
-                        <a:lumMod val="90000"/>
-                        <a:lumOff val="10000"/>
-                      </a:schemeClr>
-                    </a:gs>
-                    <a:gs pos="100000">
-                      <a:schemeClr val="tx2">
-                        <a:lumMod val="0"/>
-                        <a:lumOff val="100000"/>
-                      </a:schemeClr>
-                    </a:gs>
-                  </a:gsLst>
-                  <a:lin ang="16200000" scaled="1"/>
-                </a:gradFill>
-              </a:defRPr>
-            </a:lvl1pPr>
-            <a:lvl2pPr marL="457200" indent="0">
-              <a:buNone/>
-              <a:defRPr sz="2000" b="1"/>
-            </a:lvl2pPr>
-            <a:lvl3pPr marL="914400" indent="0">
-              <a:buNone/>
-              <a:defRPr sz="1800" b="1"/>
-            </a:lvl3pPr>
-            <a:lvl4pPr marL="1371600" indent="0">
-              <a:buNone/>
-              <a:defRPr sz="1600" b="1"/>
-            </a:lvl4pPr>
-            <a:lvl5pPr marL="1828800" indent="0">
-              <a:buNone/>
-              <a:defRPr sz="1600" b="1"/>
-            </a:lvl5pPr>
-            <a:lvl6pPr marL="2286000" indent="0">
-              <a:buNone/>
-              <a:defRPr sz="1600" b="1"/>
-            </a:lvl6pPr>
-            <a:lvl7pPr marL="2743200" indent="0">
-              <a:buNone/>
-              <a:defRPr sz="1600" b="1"/>
-            </a:lvl7pPr>
-            <a:lvl8pPr marL="3200400" indent="0">
-              <a:buNone/>
-              <a:defRPr sz="1600" b="1"/>
-            </a:lvl8pPr>
-            <a:lvl9pPr marL="3657600" indent="0">
-              <a:buNone/>
-              <a:defRPr sz="1600" b="1"/>
-            </a:lvl9pPr>
-          </a:lstStyle>
-          <a:p>
-            <a:pPr lvl="0"/>
-            <a:r>
-              <a:rPr lang="en-US"/>
-              <a:t>Click to edit Master text styles</a:t>
-            </a:r>
-          </a:p>
-        </p:txBody>
-      </p:sp>
-      <p:sp>
-        <p:nvSpPr>
-          <p:cNvPr id="4" name="Content Placeholder 3"/>
-          <p:cNvSpPr>
-            <a:spLocks noGrp="1"/>
-          </p:cNvSpPr>
-          <p:nvPr>
-            <p:ph sz="half" idx="2"/>
-          </p:nvPr>
-        </p:nvSpPr>
-        <p:spPr>
-          <a:xfrm>
-            <a:off x="1120000" y="2505075"/>
-            <a:ext cx="5025216" cy="3684588"/>
-          </a:xfrm>
-        </p:spPr>
-        <p:txBody>
-          <a:bodyPr/>
-          <a:lstStyle/>
-          <a:p>
-            <a:pPr lvl="0"/>
-            <a:r>
-              <a:rPr lang="en-US"/>
-              <a:t>Click to edit Master text styles</a:t>
-            </a:r>
-          </a:p>
-          <a:p>
-            <a:pPr lvl="1"/>
-            <a:r>
-              <a:rPr lang="en-US"/>
-              <a:t>Second level</a:t>
-            </a:r>
-          </a:p>
-          <a:p>
-            <a:pPr lvl="2"/>
-            <a:r>
-              <a:rPr lang="en-US"/>
-              <a:t>Third level</a:t>
-            </a:r>
-          </a:p>
-          <a:p>
-            <a:pPr lvl="3"/>
-            <a:r>
-              <a:rPr lang="en-US"/>
-              <a:t>Fourth level</a:t>
-            </a:r>
-          </a:p>
-          <a:p>
-            <a:pPr lvl="4"/>
-            <a:r>
-              <a:rPr lang="en-US"/>
-              <a:t>Fifth level</a:t>
-            </a:r>
-            <a:endParaRPr lang="en-US" dirty="0"/>
-          </a:p>
-        </p:txBody>
-      </p:sp>
-      <p:sp>
-        <p:nvSpPr>
-          <p:cNvPr id="5" name="Text Placeholder 4"/>
-          <p:cNvSpPr>
-            <a:spLocks noGrp="1"/>
-          </p:cNvSpPr>
-          <p:nvPr>
-            <p:ph type="body" sz="quarter" idx="3"/>
-          </p:nvPr>
-        </p:nvSpPr>
-        <p:spPr>
-          <a:xfrm>
-            <a:off x="6319840" y="1681163"/>
-            <a:ext cx="5035548" cy="823912"/>
-          </a:xfrm>
-        </p:spPr>
-        <p:txBody>
-          <a:bodyPr vert="horz" lIns="91440" tIns="45720" rIns="91440" bIns="45720" rtlCol="0" anchor="b">
-            <a:normAutofit/>
-          </a:bodyPr>
-          <a:lstStyle>
-            <a:lvl1pPr>
-              <a:buNone/>
-              <a:defRPr lang="en-US" sz="2400" b="0">
-                <a:gradFill>
-                  <a:gsLst>
-                    <a:gs pos="15000">
-                      <a:schemeClr val="tx2"/>
-                    </a:gs>
-                    <a:gs pos="73000">
-                      <a:schemeClr val="tx2">
-                        <a:lumMod val="60000"/>
-                        <a:lumOff val="40000"/>
-                      </a:schemeClr>
-                    </a:gs>
-                    <a:gs pos="0">
-                      <a:schemeClr val="tx2">
-                        <a:lumMod val="90000"/>
-                        <a:lumOff val="10000"/>
-                      </a:schemeClr>
-                    </a:gs>
-                    <a:gs pos="100000">
-                      <a:schemeClr val="tx2">
-                        <a:lumMod val="0"/>
-                        <a:lumOff val="100000"/>
-                      </a:schemeClr>
-                    </a:gs>
-                  </a:gsLst>
-                  <a:lin ang="16200000" scaled="1"/>
-                </a:gradFill>
-              </a:defRPr>
-            </a:lvl1pPr>
-          </a:lstStyle>
-          <a:p>
-            <a:pPr marL="0" lvl="0" indent="0">
-              <a:buNone/>
-            </a:pPr>
-            <a:r>
-              <a:rPr lang="en-US"/>
-              <a:t>Click to edit Master text styles</a:t>
-            </a:r>
-          </a:p>
-        </p:txBody>
-      </p:sp>
-      <p:sp>
-        <p:nvSpPr>
-          <p:cNvPr id="6" name="Content Placeholder 5"/>
-          <p:cNvSpPr>
-            <a:spLocks noGrp="1"/>
-          </p:cNvSpPr>
-          <p:nvPr>
-            <p:ph sz="quarter" idx="4"/>
-          </p:nvPr>
-        </p:nvSpPr>
-        <p:spPr>
-          <a:xfrm>
-            <a:off x="6319840" y="2505075"/>
-            <a:ext cx="5035548" cy="3684588"/>
-          </a:xfrm>
-        </p:spPr>
-        <p:txBody>
-          <a:bodyPr/>
-          <a:lstStyle/>
-          <a:p>
-            <a:pPr lvl="0"/>
-            <a:r>
-              <a:rPr lang="en-US"/>
-              <a:t>Click to edit Master text styles</a:t>
-            </a:r>
-          </a:p>
-          <a:p>
-            <a:pPr lvl="1"/>
-            <a:r>
-              <a:rPr lang="en-US"/>
-              <a:t>Second level</a:t>
-            </a:r>
-          </a:p>
-          <a:p>
-            <a:pPr lvl="2"/>
-            <a:r>
-              <a:rPr lang="en-US"/>
-              <a:t>Third level</a:t>
-            </a:r>
-          </a:p>
-          <a:p>
-            <a:pPr lvl="3"/>
-            <a:r>
-              <a:rPr lang="en-US"/>
-              <a:t>Fourth level</a:t>
-            </a:r>
-          </a:p>
-          <a:p>
-            <a:pPr lvl="4"/>
-            <a:r>
-              <a:rPr lang="en-US"/>
-              <a:t>Fifth level</a:t>
-            </a:r>
-            <a:endParaRPr lang="en-US" dirty="0"/>
-          </a:p>
-        </p:txBody>
-      </p:sp>
-      <p:sp>
-        <p:nvSpPr>
-          <p:cNvPr id="7" name="Date Placeholder 6"/>
-          <p:cNvSpPr>
-            <a:spLocks noGrp="1"/>
-          </p:cNvSpPr>
-          <p:nvPr>
-            <p:ph type="dt" sz="half" idx="10"/>
-          </p:nvPr>
-        </p:nvSpPr>
-        <p:spPr/>
-        <p:txBody>
-          <a:bodyPr/>
-          <a:lstStyle/>
-          <a:p>
-            <a:fld id="{48A87A34-81AB-432B-8DAE-1953F412C126}" type="datetimeFigureOut">
-              <a:rPr lang="en-US" smtClean="0"/>
-              <a:t>5/16/2023</a:t>
-            </a:fld>
-            <a:endParaRPr lang="en-US" dirty="0"/>
-          </a:p>
-        </p:txBody>
-      </p:sp>
-      <p:sp>
-        <p:nvSpPr>
-          <p:cNvPr id="8" name="Footer Placeholder 7"/>
-          <p:cNvSpPr>
-            <a:spLocks noGrp="1"/>
-          </p:cNvSpPr>
-          <p:nvPr>
-            <p:ph type="ftr" sz="quarter" idx="11"/>
-          </p:nvPr>
-        </p:nvSpPr>
-        <p:spPr/>
-        <p:txBody>
-          <a:bodyPr/>
-          <a:lstStyle/>
-          <a:p>
-            <a:endParaRPr lang="en-US" dirty="0"/>
-          </a:p>
-        </p:txBody>
-      </p:sp>
-      <p:sp>
-        <p:nvSpPr>
-          <p:cNvPr id="9" name="Slide Number Placeholder 8"/>
-          <p:cNvSpPr>
-            <a:spLocks noGrp="1"/>
-          </p:cNvSpPr>
-          <p:nvPr>
-            <p:ph type="sldNum" sz="quarter" idx="12"/>
-          </p:nvPr>
-        </p:nvSpPr>
-        <p:spPr/>
-        <p:txBody>
-          <a:bodyPr/>
-          <a:lstStyle/>
-          <a:p>
-            <a:fld id="{03DC2DEF-D2FE-4B45-ABA4-9F153FD1C98A}" type="slidenum">
-              <a:rPr lang="en-US" smtClean="0"/>
-              <a:pPr/>
-              <a:t>‹#›</a:t>
-            </a:fld>
-            <a:endParaRPr lang="en-US" dirty="0"/>
-          </a:p>
-        </p:txBody>
-      </p:sp>
-    </p:spTree>
-    <p:extLst>
-      <p:ext uri="{BB962C8B-B14F-4D97-AF65-F5344CB8AC3E}">
-        <p14:creationId xmlns:p14="http://schemas.microsoft.com/office/powerpoint/2010/main" val="2306852219"/>
-      </p:ext>
-    </p:extLst>
-  </p:cSld>
-  <p:clrMapOvr>
-    <a:masterClrMapping/>
-  </p:clrMapOvr>
-  <p:hf hdr="0" ftr="0" dt="0"/>
-</p:sldLayout>
-</file>
-
-<file path=ppt/slideLayouts/slideLayout50.xml><?xml version="1.0" encoding="utf-8"?>
+<file path=ppt/slideLayouts/slideLayout47.xml><?xml version="1.0" encoding="utf-8"?>
 <p:sldLayout xmlns:a="http://schemas.openxmlformats.org/drawingml/2006/main" xmlns:r="http://schemas.openxmlformats.org/officeDocument/2006/relationships" xmlns:p="http://schemas.openxmlformats.org/presentationml/2006/main" preserve="1" userDrawn="1">
   <p:cSld name="5_Comparison">
     <p:spTree>
@@ -22440,7 +19553,7 @@
 </p:sldLayout>
 </file>
 
-<file path=ppt/slideLayouts/slideLayout51.xml><?xml version="1.0" encoding="utf-8"?>
+<file path=ppt/slideLayouts/slideLayout48.xml><?xml version="1.0" encoding="utf-8"?>
 <p:sldLayout xmlns:a="http://schemas.openxmlformats.org/drawingml/2006/main" xmlns:r="http://schemas.openxmlformats.org/officeDocument/2006/relationships" xmlns:p="http://schemas.openxmlformats.org/presentationml/2006/main" preserve="1" userDrawn="1">
   <p:cSld name="2_Title Only">
     <p:spTree>
@@ -22851,7 +19964,7 @@
 </p:sldLayout>
 </file>
 
-<file path=ppt/slideLayouts/slideLayout52.xml><?xml version="1.0" encoding="utf-8"?>
+<file path=ppt/slideLayouts/slideLayout49.xml><?xml version="1.0" encoding="utf-8"?>
 <p:sldLayout xmlns:a="http://schemas.openxmlformats.org/drawingml/2006/main" xmlns:r="http://schemas.openxmlformats.org/officeDocument/2006/relationships" xmlns:p="http://schemas.openxmlformats.org/presentationml/2006/main" preserve="1" userDrawn="1">
   <p:cSld name="3_Title Only">
     <p:spTree>
@@ -23453,7 +20566,402 @@
 </p:sldLayout>
 </file>
 
-<file path=ppt/slideLayouts/slideLayout53.xml><?xml version="1.0" encoding="utf-8"?>
+<file path=ppt/slideLayouts/slideLayout5.xml><?xml version="1.0" encoding="utf-8"?>
+<p:sldLayout xmlns:a="http://schemas.openxmlformats.org/drawingml/2006/main" xmlns:r="http://schemas.openxmlformats.org/officeDocument/2006/relationships" xmlns:p="http://schemas.openxmlformats.org/presentationml/2006/main" type="twoTxTwoObj" preserve="1">
+  <p:cSld name="Comparison">
+    <p:spTree>
+      <p:nvGrpSpPr>
+        <p:cNvPr id="1" name=""/>
+        <p:cNvGrpSpPr/>
+        <p:nvPr/>
+      </p:nvGrpSpPr>
+      <p:grpSpPr>
+        <a:xfrm>
+          <a:off x="0" y="0"/>
+          <a:ext cx="0" cy="0"/>
+          <a:chOff x="0" y="0"/>
+          <a:chExt cx="0" cy="0"/>
+        </a:xfrm>
+      </p:grpSpPr>
+      <p:sp>
+        <p:nvSpPr>
+          <p:cNvPr id="2" name="Title 1"/>
+          <p:cNvSpPr>
+            <a:spLocks noGrp="1"/>
+          </p:cNvSpPr>
+          <p:nvPr>
+            <p:ph type="title"/>
+          </p:nvPr>
+        </p:nvSpPr>
+        <p:spPr>
+          <a:xfrm>
+            <a:off x="839788" y="365125"/>
+            <a:ext cx="10515600" cy="1325563"/>
+          </a:xfrm>
+        </p:spPr>
+        <p:txBody>
+          <a:bodyPr/>
+          <a:lstStyle/>
+          <a:p>
+            <a:r>
+              <a:rPr lang="en-US"/>
+              <a:t>Click to edit Master title style</a:t>
+            </a:r>
+            <a:endParaRPr lang="en-US" dirty="0"/>
+          </a:p>
+        </p:txBody>
+      </p:sp>
+      <p:sp>
+        <p:nvSpPr>
+          <p:cNvPr id="3" name="Text Placeholder 2"/>
+          <p:cNvSpPr>
+            <a:spLocks noGrp="1"/>
+          </p:cNvSpPr>
+          <p:nvPr>
+            <p:ph type="body" idx="1"/>
+          </p:nvPr>
+        </p:nvSpPr>
+        <p:spPr>
+          <a:xfrm>
+            <a:off x="1120000" y="1681163"/>
+            <a:ext cx="5025216" cy="823912"/>
+          </a:xfrm>
+        </p:spPr>
+        <p:txBody>
+          <a:bodyPr anchor="b"/>
+          <a:lstStyle>
+            <a:lvl1pPr marL="0" indent="0">
+              <a:buNone/>
+              <a:defRPr sz="2400" b="0">
+                <a:gradFill>
+                  <a:gsLst>
+                    <a:gs pos="15000">
+                      <a:schemeClr val="tx2"/>
+                    </a:gs>
+                    <a:gs pos="73000">
+                      <a:schemeClr val="tx2">
+                        <a:lumMod val="60000"/>
+                        <a:lumOff val="40000"/>
+                      </a:schemeClr>
+                    </a:gs>
+                    <a:gs pos="0">
+                      <a:schemeClr val="tx2">
+                        <a:lumMod val="90000"/>
+                        <a:lumOff val="10000"/>
+                      </a:schemeClr>
+                    </a:gs>
+                    <a:gs pos="100000">
+                      <a:schemeClr val="tx2">
+                        <a:lumMod val="0"/>
+                        <a:lumOff val="100000"/>
+                      </a:schemeClr>
+                    </a:gs>
+                  </a:gsLst>
+                  <a:lin ang="16200000" scaled="1"/>
+                </a:gradFill>
+              </a:defRPr>
+            </a:lvl1pPr>
+            <a:lvl2pPr marL="457200" indent="0">
+              <a:buNone/>
+              <a:defRPr sz="2000" b="1"/>
+            </a:lvl2pPr>
+            <a:lvl3pPr marL="914400" indent="0">
+              <a:buNone/>
+              <a:defRPr sz="1800" b="1"/>
+            </a:lvl3pPr>
+            <a:lvl4pPr marL="1371600" indent="0">
+              <a:buNone/>
+              <a:defRPr sz="1600" b="1"/>
+            </a:lvl4pPr>
+            <a:lvl5pPr marL="1828800" indent="0">
+              <a:buNone/>
+              <a:defRPr sz="1600" b="1"/>
+            </a:lvl5pPr>
+            <a:lvl6pPr marL="2286000" indent="0">
+              <a:buNone/>
+              <a:defRPr sz="1600" b="1"/>
+            </a:lvl6pPr>
+            <a:lvl7pPr marL="2743200" indent="0">
+              <a:buNone/>
+              <a:defRPr sz="1600" b="1"/>
+            </a:lvl7pPr>
+            <a:lvl8pPr marL="3200400" indent="0">
+              <a:buNone/>
+              <a:defRPr sz="1600" b="1"/>
+            </a:lvl8pPr>
+            <a:lvl9pPr marL="3657600" indent="0">
+              <a:buNone/>
+              <a:defRPr sz="1600" b="1"/>
+            </a:lvl9pPr>
+          </a:lstStyle>
+          <a:p>
+            <a:pPr lvl="0"/>
+            <a:r>
+              <a:rPr lang="en-US"/>
+              <a:t>Click to edit Master text styles</a:t>
+            </a:r>
+          </a:p>
+        </p:txBody>
+      </p:sp>
+      <p:sp>
+        <p:nvSpPr>
+          <p:cNvPr id="4" name="Content Placeholder 3"/>
+          <p:cNvSpPr>
+            <a:spLocks noGrp="1"/>
+          </p:cNvSpPr>
+          <p:nvPr>
+            <p:ph sz="half" idx="2"/>
+          </p:nvPr>
+        </p:nvSpPr>
+        <p:spPr>
+          <a:xfrm>
+            <a:off x="1120000" y="2505075"/>
+            <a:ext cx="5025216" cy="3684588"/>
+          </a:xfrm>
+        </p:spPr>
+        <p:txBody>
+          <a:bodyPr/>
+          <a:lstStyle/>
+          <a:p>
+            <a:pPr lvl="0"/>
+            <a:r>
+              <a:rPr lang="en-US"/>
+              <a:t>Click to edit Master text styles</a:t>
+            </a:r>
+          </a:p>
+          <a:p>
+            <a:pPr lvl="1"/>
+            <a:r>
+              <a:rPr lang="en-US"/>
+              <a:t>Second level</a:t>
+            </a:r>
+          </a:p>
+          <a:p>
+            <a:pPr lvl="2"/>
+            <a:r>
+              <a:rPr lang="en-US"/>
+              <a:t>Third level</a:t>
+            </a:r>
+          </a:p>
+          <a:p>
+            <a:pPr lvl="3"/>
+            <a:r>
+              <a:rPr lang="en-US"/>
+              <a:t>Fourth level</a:t>
+            </a:r>
+          </a:p>
+          <a:p>
+            <a:pPr lvl="4"/>
+            <a:r>
+              <a:rPr lang="en-US"/>
+              <a:t>Fifth level</a:t>
+            </a:r>
+            <a:endParaRPr lang="en-US" dirty="0"/>
+          </a:p>
+        </p:txBody>
+      </p:sp>
+      <p:sp>
+        <p:nvSpPr>
+          <p:cNvPr id="5" name="Text Placeholder 4"/>
+          <p:cNvSpPr>
+            <a:spLocks noGrp="1"/>
+          </p:cNvSpPr>
+          <p:nvPr>
+            <p:ph type="body" sz="quarter" idx="3"/>
+          </p:nvPr>
+        </p:nvSpPr>
+        <p:spPr>
+          <a:xfrm>
+            <a:off x="6319840" y="1681163"/>
+            <a:ext cx="5035548" cy="823912"/>
+          </a:xfrm>
+        </p:spPr>
+        <p:txBody>
+          <a:bodyPr vert="horz" lIns="91440" tIns="45720" rIns="91440" bIns="45720" rtlCol="0" anchor="b">
+            <a:normAutofit/>
+          </a:bodyPr>
+          <a:lstStyle>
+            <a:lvl1pPr>
+              <a:buNone/>
+              <a:defRPr lang="en-US" sz="2400" b="0">
+                <a:gradFill>
+                  <a:gsLst>
+                    <a:gs pos="15000">
+                      <a:schemeClr val="tx2"/>
+                    </a:gs>
+                    <a:gs pos="73000">
+                      <a:schemeClr val="tx2">
+                        <a:lumMod val="60000"/>
+                        <a:lumOff val="40000"/>
+                      </a:schemeClr>
+                    </a:gs>
+                    <a:gs pos="0">
+                      <a:schemeClr val="tx2">
+                        <a:lumMod val="90000"/>
+                        <a:lumOff val="10000"/>
+                      </a:schemeClr>
+                    </a:gs>
+                    <a:gs pos="100000">
+                      <a:schemeClr val="tx2">
+                        <a:lumMod val="0"/>
+                        <a:lumOff val="100000"/>
+                      </a:schemeClr>
+                    </a:gs>
+                  </a:gsLst>
+                  <a:lin ang="16200000" scaled="1"/>
+                </a:gradFill>
+              </a:defRPr>
+            </a:lvl1pPr>
+          </a:lstStyle>
+          <a:p>
+            <a:pPr marL="0" lvl="0" indent="0">
+              <a:buNone/>
+            </a:pPr>
+            <a:r>
+              <a:rPr lang="en-US"/>
+              <a:t>Click to edit Master text styles</a:t>
+            </a:r>
+          </a:p>
+        </p:txBody>
+      </p:sp>
+      <p:sp>
+        <p:nvSpPr>
+          <p:cNvPr id="6" name="Content Placeholder 5"/>
+          <p:cNvSpPr>
+            <a:spLocks noGrp="1"/>
+          </p:cNvSpPr>
+          <p:nvPr>
+            <p:ph sz="quarter" idx="4"/>
+          </p:nvPr>
+        </p:nvSpPr>
+        <p:spPr>
+          <a:xfrm>
+            <a:off x="6319840" y="2505075"/>
+            <a:ext cx="5035548" cy="3684588"/>
+          </a:xfrm>
+        </p:spPr>
+        <p:txBody>
+          <a:bodyPr/>
+          <a:lstStyle/>
+          <a:p>
+            <a:pPr lvl="0"/>
+            <a:r>
+              <a:rPr lang="en-US"/>
+              <a:t>Click to edit Master text styles</a:t>
+            </a:r>
+          </a:p>
+          <a:p>
+            <a:pPr lvl="1"/>
+            <a:r>
+              <a:rPr lang="en-US"/>
+              <a:t>Second level</a:t>
+            </a:r>
+          </a:p>
+          <a:p>
+            <a:pPr lvl="2"/>
+            <a:r>
+              <a:rPr lang="en-US"/>
+              <a:t>Third level</a:t>
+            </a:r>
+          </a:p>
+          <a:p>
+            <a:pPr lvl="3"/>
+            <a:r>
+              <a:rPr lang="en-US"/>
+              <a:t>Fourth level</a:t>
+            </a:r>
+          </a:p>
+          <a:p>
+            <a:pPr lvl="4"/>
+            <a:r>
+              <a:rPr lang="en-US"/>
+              <a:t>Fifth level</a:t>
+            </a:r>
+            <a:endParaRPr lang="en-US" dirty="0"/>
+          </a:p>
+        </p:txBody>
+      </p:sp>
+      <p:sp>
+        <p:nvSpPr>
+          <p:cNvPr id="7" name="Date Placeholder 6"/>
+          <p:cNvSpPr>
+            <a:spLocks noGrp="1"/>
+          </p:cNvSpPr>
+          <p:nvPr>
+            <p:ph type="dt" sz="half" idx="10"/>
+          </p:nvPr>
+        </p:nvSpPr>
+        <p:spPr/>
+        <p:txBody>
+          <a:bodyPr/>
+          <a:lstStyle/>
+          <a:p>
+            <a:fld id="{48A87A34-81AB-432B-8DAE-1953F412C126}" type="datetimeFigureOut">
+              <a:rPr lang="en-US" smtClean="0"/>
+              <a:t>5/17/2023</a:t>
+            </a:fld>
+            <a:endParaRPr lang="en-US" dirty="0"/>
+          </a:p>
+        </p:txBody>
+      </p:sp>
+      <p:sp>
+        <p:nvSpPr>
+          <p:cNvPr id="8" name="Footer Placeholder 7"/>
+          <p:cNvSpPr>
+            <a:spLocks noGrp="1"/>
+          </p:cNvSpPr>
+          <p:nvPr>
+            <p:ph type="ftr" sz="quarter" idx="11"/>
+          </p:nvPr>
+        </p:nvSpPr>
+        <p:spPr/>
+        <p:txBody>
+          <a:bodyPr/>
+          <a:lstStyle/>
+          <a:p>
+            <a:endParaRPr lang="en-US" dirty="0"/>
+          </a:p>
+        </p:txBody>
+      </p:sp>
+      <p:sp>
+        <p:nvSpPr>
+          <p:cNvPr id="9" name="Slide Number Placeholder 8"/>
+          <p:cNvSpPr>
+            <a:spLocks noGrp="1"/>
+          </p:cNvSpPr>
+          <p:nvPr>
+            <p:ph type="sldNum" sz="quarter" idx="12"/>
+          </p:nvPr>
+        </p:nvSpPr>
+        <p:spPr/>
+        <p:txBody>
+          <a:bodyPr/>
+          <a:lstStyle/>
+          <a:p>
+            <a:fld id="{03DC2DEF-D2FE-4B45-ABA4-9F153FD1C98A}" type="slidenum">
+              <a:rPr lang="en-US" smtClean="0"/>
+              <a:pPr/>
+              <a:t>‹#›</a:t>
+            </a:fld>
+            <a:endParaRPr lang="en-US" dirty="0"/>
+          </a:p>
+        </p:txBody>
+      </p:sp>
+    </p:spTree>
+    <p:extLst>
+      <p:ext uri="{BB962C8B-B14F-4D97-AF65-F5344CB8AC3E}">
+        <p14:creationId xmlns:p14="http://schemas.microsoft.com/office/powerpoint/2010/main" val="2149196111"/>
+      </p:ext>
+    </p:extLst>
+  </p:cSld>
+  <p:clrMapOvr>
+    <a:masterClrMapping/>
+  </p:clrMapOvr>
+  <p:hf hdr="0" ftr="0" dt="0"/>
+</p:sldLayout>
+</file>
+
+<file path=ppt/slideLayouts/slideLayout50.xml><?xml version="1.0" encoding="utf-8"?>
 <p:sldLayout xmlns:a="http://schemas.openxmlformats.org/drawingml/2006/main" xmlns:r="http://schemas.openxmlformats.org/officeDocument/2006/relationships" xmlns:p="http://schemas.openxmlformats.org/presentationml/2006/main" preserve="1" userDrawn="1">
   <p:cSld name="4_Title Only">
     <p:spTree>
@@ -23755,7 +21263,7 @@
 </p:sldLayout>
 </file>
 
-<file path=ppt/slideLayouts/slideLayout54.xml><?xml version="1.0" encoding="utf-8"?>
+<file path=ppt/slideLayouts/slideLayout51.xml><?xml version="1.0" encoding="utf-8"?>
 <p:sldLayout xmlns:a="http://schemas.openxmlformats.org/drawingml/2006/main" xmlns:r="http://schemas.openxmlformats.org/officeDocument/2006/relationships" xmlns:p="http://schemas.openxmlformats.org/presentationml/2006/main" preserve="1" userDrawn="1">
   <p:cSld name="6_Title Only">
     <p:spTree>
@@ -24161,7 +21669,7 @@
 </p:sldLayout>
 </file>
 
-<file path=ppt/slideLayouts/slideLayout55.xml><?xml version="1.0" encoding="utf-8"?>
+<file path=ppt/slideLayouts/slideLayout52.xml><?xml version="1.0" encoding="utf-8"?>
 <p:sldLayout xmlns:a="http://schemas.openxmlformats.org/drawingml/2006/main" xmlns:r="http://schemas.openxmlformats.org/officeDocument/2006/relationships" xmlns:p="http://schemas.openxmlformats.org/presentationml/2006/main" preserve="1" userDrawn="1">
   <p:cSld name="7_Title Only">
     <p:spTree>
@@ -25162,7 +22670,7 @@
 </p:sldLayout>
 </file>
 
-<file path=ppt/slideLayouts/slideLayout56.xml><?xml version="1.0" encoding="utf-8"?>
+<file path=ppt/slideLayouts/slideLayout53.xml><?xml version="1.0" encoding="utf-8"?>
 <p:sldLayout xmlns:a="http://schemas.openxmlformats.org/drawingml/2006/main" xmlns:r="http://schemas.openxmlformats.org/officeDocument/2006/relationships" xmlns:p="http://schemas.openxmlformats.org/presentationml/2006/main" preserve="1" userDrawn="1">
   <p:cSld name="8_Title Only">
     <p:spTree>
@@ -26176,7 +23684,7 @@
 </p:sldLayout>
 </file>
 
-<file path=ppt/slideLayouts/slideLayout57.xml><?xml version="1.0" encoding="utf-8"?>
+<file path=ppt/slideLayouts/slideLayout54.xml><?xml version="1.0" encoding="utf-8"?>
 <p:sldLayout xmlns:a="http://schemas.openxmlformats.org/drawingml/2006/main" xmlns:r="http://schemas.openxmlformats.org/officeDocument/2006/relationships" xmlns:p="http://schemas.openxmlformats.org/presentationml/2006/main" preserve="1" userDrawn="1">
   <p:cSld name="9_Title Only">
     <p:spTree>
@@ -27197,7 +24705,7 @@
 </p:sldLayout>
 </file>
 
-<file path=ppt/slideLayouts/slideLayout58.xml><?xml version="1.0" encoding="utf-8"?>
+<file path=ppt/slideLayouts/slideLayout55.xml><?xml version="1.0" encoding="utf-8"?>
 <p:sldLayout xmlns:a="http://schemas.openxmlformats.org/drawingml/2006/main" xmlns:r="http://schemas.openxmlformats.org/officeDocument/2006/relationships" xmlns:p="http://schemas.openxmlformats.org/presentationml/2006/main" preserve="1" userDrawn="1">
   <p:cSld name="11_Title Only">
     <p:spTree>
@@ -28248,7 +25756,7 @@
 </p:sldLayout>
 </file>
 
-<file path=ppt/slideLayouts/slideLayout59.xml><?xml version="1.0" encoding="utf-8"?>
+<file path=ppt/slideLayouts/slideLayout56.xml><?xml version="1.0" encoding="utf-8"?>
 <p:sldLayout xmlns:a="http://schemas.openxmlformats.org/drawingml/2006/main" xmlns:r="http://schemas.openxmlformats.org/officeDocument/2006/relationships" xmlns:p="http://schemas.openxmlformats.org/presentationml/2006/main" preserve="1" userDrawn="1">
   <p:cSld name="13_Title Only">
     <p:spTree>
@@ -29399,127 +26907,7 @@
 </p:sldLayout>
 </file>
 
-<file path=ppt/slideLayouts/slideLayout6.xml><?xml version="1.0" encoding="utf-8"?>
-<p:sldLayout xmlns:a="http://schemas.openxmlformats.org/drawingml/2006/main" xmlns:r="http://schemas.openxmlformats.org/officeDocument/2006/relationships" xmlns:p="http://schemas.openxmlformats.org/presentationml/2006/main" type="titleOnly" preserve="1">
-  <p:cSld name="Title Only">
-    <p:spTree>
-      <p:nvGrpSpPr>
-        <p:cNvPr id="1" name=""/>
-        <p:cNvGrpSpPr/>
-        <p:nvPr/>
-      </p:nvGrpSpPr>
-      <p:grpSpPr>
-        <a:xfrm>
-          <a:off x="0" y="0"/>
-          <a:ext cx="0" cy="0"/>
-          <a:chOff x="0" y="0"/>
-          <a:chExt cx="0" cy="0"/>
-        </a:xfrm>
-      </p:grpSpPr>
-      <p:sp>
-        <p:nvSpPr>
-          <p:cNvPr id="2" name="Title 1"/>
-          <p:cNvSpPr>
-            <a:spLocks noGrp="1"/>
-          </p:cNvSpPr>
-          <p:nvPr>
-            <p:ph type="title"/>
-          </p:nvPr>
-        </p:nvSpPr>
-        <p:spPr/>
-        <p:txBody>
-          <a:bodyPr/>
-          <a:lstStyle/>
-          <a:p>
-            <a:r>
-              <a:rPr lang="en-US"/>
-              <a:t>Click to edit Master title style</a:t>
-            </a:r>
-            <a:endParaRPr lang="en-US" dirty="0"/>
-          </a:p>
-        </p:txBody>
-      </p:sp>
-      <p:sp>
-        <p:nvSpPr>
-          <p:cNvPr id="3" name="Date Placeholder 2"/>
-          <p:cNvSpPr>
-            <a:spLocks noGrp="1"/>
-          </p:cNvSpPr>
-          <p:nvPr>
-            <p:ph type="dt" sz="half" idx="10"/>
-          </p:nvPr>
-        </p:nvSpPr>
-        <p:spPr/>
-        <p:txBody>
-          <a:bodyPr/>
-          <a:lstStyle/>
-          <a:p>
-            <a:fld id="{48A87A34-81AB-432B-8DAE-1953F412C126}" type="datetimeFigureOut">
-              <a:rPr lang="en-US" smtClean="0"/>
-              <a:t>5/16/2023</a:t>
-            </a:fld>
-            <a:endParaRPr lang="en-US" dirty="0"/>
-          </a:p>
-        </p:txBody>
-      </p:sp>
-      <p:sp>
-        <p:nvSpPr>
-          <p:cNvPr id="4" name="Footer Placeholder 3"/>
-          <p:cNvSpPr>
-            <a:spLocks noGrp="1"/>
-          </p:cNvSpPr>
-          <p:nvPr>
-            <p:ph type="ftr" sz="quarter" idx="11"/>
-          </p:nvPr>
-        </p:nvSpPr>
-        <p:spPr/>
-        <p:txBody>
-          <a:bodyPr/>
-          <a:lstStyle/>
-          <a:p>
-            <a:endParaRPr lang="en-US" dirty="0"/>
-          </a:p>
-        </p:txBody>
-      </p:sp>
-      <p:sp>
-        <p:nvSpPr>
-          <p:cNvPr id="5" name="Slide Number Placeholder 4"/>
-          <p:cNvSpPr>
-            <a:spLocks noGrp="1"/>
-          </p:cNvSpPr>
-          <p:nvPr>
-            <p:ph type="sldNum" sz="quarter" idx="12"/>
-          </p:nvPr>
-        </p:nvSpPr>
-        <p:spPr/>
-        <p:txBody>
-          <a:bodyPr/>
-          <a:lstStyle/>
-          <a:p>
-            <a:fld id="{03DC2DEF-D2FE-4B45-ABA4-9F153FD1C98A}" type="slidenum">
-              <a:rPr lang="en-US" smtClean="0"/>
-              <a:pPr/>
-              <a:t>‹#›</a:t>
-            </a:fld>
-            <a:endParaRPr lang="en-US" dirty="0"/>
-          </a:p>
-        </p:txBody>
-      </p:sp>
-    </p:spTree>
-    <p:extLst>
-      <p:ext uri="{BB962C8B-B14F-4D97-AF65-F5344CB8AC3E}">
-        <p14:creationId xmlns:p14="http://schemas.microsoft.com/office/powerpoint/2010/main" val="2795489004"/>
-      </p:ext>
-    </p:extLst>
-  </p:cSld>
-  <p:clrMapOvr>
-    <a:masterClrMapping/>
-  </p:clrMapOvr>
-  <p:hf hdr="0" ftr="0" dt="0"/>
-</p:sldLayout>
-</file>
-
-<file path=ppt/slideLayouts/slideLayout60.xml><?xml version="1.0" encoding="utf-8"?>
+<file path=ppt/slideLayouts/slideLayout57.xml><?xml version="1.0" encoding="utf-8"?>
 <p:sldLayout xmlns:a="http://schemas.openxmlformats.org/drawingml/2006/main" xmlns:r="http://schemas.openxmlformats.org/officeDocument/2006/relationships" xmlns:p="http://schemas.openxmlformats.org/presentationml/2006/main" preserve="1" userDrawn="1">
   <p:cSld name="14_Title Only">
     <p:spTree>
@@ -29699,7 +27087,7 @@
 </p:sldLayout>
 </file>
 
-<file path=ppt/slideLayouts/slideLayout61.xml><?xml version="1.0" encoding="utf-8"?>
+<file path=ppt/slideLayouts/slideLayout58.xml><?xml version="1.0" encoding="utf-8"?>
 <p:sldLayout xmlns:a="http://schemas.openxmlformats.org/drawingml/2006/main" xmlns:r="http://schemas.openxmlformats.org/officeDocument/2006/relationships" xmlns:p="http://schemas.openxmlformats.org/presentationml/2006/main" preserve="1" userDrawn="1">
   <p:cSld name="15_Title Only">
     <p:spTree>
@@ -29920,7 +27308,7 @@
 </p:sldLayout>
 </file>
 
-<file path=ppt/slideLayouts/slideLayout62.xml><?xml version="1.0" encoding="utf-8"?>
+<file path=ppt/slideLayouts/slideLayout59.xml><?xml version="1.0" encoding="utf-8"?>
 <p:sldLayout xmlns:a="http://schemas.openxmlformats.org/drawingml/2006/main" xmlns:r="http://schemas.openxmlformats.org/officeDocument/2006/relationships" xmlns:p="http://schemas.openxmlformats.org/presentationml/2006/main" preserve="1" userDrawn="1">
   <p:cSld name="16_Title Only">
     <p:spTree>
@@ -30182,7 +27570,127 @@
 </p:sldLayout>
 </file>
 
-<file path=ppt/slideLayouts/slideLayout63.xml><?xml version="1.0" encoding="utf-8"?>
+<file path=ppt/slideLayouts/slideLayout6.xml><?xml version="1.0" encoding="utf-8"?>
+<p:sldLayout xmlns:a="http://schemas.openxmlformats.org/drawingml/2006/main" xmlns:r="http://schemas.openxmlformats.org/officeDocument/2006/relationships" xmlns:p="http://schemas.openxmlformats.org/presentationml/2006/main" type="titleOnly" preserve="1">
+  <p:cSld name="Title Only">
+    <p:spTree>
+      <p:nvGrpSpPr>
+        <p:cNvPr id="1" name=""/>
+        <p:cNvGrpSpPr/>
+        <p:nvPr/>
+      </p:nvGrpSpPr>
+      <p:grpSpPr>
+        <a:xfrm>
+          <a:off x="0" y="0"/>
+          <a:ext cx="0" cy="0"/>
+          <a:chOff x="0" y="0"/>
+          <a:chExt cx="0" cy="0"/>
+        </a:xfrm>
+      </p:grpSpPr>
+      <p:sp>
+        <p:nvSpPr>
+          <p:cNvPr id="2" name="Title 1"/>
+          <p:cNvSpPr>
+            <a:spLocks noGrp="1"/>
+          </p:cNvSpPr>
+          <p:nvPr>
+            <p:ph type="title"/>
+          </p:nvPr>
+        </p:nvSpPr>
+        <p:spPr/>
+        <p:txBody>
+          <a:bodyPr/>
+          <a:lstStyle/>
+          <a:p>
+            <a:r>
+              <a:rPr lang="en-US"/>
+              <a:t>Click to edit Master title style</a:t>
+            </a:r>
+            <a:endParaRPr lang="en-US" dirty="0"/>
+          </a:p>
+        </p:txBody>
+      </p:sp>
+      <p:sp>
+        <p:nvSpPr>
+          <p:cNvPr id="3" name="Date Placeholder 2"/>
+          <p:cNvSpPr>
+            <a:spLocks noGrp="1"/>
+          </p:cNvSpPr>
+          <p:nvPr>
+            <p:ph type="dt" sz="half" idx="10"/>
+          </p:nvPr>
+        </p:nvSpPr>
+        <p:spPr/>
+        <p:txBody>
+          <a:bodyPr/>
+          <a:lstStyle/>
+          <a:p>
+            <a:fld id="{48A87A34-81AB-432B-8DAE-1953F412C126}" type="datetimeFigureOut">
+              <a:rPr lang="en-US" smtClean="0"/>
+              <a:t>5/17/2023</a:t>
+            </a:fld>
+            <a:endParaRPr lang="en-US" dirty="0"/>
+          </a:p>
+        </p:txBody>
+      </p:sp>
+      <p:sp>
+        <p:nvSpPr>
+          <p:cNvPr id="4" name="Footer Placeholder 3"/>
+          <p:cNvSpPr>
+            <a:spLocks noGrp="1"/>
+          </p:cNvSpPr>
+          <p:nvPr>
+            <p:ph type="ftr" sz="quarter" idx="11"/>
+          </p:nvPr>
+        </p:nvSpPr>
+        <p:spPr/>
+        <p:txBody>
+          <a:bodyPr/>
+          <a:lstStyle/>
+          <a:p>
+            <a:endParaRPr lang="en-US" dirty="0"/>
+          </a:p>
+        </p:txBody>
+      </p:sp>
+      <p:sp>
+        <p:nvSpPr>
+          <p:cNvPr id="5" name="Slide Number Placeholder 4"/>
+          <p:cNvSpPr>
+            <a:spLocks noGrp="1"/>
+          </p:cNvSpPr>
+          <p:nvPr>
+            <p:ph type="sldNum" sz="quarter" idx="12"/>
+          </p:nvPr>
+        </p:nvSpPr>
+        <p:spPr/>
+        <p:txBody>
+          <a:bodyPr/>
+          <a:lstStyle/>
+          <a:p>
+            <a:fld id="{03DC2DEF-D2FE-4B45-ABA4-9F153FD1C98A}" type="slidenum">
+              <a:rPr lang="en-US" smtClean="0"/>
+              <a:pPr/>
+              <a:t>‹#›</a:t>
+            </a:fld>
+            <a:endParaRPr lang="en-US" dirty="0"/>
+          </a:p>
+        </p:txBody>
+      </p:sp>
+    </p:spTree>
+    <p:extLst>
+      <p:ext uri="{BB962C8B-B14F-4D97-AF65-F5344CB8AC3E}">
+        <p14:creationId xmlns:p14="http://schemas.microsoft.com/office/powerpoint/2010/main" val="1529280886"/>
+      </p:ext>
+    </p:extLst>
+  </p:cSld>
+  <p:clrMapOvr>
+    <a:masterClrMapping/>
+  </p:clrMapOvr>
+  <p:hf hdr="0" ftr="0" dt="0"/>
+</p:sldLayout>
+</file>
+
+<file path=ppt/slideLayouts/slideLayout60.xml><?xml version="1.0" encoding="utf-8"?>
 <p:sldLayout xmlns:a="http://schemas.openxmlformats.org/drawingml/2006/main" xmlns:r="http://schemas.openxmlformats.org/officeDocument/2006/relationships" xmlns:p="http://schemas.openxmlformats.org/presentationml/2006/main" preserve="1" userDrawn="1">
   <p:cSld name="17_Title Only">
     <p:spTree>
@@ -30485,7 +27993,7 @@
 </p:sldLayout>
 </file>
 
-<file path=ppt/slideLayouts/slideLayout64.xml><?xml version="1.0" encoding="utf-8"?>
+<file path=ppt/slideLayouts/slideLayout61.xml><?xml version="1.0" encoding="utf-8"?>
 <p:sldLayout xmlns:a="http://schemas.openxmlformats.org/drawingml/2006/main" xmlns:r="http://schemas.openxmlformats.org/officeDocument/2006/relationships" xmlns:p="http://schemas.openxmlformats.org/presentationml/2006/main" preserve="1" userDrawn="1">
   <p:cSld name="6_Title Slide">
     <p:spTree>
@@ -30690,7 +28198,7 @@
           <a:p>
             <a:fld id="{48A87A34-81AB-432B-8DAE-1953F412C126}" type="datetimeFigureOut">
               <a:rPr lang="en-US" smtClean="0"/>
-              <a:t>5/16/2023</a:t>
+              <a:t>5/17/2023</a:t>
             </a:fld>
             <a:endParaRPr lang="en-US" dirty="0"/>
           </a:p>
@@ -30742,7 +28250,7 @@
     </p:spTree>
     <p:extLst>
       <p:ext uri="{BB962C8B-B14F-4D97-AF65-F5344CB8AC3E}">
-        <p14:creationId xmlns:p14="http://schemas.microsoft.com/office/powerpoint/2010/main" val="3398739849"/>
+        <p14:creationId xmlns:p14="http://schemas.microsoft.com/office/powerpoint/2010/main" val="2892894723"/>
       </p:ext>
     </p:extLst>
   </p:cSld>
@@ -30965,7 +28473,7 @@
           <a:p>
             <a:fld id="{48A87A34-81AB-432B-8DAE-1953F412C126}" type="datetimeFigureOut">
               <a:rPr lang="en-US" smtClean="0"/>
-              <a:t>5/16/2023</a:t>
+              <a:t>5/17/2023</a:t>
             </a:fld>
             <a:endParaRPr lang="en-US" dirty="0"/>
           </a:p>
@@ -31016,7 +28524,7 @@
     </p:spTree>
     <p:extLst>
       <p:ext uri="{BB962C8B-B14F-4D97-AF65-F5344CB8AC3E}">
-        <p14:creationId xmlns:p14="http://schemas.microsoft.com/office/powerpoint/2010/main" val="3683671641"/>
+        <p14:creationId xmlns:p14="http://schemas.microsoft.com/office/powerpoint/2010/main" val="2282793226"/>
       </p:ext>
     </p:extLst>
   </p:cSld>
@@ -31246,7 +28754,7 @@
           <a:p>
             <a:fld id="{48A87A34-81AB-432B-8DAE-1953F412C126}" type="datetimeFigureOut">
               <a:rPr lang="en-US" smtClean="0"/>
-              <a:t>5/16/2023</a:t>
+              <a:t>5/17/2023</a:t>
             </a:fld>
             <a:endParaRPr lang="en-US" dirty="0"/>
           </a:p>
@@ -31297,7 +28805,7 @@
     </p:spTree>
     <p:extLst>
       <p:ext uri="{BB962C8B-B14F-4D97-AF65-F5344CB8AC3E}">
-        <p14:creationId xmlns:p14="http://schemas.microsoft.com/office/powerpoint/2010/main" val="1262859209"/>
+        <p14:creationId xmlns:p14="http://schemas.microsoft.com/office/powerpoint/2010/main" val="1152276168"/>
       </p:ext>
     </p:extLst>
   </p:cSld>
@@ -31313,7 +28821,7 @@
     <p:bg>
       <p:bgPr>
         <a:blipFill dpi="0" rotWithShape="1">
-          <a:blip r:embed="rId66">
+          <a:blip r:embed="rId63">
             <a:lum/>
           </a:blip>
           <a:srcRect/>
@@ -31487,7 +28995,7 @@
             <a:fld id="{48A87A34-81AB-432B-8DAE-1953F412C126}" type="datetimeFigureOut">
               <a:rPr lang="en-US" smtClean="0"/>
               <a:pPr/>
-              <a:t>5/16/2023</a:t>
+              <a:t>5/17/2023</a:t>
             </a:fld>
             <a:endParaRPr lang="en-US" dirty="0"/>
           </a:p>
@@ -31613,7 +29121,7 @@
           <p:cNvPr id="7" name="Rectangle 6">
             <a:extLst>
               <a:ext uri="{FF2B5EF4-FFF2-40B4-BE49-F238E27FC236}">
-                <a16:creationId xmlns:a16="http://schemas.microsoft.com/office/drawing/2014/main" id="{FE742449-E653-E55D-1BEC-57618EDB548B}"/>
+                <a16:creationId xmlns:a16="http://schemas.microsoft.com/office/drawing/2014/main" id="{6A36F8EB-7690-760F-9397-EEFAB9FD38E4}"/>
               </a:ext>
             </a:extLst>
           </p:cNvPr>
@@ -31665,7 +29173,7 @@
           <p:cNvPr id="8" name="Rectangle 7">
             <a:extLst>
               <a:ext uri="{FF2B5EF4-FFF2-40B4-BE49-F238E27FC236}">
-                <a16:creationId xmlns:a16="http://schemas.microsoft.com/office/drawing/2014/main" id="{F751CCE9-47BC-F7E6-5EC4-28F97A0C0ECE}"/>
+                <a16:creationId xmlns:a16="http://schemas.microsoft.com/office/drawing/2014/main" id="{D1D82CE8-9A19-899E-AE8E-0E4F8C05E192}"/>
               </a:ext>
             </a:extLst>
           </p:cNvPr>
@@ -31715,76 +29223,73 @@
     </p:spTree>
     <p:extLst>
       <p:ext uri="{BB962C8B-B14F-4D97-AF65-F5344CB8AC3E}">
-        <p14:creationId xmlns:p14="http://schemas.microsoft.com/office/powerpoint/2010/main" val="2636928639"/>
+        <p14:creationId xmlns:p14="http://schemas.microsoft.com/office/powerpoint/2010/main" val="3172590545"/>
       </p:ext>
     </p:extLst>
   </p:cSld>
   <p:clrMap bg1="dk1" tx1="lt1" bg2="dk2" tx2="lt2" accent1="accent1" accent2="accent2" accent3="accent3" accent4="accent4" accent5="accent5" accent6="accent6" hlink="hlink" folHlink="folHlink"/>
   <p:sldLayoutIdLst>
-    <p:sldLayoutId id="2147483816" r:id="rId1"/>
-    <p:sldLayoutId id="2147483817" r:id="rId2"/>
-    <p:sldLayoutId id="2147483818" r:id="rId3"/>
-    <p:sldLayoutId id="2147483819" r:id="rId4"/>
-    <p:sldLayoutId id="2147483820" r:id="rId5"/>
-    <p:sldLayoutId id="2147483821" r:id="rId6"/>
-    <p:sldLayoutId id="2147483822" r:id="rId7"/>
-    <p:sldLayoutId id="2147483823" r:id="rId8"/>
-    <p:sldLayoutId id="2147483824" r:id="rId9"/>
-    <p:sldLayoutId id="2147483825" r:id="rId10"/>
-    <p:sldLayoutId id="2147483826" r:id="rId11"/>
-    <p:sldLayoutId id="2147483827" r:id="rId12"/>
-    <p:sldLayoutId id="2147483828" r:id="rId13"/>
-    <p:sldLayoutId id="2147483829" r:id="rId14"/>
-    <p:sldLayoutId id="2147483830" r:id="rId15"/>
-    <p:sldLayoutId id="2147483831" r:id="rId16"/>
-    <p:sldLayoutId id="2147483832" r:id="rId17"/>
-    <p:sldLayoutId id="2147483833" r:id="rId18"/>
-    <p:sldLayoutId id="2147483834" r:id="rId19"/>
-    <p:sldLayoutId id="2147483835" r:id="rId20"/>
-    <p:sldLayoutId id="2147483836" r:id="rId21"/>
-    <p:sldLayoutId id="2147483838" r:id="rId22"/>
-    <p:sldLayoutId id="2147483839" r:id="rId23"/>
-    <p:sldLayoutId id="2147483840" r:id="rId24"/>
-    <p:sldLayoutId id="2147483841" r:id="rId25"/>
-    <p:sldLayoutId id="2147483842" r:id="rId26"/>
-    <p:sldLayoutId id="2147483649" r:id="rId27"/>
-    <p:sldLayoutId id="2147483661" r:id="rId28"/>
-    <p:sldLayoutId id="2147483662" r:id="rId29"/>
-    <p:sldLayoutId id="2147483663" r:id="rId30"/>
-    <p:sldLayoutId id="2147483664" r:id="rId31"/>
-    <p:sldLayoutId id="2147483665" r:id="rId32"/>
-    <p:sldLayoutId id="2147483666" r:id="rId33"/>
-    <p:sldLayoutId id="2147483667" r:id="rId34"/>
-    <p:sldLayoutId id="2147483669" r:id="rId35"/>
-    <p:sldLayoutId id="2147483670" r:id="rId36"/>
-    <p:sldLayoutId id="2147483671" r:id="rId37"/>
-    <p:sldLayoutId id="2147483672" r:id="rId38"/>
-    <p:sldLayoutId id="2147483674" r:id="rId39"/>
-    <p:sldLayoutId id="2147483675" r:id="rId40"/>
-    <p:sldLayoutId id="2147483676" r:id="rId41"/>
-    <p:sldLayoutId id="2147483677" r:id="rId42"/>
-    <p:sldLayoutId id="2147483655" r:id="rId43"/>
-    <p:sldLayoutId id="2147483678" r:id="rId44"/>
-    <p:sldLayoutId id="2147483679" r:id="rId45"/>
-    <p:sldLayoutId id="2147483680" r:id="rId46"/>
-    <p:sldLayoutId id="2147483653" r:id="rId47"/>
-    <p:sldLayoutId id="2147483682" r:id="rId48"/>
-    <p:sldLayoutId id="2147483683" r:id="rId49"/>
-    <p:sldLayoutId id="2147483685" r:id="rId50"/>
-    <p:sldLayoutId id="2147483654" r:id="rId51"/>
-    <p:sldLayoutId id="2147483687" r:id="rId52"/>
-    <p:sldLayoutId id="2147483689" r:id="rId53"/>
-    <p:sldLayoutId id="2147483688" r:id="rId54"/>
-    <p:sldLayoutId id="2147483691" r:id="rId55"/>
-    <p:sldLayoutId id="2147483692" r:id="rId56"/>
-    <p:sldLayoutId id="2147483693" r:id="rId57"/>
-    <p:sldLayoutId id="2147483694" r:id="rId58"/>
-    <p:sldLayoutId id="2147483696" r:id="rId59"/>
-    <p:sldLayoutId id="2147483698" r:id="rId60"/>
-    <p:sldLayoutId id="2147483699" r:id="rId61"/>
-    <p:sldLayoutId id="2147483700" r:id="rId62"/>
-    <p:sldLayoutId id="2147483701" r:id="rId63"/>
-    <p:sldLayoutId id="2147483702" r:id="rId64"/>
+    <p:sldLayoutId id="2147483922" r:id="rId1"/>
+    <p:sldLayoutId id="2147483923" r:id="rId2"/>
+    <p:sldLayoutId id="2147483924" r:id="rId3"/>
+    <p:sldLayoutId id="2147483925" r:id="rId4"/>
+    <p:sldLayoutId id="2147483926" r:id="rId5"/>
+    <p:sldLayoutId id="2147483927" r:id="rId6"/>
+    <p:sldLayoutId id="2147483928" r:id="rId7"/>
+    <p:sldLayoutId id="2147483929" r:id="rId8"/>
+    <p:sldLayoutId id="2147483930" r:id="rId9"/>
+    <p:sldLayoutId id="2147483931" r:id="rId10"/>
+    <p:sldLayoutId id="2147483932" r:id="rId11"/>
+    <p:sldLayoutId id="2147483933" r:id="rId12"/>
+    <p:sldLayoutId id="2147483934" r:id="rId13"/>
+    <p:sldLayoutId id="2147483935" r:id="rId14"/>
+    <p:sldLayoutId id="2147483936" r:id="rId15"/>
+    <p:sldLayoutId id="2147483937" r:id="rId16"/>
+    <p:sldLayoutId id="2147483938" r:id="rId17"/>
+    <p:sldLayoutId id="2147483939" r:id="rId18"/>
+    <p:sldLayoutId id="2147483940" r:id="rId19"/>
+    <p:sldLayoutId id="2147483941" r:id="rId20"/>
+    <p:sldLayoutId id="2147483942" r:id="rId21"/>
+    <p:sldLayoutId id="2147483943" r:id="rId22"/>
+    <p:sldLayoutId id="2147483946" r:id="rId23"/>
+    <p:sldLayoutId id="2147483649" r:id="rId24"/>
+    <p:sldLayoutId id="2147483661" r:id="rId25"/>
+    <p:sldLayoutId id="2147483662" r:id="rId26"/>
+    <p:sldLayoutId id="2147483663" r:id="rId27"/>
+    <p:sldLayoutId id="2147483664" r:id="rId28"/>
+    <p:sldLayoutId id="2147483665" r:id="rId29"/>
+    <p:sldLayoutId id="2147483666" r:id="rId30"/>
+    <p:sldLayoutId id="2147483667" r:id="rId31"/>
+    <p:sldLayoutId id="2147483669" r:id="rId32"/>
+    <p:sldLayoutId id="2147483670" r:id="rId33"/>
+    <p:sldLayoutId id="2147483671" r:id="rId34"/>
+    <p:sldLayoutId id="2147483672" r:id="rId35"/>
+    <p:sldLayoutId id="2147483674" r:id="rId36"/>
+    <p:sldLayoutId id="2147483675" r:id="rId37"/>
+    <p:sldLayoutId id="2147483676" r:id="rId38"/>
+    <p:sldLayoutId id="2147483677" r:id="rId39"/>
+    <p:sldLayoutId id="2147483655" r:id="rId40"/>
+    <p:sldLayoutId id="2147483678" r:id="rId41"/>
+    <p:sldLayoutId id="2147483679" r:id="rId42"/>
+    <p:sldLayoutId id="2147483680" r:id="rId43"/>
+    <p:sldLayoutId id="2147483653" r:id="rId44"/>
+    <p:sldLayoutId id="2147483682" r:id="rId45"/>
+    <p:sldLayoutId id="2147483683" r:id="rId46"/>
+    <p:sldLayoutId id="2147483685" r:id="rId47"/>
+    <p:sldLayoutId id="2147483654" r:id="rId48"/>
+    <p:sldLayoutId id="2147483687" r:id="rId49"/>
+    <p:sldLayoutId id="2147483689" r:id="rId50"/>
+    <p:sldLayoutId id="2147483688" r:id="rId51"/>
+    <p:sldLayoutId id="2147483691" r:id="rId52"/>
+    <p:sldLayoutId id="2147483692" r:id="rId53"/>
+    <p:sldLayoutId id="2147483693" r:id="rId54"/>
+    <p:sldLayoutId id="2147483694" r:id="rId55"/>
+    <p:sldLayoutId id="2147483696" r:id="rId56"/>
+    <p:sldLayoutId id="2147483698" r:id="rId57"/>
+    <p:sldLayoutId id="2147483699" r:id="rId58"/>
+    <p:sldLayoutId id="2147483700" r:id="rId59"/>
+    <p:sldLayoutId id="2147483701" r:id="rId60"/>
+    <p:sldLayoutId id="2147483702" r:id="rId61"/>
   </p:sldLayoutIdLst>
   <p:hf hdr="0" ftr="0" dt="0"/>
   <p:txStyles>
@@ -32184,48 +29689,7 @@
   </p:txStyles>
   <p:extLst>
     <p:ext uri="{27BBF7A9-308A-43DC-89C8-2F10F3537804}">
-      <p15:sldGuideLst xmlns:p15="http://schemas.microsoft.com/office/powerpoint/2012/main">
-        <p15:guide id="1" orient="horz" pos="164" userDrawn="1">
-          <p15:clr>
-            <a:srgbClr val="F26B43"/>
-          </p15:clr>
-        </p15:guide>
-        <p15:guide id="2" pos="234" userDrawn="1">
-          <p15:clr>
-            <a:srgbClr val="F26B43"/>
-          </p15:clr>
-        </p15:guide>
-        <p15:guide id="3" orient="horz" pos="4133" userDrawn="1">
-          <p15:clr>
-            <a:srgbClr val="F26B43"/>
-          </p15:clr>
-        </p15:guide>
-        <p15:guide id="4" pos="7491" userDrawn="1">
-          <p15:clr>
-            <a:srgbClr val="F26B43"/>
-          </p15:clr>
-        </p15:guide>
-        <p15:guide id="5" orient="horz" pos="640" userDrawn="1">
-          <p15:clr>
-            <a:srgbClr val="F26B43"/>
-          </p15:clr>
-        </p15:guide>
-        <p15:guide id="6" orient="horz" pos="777" userDrawn="1">
-          <p15:clr>
-            <a:srgbClr val="F26B43"/>
-          </p15:clr>
-        </p15:guide>
-        <p15:guide id="7" orient="horz" pos="4020" userDrawn="1">
-          <p15:clr>
-            <a:srgbClr val="F26B43"/>
-          </p15:clr>
-        </p15:guide>
-        <p15:guide id="8" orient="horz" pos="3906" userDrawn="1">
-          <p15:clr>
-            <a:srgbClr val="F26B43"/>
-          </p15:clr>
-        </p15:guide>
-      </p15:sldGuideLst>
+      <p15:sldGuideLst xmlns:p15="http://schemas.microsoft.com/office/powerpoint/2012/main"/>
     </p:ext>
   </p:extLst>
 </p:sldMaster>
@@ -32384,40 +29848,10 @@
       </p:grpSpPr>
       <p:sp>
         <p:nvSpPr>
-          <p:cNvPr id="12" name="Title 11">
-            <a:extLst>
-              <a:ext uri="{FF2B5EF4-FFF2-40B4-BE49-F238E27FC236}">
-                <a16:creationId xmlns:a16="http://schemas.microsoft.com/office/drawing/2014/main" id="{2F8E5BC1-257F-4CA0-A14D-8A76F6198211}"/>
-              </a:ext>
-            </a:extLst>
-          </p:cNvPr>
-          <p:cNvSpPr>
-            <a:spLocks noGrp="1"/>
-          </p:cNvSpPr>
-          <p:nvPr>
-            <p:ph type="title"/>
-          </p:nvPr>
-        </p:nvSpPr>
-        <p:spPr/>
-        <p:txBody>
-          <a:bodyPr>
-            <a:normAutofit fontScale="90000"/>
-          </a:bodyPr>
-          <a:lstStyle/>
-          <a:p>
-            <a:r>
-              <a:rPr lang="en-US" dirty="0"/>
-              <a:t>Slide Title</a:t>
-            </a:r>
-          </a:p>
-        </p:txBody>
-      </p:sp>
-      <p:sp>
-        <p:nvSpPr>
           <p:cNvPr id="3" name="Slide Number Placeholder 2">
             <a:extLst>
               <a:ext uri="{FF2B5EF4-FFF2-40B4-BE49-F238E27FC236}">
-                <a16:creationId xmlns:a16="http://schemas.microsoft.com/office/drawing/2014/main" id="{CE84475F-A218-40AD-91D5-2A42073651D9}"/>
+                <a16:creationId xmlns:a16="http://schemas.microsoft.com/office/drawing/2014/main" id="{FE60433D-E380-4571-991C-16B6CE7A48BE}"/>
               </a:ext>
             </a:extLst>
           </p:cNvPr>
@@ -32441,369 +29875,133 @@
           </a:p>
         </p:txBody>
       </p:sp>
+      <p:sp>
+        <p:nvSpPr>
+          <p:cNvPr id="11" name="Content Placeholder 10">
+            <a:extLst>
+              <a:ext uri="{FF2B5EF4-FFF2-40B4-BE49-F238E27FC236}">
+                <a16:creationId xmlns:a16="http://schemas.microsoft.com/office/drawing/2014/main" id="{2B253683-524F-46CF-BFCD-BFF6A7A920A7}"/>
+              </a:ext>
+            </a:extLst>
+          </p:cNvPr>
+          <p:cNvSpPr>
+            <a:spLocks noGrp="1"/>
+          </p:cNvSpPr>
+          <p:nvPr>
+            <p:ph sz="half" idx="2"/>
+          </p:nvPr>
+        </p:nvSpPr>
+        <p:spPr>
+          <a:xfrm>
+            <a:off x="6763062" y="2155971"/>
+            <a:ext cx="5367577" cy="3741490"/>
+          </a:xfrm>
+        </p:spPr>
+        <p:txBody>
+          <a:bodyPr>
+            <a:normAutofit/>
+          </a:bodyPr>
+          <a:lstStyle/>
+          <a:p>
+            <a:pPr marL="0" marR="0" indent="457200">
+              <a:lnSpc>
+                <a:spcPct val="200000"/>
+              </a:lnSpc>
+              <a:spcBef>
+                <a:spcPts val="0"/>
+              </a:spcBef>
+              <a:spcAft>
+                <a:spcPts val="800"/>
+              </a:spcAft>
+            </a:pPr>
+            <a:r>
+              <a:rPr lang="en-US" sz="1800" kern="100" dirty="0">
+                <a:effectLst/>
+                <a:latin typeface="Times New Roman" panose="02020603050405020304" pitchFamily="18" charset="0"/>
+                <a:ea typeface="Calibri" panose="020F0502020204030204" pitchFamily="34" charset="0"/>
+                <a:cs typeface="Times New Roman" panose="02020603050405020304" pitchFamily="18" charset="0"/>
+              </a:rPr>
+              <a:t>Next, we bucketized the cleaned data and displayed scatter plots and histograms to visualize the distributions of '</a:t>
+            </a:r>
+            <a:r>
+              <a:rPr lang="en-US" sz="1800" kern="100" dirty="0" err="1">
+                <a:effectLst/>
+                <a:latin typeface="Times New Roman" panose="02020603050405020304" pitchFamily="18" charset="0"/>
+                <a:ea typeface="Calibri" panose="020F0502020204030204" pitchFamily="34" charset="0"/>
+                <a:cs typeface="Times New Roman" panose="02020603050405020304" pitchFamily="18" charset="0"/>
+              </a:rPr>
+              <a:t>negativereason_confidence</a:t>
+            </a:r>
+            <a:r>
+              <a:rPr lang="en-US" sz="1800" kern="100" dirty="0">
+                <a:effectLst/>
+                <a:latin typeface="Times New Roman" panose="02020603050405020304" pitchFamily="18" charset="0"/>
+                <a:ea typeface="Calibri" panose="020F0502020204030204" pitchFamily="34" charset="0"/>
+                <a:cs typeface="Times New Roman" panose="02020603050405020304" pitchFamily="18" charset="0"/>
+              </a:rPr>
+              <a:t>' and '</a:t>
+            </a:r>
+            <a:r>
+              <a:rPr lang="en-US" sz="1800" kern="100" dirty="0" err="1">
+                <a:effectLst/>
+                <a:latin typeface="Times New Roman" panose="02020603050405020304" pitchFamily="18" charset="0"/>
+                <a:ea typeface="Calibri" panose="020F0502020204030204" pitchFamily="34" charset="0"/>
+                <a:cs typeface="Times New Roman" panose="02020603050405020304" pitchFamily="18" charset="0"/>
+              </a:rPr>
+              <a:t>airline_sentiment_confidence</a:t>
+            </a:r>
+            <a:r>
+              <a:rPr lang="en-US" sz="1800" kern="100" dirty="0">
+                <a:effectLst/>
+                <a:latin typeface="Times New Roman" panose="02020603050405020304" pitchFamily="18" charset="0"/>
+                <a:ea typeface="Calibri" panose="020F0502020204030204" pitchFamily="34" charset="0"/>
+                <a:cs typeface="Times New Roman" panose="02020603050405020304" pitchFamily="18" charset="0"/>
+              </a:rPr>
+              <a:t>'. These visualizations provided insights into the confidence levels associated with different negative reasons and sentiment labels.</a:t>
+            </a:r>
+            <a:endParaRPr lang="en-US" sz="1800" kern="100" dirty="0">
+              <a:effectLst/>
+              <a:latin typeface="Calibri" panose="020F0502020204030204" pitchFamily="34" charset="0"/>
+              <a:ea typeface="Calibri" panose="020F0502020204030204" pitchFamily="34" charset="0"/>
+              <a:cs typeface="Times New Roman" panose="02020603050405020304" pitchFamily="18" charset="0"/>
+            </a:endParaRPr>
+          </a:p>
+        </p:txBody>
+      </p:sp>
       <p:pic>
         <p:nvPicPr>
-          <p:cNvPr id="25" name="Picture Placeholder 24" descr="A person giving pose&#10;&#10;">
-            <a:extLst>
-              <a:ext uri="{FF2B5EF4-FFF2-40B4-BE49-F238E27FC236}">
-                <a16:creationId xmlns:a16="http://schemas.microsoft.com/office/drawing/2014/main" id="{104C104E-9EBC-4154-906F-14A298E9EF2E}"/>
+          <p:cNvPr id="5" name="Picture 4" descr="A screenshot of a computer program&#10;&#10;Description automatically generated with medium confidence">
+            <a:extLst>
+              <a:ext uri="{FF2B5EF4-FFF2-40B4-BE49-F238E27FC236}">
+                <a16:creationId xmlns:a16="http://schemas.microsoft.com/office/drawing/2014/main" id="{75695C52-C1B9-5D46-697C-CDAFF99BBBA4}"/>
               </a:ext>
             </a:extLst>
           </p:cNvPr>
           <p:cNvPicPr>
-            <a:picLocks noGrp="1" noChangeAspect="1"/>
+            <a:picLocks noChangeAspect="1"/>
           </p:cNvPicPr>
-          <p:nvPr>
-            <p:ph type="pic" sz="quarter" idx="13"/>
-          </p:nvPr>
+          <p:nvPr/>
         </p:nvPicPr>
-        <p:blipFill rotWithShape="1">
-          <a:blip r:embed="rId2" cstate="screen">
-            <a:grayscl/>
-            <a:extLst>
-              <a:ext uri="{28A0092B-C50C-407E-A947-70E740481C1C}">
-                <a14:useLocalDpi xmlns:a14="http://schemas.microsoft.com/office/drawing/2010/main"/>
-              </a:ext>
-            </a:extLst>
-          </a:blip>
-          <a:srcRect t="32" b="32"/>
-          <a:stretch/>
+        <p:blipFill>
+          <a:blip r:embed="rId2"/>
+          <a:stretch>
+            <a:fillRect/>
+          </a:stretch>
         </p:blipFill>
         <p:spPr>
+          <a:xfrm>
+            <a:off x="1" y="427840"/>
+            <a:ext cx="6678864" cy="5662568"/>
+          </a:xfrm>
           <a:prstGeom prst="rect">
             <a:avLst/>
           </a:prstGeom>
         </p:spPr>
       </p:pic>
-      <p:pic>
-        <p:nvPicPr>
-          <p:cNvPr id="26" name="Picture Placeholder 25" descr="A person looking at the camera&#10;&#10;">
-            <a:extLst>
-              <a:ext uri="{FF2B5EF4-FFF2-40B4-BE49-F238E27FC236}">
-                <a16:creationId xmlns:a16="http://schemas.microsoft.com/office/drawing/2014/main" id="{B12E57E0-F016-4B3F-9126-3A11698F325D}"/>
-              </a:ext>
-            </a:extLst>
-          </p:cNvPr>
-          <p:cNvPicPr>
-            <a:picLocks noGrp="1" noChangeAspect="1"/>
-          </p:cNvPicPr>
-          <p:nvPr>
-            <p:ph type="pic" sz="quarter" idx="21"/>
-          </p:nvPr>
-        </p:nvPicPr>
-        <p:blipFill rotWithShape="1">
-          <a:blip r:embed="rId3" cstate="screen">
-            <a:grayscl/>
-            <a:extLst>
-              <a:ext uri="{28A0092B-C50C-407E-A947-70E740481C1C}">
-                <a14:useLocalDpi xmlns:a14="http://schemas.microsoft.com/office/drawing/2010/main"/>
-              </a:ext>
-            </a:extLst>
-          </a:blip>
-          <a:srcRect t="32" b="32"/>
-          <a:stretch/>
-        </p:blipFill>
-        <p:spPr>
-          <a:prstGeom prst="rect">
-            <a:avLst/>
-          </a:prstGeom>
-        </p:spPr>
-      </p:pic>
-      <p:pic>
-        <p:nvPicPr>
-          <p:cNvPr id="27" name="Picture Placeholder 26" descr="Male ">
-            <a:extLst>
-              <a:ext uri="{FF2B5EF4-FFF2-40B4-BE49-F238E27FC236}">
-                <a16:creationId xmlns:a16="http://schemas.microsoft.com/office/drawing/2014/main" id="{F5B38C71-905C-4A1A-97EF-31546F4BF602}"/>
-              </a:ext>
-            </a:extLst>
-          </p:cNvPr>
-          <p:cNvPicPr>
-            <a:picLocks noGrp="1" noChangeAspect="1"/>
-          </p:cNvPicPr>
-          <p:nvPr>
-            <p:ph type="pic" sz="quarter" idx="22"/>
-          </p:nvPr>
-        </p:nvPicPr>
-        <p:blipFill rotWithShape="1">
-          <a:blip r:embed="rId4" cstate="screen">
-            <a:grayscl/>
-            <a:extLst>
-              <a:ext uri="{28A0092B-C50C-407E-A947-70E740481C1C}">
-                <a14:useLocalDpi xmlns:a14="http://schemas.microsoft.com/office/drawing/2010/main"/>
-              </a:ext>
-            </a:extLst>
-          </a:blip>
-          <a:srcRect l="90" r="90"/>
-          <a:stretch/>
-        </p:blipFill>
-        <p:spPr>
-          <a:prstGeom prst="rect">
-            <a:avLst/>
-          </a:prstGeom>
-        </p:spPr>
-      </p:pic>
-      <p:pic>
-        <p:nvPicPr>
-          <p:cNvPr id="29" name="Picture Placeholder 28">
-            <a:extLst>
-              <a:ext uri="{FF2B5EF4-FFF2-40B4-BE49-F238E27FC236}">
-                <a16:creationId xmlns:a16="http://schemas.microsoft.com/office/drawing/2014/main" id="{8D53E665-9B7D-413E-815E-AF0082AFF105}"/>
-              </a:ext>
-              <a:ext uri="{C183D7F6-B498-43B3-948B-1728B52AA6E4}">
-                <adec:decorative xmlns:adec="http://schemas.microsoft.com/office/drawing/2017/decorative" val="1"/>
-              </a:ext>
-            </a:extLst>
-          </p:cNvPr>
-          <p:cNvPicPr>
-            <a:picLocks noGrp="1" noChangeAspect="1"/>
-          </p:cNvPicPr>
-          <p:nvPr>
-            <p:ph type="pic" sz="quarter" idx="23"/>
-          </p:nvPr>
-        </p:nvPicPr>
-        <p:blipFill rotWithShape="1">
-          <a:blip r:embed="rId5" cstate="screen">
-            <a:grayscl/>
-            <a:extLst>
-              <a:ext uri="{28A0092B-C50C-407E-A947-70E740481C1C}">
-                <a14:useLocalDpi xmlns:a14="http://schemas.microsoft.com/office/drawing/2010/main"/>
-              </a:ext>
-            </a:extLst>
-          </a:blip>
-          <a:srcRect t="32" b="32"/>
-          <a:stretch/>
-        </p:blipFill>
-        <p:spPr/>
-      </p:pic>
-      <p:sp>
-        <p:nvSpPr>
-          <p:cNvPr id="14" name="Text Placeholder 13">
-            <a:extLst>
-              <a:ext uri="{FF2B5EF4-FFF2-40B4-BE49-F238E27FC236}">
-                <a16:creationId xmlns:a16="http://schemas.microsoft.com/office/drawing/2014/main" id="{32B0CB1D-E6FE-4346-B4DC-C1AC8F0F5CC6}"/>
-              </a:ext>
-            </a:extLst>
-          </p:cNvPr>
-          <p:cNvSpPr>
-            <a:spLocks noGrp="1"/>
-          </p:cNvSpPr>
-          <p:nvPr>
-            <p:ph type="body" sz="quarter" idx="20"/>
-          </p:nvPr>
-        </p:nvSpPr>
-        <p:spPr/>
-        <p:txBody>
-          <a:bodyPr/>
-          <a:lstStyle/>
-          <a:p>
-            <a:r>
-              <a:rPr lang="en-US" dirty="0"/>
-              <a:t>Lorem Ipsum</a:t>
-            </a:r>
-          </a:p>
-        </p:txBody>
-      </p:sp>
-      <p:sp>
-        <p:nvSpPr>
-          <p:cNvPr id="18" name="Text Placeholder 17">
-            <a:extLst>
-              <a:ext uri="{FF2B5EF4-FFF2-40B4-BE49-F238E27FC236}">
-                <a16:creationId xmlns:a16="http://schemas.microsoft.com/office/drawing/2014/main" id="{6EBA6953-980C-4C61-AFA3-018201F6E289}"/>
-              </a:ext>
-            </a:extLst>
-          </p:cNvPr>
-          <p:cNvSpPr>
-            <a:spLocks noGrp="1"/>
-          </p:cNvSpPr>
-          <p:nvPr>
-            <p:ph type="body" sz="quarter" idx="24"/>
-          </p:nvPr>
-        </p:nvSpPr>
-        <p:spPr/>
-        <p:txBody>
-          <a:bodyPr/>
-          <a:lstStyle/>
-          <a:p>
-            <a:r>
-              <a:rPr lang="en-US" dirty="0"/>
-              <a:t>Lorem ipsum dolor sit amet</a:t>
-            </a:r>
-          </a:p>
-        </p:txBody>
-      </p:sp>
-      <p:sp>
-        <p:nvSpPr>
-          <p:cNvPr id="19" name="Text Placeholder 18">
-            <a:extLst>
-              <a:ext uri="{FF2B5EF4-FFF2-40B4-BE49-F238E27FC236}">
-                <a16:creationId xmlns:a16="http://schemas.microsoft.com/office/drawing/2014/main" id="{1EA45180-5246-464E-BDD0-2AB792997E91}"/>
-              </a:ext>
-            </a:extLst>
-          </p:cNvPr>
-          <p:cNvSpPr>
-            <a:spLocks noGrp="1"/>
-          </p:cNvSpPr>
-          <p:nvPr>
-            <p:ph type="body" sz="quarter" idx="25"/>
-          </p:nvPr>
-        </p:nvSpPr>
-        <p:spPr/>
-        <p:txBody>
-          <a:bodyPr/>
-          <a:lstStyle/>
-          <a:p>
-            <a:r>
-              <a:rPr lang="en-US" dirty="0"/>
-              <a:t>Lorem Ipsum</a:t>
-            </a:r>
-          </a:p>
-        </p:txBody>
-      </p:sp>
-      <p:sp>
-        <p:nvSpPr>
-          <p:cNvPr id="20" name="Text Placeholder 19">
-            <a:extLst>
-              <a:ext uri="{FF2B5EF4-FFF2-40B4-BE49-F238E27FC236}">
-                <a16:creationId xmlns:a16="http://schemas.microsoft.com/office/drawing/2014/main" id="{7E61202C-1274-459A-A89D-C23AE8A261C7}"/>
-              </a:ext>
-            </a:extLst>
-          </p:cNvPr>
-          <p:cNvSpPr>
-            <a:spLocks noGrp="1"/>
-          </p:cNvSpPr>
-          <p:nvPr>
-            <p:ph type="body" sz="quarter" idx="26"/>
-          </p:nvPr>
-        </p:nvSpPr>
-        <p:spPr/>
-        <p:txBody>
-          <a:bodyPr/>
-          <a:lstStyle/>
-          <a:p>
-            <a:r>
-              <a:rPr lang="en-US" dirty="0"/>
-              <a:t>Lorem ipsum dolor sit amet</a:t>
-            </a:r>
-          </a:p>
-        </p:txBody>
-      </p:sp>
-      <p:sp>
-        <p:nvSpPr>
-          <p:cNvPr id="21" name="Text Placeholder 20">
-            <a:extLst>
-              <a:ext uri="{FF2B5EF4-FFF2-40B4-BE49-F238E27FC236}">
-                <a16:creationId xmlns:a16="http://schemas.microsoft.com/office/drawing/2014/main" id="{B7A4F278-30B9-44DC-81DE-0BB8DC7D9B43}"/>
-              </a:ext>
-            </a:extLst>
-          </p:cNvPr>
-          <p:cNvSpPr>
-            <a:spLocks noGrp="1"/>
-          </p:cNvSpPr>
-          <p:nvPr>
-            <p:ph type="body" sz="quarter" idx="27"/>
-          </p:nvPr>
-        </p:nvSpPr>
-        <p:spPr/>
-        <p:txBody>
-          <a:bodyPr/>
-          <a:lstStyle/>
-          <a:p>
-            <a:r>
-              <a:rPr lang="en-US" dirty="0"/>
-              <a:t>Lorem Ipsum</a:t>
-            </a:r>
-          </a:p>
-        </p:txBody>
-      </p:sp>
-      <p:sp>
-        <p:nvSpPr>
-          <p:cNvPr id="22" name="Text Placeholder 21">
-            <a:extLst>
-              <a:ext uri="{FF2B5EF4-FFF2-40B4-BE49-F238E27FC236}">
-                <a16:creationId xmlns:a16="http://schemas.microsoft.com/office/drawing/2014/main" id="{6E82B8CE-8692-4360-9A23-C2348C7B858B}"/>
-              </a:ext>
-            </a:extLst>
-          </p:cNvPr>
-          <p:cNvSpPr>
-            <a:spLocks noGrp="1"/>
-          </p:cNvSpPr>
-          <p:nvPr>
-            <p:ph type="body" sz="quarter" idx="28"/>
-          </p:nvPr>
-        </p:nvSpPr>
-        <p:spPr/>
-        <p:txBody>
-          <a:bodyPr/>
-          <a:lstStyle/>
-          <a:p>
-            <a:r>
-              <a:rPr lang="en-US" dirty="0"/>
-              <a:t>Lorem ipsum dolor sit amet</a:t>
-            </a:r>
-          </a:p>
-        </p:txBody>
-      </p:sp>
-      <p:sp>
-        <p:nvSpPr>
-          <p:cNvPr id="23" name="Text Placeholder 22">
-            <a:extLst>
-              <a:ext uri="{FF2B5EF4-FFF2-40B4-BE49-F238E27FC236}">
-                <a16:creationId xmlns:a16="http://schemas.microsoft.com/office/drawing/2014/main" id="{7372C0BC-293C-400A-8073-0246B833FC7B}"/>
-              </a:ext>
-            </a:extLst>
-          </p:cNvPr>
-          <p:cNvSpPr>
-            <a:spLocks noGrp="1"/>
-          </p:cNvSpPr>
-          <p:nvPr>
-            <p:ph type="body" sz="quarter" idx="29"/>
-          </p:nvPr>
-        </p:nvSpPr>
-        <p:spPr/>
-        <p:txBody>
-          <a:bodyPr/>
-          <a:lstStyle/>
-          <a:p>
-            <a:r>
-              <a:rPr lang="en-US" dirty="0"/>
-              <a:t>Lorem Ipsum</a:t>
-            </a:r>
-          </a:p>
-        </p:txBody>
-      </p:sp>
-      <p:sp>
-        <p:nvSpPr>
-          <p:cNvPr id="24" name="Text Placeholder 23">
-            <a:extLst>
-              <a:ext uri="{FF2B5EF4-FFF2-40B4-BE49-F238E27FC236}">
-                <a16:creationId xmlns:a16="http://schemas.microsoft.com/office/drawing/2014/main" id="{A7CB8132-D875-4ED5-9967-5C58F21B10E3}"/>
-              </a:ext>
-            </a:extLst>
-          </p:cNvPr>
-          <p:cNvSpPr>
-            <a:spLocks noGrp="1"/>
-          </p:cNvSpPr>
-          <p:nvPr>
-            <p:ph type="body" sz="quarter" idx="30"/>
-          </p:nvPr>
-        </p:nvSpPr>
-        <p:spPr/>
-        <p:txBody>
-          <a:bodyPr/>
-          <a:lstStyle/>
-          <a:p>
-            <a:r>
-              <a:rPr lang="en-US" dirty="0"/>
-              <a:t>Lorem ipsum dolor sit amet</a:t>
-            </a:r>
-          </a:p>
-        </p:txBody>
-      </p:sp>
     </p:spTree>
     <p:extLst>
       <p:ext uri="{BB962C8B-B14F-4D97-AF65-F5344CB8AC3E}">
-        <p14:creationId xmlns:p14="http://schemas.microsoft.com/office/powerpoint/2010/main" val="2971040159"/>
+        <p14:creationId xmlns:p14="http://schemas.microsoft.com/office/powerpoint/2010/main" val="3404011273"/>
       </p:ext>
     </p:extLst>
   </p:cSld>
@@ -32832,6 +30030,710 @@
       </p:grpSpPr>
       <p:sp>
         <p:nvSpPr>
+          <p:cNvPr id="3" name="Slide Number Placeholder 2">
+            <a:extLst>
+              <a:ext uri="{FF2B5EF4-FFF2-40B4-BE49-F238E27FC236}">
+                <a16:creationId xmlns:a16="http://schemas.microsoft.com/office/drawing/2014/main" id="{FE60433D-E380-4571-991C-16B6CE7A48BE}"/>
+              </a:ext>
+            </a:extLst>
+          </p:cNvPr>
+          <p:cNvSpPr>
+            <a:spLocks noGrp="1"/>
+          </p:cNvSpPr>
+          <p:nvPr>
+            <p:ph type="sldNum" sz="quarter" idx="12"/>
+          </p:nvPr>
+        </p:nvSpPr>
+        <p:spPr/>
+        <p:txBody>
+          <a:bodyPr/>
+          <a:lstStyle/>
+          <a:p>
+            <a:fld id="{03DC2DEF-D2FE-4B45-ABA4-9F153FD1C98A}" type="slidenum">
+              <a:rPr lang="en-US" smtClean="0"/>
+              <a:t>11</a:t>
+            </a:fld>
+            <a:endParaRPr lang="en-US" dirty="0"/>
+          </a:p>
+        </p:txBody>
+      </p:sp>
+      <p:sp>
+        <p:nvSpPr>
+          <p:cNvPr id="11" name="Content Placeholder 10">
+            <a:extLst>
+              <a:ext uri="{FF2B5EF4-FFF2-40B4-BE49-F238E27FC236}">
+                <a16:creationId xmlns:a16="http://schemas.microsoft.com/office/drawing/2014/main" id="{2B253683-524F-46CF-BFCD-BFF6A7A920A7}"/>
+              </a:ext>
+            </a:extLst>
+          </p:cNvPr>
+          <p:cNvSpPr>
+            <a:spLocks noGrp="1"/>
+          </p:cNvSpPr>
+          <p:nvPr>
+            <p:ph sz="half" idx="2"/>
+          </p:nvPr>
+        </p:nvSpPr>
+        <p:spPr>
+          <a:xfrm>
+            <a:off x="2432808" y="5662950"/>
+            <a:ext cx="7189366" cy="1195050"/>
+          </a:xfrm>
+        </p:spPr>
+        <p:txBody>
+          <a:bodyPr>
+            <a:normAutofit fontScale="77500" lnSpcReduction="20000"/>
+          </a:bodyPr>
+          <a:lstStyle/>
+          <a:p>
+            <a:pPr marL="0" marR="0" indent="457200">
+              <a:lnSpc>
+                <a:spcPct val="200000"/>
+              </a:lnSpc>
+              <a:spcBef>
+                <a:spcPts val="0"/>
+              </a:spcBef>
+              <a:spcAft>
+                <a:spcPts val="800"/>
+              </a:spcAft>
+            </a:pPr>
+            <a:r>
+              <a:rPr lang="en-US" sz="1800" kern="100" dirty="0">
+                <a:effectLst/>
+                <a:latin typeface="Times New Roman" panose="02020603050405020304" pitchFamily="18" charset="0"/>
+                <a:ea typeface="Calibri" panose="020F0502020204030204" pitchFamily="34" charset="0"/>
+                <a:cs typeface="Times New Roman" panose="02020603050405020304" pitchFamily="18" charset="0"/>
+              </a:rPr>
+              <a:t>To provide a comprehensive view of the negative sentiments by airlines, we created six pie charts to display the distribution of negative reasons for each airline. This allowed for a visual comparison of the prevalent issues faced by different airlines.</a:t>
+            </a:r>
+            <a:endParaRPr lang="en-US" sz="1800" kern="100" dirty="0">
+              <a:effectLst/>
+              <a:latin typeface="Calibri" panose="020F0502020204030204" pitchFamily="34" charset="0"/>
+              <a:ea typeface="Calibri" panose="020F0502020204030204" pitchFamily="34" charset="0"/>
+              <a:cs typeface="Times New Roman" panose="02020603050405020304" pitchFamily="18" charset="0"/>
+            </a:endParaRPr>
+          </a:p>
+        </p:txBody>
+      </p:sp>
+      <p:pic>
+        <p:nvPicPr>
+          <p:cNvPr id="12" name="Picture 11" descr="A picture containing diagram, screenshot, colorfulness&#10;&#10;Description automatically generated">
+            <a:extLst>
+              <a:ext uri="{FF2B5EF4-FFF2-40B4-BE49-F238E27FC236}">
+                <a16:creationId xmlns:a16="http://schemas.microsoft.com/office/drawing/2014/main" id="{19F6AE1A-A47A-6B18-1872-B08FBAA087A7}"/>
+              </a:ext>
+            </a:extLst>
+          </p:cNvPr>
+          <p:cNvPicPr>
+            <a:picLocks noChangeAspect="1"/>
+          </p:cNvPicPr>
+          <p:nvPr/>
+        </p:nvPicPr>
+        <p:blipFill>
+          <a:blip r:embed="rId2"/>
+          <a:stretch>
+            <a:fillRect/>
+          </a:stretch>
+        </p:blipFill>
+        <p:spPr>
+          <a:xfrm>
+            <a:off x="0" y="-112065"/>
+            <a:ext cx="12192000" cy="2988302"/>
+          </a:xfrm>
+          <a:prstGeom prst="rect">
+            <a:avLst/>
+          </a:prstGeom>
+        </p:spPr>
+      </p:pic>
+      <p:pic>
+        <p:nvPicPr>
+          <p:cNvPr id="14" name="Picture 13" descr="A picture containing diagram, screenshot, colorfulness, text&#10;&#10;Description automatically generated">
+            <a:extLst>
+              <a:ext uri="{FF2B5EF4-FFF2-40B4-BE49-F238E27FC236}">
+                <a16:creationId xmlns:a16="http://schemas.microsoft.com/office/drawing/2014/main" id="{BE1A922F-B64C-AAAB-B8DC-0DEE74736A68}"/>
+              </a:ext>
+            </a:extLst>
+          </p:cNvPr>
+          <p:cNvPicPr>
+            <a:picLocks noChangeAspect="1"/>
+          </p:cNvPicPr>
+          <p:nvPr/>
+        </p:nvPicPr>
+        <p:blipFill>
+          <a:blip r:embed="rId3"/>
+          <a:stretch>
+            <a:fillRect/>
+          </a:stretch>
+        </p:blipFill>
+        <p:spPr>
+          <a:xfrm>
+            <a:off x="0" y="2801923"/>
+            <a:ext cx="12192000" cy="2861026"/>
+          </a:xfrm>
+          <a:prstGeom prst="rect">
+            <a:avLst/>
+          </a:prstGeom>
+        </p:spPr>
+      </p:pic>
+    </p:spTree>
+    <p:extLst>
+      <p:ext uri="{BB962C8B-B14F-4D97-AF65-F5344CB8AC3E}">
+        <p14:creationId xmlns:p14="http://schemas.microsoft.com/office/powerpoint/2010/main" val="16411932"/>
+      </p:ext>
+    </p:extLst>
+  </p:cSld>
+  <p:clrMapOvr>
+    <a:masterClrMapping/>
+  </p:clrMapOvr>
+</p:sld>
+</file>
+
+<file path=ppt/slides/slide12.xml><?xml version="1.0" encoding="utf-8"?>
+<p:sld xmlns:a="http://schemas.openxmlformats.org/drawingml/2006/main" xmlns:r="http://schemas.openxmlformats.org/officeDocument/2006/relationships" xmlns:p="http://schemas.openxmlformats.org/presentationml/2006/main">
+  <p:cSld>
+    <p:spTree>
+      <p:nvGrpSpPr>
+        <p:cNvPr id="1" name=""/>
+        <p:cNvGrpSpPr/>
+        <p:nvPr/>
+      </p:nvGrpSpPr>
+      <p:grpSpPr>
+        <a:xfrm>
+          <a:off x="0" y="0"/>
+          <a:ext cx="0" cy="0"/>
+          <a:chOff x="0" y="0"/>
+          <a:chExt cx="0" cy="0"/>
+        </a:xfrm>
+      </p:grpSpPr>
+      <p:sp>
+        <p:nvSpPr>
+          <p:cNvPr id="3" name="Slide Number Placeholder 2">
+            <a:extLst>
+              <a:ext uri="{FF2B5EF4-FFF2-40B4-BE49-F238E27FC236}">
+                <a16:creationId xmlns:a16="http://schemas.microsoft.com/office/drawing/2014/main" id="{FE60433D-E380-4571-991C-16B6CE7A48BE}"/>
+              </a:ext>
+            </a:extLst>
+          </p:cNvPr>
+          <p:cNvSpPr>
+            <a:spLocks noGrp="1"/>
+          </p:cNvSpPr>
+          <p:nvPr>
+            <p:ph type="sldNum" sz="quarter" idx="12"/>
+          </p:nvPr>
+        </p:nvSpPr>
+        <p:spPr/>
+        <p:txBody>
+          <a:bodyPr/>
+          <a:lstStyle/>
+          <a:p>
+            <a:fld id="{03DC2DEF-D2FE-4B45-ABA4-9F153FD1C98A}" type="slidenum">
+              <a:rPr lang="en-US" smtClean="0"/>
+              <a:t>12</a:t>
+            </a:fld>
+            <a:endParaRPr lang="en-US" dirty="0"/>
+          </a:p>
+        </p:txBody>
+      </p:sp>
+      <p:sp>
+        <p:nvSpPr>
+          <p:cNvPr id="11" name="Content Placeholder 10">
+            <a:extLst>
+              <a:ext uri="{FF2B5EF4-FFF2-40B4-BE49-F238E27FC236}">
+                <a16:creationId xmlns:a16="http://schemas.microsoft.com/office/drawing/2014/main" id="{2B253683-524F-46CF-BFCD-BFF6A7A920A7}"/>
+              </a:ext>
+            </a:extLst>
+          </p:cNvPr>
+          <p:cNvSpPr>
+            <a:spLocks noGrp="1"/>
+          </p:cNvSpPr>
+          <p:nvPr>
+            <p:ph sz="half" idx="2"/>
+          </p:nvPr>
+        </p:nvSpPr>
+        <p:spPr>
+          <a:xfrm>
+            <a:off x="6763062" y="2155971"/>
+            <a:ext cx="5367577" cy="3741490"/>
+          </a:xfrm>
+        </p:spPr>
+        <p:txBody>
+          <a:bodyPr>
+            <a:normAutofit/>
+          </a:bodyPr>
+          <a:lstStyle/>
+          <a:p>
+            <a:pPr marL="0" marR="0" indent="457200">
+              <a:lnSpc>
+                <a:spcPct val="200000"/>
+              </a:lnSpc>
+              <a:spcBef>
+                <a:spcPts val="0"/>
+              </a:spcBef>
+              <a:spcAft>
+                <a:spcPts val="800"/>
+              </a:spcAft>
+            </a:pPr>
+            <a:r>
+              <a:rPr lang="en-US" sz="1800" kern="100" dirty="0">
+                <a:effectLst/>
+                <a:latin typeface="Times New Roman" panose="02020603050405020304" pitchFamily="18" charset="0"/>
+                <a:ea typeface="Calibri" panose="020F0502020204030204" pitchFamily="34" charset="0"/>
+                <a:cs typeface="Times New Roman" panose="02020603050405020304" pitchFamily="18" charset="0"/>
+              </a:rPr>
+              <a:t>Additionally, we displayed a histogram of all the tweets to identify the most frequent negative reasons based on '</a:t>
+            </a:r>
+            <a:r>
+              <a:rPr lang="en-US" sz="1800" kern="100" dirty="0" err="1">
+                <a:effectLst/>
+                <a:latin typeface="Times New Roman" panose="02020603050405020304" pitchFamily="18" charset="0"/>
+                <a:ea typeface="Calibri" panose="020F0502020204030204" pitchFamily="34" charset="0"/>
+                <a:cs typeface="Times New Roman" panose="02020603050405020304" pitchFamily="18" charset="0"/>
+              </a:rPr>
+              <a:t>negativereason_confidence</a:t>
+            </a:r>
+            <a:r>
+              <a:rPr lang="en-US" sz="1800" kern="100" dirty="0">
+                <a:effectLst/>
+                <a:latin typeface="Times New Roman" panose="02020603050405020304" pitchFamily="18" charset="0"/>
+                <a:ea typeface="Calibri" panose="020F0502020204030204" pitchFamily="34" charset="0"/>
+                <a:cs typeface="Times New Roman" panose="02020603050405020304" pitchFamily="18" charset="0"/>
+              </a:rPr>
+              <a:t>'. This helped us understand which issues were more commonly mentioned in the dataset</a:t>
+            </a:r>
+            <a:endParaRPr lang="en-US" sz="1800" kern="100" dirty="0">
+              <a:effectLst/>
+              <a:latin typeface="Calibri" panose="020F0502020204030204" pitchFamily="34" charset="0"/>
+              <a:ea typeface="Calibri" panose="020F0502020204030204" pitchFamily="34" charset="0"/>
+              <a:cs typeface="Times New Roman" panose="02020603050405020304" pitchFamily="18" charset="0"/>
+            </a:endParaRPr>
+          </a:p>
+        </p:txBody>
+      </p:sp>
+      <p:pic>
+        <p:nvPicPr>
+          <p:cNvPr id="9" name="Picture 8" descr="A picture containing text, screenshot, plot, diagram&#10;&#10;Description automatically generated">
+            <a:extLst>
+              <a:ext uri="{FF2B5EF4-FFF2-40B4-BE49-F238E27FC236}">
+                <a16:creationId xmlns:a16="http://schemas.microsoft.com/office/drawing/2014/main" id="{34B958FE-32AE-C679-C96C-CA3D2981BD7A}"/>
+              </a:ext>
+            </a:extLst>
+          </p:cNvPr>
+          <p:cNvPicPr>
+            <a:picLocks noChangeAspect="1"/>
+          </p:cNvPicPr>
+          <p:nvPr/>
+        </p:nvPicPr>
+        <p:blipFill>
+          <a:blip r:embed="rId2"/>
+          <a:stretch>
+            <a:fillRect/>
+          </a:stretch>
+        </p:blipFill>
+        <p:spPr>
+          <a:xfrm>
+            <a:off x="0" y="696286"/>
+            <a:ext cx="6447070" cy="5050451"/>
+          </a:xfrm>
+          <a:prstGeom prst="rect">
+            <a:avLst/>
+          </a:prstGeom>
+        </p:spPr>
+      </p:pic>
+    </p:spTree>
+    <p:extLst>
+      <p:ext uri="{BB962C8B-B14F-4D97-AF65-F5344CB8AC3E}">
+        <p14:creationId xmlns:p14="http://schemas.microsoft.com/office/powerpoint/2010/main" val="2720888458"/>
+      </p:ext>
+    </p:extLst>
+  </p:cSld>
+  <p:clrMapOvr>
+    <a:masterClrMapping/>
+  </p:clrMapOvr>
+</p:sld>
+</file>
+
+<file path=ppt/slides/slide13.xml><?xml version="1.0" encoding="utf-8"?>
+<p:sld xmlns:a="http://schemas.openxmlformats.org/drawingml/2006/main" xmlns:r="http://schemas.openxmlformats.org/officeDocument/2006/relationships" xmlns:p="http://schemas.openxmlformats.org/presentationml/2006/main">
+  <p:cSld>
+    <p:spTree>
+      <p:nvGrpSpPr>
+        <p:cNvPr id="1" name=""/>
+        <p:cNvGrpSpPr/>
+        <p:nvPr/>
+      </p:nvGrpSpPr>
+      <p:grpSpPr>
+        <a:xfrm>
+          <a:off x="0" y="0"/>
+          <a:ext cx="0" cy="0"/>
+          <a:chOff x="0" y="0"/>
+          <a:chExt cx="0" cy="0"/>
+        </a:xfrm>
+      </p:grpSpPr>
+      <p:sp>
+        <p:nvSpPr>
+          <p:cNvPr id="3" name="Slide Number Placeholder 2">
+            <a:extLst>
+              <a:ext uri="{FF2B5EF4-FFF2-40B4-BE49-F238E27FC236}">
+                <a16:creationId xmlns:a16="http://schemas.microsoft.com/office/drawing/2014/main" id="{FE60433D-E380-4571-991C-16B6CE7A48BE}"/>
+              </a:ext>
+            </a:extLst>
+          </p:cNvPr>
+          <p:cNvSpPr>
+            <a:spLocks noGrp="1"/>
+          </p:cNvSpPr>
+          <p:nvPr>
+            <p:ph type="sldNum" sz="quarter" idx="12"/>
+          </p:nvPr>
+        </p:nvSpPr>
+        <p:spPr/>
+        <p:txBody>
+          <a:bodyPr/>
+          <a:lstStyle/>
+          <a:p>
+            <a:fld id="{03DC2DEF-D2FE-4B45-ABA4-9F153FD1C98A}" type="slidenum">
+              <a:rPr lang="en-US" smtClean="0"/>
+              <a:t>13</a:t>
+            </a:fld>
+            <a:endParaRPr lang="en-US" dirty="0"/>
+          </a:p>
+        </p:txBody>
+      </p:sp>
+      <p:sp>
+        <p:nvSpPr>
+          <p:cNvPr id="11" name="Content Placeholder 10">
+            <a:extLst>
+              <a:ext uri="{FF2B5EF4-FFF2-40B4-BE49-F238E27FC236}">
+                <a16:creationId xmlns:a16="http://schemas.microsoft.com/office/drawing/2014/main" id="{2B253683-524F-46CF-BFCD-BFF6A7A920A7}"/>
+              </a:ext>
+            </a:extLst>
+          </p:cNvPr>
+          <p:cNvSpPr>
+            <a:spLocks noGrp="1"/>
+          </p:cNvSpPr>
+          <p:nvPr>
+            <p:ph sz="half" idx="2"/>
+          </p:nvPr>
+        </p:nvSpPr>
+        <p:spPr>
+          <a:xfrm>
+            <a:off x="6561727" y="2147582"/>
+            <a:ext cx="5367577" cy="3741490"/>
+          </a:xfrm>
+        </p:spPr>
+        <p:txBody>
+          <a:bodyPr>
+            <a:normAutofit lnSpcReduction="10000"/>
+          </a:bodyPr>
+          <a:lstStyle/>
+          <a:p>
+            <a:pPr marL="0" marR="0" indent="457200">
+              <a:lnSpc>
+                <a:spcPct val="200000"/>
+              </a:lnSpc>
+              <a:spcBef>
+                <a:spcPts val="0"/>
+              </a:spcBef>
+              <a:spcAft>
+                <a:spcPts val="800"/>
+              </a:spcAft>
+            </a:pPr>
+            <a:r>
+              <a:rPr lang="en-US" sz="1800" kern="100" dirty="0">
+                <a:effectLst/>
+                <a:latin typeface="Times New Roman" panose="02020603050405020304" pitchFamily="18" charset="0"/>
+                <a:ea typeface="Calibri" panose="020F0502020204030204" pitchFamily="34" charset="0"/>
+                <a:cs typeface="Times New Roman" panose="02020603050405020304" pitchFamily="18" charset="0"/>
+              </a:rPr>
+              <a:t>K-means Clustering and Agglomerative Clustering: We utilized K-means clustering and Agglomerative clustering algorithms to group the data based on the columns '</a:t>
+            </a:r>
+            <a:r>
+              <a:rPr lang="en-US" sz="1800" kern="100" dirty="0" err="1">
+                <a:effectLst/>
+                <a:latin typeface="Times New Roman" panose="02020603050405020304" pitchFamily="18" charset="0"/>
+                <a:ea typeface="Calibri" panose="020F0502020204030204" pitchFamily="34" charset="0"/>
+                <a:cs typeface="Times New Roman" panose="02020603050405020304" pitchFamily="18" charset="0"/>
+              </a:rPr>
+              <a:t>negativereason_confidence</a:t>
+            </a:r>
+            <a:r>
+              <a:rPr lang="en-US" sz="1800" kern="100" dirty="0">
+                <a:effectLst/>
+                <a:latin typeface="Times New Roman" panose="02020603050405020304" pitchFamily="18" charset="0"/>
+                <a:ea typeface="Calibri" panose="020F0502020204030204" pitchFamily="34" charset="0"/>
+                <a:cs typeface="Times New Roman" panose="02020603050405020304" pitchFamily="18" charset="0"/>
+              </a:rPr>
+              <a:t>' and '</a:t>
+            </a:r>
+            <a:r>
+              <a:rPr lang="en-US" sz="1800" kern="100" dirty="0" err="1">
+                <a:effectLst/>
+                <a:latin typeface="Times New Roman" panose="02020603050405020304" pitchFamily="18" charset="0"/>
+                <a:ea typeface="Calibri" panose="020F0502020204030204" pitchFamily="34" charset="0"/>
+                <a:cs typeface="Times New Roman" panose="02020603050405020304" pitchFamily="18" charset="0"/>
+              </a:rPr>
+              <a:t>airline_sentiment_confidence</a:t>
+            </a:r>
+            <a:r>
+              <a:rPr lang="en-US" sz="1800" kern="100" dirty="0">
+                <a:effectLst/>
+                <a:latin typeface="Times New Roman" panose="02020603050405020304" pitchFamily="18" charset="0"/>
+                <a:ea typeface="Calibri" panose="020F0502020204030204" pitchFamily="34" charset="0"/>
+                <a:cs typeface="Times New Roman" panose="02020603050405020304" pitchFamily="18" charset="0"/>
+              </a:rPr>
+              <a:t>'. The algorithms demonstrated a high accuracy of 96% in identifying the correct clusters.</a:t>
+            </a:r>
+            <a:endParaRPr lang="en-US" sz="1800" kern="100" dirty="0">
+              <a:effectLst/>
+              <a:latin typeface="Calibri" panose="020F0502020204030204" pitchFamily="34" charset="0"/>
+              <a:ea typeface="Calibri" panose="020F0502020204030204" pitchFamily="34" charset="0"/>
+              <a:cs typeface="Times New Roman" panose="02020603050405020304" pitchFamily="18" charset="0"/>
+            </a:endParaRPr>
+          </a:p>
+        </p:txBody>
+      </p:sp>
+      <p:pic>
+        <p:nvPicPr>
+          <p:cNvPr id="4" name="Picture 3">
+            <a:extLst>
+              <a:ext uri="{FF2B5EF4-FFF2-40B4-BE49-F238E27FC236}">
+                <a16:creationId xmlns:a16="http://schemas.microsoft.com/office/drawing/2014/main" id="{5945AEDA-3381-BC51-56F1-546CE755E7F4}"/>
+              </a:ext>
+            </a:extLst>
+          </p:cNvPr>
+          <p:cNvPicPr>
+            <a:picLocks noChangeAspect="1"/>
+          </p:cNvPicPr>
+          <p:nvPr/>
+        </p:nvPicPr>
+        <p:blipFill>
+          <a:blip r:embed="rId2"/>
+          <a:stretch>
+            <a:fillRect/>
+          </a:stretch>
+        </p:blipFill>
+        <p:spPr>
+          <a:xfrm>
+            <a:off x="0" y="956345"/>
+            <a:ext cx="6410507" cy="4340343"/>
+          </a:xfrm>
+          <a:prstGeom prst="rect">
+            <a:avLst/>
+          </a:prstGeom>
+        </p:spPr>
+      </p:pic>
+    </p:spTree>
+    <p:extLst>
+      <p:ext uri="{BB962C8B-B14F-4D97-AF65-F5344CB8AC3E}">
+        <p14:creationId xmlns:p14="http://schemas.microsoft.com/office/powerpoint/2010/main" val="3683204192"/>
+      </p:ext>
+    </p:extLst>
+  </p:cSld>
+  <p:clrMapOvr>
+    <a:masterClrMapping/>
+  </p:clrMapOvr>
+</p:sld>
+</file>
+
+<file path=ppt/slides/slide14.xml><?xml version="1.0" encoding="utf-8"?>
+<p:sld xmlns:a="http://schemas.openxmlformats.org/drawingml/2006/main" xmlns:r="http://schemas.openxmlformats.org/officeDocument/2006/relationships" xmlns:p="http://schemas.openxmlformats.org/presentationml/2006/main">
+  <p:cSld>
+    <p:spTree>
+      <p:nvGrpSpPr>
+        <p:cNvPr id="1" name=""/>
+        <p:cNvGrpSpPr/>
+        <p:nvPr/>
+      </p:nvGrpSpPr>
+      <p:grpSpPr>
+        <a:xfrm>
+          <a:off x="0" y="0"/>
+          <a:ext cx="0" cy="0"/>
+          <a:chOff x="0" y="0"/>
+          <a:chExt cx="0" cy="0"/>
+        </a:xfrm>
+      </p:grpSpPr>
+      <p:sp>
+        <p:nvSpPr>
+          <p:cNvPr id="3" name="Slide Number Placeholder 2">
+            <a:extLst>
+              <a:ext uri="{FF2B5EF4-FFF2-40B4-BE49-F238E27FC236}">
+                <a16:creationId xmlns:a16="http://schemas.microsoft.com/office/drawing/2014/main" id="{FE60433D-E380-4571-991C-16B6CE7A48BE}"/>
+              </a:ext>
+            </a:extLst>
+          </p:cNvPr>
+          <p:cNvSpPr>
+            <a:spLocks noGrp="1"/>
+          </p:cNvSpPr>
+          <p:nvPr>
+            <p:ph type="sldNum" sz="quarter" idx="12"/>
+          </p:nvPr>
+        </p:nvSpPr>
+        <p:spPr/>
+        <p:txBody>
+          <a:bodyPr/>
+          <a:lstStyle/>
+          <a:p>
+            <a:fld id="{03DC2DEF-D2FE-4B45-ABA4-9F153FD1C98A}" type="slidenum">
+              <a:rPr lang="en-US" smtClean="0"/>
+              <a:t>14</a:t>
+            </a:fld>
+            <a:endParaRPr lang="en-US" dirty="0"/>
+          </a:p>
+        </p:txBody>
+      </p:sp>
+      <p:sp>
+        <p:nvSpPr>
+          <p:cNvPr id="11" name="Content Placeholder 10">
+            <a:extLst>
+              <a:ext uri="{FF2B5EF4-FFF2-40B4-BE49-F238E27FC236}">
+                <a16:creationId xmlns:a16="http://schemas.microsoft.com/office/drawing/2014/main" id="{2B253683-524F-46CF-BFCD-BFF6A7A920A7}"/>
+              </a:ext>
+            </a:extLst>
+          </p:cNvPr>
+          <p:cNvSpPr>
+            <a:spLocks noGrp="1"/>
+          </p:cNvSpPr>
+          <p:nvPr>
+            <p:ph sz="half" idx="2"/>
+          </p:nvPr>
+        </p:nvSpPr>
+        <p:spPr>
+          <a:xfrm>
+            <a:off x="6561727" y="2147582"/>
+            <a:ext cx="5367577" cy="3741490"/>
+          </a:xfrm>
+        </p:spPr>
+        <p:txBody>
+          <a:bodyPr>
+            <a:normAutofit lnSpcReduction="10000"/>
+          </a:bodyPr>
+          <a:lstStyle/>
+          <a:p>
+            <a:pPr marL="0" marR="0" indent="457200">
+              <a:lnSpc>
+                <a:spcPct val="200000"/>
+              </a:lnSpc>
+              <a:spcBef>
+                <a:spcPts val="0"/>
+              </a:spcBef>
+              <a:spcAft>
+                <a:spcPts val="800"/>
+              </a:spcAft>
+            </a:pPr>
+            <a:r>
+              <a:rPr lang="en-US" sz="1800" kern="100" dirty="0">
+                <a:effectLst/>
+                <a:latin typeface="Times New Roman" panose="02020603050405020304" pitchFamily="18" charset="0"/>
+                <a:ea typeface="Calibri" panose="020F0502020204030204" pitchFamily="34" charset="0"/>
+                <a:cs typeface="Times New Roman" panose="02020603050405020304" pitchFamily="18" charset="0"/>
+              </a:rPr>
+              <a:t>K-means Clustering and Agglomerative Clustering: We utilized K-means clustering and Agglomerative clustering algorithms to group the data based on the columns '</a:t>
+            </a:r>
+            <a:r>
+              <a:rPr lang="en-US" sz="1800" kern="100" dirty="0" err="1">
+                <a:effectLst/>
+                <a:latin typeface="Times New Roman" panose="02020603050405020304" pitchFamily="18" charset="0"/>
+                <a:ea typeface="Calibri" panose="020F0502020204030204" pitchFamily="34" charset="0"/>
+                <a:cs typeface="Times New Roman" panose="02020603050405020304" pitchFamily="18" charset="0"/>
+              </a:rPr>
+              <a:t>negativereason_confidence</a:t>
+            </a:r>
+            <a:r>
+              <a:rPr lang="en-US" sz="1800" kern="100" dirty="0">
+                <a:effectLst/>
+                <a:latin typeface="Times New Roman" panose="02020603050405020304" pitchFamily="18" charset="0"/>
+                <a:ea typeface="Calibri" panose="020F0502020204030204" pitchFamily="34" charset="0"/>
+                <a:cs typeface="Times New Roman" panose="02020603050405020304" pitchFamily="18" charset="0"/>
+              </a:rPr>
+              <a:t>' and '</a:t>
+            </a:r>
+            <a:r>
+              <a:rPr lang="en-US" sz="1800" kern="100" dirty="0" err="1">
+                <a:effectLst/>
+                <a:latin typeface="Times New Roman" panose="02020603050405020304" pitchFamily="18" charset="0"/>
+                <a:ea typeface="Calibri" panose="020F0502020204030204" pitchFamily="34" charset="0"/>
+                <a:cs typeface="Times New Roman" panose="02020603050405020304" pitchFamily="18" charset="0"/>
+              </a:rPr>
+              <a:t>airline_sentiment_confidence</a:t>
+            </a:r>
+            <a:r>
+              <a:rPr lang="en-US" sz="1800" kern="100" dirty="0">
+                <a:effectLst/>
+                <a:latin typeface="Times New Roman" panose="02020603050405020304" pitchFamily="18" charset="0"/>
+                <a:ea typeface="Calibri" panose="020F0502020204030204" pitchFamily="34" charset="0"/>
+                <a:cs typeface="Times New Roman" panose="02020603050405020304" pitchFamily="18" charset="0"/>
+              </a:rPr>
+              <a:t>'. The algorithms demonstrated a high accuracy of 96% in identifying the correct clusters.</a:t>
+            </a:r>
+            <a:endParaRPr lang="en-US" sz="1800" kern="100" dirty="0">
+              <a:effectLst/>
+              <a:latin typeface="Calibri" panose="020F0502020204030204" pitchFamily="34" charset="0"/>
+              <a:ea typeface="Calibri" panose="020F0502020204030204" pitchFamily="34" charset="0"/>
+              <a:cs typeface="Times New Roman" panose="02020603050405020304" pitchFamily="18" charset="0"/>
+            </a:endParaRPr>
+          </a:p>
+        </p:txBody>
+      </p:sp>
+      <p:pic>
+        <p:nvPicPr>
+          <p:cNvPr id="4" name="Picture 3">
+            <a:extLst>
+              <a:ext uri="{FF2B5EF4-FFF2-40B4-BE49-F238E27FC236}">
+                <a16:creationId xmlns:a16="http://schemas.microsoft.com/office/drawing/2014/main" id="{5945AEDA-3381-BC51-56F1-546CE755E7F4}"/>
+              </a:ext>
+            </a:extLst>
+          </p:cNvPr>
+          <p:cNvPicPr>
+            <a:picLocks noChangeAspect="1"/>
+          </p:cNvPicPr>
+          <p:nvPr/>
+        </p:nvPicPr>
+        <p:blipFill>
+          <a:blip r:embed="rId2"/>
+          <a:stretch>
+            <a:fillRect/>
+          </a:stretch>
+        </p:blipFill>
+        <p:spPr>
+          <a:xfrm>
+            <a:off x="0" y="956345"/>
+            <a:ext cx="6410507" cy="4340343"/>
+          </a:xfrm>
+          <a:prstGeom prst="rect">
+            <a:avLst/>
+          </a:prstGeom>
+        </p:spPr>
+      </p:pic>
+    </p:spTree>
+    <p:extLst>
+      <p:ext uri="{BB962C8B-B14F-4D97-AF65-F5344CB8AC3E}">
+        <p14:creationId xmlns:p14="http://schemas.microsoft.com/office/powerpoint/2010/main" val="1132430622"/>
+      </p:ext>
+    </p:extLst>
+  </p:cSld>
+  <p:clrMapOvr>
+    <a:masterClrMapping/>
+  </p:clrMapOvr>
+</p:sld>
+</file>
+
+<file path=ppt/slides/slide15.xml><?xml version="1.0" encoding="utf-8"?>
+<p:sld xmlns:a="http://schemas.openxmlformats.org/drawingml/2006/main" xmlns:r="http://schemas.openxmlformats.org/officeDocument/2006/relationships" xmlns:p="http://schemas.openxmlformats.org/presentationml/2006/main">
+  <p:cSld>
+    <p:spTree>
+      <p:nvGrpSpPr>
+        <p:cNvPr id="1" name=""/>
+        <p:cNvGrpSpPr/>
+        <p:nvPr/>
+      </p:nvGrpSpPr>
+      <p:grpSpPr>
+        <a:xfrm>
+          <a:off x="0" y="0"/>
+          <a:ext cx="0" cy="0"/>
+          <a:chOff x="0" y="0"/>
+          <a:chExt cx="0" cy="0"/>
+        </a:xfrm>
+      </p:grpSpPr>
+      <p:sp>
+        <p:nvSpPr>
           <p:cNvPr id="16" name="Title 15">
             <a:extLst>
               <a:ext uri="{FF2B5EF4-FFF2-40B4-BE49-F238E27FC236}">
@@ -32883,7 +30785,7 @@
           <a:p>
             <a:fld id="{03DC2DEF-D2FE-4B45-ABA4-9F153FD1C98A}" type="slidenum">
               <a:rPr lang="en-US" smtClean="0"/>
-              <a:t>11</a:t>
+              <a:t>15</a:t>
             </a:fld>
             <a:endParaRPr lang="en-US" dirty="0"/>
           </a:p>
@@ -33176,7 +31078,7 @@
         <p:spPr/>
         <p:txBody>
           <a:bodyPr>
-            <a:normAutofit fontScale="90000"/>
+            <a:normAutofit/>
           </a:bodyPr>
           <a:lstStyle/>
           <a:p>
@@ -33527,7 +31429,7 @@
           <a:p>
             <a:r>
               <a:rPr lang="en-US" dirty="0"/>
-              <a:t>Slide Title</a:t>
+              <a:t>EDA/Data Cleaning/Preprocessing  </a:t>
             </a:r>
           </a:p>
         </p:txBody>
@@ -33563,209 +31465,103 @@
       </p:sp>
       <p:sp>
         <p:nvSpPr>
-          <p:cNvPr id="12" name="Text Placeholder 11">
-            <a:extLst>
-              <a:ext uri="{FF2B5EF4-FFF2-40B4-BE49-F238E27FC236}">
-                <a16:creationId xmlns:a16="http://schemas.microsoft.com/office/drawing/2014/main" id="{4241C871-580D-4A29-A334-0208A8E479B9}"/>
-              </a:ext>
-            </a:extLst>
-          </p:cNvPr>
-          <p:cNvSpPr>
-            <a:spLocks noGrp="1"/>
-          </p:cNvSpPr>
-          <p:nvPr>
-            <p:ph type="body" sz="quarter" idx="3"/>
-          </p:nvPr>
-        </p:nvSpPr>
-        <p:spPr/>
-        <p:txBody>
-          <a:bodyPr/>
-          <a:lstStyle/>
-          <a:p>
-            <a:r>
-              <a:rPr lang="en-US" dirty="0"/>
-              <a:t>Lorem ipsum dolor sit amet</a:t>
-            </a:r>
-          </a:p>
-        </p:txBody>
-      </p:sp>
-      <p:sp>
-        <p:nvSpPr>
-          <p:cNvPr id="13" name="Content Placeholder 12">
-            <a:extLst>
-              <a:ext uri="{FF2B5EF4-FFF2-40B4-BE49-F238E27FC236}">
-                <a16:creationId xmlns:a16="http://schemas.microsoft.com/office/drawing/2014/main" id="{0097C6D9-3930-4866-9E88-F17648880044}"/>
-              </a:ext>
-            </a:extLst>
-          </p:cNvPr>
-          <p:cNvSpPr>
-            <a:spLocks noGrp="1"/>
-          </p:cNvSpPr>
-          <p:nvPr>
-            <p:ph sz="quarter" idx="4"/>
-          </p:nvPr>
-        </p:nvSpPr>
-        <p:spPr/>
+          <p:cNvPr id="11" name="Content Placeholder 10">
+            <a:extLst>
+              <a:ext uri="{FF2B5EF4-FFF2-40B4-BE49-F238E27FC236}">
+                <a16:creationId xmlns:a16="http://schemas.microsoft.com/office/drawing/2014/main" id="{2B253683-524F-46CF-BFCD-BFF6A7A920A7}"/>
+              </a:ext>
+            </a:extLst>
+          </p:cNvPr>
+          <p:cNvSpPr>
+            <a:spLocks noGrp="1"/>
+          </p:cNvSpPr>
+          <p:nvPr>
+            <p:ph sz="half" idx="2"/>
+          </p:nvPr>
+        </p:nvSpPr>
+        <p:spPr>
+          <a:xfrm>
+            <a:off x="-1" y="2152956"/>
+            <a:ext cx="5897461" cy="3350222"/>
+          </a:xfrm>
+        </p:spPr>
         <p:txBody>
           <a:bodyPr>
-            <a:normAutofit/>
+            <a:normAutofit fontScale="92500" lnSpcReduction="20000"/>
           </a:bodyPr>
           <a:lstStyle/>
           <a:p>
+            <a:pPr>
+              <a:lnSpc>
+                <a:spcPct val="150000"/>
+              </a:lnSpc>
+            </a:pPr>
             <a:r>
               <a:rPr lang="en-US" dirty="0"/>
-              <a:t>Lorem ipsum dolor sit amet, consectetur adipiscing elit</a:t>
-            </a:r>
-          </a:p>
-          <a:p>
+              <a:t>To begin the exploratory data analysis (EDA) process, we first displayed the columns of the untouched data to get an overview of the available information. Then, we used the </a:t>
+            </a:r>
+            <a:r>
+              <a:rPr lang="en-US" dirty="0" err="1"/>
+              <a:t>tweetsDf.head</a:t>
+            </a:r>
             <a:r>
               <a:rPr lang="en-US" dirty="0"/>
-              <a:t>Lorem ipsum dolor sit amet, consectetur adipiscing elit</a:t>
-            </a:r>
-          </a:p>
-          <a:p>
+              <a:t>() function to display the first 5 rows and all 15 columns of the dataset.</a:t>
+            </a:r>
+          </a:p>
+          <a:p>
+            <a:pPr>
+              <a:lnSpc>
+                <a:spcPct val="150000"/>
+              </a:lnSpc>
+            </a:pPr>
             <a:r>
               <a:rPr lang="en-US" dirty="0"/>
-              <a:t>Lorem ipsum dolor sit amet, consectetur adipiscing elit</a:t>
-            </a:r>
-          </a:p>
-        </p:txBody>
-      </p:sp>
-      <p:sp>
-        <p:nvSpPr>
-          <p:cNvPr id="10" name="Text Placeholder 9">
-            <a:extLst>
-              <a:ext uri="{FF2B5EF4-FFF2-40B4-BE49-F238E27FC236}">
-                <a16:creationId xmlns:a16="http://schemas.microsoft.com/office/drawing/2014/main" id="{41B8DC8C-1FD7-4773-B07E-7E4432766A4E}"/>
-              </a:ext>
-            </a:extLst>
-          </p:cNvPr>
-          <p:cNvSpPr>
-            <a:spLocks noGrp="1"/>
-          </p:cNvSpPr>
-          <p:nvPr>
-            <p:ph type="body" idx="1"/>
-          </p:nvPr>
-        </p:nvSpPr>
-        <p:spPr/>
-        <p:txBody>
-          <a:bodyPr/>
-          <a:lstStyle/>
-          <a:p>
+              <a:t>Next, we filtered the data and selected the '</a:t>
+            </a:r>
+            <a:r>
+              <a:rPr lang="en-US" dirty="0" err="1"/>
+              <a:t>airline_sentiment</a:t>
+            </a:r>
             <a:r>
               <a:rPr lang="en-US" dirty="0"/>
-              <a:t>Lorem ipsum dolor sit amet</a:t>
-            </a:r>
-          </a:p>
-        </p:txBody>
-      </p:sp>
-      <p:sp>
-        <p:nvSpPr>
-          <p:cNvPr id="11" name="Content Placeholder 10">
-            <a:extLst>
-              <a:ext uri="{FF2B5EF4-FFF2-40B4-BE49-F238E27FC236}">
-                <a16:creationId xmlns:a16="http://schemas.microsoft.com/office/drawing/2014/main" id="{2B253683-524F-46CF-BFCD-BFF6A7A920A7}"/>
-              </a:ext>
-            </a:extLst>
-          </p:cNvPr>
-          <p:cNvSpPr>
-            <a:spLocks noGrp="1"/>
-          </p:cNvSpPr>
-          <p:nvPr>
-            <p:ph sz="half" idx="2"/>
-          </p:nvPr>
-        </p:nvSpPr>
-        <p:spPr/>
-        <p:txBody>
-          <a:bodyPr>
-            <a:normAutofit/>
-          </a:bodyPr>
-          <a:lstStyle/>
-          <a:p>
-            <a:r>
-              <a:rPr lang="en-US" dirty="0"/>
-              <a:t>Lorem ipsum dolor sit amet, consectetur adipiscing elit</a:t>
-            </a:r>
-          </a:p>
-          <a:p>
-            <a:r>
-              <a:rPr lang="en-US" dirty="0"/>
-              <a:t>Lorem ipsum dolor sit amet, consectetur adipiscing elit</a:t>
-            </a:r>
-          </a:p>
-          <a:p>
-            <a:r>
-              <a:rPr lang="en-US" dirty="0"/>
-              <a:t>Lorem ipsum dolor sit amet, consectetur adipiscing elit</a:t>
-            </a:r>
+              <a:t>' column to get the unique counts for each sentiment category (positive, negative, neutral). This allowed us to understand the distribution of sentiments in the dataset.</a:t>
+            </a:r>
+          </a:p>
+          <a:p>
+            <a:endParaRPr lang="en-US" dirty="0"/>
           </a:p>
         </p:txBody>
       </p:sp>
       <p:pic>
         <p:nvPicPr>
-          <p:cNvPr id="17" name="Picture Placeholder 16">
-            <a:extLst>
-              <a:ext uri="{FF2B5EF4-FFF2-40B4-BE49-F238E27FC236}">
-                <a16:creationId xmlns:a16="http://schemas.microsoft.com/office/drawing/2014/main" id="{38B0024B-0AD8-4DDB-8486-A9BD3A8E9FAC}"/>
-              </a:ext>
-              <a:ext uri="{C183D7F6-B498-43B3-948B-1728B52AA6E4}">
-                <adec:decorative xmlns:adec="http://schemas.microsoft.com/office/drawing/2017/decorative" val="1"/>
+          <p:cNvPr id="18" name="Picture 17" descr="A picture containing text, screenshot, diagram, rectangle&#10;&#10;Description automatically generated">
+            <a:extLst>
+              <a:ext uri="{FF2B5EF4-FFF2-40B4-BE49-F238E27FC236}">
+                <a16:creationId xmlns:a16="http://schemas.microsoft.com/office/drawing/2014/main" id="{1848C19B-63BB-FFE5-A21E-A587177517C2}"/>
               </a:ext>
             </a:extLst>
           </p:cNvPr>
           <p:cNvPicPr>
-            <a:picLocks noGrp="1" noChangeAspect="1"/>
+            <a:picLocks noChangeAspect="1"/>
           </p:cNvPicPr>
-          <p:nvPr>
-            <p:ph type="pic" sz="quarter" idx="13"/>
-          </p:nvPr>
-        </p:nvPicPr>
-        <p:blipFill rotWithShape="1">
-          <a:blip r:embed="rId2" cstate="screen">
-            <a:extLst>
-              <a:ext uri="{28A0092B-C50C-407E-A947-70E740481C1C}">
-                <a14:useLocalDpi xmlns:a14="http://schemas.microsoft.com/office/drawing/2010/main"/>
-              </a:ext>
-            </a:extLst>
-          </a:blip>
-          <a:srcRect l="30" r="30"/>
-          <a:stretch/>
-        </p:blipFill>
-        <p:spPr/>
-      </p:pic>
-      <p:pic>
-        <p:nvPicPr>
-          <p:cNvPr id="19" name="Picture Placeholder 18">
-            <a:extLst>
-              <a:ext uri="{FF2B5EF4-FFF2-40B4-BE49-F238E27FC236}">
-                <a16:creationId xmlns:a16="http://schemas.microsoft.com/office/drawing/2014/main" id="{18D1195C-D9D4-4994-BAD9-68AA2C2BD35A}"/>
-              </a:ext>
-              <a:ext uri="{C183D7F6-B498-43B3-948B-1728B52AA6E4}">
-                <adec:decorative xmlns:adec="http://schemas.microsoft.com/office/drawing/2017/decorative" val="1"/>
-              </a:ext>
-            </a:extLst>
-          </p:cNvPr>
-          <p:cNvPicPr>
-            <a:picLocks noGrp="1" noChangeAspect="1"/>
-          </p:cNvPicPr>
-          <p:nvPr>
-            <p:ph type="pic" sz="quarter" idx="14"/>
-          </p:nvPr>
+          <p:nvPr/>
         </p:nvPicPr>
         <p:blipFill>
-          <a:blip r:embed="rId3" cstate="screen">
-            <a:extLst>
-              <a:ext uri="{28A0092B-C50C-407E-A947-70E740481C1C}">
-                <a14:useLocalDpi xmlns:a14="http://schemas.microsoft.com/office/drawing/2010/main"/>
-              </a:ext>
-            </a:extLst>
-          </a:blip>
-          <a:srcRect l="85" r="85"/>
+          <a:blip r:embed="rId2"/>
           <a:stretch>
             <a:fillRect/>
           </a:stretch>
         </p:blipFill>
-        <p:spPr/>
+        <p:spPr>
+          <a:xfrm>
+            <a:off x="6452992" y="2157150"/>
+            <a:ext cx="4981201" cy="4301174"/>
+          </a:xfrm>
+          <a:prstGeom prst="rect">
+            <a:avLst/>
+          </a:prstGeom>
+        </p:spPr>
       </p:pic>
     </p:spTree>
     <p:extLst>
@@ -33799,36 +31595,6 @@
       </p:grpSpPr>
       <p:sp>
         <p:nvSpPr>
-          <p:cNvPr id="9" name="Title 8">
-            <a:extLst>
-              <a:ext uri="{FF2B5EF4-FFF2-40B4-BE49-F238E27FC236}">
-                <a16:creationId xmlns:a16="http://schemas.microsoft.com/office/drawing/2014/main" id="{DEF48F30-BEB4-44C7-9F35-3BBB61CF89AF}"/>
-              </a:ext>
-            </a:extLst>
-          </p:cNvPr>
-          <p:cNvSpPr>
-            <a:spLocks noGrp="1"/>
-          </p:cNvSpPr>
-          <p:nvPr>
-            <p:ph type="title"/>
-          </p:nvPr>
-        </p:nvSpPr>
-        <p:spPr/>
-        <p:txBody>
-          <a:bodyPr>
-            <a:normAutofit fontScale="90000"/>
-          </a:bodyPr>
-          <a:lstStyle/>
-          <a:p>
-            <a:r>
-              <a:rPr lang="en-US" dirty="0"/>
-              <a:t>Slide Title</a:t>
-            </a:r>
-          </a:p>
-        </p:txBody>
-      </p:sp>
-      <p:sp>
-        <p:nvSpPr>
           <p:cNvPr id="3" name="Slide Number Placeholder 2">
             <a:extLst>
               <a:ext uri="{FF2B5EF4-FFF2-40B4-BE49-F238E27FC236}">
@@ -33858,209 +31624,73 @@
       </p:sp>
       <p:sp>
         <p:nvSpPr>
-          <p:cNvPr id="12" name="Text Placeholder 11">
-            <a:extLst>
-              <a:ext uri="{FF2B5EF4-FFF2-40B4-BE49-F238E27FC236}">
-                <a16:creationId xmlns:a16="http://schemas.microsoft.com/office/drawing/2014/main" id="{4241C871-580D-4A29-A334-0208A8E479B9}"/>
-              </a:ext>
-            </a:extLst>
-          </p:cNvPr>
-          <p:cNvSpPr>
-            <a:spLocks noGrp="1"/>
-          </p:cNvSpPr>
-          <p:nvPr>
-            <p:ph type="body" sz="quarter" idx="3"/>
-          </p:nvPr>
-        </p:nvSpPr>
-        <p:spPr/>
-        <p:txBody>
-          <a:bodyPr/>
-          <a:lstStyle/>
-          <a:p>
-            <a:r>
-              <a:rPr lang="en-US" dirty="0"/>
-              <a:t>Lorem ipsum dolor sit amet</a:t>
-            </a:r>
-          </a:p>
-        </p:txBody>
-      </p:sp>
-      <p:sp>
-        <p:nvSpPr>
-          <p:cNvPr id="13" name="Content Placeholder 12">
-            <a:extLst>
-              <a:ext uri="{FF2B5EF4-FFF2-40B4-BE49-F238E27FC236}">
-                <a16:creationId xmlns:a16="http://schemas.microsoft.com/office/drawing/2014/main" id="{0097C6D9-3930-4866-9E88-F17648880044}"/>
-              </a:ext>
-            </a:extLst>
-          </p:cNvPr>
-          <p:cNvSpPr>
-            <a:spLocks noGrp="1"/>
-          </p:cNvSpPr>
-          <p:nvPr>
-            <p:ph sz="quarter" idx="4"/>
-          </p:nvPr>
-        </p:nvSpPr>
-        <p:spPr/>
+          <p:cNvPr id="11" name="Content Placeholder 10">
+            <a:extLst>
+              <a:ext uri="{FF2B5EF4-FFF2-40B4-BE49-F238E27FC236}">
+                <a16:creationId xmlns:a16="http://schemas.microsoft.com/office/drawing/2014/main" id="{2B253683-524F-46CF-BFCD-BFF6A7A920A7}"/>
+              </a:ext>
+            </a:extLst>
+          </p:cNvPr>
+          <p:cNvSpPr>
+            <a:spLocks noGrp="1"/>
+          </p:cNvSpPr>
+          <p:nvPr>
+            <p:ph sz="half" idx="2"/>
+          </p:nvPr>
+        </p:nvSpPr>
+        <p:spPr>
+          <a:xfrm>
+            <a:off x="5970165" y="2155971"/>
+            <a:ext cx="6031837" cy="3201317"/>
+          </a:xfrm>
+        </p:spPr>
         <p:txBody>
           <a:bodyPr>
             <a:normAutofit/>
           </a:bodyPr>
           <a:lstStyle/>
           <a:p>
+            <a:pPr>
+              <a:lnSpc>
+                <a:spcPct val="150000"/>
+              </a:lnSpc>
+            </a:pPr>
             <a:r>
               <a:rPr lang="en-US" dirty="0"/>
-              <a:t>Lorem ipsum dolor sit amet, consectetur adipiscing elit</a:t>
-            </a:r>
-          </a:p>
-          <a:p>
-            <a:r>
-              <a:rPr lang="en-US" dirty="0"/>
-              <a:t>Lorem ipsum dolor sit amet, consectetur adipiscing elit</a:t>
-            </a:r>
-          </a:p>
-          <a:p>
-            <a:r>
-              <a:rPr lang="en-US" dirty="0"/>
-              <a:t>Lorem ipsum dolor sit amet, consectetur adipiscing elit</a:t>
-            </a:r>
-          </a:p>
-        </p:txBody>
-      </p:sp>
-      <p:sp>
-        <p:nvSpPr>
-          <p:cNvPr id="10" name="Text Placeholder 9">
-            <a:extLst>
-              <a:ext uri="{FF2B5EF4-FFF2-40B4-BE49-F238E27FC236}">
-                <a16:creationId xmlns:a16="http://schemas.microsoft.com/office/drawing/2014/main" id="{41B8DC8C-1FD7-4773-B07E-7E4432766A4E}"/>
-              </a:ext>
-            </a:extLst>
-          </p:cNvPr>
-          <p:cNvSpPr>
-            <a:spLocks noGrp="1"/>
-          </p:cNvSpPr>
-          <p:nvPr>
-            <p:ph type="body" idx="1"/>
-          </p:nvPr>
-        </p:nvSpPr>
-        <p:spPr/>
-        <p:txBody>
-          <a:bodyPr/>
-          <a:lstStyle/>
-          <a:p>
-            <a:r>
-              <a:rPr lang="en-US" dirty="0"/>
-              <a:t>Lorem ipsum dolor sit amet</a:t>
-            </a:r>
-          </a:p>
-        </p:txBody>
-      </p:sp>
-      <p:sp>
-        <p:nvSpPr>
-          <p:cNvPr id="11" name="Content Placeholder 10">
-            <a:extLst>
-              <a:ext uri="{FF2B5EF4-FFF2-40B4-BE49-F238E27FC236}">
-                <a16:creationId xmlns:a16="http://schemas.microsoft.com/office/drawing/2014/main" id="{2B253683-524F-46CF-BFCD-BFF6A7A920A7}"/>
-              </a:ext>
-            </a:extLst>
-          </p:cNvPr>
-          <p:cNvSpPr>
-            <a:spLocks noGrp="1"/>
-          </p:cNvSpPr>
-          <p:nvPr>
-            <p:ph sz="half" idx="2"/>
-          </p:nvPr>
-        </p:nvSpPr>
-        <p:spPr/>
-        <p:txBody>
-          <a:bodyPr>
-            <a:normAutofit/>
-          </a:bodyPr>
-          <a:lstStyle/>
-          <a:p>
-            <a:r>
-              <a:rPr lang="en-US" dirty="0"/>
-              <a:t>Lorem ipsum dolor sit amet, consectetur adipiscing elit</a:t>
-            </a:r>
-          </a:p>
-          <a:p>
-            <a:r>
-              <a:rPr lang="en-US" dirty="0"/>
-              <a:t>Lorem ipsum dolor sit amet, consectetur adipiscing elit</a:t>
-            </a:r>
-          </a:p>
-          <a:p>
-            <a:r>
-              <a:rPr lang="en-US" dirty="0"/>
-              <a:t>Lorem ipsum dolor sit amet, consectetur adipiscing elit</a:t>
+              <a:t>Afterwards, we focused specifically on the negative sentiments and selected the rows that corresponded to negative sentiment tweets. We further grouped the data by airline and sentiment to visualize the distribution of negative sentiments across different airlines using a histogram.</a:t>
             </a:r>
           </a:p>
         </p:txBody>
       </p:sp>
       <p:pic>
         <p:nvPicPr>
-          <p:cNvPr id="17" name="Picture Placeholder 16">
-            <a:extLst>
-              <a:ext uri="{FF2B5EF4-FFF2-40B4-BE49-F238E27FC236}">
-                <a16:creationId xmlns:a16="http://schemas.microsoft.com/office/drawing/2014/main" id="{38B0024B-0AD8-4DDB-8486-A9BD3A8E9FAC}"/>
-              </a:ext>
-              <a:ext uri="{C183D7F6-B498-43B3-948B-1728B52AA6E4}">
-                <adec:decorative xmlns:adec="http://schemas.microsoft.com/office/drawing/2017/decorative" val="1"/>
+          <p:cNvPr id="23" name="Picture 22" descr="A picture containing text, screenshot, font, number&#10;&#10;Description automatically generated">
+            <a:extLst>
+              <a:ext uri="{FF2B5EF4-FFF2-40B4-BE49-F238E27FC236}">
+                <a16:creationId xmlns:a16="http://schemas.microsoft.com/office/drawing/2014/main" id="{9C36D6F3-E8E1-7E23-34C7-B35051C7DA4D}"/>
               </a:ext>
             </a:extLst>
           </p:cNvPr>
           <p:cNvPicPr>
-            <a:picLocks noGrp="1" noChangeAspect="1"/>
+            <a:picLocks noChangeAspect="1"/>
           </p:cNvPicPr>
-          <p:nvPr>
-            <p:ph type="pic" sz="quarter" idx="13"/>
-          </p:nvPr>
-        </p:nvPicPr>
-        <p:blipFill rotWithShape="1">
-          <a:blip r:embed="rId2" cstate="screen">
-            <a:extLst>
-              <a:ext uri="{28A0092B-C50C-407E-A947-70E740481C1C}">
-                <a14:useLocalDpi xmlns:a14="http://schemas.microsoft.com/office/drawing/2010/main"/>
-              </a:ext>
-            </a:extLst>
-          </a:blip>
-          <a:srcRect l="30" r="30"/>
-          <a:stretch/>
-        </p:blipFill>
-        <p:spPr/>
-      </p:pic>
-      <p:pic>
-        <p:nvPicPr>
-          <p:cNvPr id="19" name="Picture Placeholder 18">
-            <a:extLst>
-              <a:ext uri="{FF2B5EF4-FFF2-40B4-BE49-F238E27FC236}">
-                <a16:creationId xmlns:a16="http://schemas.microsoft.com/office/drawing/2014/main" id="{18D1195C-D9D4-4994-BAD9-68AA2C2BD35A}"/>
-              </a:ext>
-              <a:ext uri="{C183D7F6-B498-43B3-948B-1728B52AA6E4}">
-                <adec:decorative xmlns:adec="http://schemas.microsoft.com/office/drawing/2017/decorative" val="1"/>
-              </a:ext>
-            </a:extLst>
-          </p:cNvPr>
-          <p:cNvPicPr>
-            <a:picLocks noGrp="1" noChangeAspect="1"/>
-          </p:cNvPicPr>
-          <p:nvPr>
-            <p:ph type="pic" sz="quarter" idx="14"/>
-          </p:nvPr>
+          <p:nvPr/>
         </p:nvPicPr>
         <p:blipFill>
-          <a:blip r:embed="rId3" cstate="screen">
-            <a:extLst>
-              <a:ext uri="{28A0092B-C50C-407E-A947-70E740481C1C}">
-                <a14:useLocalDpi xmlns:a14="http://schemas.microsoft.com/office/drawing/2010/main"/>
-              </a:ext>
-            </a:extLst>
-          </a:blip>
-          <a:srcRect l="85" r="85"/>
+          <a:blip r:embed="rId2"/>
           <a:stretch>
             <a:fillRect/>
           </a:stretch>
         </p:blipFill>
-        <p:spPr/>
+        <p:spPr>
+          <a:xfrm>
+            <a:off x="0" y="478168"/>
+            <a:ext cx="5611008" cy="5249008"/>
+          </a:xfrm>
+          <a:prstGeom prst="rect">
+            <a:avLst/>
+          </a:prstGeom>
+        </p:spPr>
       </p:pic>
     </p:spTree>
     <p:extLst>
@@ -34094,36 +31724,6 @@
       </p:grpSpPr>
       <p:sp>
         <p:nvSpPr>
-          <p:cNvPr id="9" name="Title 8">
-            <a:extLst>
-              <a:ext uri="{FF2B5EF4-FFF2-40B4-BE49-F238E27FC236}">
-                <a16:creationId xmlns:a16="http://schemas.microsoft.com/office/drawing/2014/main" id="{DEF48F30-BEB4-44C7-9F35-3BBB61CF89AF}"/>
-              </a:ext>
-            </a:extLst>
-          </p:cNvPr>
-          <p:cNvSpPr>
-            <a:spLocks noGrp="1"/>
-          </p:cNvSpPr>
-          <p:nvPr>
-            <p:ph type="title"/>
-          </p:nvPr>
-        </p:nvSpPr>
-        <p:spPr/>
-        <p:txBody>
-          <a:bodyPr>
-            <a:normAutofit fontScale="90000"/>
-          </a:bodyPr>
-          <a:lstStyle/>
-          <a:p>
-            <a:r>
-              <a:rPr lang="en-US" dirty="0"/>
-              <a:t>Slide Title</a:t>
-            </a:r>
-          </a:p>
-        </p:txBody>
-      </p:sp>
-      <p:sp>
-        <p:nvSpPr>
           <p:cNvPr id="3" name="Slide Number Placeholder 2">
             <a:extLst>
               <a:ext uri="{FF2B5EF4-FFF2-40B4-BE49-F238E27FC236}">
@@ -34153,209 +31753,90 @@
       </p:sp>
       <p:sp>
         <p:nvSpPr>
-          <p:cNvPr id="12" name="Text Placeholder 11">
-            <a:extLst>
-              <a:ext uri="{FF2B5EF4-FFF2-40B4-BE49-F238E27FC236}">
-                <a16:creationId xmlns:a16="http://schemas.microsoft.com/office/drawing/2014/main" id="{4241C871-580D-4A29-A334-0208A8E479B9}"/>
-              </a:ext>
-            </a:extLst>
-          </p:cNvPr>
-          <p:cNvSpPr>
-            <a:spLocks noGrp="1"/>
-          </p:cNvSpPr>
-          <p:nvPr>
-            <p:ph type="body" sz="quarter" idx="3"/>
-          </p:nvPr>
-        </p:nvSpPr>
-        <p:spPr/>
-        <p:txBody>
-          <a:bodyPr/>
-          <a:lstStyle/>
-          <a:p>
-            <a:r>
-              <a:rPr lang="en-US" dirty="0"/>
-              <a:t>Lorem ipsum dolor sit amet</a:t>
-            </a:r>
-          </a:p>
-        </p:txBody>
-      </p:sp>
-      <p:sp>
-        <p:nvSpPr>
-          <p:cNvPr id="13" name="Content Placeholder 12">
-            <a:extLst>
-              <a:ext uri="{FF2B5EF4-FFF2-40B4-BE49-F238E27FC236}">
-                <a16:creationId xmlns:a16="http://schemas.microsoft.com/office/drawing/2014/main" id="{0097C6D9-3930-4866-9E88-F17648880044}"/>
-              </a:ext>
-            </a:extLst>
-          </p:cNvPr>
-          <p:cNvSpPr>
-            <a:spLocks noGrp="1"/>
-          </p:cNvSpPr>
-          <p:nvPr>
-            <p:ph sz="quarter" idx="4"/>
-          </p:nvPr>
-        </p:nvSpPr>
-        <p:spPr/>
+          <p:cNvPr id="11" name="Content Placeholder 10">
+            <a:extLst>
+              <a:ext uri="{FF2B5EF4-FFF2-40B4-BE49-F238E27FC236}">
+                <a16:creationId xmlns:a16="http://schemas.microsoft.com/office/drawing/2014/main" id="{2B253683-524F-46CF-BFCD-BFF6A7A920A7}"/>
+              </a:ext>
+            </a:extLst>
+          </p:cNvPr>
+          <p:cNvSpPr>
+            <a:spLocks noGrp="1"/>
+          </p:cNvSpPr>
+          <p:nvPr>
+            <p:ph sz="half" idx="2"/>
+          </p:nvPr>
+        </p:nvSpPr>
+        <p:spPr>
+          <a:xfrm>
+            <a:off x="6309898" y="2290195"/>
+            <a:ext cx="5367577" cy="3741490"/>
+          </a:xfrm>
+        </p:spPr>
         <p:txBody>
           <a:bodyPr>
             <a:normAutofit/>
           </a:bodyPr>
           <a:lstStyle/>
           <a:p>
-            <a:r>
-              <a:rPr lang="en-US" dirty="0"/>
-              <a:t>Lorem ipsum dolor sit amet, consectetur adipiscing elit</a:t>
-            </a:r>
-          </a:p>
-          <a:p>
-            <a:r>
-              <a:rPr lang="en-US" dirty="0"/>
-              <a:t>Lorem ipsum dolor sit amet, consectetur adipiscing elit</a:t>
-            </a:r>
-          </a:p>
-          <a:p>
-            <a:r>
-              <a:rPr lang="en-US" dirty="0"/>
-              <a:t>Lorem ipsum dolor sit amet, consectetur adipiscing elit</a:t>
-            </a:r>
-          </a:p>
-        </p:txBody>
-      </p:sp>
-      <p:sp>
-        <p:nvSpPr>
-          <p:cNvPr id="10" name="Text Placeholder 9">
-            <a:extLst>
-              <a:ext uri="{FF2B5EF4-FFF2-40B4-BE49-F238E27FC236}">
-                <a16:creationId xmlns:a16="http://schemas.microsoft.com/office/drawing/2014/main" id="{41B8DC8C-1FD7-4773-B07E-7E4432766A4E}"/>
-              </a:ext>
-            </a:extLst>
-          </p:cNvPr>
-          <p:cNvSpPr>
-            <a:spLocks noGrp="1"/>
-          </p:cNvSpPr>
-          <p:nvPr>
-            <p:ph type="body" idx="1"/>
-          </p:nvPr>
-        </p:nvSpPr>
-        <p:spPr/>
-        <p:txBody>
-          <a:bodyPr/>
-          <a:lstStyle/>
-          <a:p>
-            <a:r>
-              <a:rPr lang="en-US" dirty="0"/>
-              <a:t>Lorem ipsum dolor sit amet</a:t>
-            </a:r>
-          </a:p>
-        </p:txBody>
-      </p:sp>
-      <p:sp>
-        <p:nvSpPr>
-          <p:cNvPr id="11" name="Content Placeholder 10">
-            <a:extLst>
-              <a:ext uri="{FF2B5EF4-FFF2-40B4-BE49-F238E27FC236}">
-                <a16:creationId xmlns:a16="http://schemas.microsoft.com/office/drawing/2014/main" id="{2B253683-524F-46CF-BFCD-BFF6A7A920A7}"/>
-              </a:ext>
-            </a:extLst>
-          </p:cNvPr>
-          <p:cNvSpPr>
-            <a:spLocks noGrp="1"/>
-          </p:cNvSpPr>
-          <p:nvPr>
-            <p:ph sz="half" idx="2"/>
-          </p:nvPr>
-        </p:nvSpPr>
-        <p:spPr/>
-        <p:txBody>
-          <a:bodyPr>
-            <a:normAutofit/>
-          </a:bodyPr>
-          <a:lstStyle/>
-          <a:p>
-            <a:r>
-              <a:rPr lang="en-US" dirty="0"/>
-              <a:t>Lorem ipsum dolor sit amet, consectetur adipiscing elit</a:t>
-            </a:r>
-          </a:p>
-          <a:p>
-            <a:r>
-              <a:rPr lang="en-US" dirty="0"/>
-              <a:t>Lorem ipsum dolor sit amet, consectetur adipiscing elit</a:t>
-            </a:r>
-          </a:p>
-          <a:p>
-            <a:r>
-              <a:rPr lang="en-US" dirty="0"/>
-              <a:t>Lorem ipsum dolor sit amet, consectetur adipiscing elit</a:t>
-            </a:r>
+            <a:pPr marL="0" marR="0" indent="457200">
+              <a:lnSpc>
+                <a:spcPct val="200000"/>
+              </a:lnSpc>
+              <a:spcBef>
+                <a:spcPts val="0"/>
+              </a:spcBef>
+              <a:spcAft>
+                <a:spcPts val="800"/>
+              </a:spcAft>
+            </a:pPr>
+            <a:r>
+              <a:rPr lang="en-US" sz="1800" kern="100" dirty="0">
+                <a:effectLst/>
+                <a:latin typeface="Times New Roman" panose="02020603050405020304" pitchFamily="18" charset="0"/>
+                <a:ea typeface="Calibri" panose="020F0502020204030204" pitchFamily="34" charset="0"/>
+                <a:cs typeface="Times New Roman" panose="02020603050405020304" pitchFamily="18" charset="0"/>
+              </a:rPr>
+              <a:t>Moving on, we grouped the data by negative reason and computed the median confidence for each negative reason. This information was then displayed in a scatter plot, allowing us to analyze the relationship between the negative reasons and the confidence level in assigned sentiment labels.</a:t>
+            </a:r>
+            <a:endParaRPr lang="en-US" sz="1800" kern="100" dirty="0">
+              <a:effectLst/>
+              <a:latin typeface="Calibri" panose="020F0502020204030204" pitchFamily="34" charset="0"/>
+              <a:ea typeface="Calibri" panose="020F0502020204030204" pitchFamily="34" charset="0"/>
+              <a:cs typeface="Times New Roman" panose="02020603050405020304" pitchFamily="18" charset="0"/>
+            </a:endParaRPr>
           </a:p>
         </p:txBody>
       </p:sp>
       <p:pic>
         <p:nvPicPr>
-          <p:cNvPr id="17" name="Picture Placeholder 16">
-            <a:extLst>
-              <a:ext uri="{FF2B5EF4-FFF2-40B4-BE49-F238E27FC236}">
-                <a16:creationId xmlns:a16="http://schemas.microsoft.com/office/drawing/2014/main" id="{38B0024B-0AD8-4DDB-8486-A9BD3A8E9FAC}"/>
-              </a:ext>
-              <a:ext uri="{C183D7F6-B498-43B3-948B-1728B52AA6E4}">
-                <adec:decorative xmlns:adec="http://schemas.microsoft.com/office/drawing/2017/decorative" val="1"/>
+          <p:cNvPr id="23" name="Picture 22" descr="A picture containing text, screenshot, number, diagram&#10;&#10;Description automatically generated">
+            <a:extLst>
+              <a:ext uri="{FF2B5EF4-FFF2-40B4-BE49-F238E27FC236}">
+                <a16:creationId xmlns:a16="http://schemas.microsoft.com/office/drawing/2014/main" id="{A29B7E67-DB5F-4383-87C5-2954933781B5}"/>
               </a:ext>
             </a:extLst>
           </p:cNvPr>
           <p:cNvPicPr>
-            <a:picLocks noGrp="1" noChangeAspect="1"/>
+            <a:picLocks noChangeAspect="1"/>
           </p:cNvPicPr>
-          <p:nvPr>
-            <p:ph type="pic" sz="quarter" idx="13"/>
-          </p:nvPr>
-        </p:nvPicPr>
-        <p:blipFill rotWithShape="1">
-          <a:blip r:embed="rId2" cstate="screen">
-            <a:extLst>
-              <a:ext uri="{28A0092B-C50C-407E-A947-70E740481C1C}">
-                <a14:useLocalDpi xmlns:a14="http://schemas.microsoft.com/office/drawing/2010/main"/>
-              </a:ext>
-            </a:extLst>
-          </a:blip>
-          <a:srcRect l="30" r="30"/>
-          <a:stretch/>
-        </p:blipFill>
-        <p:spPr/>
-      </p:pic>
-      <p:pic>
-        <p:nvPicPr>
-          <p:cNvPr id="19" name="Picture Placeholder 18">
-            <a:extLst>
-              <a:ext uri="{FF2B5EF4-FFF2-40B4-BE49-F238E27FC236}">
-                <a16:creationId xmlns:a16="http://schemas.microsoft.com/office/drawing/2014/main" id="{18D1195C-D9D4-4994-BAD9-68AA2C2BD35A}"/>
-              </a:ext>
-              <a:ext uri="{C183D7F6-B498-43B3-948B-1728B52AA6E4}">
-                <adec:decorative xmlns:adec="http://schemas.microsoft.com/office/drawing/2017/decorative" val="1"/>
-              </a:ext>
-            </a:extLst>
-          </p:cNvPr>
-          <p:cNvPicPr>
-            <a:picLocks noGrp="1" noChangeAspect="1"/>
-          </p:cNvPicPr>
-          <p:nvPr>
-            <p:ph type="pic" sz="quarter" idx="14"/>
-          </p:nvPr>
+          <p:nvPr/>
         </p:nvPicPr>
         <p:blipFill>
-          <a:blip r:embed="rId3" cstate="screen">
-            <a:extLst>
-              <a:ext uri="{28A0092B-C50C-407E-A947-70E740481C1C}">
-                <a14:useLocalDpi xmlns:a14="http://schemas.microsoft.com/office/drawing/2010/main"/>
-              </a:ext>
-            </a:extLst>
-          </a:blip>
-          <a:srcRect l="85" r="85"/>
+          <a:blip r:embed="rId2"/>
           <a:stretch>
             <a:fillRect/>
           </a:stretch>
         </p:blipFill>
-        <p:spPr/>
+        <p:spPr>
+          <a:xfrm>
+            <a:off x="0" y="629503"/>
+            <a:ext cx="5452844" cy="5953615"/>
+          </a:xfrm>
+          <a:prstGeom prst="rect">
+            <a:avLst/>
+          </a:prstGeom>
+        </p:spPr>
       </p:pic>
     </p:spTree>
     <p:extLst>
@@ -34389,18 +31870,18 @@
       </p:grpSpPr>
       <p:sp>
         <p:nvSpPr>
-          <p:cNvPr id="11" name="Text Placeholder 10">
-            <a:extLst>
-              <a:ext uri="{FF2B5EF4-FFF2-40B4-BE49-F238E27FC236}">
-                <a16:creationId xmlns:a16="http://schemas.microsoft.com/office/drawing/2014/main" id="{C6BEE08E-D5C0-42E2-AB73-7CCC07B72E39}"/>
-              </a:ext>
-            </a:extLst>
-          </p:cNvPr>
-          <p:cNvSpPr>
-            <a:spLocks noGrp="1"/>
-          </p:cNvSpPr>
-          <p:nvPr>
-            <p:ph type="body" sz="quarter" idx="15"/>
+          <p:cNvPr id="3" name="Slide Number Placeholder 2">
+            <a:extLst>
+              <a:ext uri="{FF2B5EF4-FFF2-40B4-BE49-F238E27FC236}">
+                <a16:creationId xmlns:a16="http://schemas.microsoft.com/office/drawing/2014/main" id="{FE60433D-E380-4571-991C-16B6CE7A48BE}"/>
+              </a:ext>
+            </a:extLst>
+          </p:cNvPr>
+          <p:cNvSpPr>
+            <a:spLocks noGrp="1"/>
+          </p:cNvSpPr>
+          <p:nvPr>
+            <p:ph type="sldNum" sz="quarter" idx="12"/>
           </p:nvPr>
         </p:nvSpPr>
         <p:spPr/>
@@ -34408,196 +31889,123 @@
           <a:bodyPr/>
           <a:lstStyle/>
           <a:p>
-            <a:r>
-              <a:rPr lang="en-US" dirty="0"/>
-              <a:t>Lorem ipsum dolor sit amet ipsum</a:t>
-            </a:r>
+            <a:fld id="{03DC2DEF-D2FE-4B45-ABA4-9F153FD1C98A}" type="slidenum">
+              <a:rPr lang="en-US" smtClean="0"/>
+              <a:t>8</a:t>
+            </a:fld>
+            <a:endParaRPr lang="en-US" dirty="0"/>
+          </a:p>
+        </p:txBody>
+      </p:sp>
+      <p:sp>
+        <p:nvSpPr>
+          <p:cNvPr id="11" name="Content Placeholder 10">
+            <a:extLst>
+              <a:ext uri="{FF2B5EF4-FFF2-40B4-BE49-F238E27FC236}">
+                <a16:creationId xmlns:a16="http://schemas.microsoft.com/office/drawing/2014/main" id="{2B253683-524F-46CF-BFCD-BFF6A7A920A7}"/>
+              </a:ext>
+            </a:extLst>
+          </p:cNvPr>
+          <p:cNvSpPr>
+            <a:spLocks noGrp="1"/>
+          </p:cNvSpPr>
+          <p:nvPr>
+            <p:ph sz="half" idx="2"/>
+          </p:nvPr>
+        </p:nvSpPr>
+        <p:spPr>
+          <a:xfrm>
+            <a:off x="6662394" y="2164360"/>
+            <a:ext cx="5367577" cy="3741490"/>
+          </a:xfrm>
+        </p:spPr>
+        <p:txBody>
+          <a:bodyPr>
+            <a:normAutofit/>
+          </a:bodyPr>
+          <a:lstStyle/>
+          <a:p>
+            <a:pPr marL="0" marR="0" indent="457200">
+              <a:lnSpc>
+                <a:spcPct val="200000"/>
+              </a:lnSpc>
+              <a:spcBef>
+                <a:spcPts val="0"/>
+              </a:spcBef>
+              <a:spcAft>
+                <a:spcPts val="800"/>
+              </a:spcAft>
+            </a:pPr>
+            <a:r>
+              <a:rPr lang="en-US" sz="1800" kern="100" dirty="0">
+                <a:effectLst/>
+                <a:latin typeface="Times New Roman" panose="02020603050405020304" pitchFamily="18" charset="0"/>
+                <a:ea typeface="Calibri" panose="020F0502020204030204" pitchFamily="34" charset="0"/>
+                <a:cs typeface="Times New Roman" panose="02020603050405020304" pitchFamily="18" charset="0"/>
+              </a:rPr>
+              <a:t>As part of the data cleaning process, we dropped the columns and rows that were not needed for our analysis. This helped streamline the dataset and remove unnecessary information. After making these changes, we displayed the </a:t>
+            </a:r>
+            <a:r>
+              <a:rPr lang="en-US" sz="1800" kern="100" dirty="0" err="1">
+                <a:effectLst/>
+                <a:latin typeface="Times New Roman" panose="02020603050405020304" pitchFamily="18" charset="0"/>
+                <a:ea typeface="Calibri" panose="020F0502020204030204" pitchFamily="34" charset="0"/>
+                <a:cs typeface="Times New Roman" panose="02020603050405020304" pitchFamily="18" charset="0"/>
+              </a:rPr>
+              <a:t>dataframe</a:t>
+            </a:r>
+            <a:r>
+              <a:rPr lang="en-US" sz="1800" kern="100" dirty="0">
+                <a:effectLst/>
+                <a:latin typeface="Times New Roman" panose="02020603050405020304" pitchFamily="18" charset="0"/>
+                <a:ea typeface="Calibri" panose="020F0502020204030204" pitchFamily="34" charset="0"/>
+                <a:cs typeface="Times New Roman" panose="02020603050405020304" pitchFamily="18" charset="0"/>
+              </a:rPr>
+              <a:t> again to observe the resulting modifications.</a:t>
+            </a:r>
+            <a:endParaRPr lang="en-US" sz="1800" kern="100" dirty="0">
+              <a:effectLst/>
+              <a:latin typeface="Calibri" panose="020F0502020204030204" pitchFamily="34" charset="0"/>
+              <a:ea typeface="Calibri" panose="020F0502020204030204" pitchFamily="34" charset="0"/>
+              <a:cs typeface="Times New Roman" panose="02020603050405020304" pitchFamily="18" charset="0"/>
+            </a:endParaRPr>
           </a:p>
         </p:txBody>
       </p:sp>
       <p:pic>
         <p:nvPicPr>
-          <p:cNvPr id="13" name="Picture Placeholder 12">
-            <a:extLst>
-              <a:ext uri="{FF2B5EF4-FFF2-40B4-BE49-F238E27FC236}">
-                <a16:creationId xmlns:a16="http://schemas.microsoft.com/office/drawing/2014/main" id="{C56F6876-F532-4396-8FC3-BEB43E626529}"/>
-              </a:ext>
-              <a:ext uri="{C183D7F6-B498-43B3-948B-1728B52AA6E4}">
-                <adec:decorative xmlns:adec="http://schemas.microsoft.com/office/drawing/2017/decorative" val="1"/>
+          <p:cNvPr id="4" name="Picture 3" descr="A screenshot of a computer program&#10;&#10;Description automatically generated with medium confidence">
+            <a:extLst>
+              <a:ext uri="{FF2B5EF4-FFF2-40B4-BE49-F238E27FC236}">
+                <a16:creationId xmlns:a16="http://schemas.microsoft.com/office/drawing/2014/main" id="{0A65EA00-2F46-360A-15AA-945461C14F33}"/>
               </a:ext>
             </a:extLst>
           </p:cNvPr>
           <p:cNvPicPr>
-            <a:picLocks noGrp="1" noChangeAspect="1"/>
+            <a:picLocks noChangeAspect="1"/>
           </p:cNvPicPr>
-          <p:nvPr>
-            <p:ph type="pic" sz="quarter" idx="13"/>
-          </p:nvPr>
+          <p:nvPr/>
         </p:nvPicPr>
         <p:blipFill>
-          <a:blip r:embed="rId2" cstate="screen">
-            <a:extLst>
-              <a:ext uri="{28A0092B-C50C-407E-A947-70E740481C1C}">
-                <a14:useLocalDpi xmlns:a14="http://schemas.microsoft.com/office/drawing/2010/main"/>
-              </a:ext>
-            </a:extLst>
-          </a:blip>
-          <a:srcRect l="38" r="38"/>
+          <a:blip r:embed="rId2"/>
           <a:stretch>
             <a:fillRect/>
           </a:stretch>
         </p:blipFill>
-        <p:spPr/>
-      </p:pic>
-      <p:pic>
-        <p:nvPicPr>
-          <p:cNvPr id="15" name="Picture Placeholder 14">
-            <a:extLst>
-              <a:ext uri="{FF2B5EF4-FFF2-40B4-BE49-F238E27FC236}">
-                <a16:creationId xmlns:a16="http://schemas.microsoft.com/office/drawing/2014/main" id="{95339E7E-14EB-4886-A417-E9C84CA1E342}"/>
-              </a:ext>
-              <a:ext uri="{C183D7F6-B498-43B3-948B-1728B52AA6E4}">
-                <adec:decorative xmlns:adec="http://schemas.microsoft.com/office/drawing/2017/decorative" val="1"/>
-              </a:ext>
-            </a:extLst>
-          </p:cNvPr>
-          <p:cNvPicPr>
-            <a:picLocks noGrp="1" noChangeAspect="1"/>
-          </p:cNvPicPr>
-          <p:nvPr>
-            <p:ph type="pic" sz="quarter" idx="14"/>
-          </p:nvPr>
-        </p:nvPicPr>
-        <p:blipFill>
-          <a:blip r:embed="rId3" cstate="screen">
-            <a:extLst>
-              <a:ext uri="{28A0092B-C50C-407E-A947-70E740481C1C}">
-                <a14:useLocalDpi xmlns:a14="http://schemas.microsoft.com/office/drawing/2010/main"/>
-              </a:ext>
-            </a:extLst>
-          </a:blip>
-          <a:srcRect l="28" r="28"/>
-          <a:stretch>
-            <a:fillRect/>
-          </a:stretch>
-        </p:blipFill>
-        <p:spPr/>
-      </p:pic>
-      <p:sp>
-        <p:nvSpPr>
-          <p:cNvPr id="10" name="Text Placeholder 9">
-            <a:extLst>
-              <a:ext uri="{FF2B5EF4-FFF2-40B4-BE49-F238E27FC236}">
-                <a16:creationId xmlns:a16="http://schemas.microsoft.com/office/drawing/2014/main" id="{C60B770E-507E-4361-9D91-5007702BFC32}"/>
-              </a:ext>
-            </a:extLst>
-          </p:cNvPr>
-          <p:cNvSpPr>
-            <a:spLocks noGrp="1"/>
-          </p:cNvSpPr>
-          <p:nvPr>
-            <p:ph type="title" idx="4294967295"/>
-          </p:nvPr>
-        </p:nvSpPr>
-        <p:spPr>
-          <a:xfrm>
-            <a:off x="0" y="4518025"/>
-            <a:ext cx="5372100" cy="711200"/>
+        <p:spPr>
+          <a:xfrm>
+            <a:off x="-1" y="419449"/>
+            <a:ext cx="6662395" cy="5670958"/>
           </a:xfrm>
           <a:prstGeom prst="rect">
             <a:avLst/>
           </a:prstGeom>
-          <a:noFill/>
-          <a:ln>
-            <a:noFill/>
-            <a:prstDash/>
-          </a:ln>
-          <a:effectLst/>
-        </p:spPr>
-        <p:txBody>
-          <a:bodyPr rot="0" spcFirstLastPara="0" vertOverflow="overflow" horzOverflow="overflow" vert="horz" wrap="square" lIns="91440" tIns="45720" rIns="91440" bIns="45720" numCol="1" spcCol="0" rtlCol="0" fromWordArt="0" anchor="ctr" anchorCtr="0" forceAA="0" compatLnSpc="1">
-            <a:prstTxWarp prst="textNoShape">
-              <a:avLst/>
-            </a:prstTxWarp>
-            <a:noAutofit/>
-          </a:bodyPr>
-          <a:lstStyle/>
-          <a:p>
-            <a:pPr marL="0" marR="0" lvl="0" indent="0" algn="ctr" defTabSz="914400" rtl="0" eaLnBrk="1" fontAlgn="auto" latinLnBrk="0" hangingPunct="1">
-              <a:lnSpc>
-                <a:spcPct val="90000"/>
-              </a:lnSpc>
-              <a:spcBef>
-                <a:spcPts val="1000"/>
-              </a:spcBef>
-              <a:spcAft>
-                <a:spcPts val="0"/>
-              </a:spcAft>
-              <a:buClrTx/>
-              <a:buSzTx/>
-              <a:buFont typeface="Arial" panose="020B0604020202020204" pitchFamily="34" charset="0"/>
-              <a:buNone/>
-              <a:tabLst/>
-              <a:defRPr/>
-            </a:pPr>
-            <a:r>
-              <a:rPr kumimoji="0" lang="en-US" sz="2400" b="1" i="0" u="none" strike="noStrike" kern="1200" cap="none" spc="0" normalizeH="0" baseline="0" dirty="0">
-                <a:ln>
-                  <a:noFill/>
-                </a:ln>
-                <a:solidFill>
-                  <a:schemeClr val="tx1"/>
-                </a:solidFill>
-                <a:effectLst/>
-                <a:uLnTx/>
-                <a:uFillTx/>
-                <a:latin typeface="+mj-lt"/>
-                <a:ea typeface="+mn-ea"/>
-                <a:cs typeface="+mn-cs"/>
-              </a:rPr>
-              <a:t>Lorem ipsum dolor sit amet ipsum</a:t>
-            </a:r>
-          </a:p>
-        </p:txBody>
-      </p:sp>
-      <p:sp>
-        <p:nvSpPr>
-          <p:cNvPr id="3" name="Slide Number Placeholder 2">
-            <a:extLst>
-              <a:ext uri="{FF2B5EF4-FFF2-40B4-BE49-F238E27FC236}">
-                <a16:creationId xmlns:a16="http://schemas.microsoft.com/office/drawing/2014/main" id="{8D0BEB88-12D3-41F1-B6BA-706EF7480FD3}"/>
-              </a:ext>
-            </a:extLst>
-          </p:cNvPr>
-          <p:cNvSpPr>
-            <a:spLocks noGrp="1"/>
-          </p:cNvSpPr>
-          <p:nvPr>
-            <p:ph type="sldNum" sz="quarter" idx="4294967295"/>
-          </p:nvPr>
-        </p:nvSpPr>
-        <p:spPr>
-          <a:xfrm>
-            <a:off x="11818938" y="6581775"/>
-            <a:ext cx="373062" cy="206375"/>
-          </a:xfrm>
-        </p:spPr>
-        <p:txBody>
-          <a:bodyPr/>
-          <a:lstStyle/>
-          <a:p>
-            <a:fld id="{03DC2DEF-D2FE-4B45-ABA4-9F153FD1C98A}" type="slidenum">
-              <a:rPr lang="en-US" smtClean="0"/>
-              <a:t>8</a:t>
-            </a:fld>
-            <a:endParaRPr lang="en-US" dirty="0"/>
-          </a:p>
-        </p:txBody>
-      </p:sp>
+        </p:spPr>
+      </p:pic>
     </p:spTree>
     <p:extLst>
       <p:ext uri="{BB962C8B-B14F-4D97-AF65-F5344CB8AC3E}">
-        <p14:creationId xmlns:p14="http://schemas.microsoft.com/office/powerpoint/2010/main" val="3149670743"/>
+        <p14:creationId xmlns:p14="http://schemas.microsoft.com/office/powerpoint/2010/main" val="3438228108"/>
       </p:ext>
     </p:extLst>
   </p:cSld>
@@ -34626,38 +32034,10 @@
       </p:grpSpPr>
       <p:sp>
         <p:nvSpPr>
-          <p:cNvPr id="6" name="Title 5">
-            <a:extLst>
-              <a:ext uri="{FF2B5EF4-FFF2-40B4-BE49-F238E27FC236}">
-                <a16:creationId xmlns:a16="http://schemas.microsoft.com/office/drawing/2014/main" id="{E1768246-2496-4F97-8FCA-02252116FF87}"/>
-              </a:ext>
-            </a:extLst>
-          </p:cNvPr>
-          <p:cNvSpPr>
-            <a:spLocks noGrp="1"/>
-          </p:cNvSpPr>
-          <p:nvPr>
-            <p:ph type="title"/>
-          </p:nvPr>
-        </p:nvSpPr>
-        <p:spPr/>
-        <p:txBody>
-          <a:bodyPr/>
-          <a:lstStyle/>
-          <a:p>
-            <a:r>
-              <a:rPr lang="en-US" dirty="0"/>
-              <a:t>Slide Title</a:t>
-            </a:r>
-          </a:p>
-        </p:txBody>
-      </p:sp>
-      <p:sp>
-        <p:nvSpPr>
-          <p:cNvPr id="2" name="Slide Number Placeholder 1">
-            <a:extLst>
-              <a:ext uri="{FF2B5EF4-FFF2-40B4-BE49-F238E27FC236}">
-                <a16:creationId xmlns:a16="http://schemas.microsoft.com/office/drawing/2014/main" id="{7EAB17F8-59B5-4C93-9884-D30446299CA5}"/>
+          <p:cNvPr id="3" name="Slide Number Placeholder 2">
+            <a:extLst>
+              <a:ext uri="{FF2B5EF4-FFF2-40B4-BE49-F238E27FC236}">
+                <a16:creationId xmlns:a16="http://schemas.microsoft.com/office/drawing/2014/main" id="{FE60433D-E380-4571-991C-16B6CE7A48BE}"/>
               </a:ext>
             </a:extLst>
           </p:cNvPr>
@@ -34681,262 +32061,133 @@
           </a:p>
         </p:txBody>
       </p:sp>
+      <p:sp>
+        <p:nvSpPr>
+          <p:cNvPr id="11" name="Content Placeholder 10">
+            <a:extLst>
+              <a:ext uri="{FF2B5EF4-FFF2-40B4-BE49-F238E27FC236}">
+                <a16:creationId xmlns:a16="http://schemas.microsoft.com/office/drawing/2014/main" id="{2B253683-524F-46CF-BFCD-BFF6A7A920A7}"/>
+              </a:ext>
+            </a:extLst>
+          </p:cNvPr>
+          <p:cNvSpPr>
+            <a:spLocks noGrp="1"/>
+          </p:cNvSpPr>
+          <p:nvPr>
+            <p:ph sz="half" idx="2"/>
+          </p:nvPr>
+        </p:nvSpPr>
+        <p:spPr>
+          <a:xfrm>
+            <a:off x="6662394" y="2164360"/>
+            <a:ext cx="5367577" cy="3741490"/>
+          </a:xfrm>
+        </p:spPr>
+        <p:txBody>
+          <a:bodyPr>
+            <a:normAutofit/>
+          </a:bodyPr>
+          <a:lstStyle/>
+          <a:p>
+            <a:pPr marL="0" marR="0" indent="457200">
+              <a:lnSpc>
+                <a:spcPct val="200000"/>
+              </a:lnSpc>
+              <a:spcBef>
+                <a:spcPts val="0"/>
+              </a:spcBef>
+              <a:spcAft>
+                <a:spcPts val="800"/>
+              </a:spcAft>
+            </a:pPr>
+            <a:r>
+              <a:rPr lang="en-US" sz="1800" kern="100" dirty="0">
+                <a:effectLst/>
+                <a:latin typeface="Times New Roman" panose="02020603050405020304" pitchFamily="18" charset="0"/>
+                <a:ea typeface="Calibri" panose="020F0502020204030204" pitchFamily="34" charset="0"/>
+                <a:cs typeface="Times New Roman" panose="02020603050405020304" pitchFamily="18" charset="0"/>
+              </a:rPr>
+              <a:t>Next, we bucketized the cleaned data and displayed scatter plots and histograms to visualize the distributions of '</a:t>
+            </a:r>
+            <a:r>
+              <a:rPr lang="en-US" sz="1800" kern="100" dirty="0" err="1">
+                <a:effectLst/>
+                <a:latin typeface="Times New Roman" panose="02020603050405020304" pitchFamily="18" charset="0"/>
+                <a:ea typeface="Calibri" panose="020F0502020204030204" pitchFamily="34" charset="0"/>
+                <a:cs typeface="Times New Roman" panose="02020603050405020304" pitchFamily="18" charset="0"/>
+              </a:rPr>
+              <a:t>negativereason_confidence</a:t>
+            </a:r>
+            <a:r>
+              <a:rPr lang="en-US" sz="1800" kern="100" dirty="0">
+                <a:effectLst/>
+                <a:latin typeface="Times New Roman" panose="02020603050405020304" pitchFamily="18" charset="0"/>
+                <a:ea typeface="Calibri" panose="020F0502020204030204" pitchFamily="34" charset="0"/>
+                <a:cs typeface="Times New Roman" panose="02020603050405020304" pitchFamily="18" charset="0"/>
+              </a:rPr>
+              <a:t>' and '</a:t>
+            </a:r>
+            <a:r>
+              <a:rPr lang="en-US" sz="1800" kern="100" dirty="0" err="1">
+                <a:effectLst/>
+                <a:latin typeface="Times New Roman" panose="02020603050405020304" pitchFamily="18" charset="0"/>
+                <a:ea typeface="Calibri" panose="020F0502020204030204" pitchFamily="34" charset="0"/>
+                <a:cs typeface="Times New Roman" panose="02020603050405020304" pitchFamily="18" charset="0"/>
+              </a:rPr>
+              <a:t>airline_sentiment_confidence</a:t>
+            </a:r>
+            <a:r>
+              <a:rPr lang="en-US" sz="1800" kern="100" dirty="0">
+                <a:effectLst/>
+                <a:latin typeface="Times New Roman" panose="02020603050405020304" pitchFamily="18" charset="0"/>
+                <a:ea typeface="Calibri" panose="020F0502020204030204" pitchFamily="34" charset="0"/>
+                <a:cs typeface="Times New Roman" panose="02020603050405020304" pitchFamily="18" charset="0"/>
+              </a:rPr>
+              <a:t>'. These visualizations provided insights into the confidence levels associated with different negative reasons and sentiment labels.</a:t>
+            </a:r>
+            <a:endParaRPr lang="en-US" sz="1800" kern="100" dirty="0">
+              <a:effectLst/>
+              <a:latin typeface="Calibri" panose="020F0502020204030204" pitchFamily="34" charset="0"/>
+              <a:ea typeface="Calibri" panose="020F0502020204030204" pitchFamily="34" charset="0"/>
+              <a:cs typeface="Times New Roman" panose="02020603050405020304" pitchFamily="18" charset="0"/>
+            </a:endParaRPr>
+          </a:p>
+        </p:txBody>
+      </p:sp>
       <p:pic>
         <p:nvPicPr>
-          <p:cNvPr id="22" name="Picture Placeholder 21">
-            <a:extLst>
-              <a:ext uri="{FF2B5EF4-FFF2-40B4-BE49-F238E27FC236}">
-                <a16:creationId xmlns:a16="http://schemas.microsoft.com/office/drawing/2014/main" id="{0F5C8F58-81B2-4162-9563-70C679CF85F2}"/>
-              </a:ext>
-              <a:ext uri="{C183D7F6-B498-43B3-948B-1728B52AA6E4}">
-                <adec:decorative xmlns:adec="http://schemas.microsoft.com/office/drawing/2017/decorative" val="1"/>
+          <p:cNvPr id="5" name="Picture 4" descr="A screenshot of a computer program&#10;&#10;Description automatically generated with medium confidence">
+            <a:extLst>
+              <a:ext uri="{FF2B5EF4-FFF2-40B4-BE49-F238E27FC236}">
+                <a16:creationId xmlns:a16="http://schemas.microsoft.com/office/drawing/2014/main" id="{75695C52-C1B9-5D46-697C-CDAFF99BBBA4}"/>
               </a:ext>
             </a:extLst>
           </p:cNvPr>
           <p:cNvPicPr>
-            <a:picLocks noGrp="1" noChangeAspect="1"/>
+            <a:picLocks noChangeAspect="1"/>
           </p:cNvPicPr>
-          <p:nvPr>
-            <p:ph type="pic" sz="quarter" idx="13"/>
-          </p:nvPr>
+          <p:nvPr/>
         </p:nvPicPr>
-        <p:blipFill rotWithShape="1">
-          <a:blip r:embed="rId2">
-            <a:extLst>
-              <a:ext uri="{28A0092B-C50C-407E-A947-70E740481C1C}">
-                <a14:useLocalDpi xmlns:a14="http://schemas.microsoft.com/office/drawing/2010/main" val="0"/>
-              </a:ext>
-              <a:ext uri="{96DAC541-7B7A-43D3-8B79-37D633B846F1}">
-                <asvg:svgBlip xmlns:asvg="http://schemas.microsoft.com/office/drawing/2016/SVG/main" r:embed="rId3"/>
-              </a:ext>
-            </a:extLst>
-          </a:blip>
-          <a:srcRect t="8647" b="8647"/>
-          <a:stretch/>
+        <p:blipFill>
+          <a:blip r:embed="rId2"/>
+          <a:stretch>
+            <a:fillRect/>
+          </a:stretch>
         </p:blipFill>
-        <p:spPr/>
+        <p:spPr>
+          <a:xfrm>
+            <a:off x="1" y="427840"/>
+            <a:ext cx="6678864" cy="5662568"/>
+          </a:xfrm>
+          <a:prstGeom prst="rect">
+            <a:avLst/>
+          </a:prstGeom>
+        </p:spPr>
       </p:pic>
-      <p:pic>
-        <p:nvPicPr>
-          <p:cNvPr id="26" name="Picture Placeholder 25">
-            <a:extLst>
-              <a:ext uri="{FF2B5EF4-FFF2-40B4-BE49-F238E27FC236}">
-                <a16:creationId xmlns:a16="http://schemas.microsoft.com/office/drawing/2014/main" id="{2AD0E03E-80ED-4CBF-B567-3E1EAB01FD41}"/>
-              </a:ext>
-              <a:ext uri="{C183D7F6-B498-43B3-948B-1728B52AA6E4}">
-                <adec:decorative xmlns:adec="http://schemas.microsoft.com/office/drawing/2017/decorative" val="1"/>
-              </a:ext>
-            </a:extLst>
-          </p:cNvPr>
-          <p:cNvPicPr>
-            <a:picLocks noGrp="1" noChangeAspect="1"/>
-          </p:cNvPicPr>
-          <p:nvPr>
-            <p:ph type="pic" sz="quarter" idx="14"/>
-          </p:nvPr>
-        </p:nvPicPr>
-        <p:blipFill rotWithShape="1">
-          <a:blip r:embed="rId4">
-            <a:extLst>
-              <a:ext uri="{28A0092B-C50C-407E-A947-70E740481C1C}">
-                <a14:useLocalDpi xmlns:a14="http://schemas.microsoft.com/office/drawing/2010/main" val="0"/>
-              </a:ext>
-              <a:ext uri="{96DAC541-7B7A-43D3-8B79-37D633B846F1}">
-                <asvg:svgBlip xmlns:asvg="http://schemas.microsoft.com/office/drawing/2016/SVG/main" r:embed="rId5"/>
-              </a:ext>
-            </a:extLst>
-          </a:blip>
-          <a:srcRect t="8647" b="8647"/>
-          <a:stretch/>
-        </p:blipFill>
-        <p:spPr/>
-      </p:pic>
-      <p:pic>
-        <p:nvPicPr>
-          <p:cNvPr id="24" name="Picture Placeholder 23">
-            <a:extLst>
-              <a:ext uri="{FF2B5EF4-FFF2-40B4-BE49-F238E27FC236}">
-                <a16:creationId xmlns:a16="http://schemas.microsoft.com/office/drawing/2014/main" id="{F1E0AF3E-867C-4F0D-8325-9DC9A985B427}"/>
-              </a:ext>
-              <a:ext uri="{C183D7F6-B498-43B3-948B-1728B52AA6E4}">
-                <adec:decorative xmlns:adec="http://schemas.microsoft.com/office/drawing/2017/decorative" val="1"/>
-              </a:ext>
-            </a:extLst>
-          </p:cNvPr>
-          <p:cNvPicPr>
-            <a:picLocks noGrp="1" noChangeAspect="1"/>
-          </p:cNvPicPr>
-          <p:nvPr>
-            <p:ph type="pic" sz="quarter" idx="15"/>
-          </p:nvPr>
-        </p:nvPicPr>
-        <p:blipFill rotWithShape="1">
-          <a:blip r:embed="rId6">
-            <a:extLst>
-              <a:ext uri="{28A0092B-C50C-407E-A947-70E740481C1C}">
-                <a14:useLocalDpi xmlns:a14="http://schemas.microsoft.com/office/drawing/2010/main" val="0"/>
-              </a:ext>
-              <a:ext uri="{96DAC541-7B7A-43D3-8B79-37D633B846F1}">
-                <asvg:svgBlip xmlns:asvg="http://schemas.microsoft.com/office/drawing/2016/SVG/main" r:embed="rId7"/>
-              </a:ext>
-            </a:extLst>
-          </a:blip>
-          <a:srcRect t="8647" b="8647"/>
-          <a:stretch/>
-        </p:blipFill>
-        <p:spPr/>
-      </p:pic>
-      <p:pic>
-        <p:nvPicPr>
-          <p:cNvPr id="28" name="Picture Placeholder 27">
-            <a:extLst>
-              <a:ext uri="{FF2B5EF4-FFF2-40B4-BE49-F238E27FC236}">
-                <a16:creationId xmlns:a16="http://schemas.microsoft.com/office/drawing/2014/main" id="{43BC7054-E269-4210-98F5-65D485066725}"/>
-              </a:ext>
-              <a:ext uri="{C183D7F6-B498-43B3-948B-1728B52AA6E4}">
-                <adec:decorative xmlns:adec="http://schemas.microsoft.com/office/drawing/2017/decorative" val="1"/>
-              </a:ext>
-            </a:extLst>
-          </p:cNvPr>
-          <p:cNvPicPr>
-            <a:picLocks noGrp="1" noChangeAspect="1"/>
-          </p:cNvPicPr>
-          <p:nvPr>
-            <p:ph type="pic" sz="quarter" idx="17"/>
-          </p:nvPr>
-        </p:nvPicPr>
-        <p:blipFill rotWithShape="1">
-          <a:blip r:embed="rId8">
-            <a:extLst>
-              <a:ext uri="{28A0092B-C50C-407E-A947-70E740481C1C}">
-                <a14:useLocalDpi xmlns:a14="http://schemas.microsoft.com/office/drawing/2010/main" val="0"/>
-              </a:ext>
-              <a:ext uri="{96DAC541-7B7A-43D3-8B79-37D633B846F1}">
-                <asvg:svgBlip xmlns:asvg="http://schemas.microsoft.com/office/drawing/2016/SVG/main" r:embed="rId9"/>
-              </a:ext>
-            </a:extLst>
-          </a:blip>
-          <a:srcRect t="8647" b="8647"/>
-          <a:stretch/>
-        </p:blipFill>
-        <p:spPr/>
-      </p:pic>
-      <p:sp>
-        <p:nvSpPr>
-          <p:cNvPr id="11" name="Text Placeholder 10">
-            <a:extLst>
-              <a:ext uri="{FF2B5EF4-FFF2-40B4-BE49-F238E27FC236}">
-                <a16:creationId xmlns:a16="http://schemas.microsoft.com/office/drawing/2014/main" id="{901B6E4D-6942-45C5-99A9-6B769E8902BD}"/>
-              </a:ext>
-            </a:extLst>
-          </p:cNvPr>
-          <p:cNvSpPr>
-            <a:spLocks noGrp="1"/>
-          </p:cNvSpPr>
-          <p:nvPr>
-            <p:ph type="body" sz="quarter" idx="18"/>
-          </p:nvPr>
-        </p:nvSpPr>
-        <p:spPr/>
-        <p:txBody>
-          <a:bodyPr/>
-          <a:lstStyle/>
-          <a:p>
-            <a:r>
-              <a:rPr lang="en-US" dirty="0"/>
-              <a:t>Lorem ipsum dolor sit amet, consectetur adipiscing elit</a:t>
-            </a:r>
-          </a:p>
-        </p:txBody>
-      </p:sp>
-      <p:sp>
-        <p:nvSpPr>
-          <p:cNvPr id="12" name="Text Placeholder 11">
-            <a:extLst>
-              <a:ext uri="{FF2B5EF4-FFF2-40B4-BE49-F238E27FC236}">
-                <a16:creationId xmlns:a16="http://schemas.microsoft.com/office/drawing/2014/main" id="{7D269992-EA9D-41F6-85C3-B78921847100}"/>
-              </a:ext>
-            </a:extLst>
-          </p:cNvPr>
-          <p:cNvSpPr>
-            <a:spLocks noGrp="1"/>
-          </p:cNvSpPr>
-          <p:nvPr>
-            <p:ph type="body" sz="quarter" idx="19"/>
-          </p:nvPr>
-        </p:nvSpPr>
-        <p:spPr/>
-        <p:txBody>
-          <a:bodyPr anchor="b"/>
-          <a:lstStyle/>
-          <a:p>
-            <a:r>
-              <a:rPr lang="en-US" dirty="0"/>
-              <a:t>Lorem ipsum dolor sit amet, consectetur adipiscing elit</a:t>
-            </a:r>
-          </a:p>
-        </p:txBody>
-      </p:sp>
-      <p:sp>
-        <p:nvSpPr>
-          <p:cNvPr id="13" name="Text Placeholder 12">
-            <a:extLst>
-              <a:ext uri="{FF2B5EF4-FFF2-40B4-BE49-F238E27FC236}">
-                <a16:creationId xmlns:a16="http://schemas.microsoft.com/office/drawing/2014/main" id="{6DFAA7E0-5467-48C2-A0A1-08FFCDD0AB29}"/>
-              </a:ext>
-            </a:extLst>
-          </p:cNvPr>
-          <p:cNvSpPr>
-            <a:spLocks noGrp="1"/>
-          </p:cNvSpPr>
-          <p:nvPr>
-            <p:ph type="body" sz="quarter" idx="20"/>
-          </p:nvPr>
-        </p:nvSpPr>
-        <p:spPr/>
-        <p:txBody>
-          <a:bodyPr/>
-          <a:lstStyle/>
-          <a:p>
-            <a:r>
-              <a:rPr lang="en-US" dirty="0"/>
-              <a:t>Lorem ipsum dolor sit amet, consectetur adipiscing elit</a:t>
-            </a:r>
-          </a:p>
-        </p:txBody>
-      </p:sp>
-      <p:sp>
-        <p:nvSpPr>
-          <p:cNvPr id="14" name="Text Placeholder 13">
-            <a:extLst>
-              <a:ext uri="{FF2B5EF4-FFF2-40B4-BE49-F238E27FC236}">
-                <a16:creationId xmlns:a16="http://schemas.microsoft.com/office/drawing/2014/main" id="{26CD0F95-69FE-4CD4-B47D-11711D394220}"/>
-              </a:ext>
-            </a:extLst>
-          </p:cNvPr>
-          <p:cNvSpPr>
-            <a:spLocks noGrp="1"/>
-          </p:cNvSpPr>
-          <p:nvPr>
-            <p:ph type="body" sz="quarter" idx="21"/>
-          </p:nvPr>
-        </p:nvSpPr>
-        <p:spPr/>
-        <p:txBody>
-          <a:bodyPr anchor="b"/>
-          <a:lstStyle/>
-          <a:p>
-            <a:r>
-              <a:rPr lang="en-US" dirty="0"/>
-              <a:t>Lorem ipsum dolor sit amet, consectetur adipiscing elit</a:t>
-            </a:r>
-          </a:p>
-        </p:txBody>
-      </p:sp>
     </p:spTree>
     <p:extLst>
       <p:ext uri="{BB962C8B-B14F-4D97-AF65-F5344CB8AC3E}">
-        <p14:creationId xmlns:p14="http://schemas.microsoft.com/office/powerpoint/2010/main" val="1163063007"/>
+        <p14:creationId xmlns:p14="http://schemas.microsoft.com/office/powerpoint/2010/main" val="2225027488"/>
       </p:ext>
     </p:extLst>
   </p:cSld>
@@ -34949,7 +32200,7 @@
 <file path=ppt/theme/theme1.xml><?xml version="1.0" encoding="utf-8"?>
 <a:theme xmlns:a="http://schemas.openxmlformats.org/drawingml/2006/main" name="Depth">
   <a:themeElements>
-    <a:clrScheme name="Blue">
+    <a:clrScheme name="Blue II">
       <a:dk1>
         <a:sysClr val="windowText" lastClr="000000"/>
       </a:dk1>
@@ -34957,48 +32208,48 @@
         <a:sysClr val="window" lastClr="FFFFFF"/>
       </a:lt1>
       <a:dk2>
-        <a:srgbClr val="17406D"/>
+        <a:srgbClr val="335B74"/>
       </a:dk2>
       <a:lt2>
-        <a:srgbClr val="DBEFF9"/>
+        <a:srgbClr val="DFE3E5"/>
       </a:lt2>
       <a:accent1>
-        <a:srgbClr val="0F6FC6"/>
+        <a:srgbClr val="1CADE4"/>
       </a:accent1>
       <a:accent2>
-        <a:srgbClr val="009DD9"/>
+        <a:srgbClr val="2683C6"/>
       </a:accent2>
       <a:accent3>
-        <a:srgbClr val="0BD0D9"/>
+        <a:srgbClr val="27CED7"/>
       </a:accent3>
       <a:accent4>
-        <a:srgbClr val="10CF9B"/>
+        <a:srgbClr val="42BA97"/>
       </a:accent4>
       <a:accent5>
-        <a:srgbClr val="7CCA62"/>
+        <a:srgbClr val="3E8853"/>
       </a:accent5>
       <a:accent6>
-        <a:srgbClr val="A5C249"/>
+        <a:srgbClr val="62A39F"/>
       </a:accent6>
       <a:hlink>
-        <a:srgbClr val="F49100"/>
+        <a:srgbClr val="6EAC1C"/>
       </a:hlink>
       <a:folHlink>
-        <a:srgbClr val="85DFD0"/>
+        <a:srgbClr val="B26B02"/>
       </a:folHlink>
     </a:clrScheme>
-    <a:fontScheme name="Franklin Gothic">
+    <a:fontScheme name="Depth">
       <a:majorFont>
-        <a:latin typeface="Franklin Gothic Medium" panose="020B0603020102020204"/>
+        <a:latin typeface="Corbel" panose="020B0503020204020204"/>
         <a:ea typeface=""/>
         <a:cs typeface=""/>
-        <a:font script="Jpan" typeface="HG創英角ｺﾞｼｯｸUB"/>
-        <a:font script="Hang" typeface="돋움"/>
-        <a:font script="Hans" typeface="隶书"/>
-        <a:font script="Hant" typeface="微軟正黑體"/>
+        <a:font script="Jpan" typeface="メイリオ"/>
+        <a:font script="Hang" typeface="HY엽서L"/>
+        <a:font script="Hans" typeface="华文楷体"/>
+        <a:font script="Hant" typeface="新細明體"/>
         <a:font script="Arab" typeface="Tahoma"/>
-        <a:font script="Hebr" typeface="Aharoni"/>
-        <a:font script="Thai" typeface="LilyUPC"/>
+        <a:font script="Hebr" typeface="Miriam"/>
+        <a:font script="Thai" typeface="DilleniaUPC"/>
         <a:font script="Ethi" typeface="Nyala"/>
         <a:font script="Beng" typeface="Vrinda"/>
         <a:font script="Gujr" typeface="Shruti"/>
@@ -35024,16 +32275,16 @@
         <a:font script="Geor" typeface="Sylfaen"/>
       </a:majorFont>
       <a:minorFont>
-        <a:latin typeface="Franklin Gothic Book" panose="020B0503020102020204"/>
+        <a:latin typeface="Corbel" panose="020B0503020204020204"/>
         <a:ea typeface=""/>
         <a:cs typeface=""/>
-        <a:font script="Jpan" typeface="HGｺﾞｼｯｸE"/>
-        <a:font script="Hang" typeface="돋움"/>
+        <a:font script="Jpan" typeface="メイリオ"/>
+        <a:font script="Hang" typeface="HY엽서L"/>
         <a:font script="Hans" typeface="华文楷体"/>
-        <a:font script="Hant" typeface="微軟正黑體"/>
+        <a:font script="Hant" typeface="新細明體"/>
         <a:font script="Arab" typeface="Tahoma"/>
-        <a:font script="Hebr" typeface="Aharoni"/>
-        <a:font script="Thai" typeface="LilyUPC"/>
+        <a:font script="Hebr" typeface="Miriam"/>
+        <a:font script="Thai" typeface="DilleniaUPC"/>
         <a:font script="Ethi" typeface="Nyala"/>
         <a:font script="Beng" typeface="Vrinda"/>
         <a:font script="Gujr" typeface="Shruti"/>
@@ -35054,7 +32305,7 @@
         <a:font script="Laoo" typeface="DokChampa"/>
         <a:font script="Sinh" typeface="Iskoola Pota"/>
         <a:font script="Mong" typeface="Mongolian Baiti"/>
-        <a:font script="Viet" typeface="Tahoma"/>
+        <a:font script="Viet" typeface="Arial"/>
         <a:font script="Uigh" typeface="Microsoft Uighur"/>
         <a:font script="Geor" typeface="Sylfaen"/>
       </a:minorFont>
